--- a/slides/Tag-3_4-GitOps.pptx
+++ b/slides/Tag-3_4-GitOps.pptx
@@ -6975,7 +6975,7 @@
               <a:pPr algn="ctr">
                 <a:defRPr/>
               </a:pPr>
-              <a:t>19.06.2024</a:t>
+              <a:t>06.07.2024</a:t>
             </a:fld>
             <a:endParaRPr lang="de-DE" sz="1000">
               <a:solidFill>
@@ -9006,8 +9006,12 @@
               <a:buNone/>
             </a:pPr>
             <a:r>
+              <a:rPr lang="de-DE" altLang="de-DE" sz="1600"/>
+              <a:t>10.07.2024</a:t>
+            </a:r>
+            <a:r>
               <a:rPr lang="de-DE" altLang="de-DE" sz="1600" dirty="0"/>
-              <a:t>19.06.2024, Daniel Krämer</a:t>
+              <a:t>, Daniel Krämer</a:t>
             </a:r>
           </a:p>
         </p:txBody>

--- a/slides/Tag-3_4-GitOps.pptx
+++ b/slides/Tag-3_4-GitOps.pptx
@@ -6975,7 +6975,7 @@
               <a:pPr algn="ctr">
                 <a:defRPr/>
               </a:pPr>
-              <a:t>06.07.2024</a:t>
+              <a:t>10.07.2024</a:t>
             </a:fld>
             <a:endParaRPr lang="de-DE" sz="1000">
               <a:solidFill>
@@ -7390,7 +7390,7 @@
                 </a:solidFill>
                 <a:latin typeface="Arial" charset="0"/>
               </a:rPr>
-              <a:t>Tag-3_1-GitOps.pptx</a:t>
+              <a:t>Tag-3_4-GitOps.pptx</a:t>
             </a:r>
             <a:endParaRPr lang="de-DE" dirty="0">
               <a:solidFill>

--- a/slides/Tag-3_4-GitOps.pptx
+++ b/slides/Tag-3_4-GitOps.pptx
@@ -6975,7 +6975,7 @@
               <a:pPr algn="ctr">
                 <a:defRPr/>
               </a:pPr>
-              <a:t>10.07.2024</a:t>
+              <a:t>29.07.2024</a:t>
             </a:fld>
             <a:endParaRPr lang="de-DE" sz="1000">
               <a:solidFill>

--- a/slides/Tag-3_4-GitOps.pptx
+++ b/slides/Tag-3_4-GitOps.pptx
@@ -6,10 +6,10 @@
     <p:sldMasterId id="2147483649" r:id="rId2"/>
   </p:sldMasterIdLst>
   <p:notesMasterIdLst>
-    <p:notesMasterId r:id="rId41"/>
+    <p:notesMasterId r:id="rId49"/>
   </p:notesMasterIdLst>
   <p:handoutMasterIdLst>
-    <p:handoutMasterId r:id="rId42"/>
+    <p:handoutMasterId r:id="rId50"/>
   </p:handoutMasterIdLst>
   <p:sldIdLst>
     <p:sldId id="624" r:id="rId3"/>
@@ -34,22 +34,30 @@
     <p:sldId id="627" r:id="rId22"/>
     <p:sldId id="617" r:id="rId23"/>
     <p:sldId id="609" r:id="rId24"/>
-    <p:sldId id="605" r:id="rId25"/>
-    <p:sldId id="608" r:id="rId26"/>
-    <p:sldId id="610" r:id="rId27"/>
-    <p:sldId id="611" r:id="rId28"/>
-    <p:sldId id="607" r:id="rId29"/>
-    <p:sldId id="619" r:id="rId30"/>
-    <p:sldId id="621" r:id="rId31"/>
-    <p:sldId id="620" r:id="rId32"/>
-    <p:sldId id="612" r:id="rId33"/>
-    <p:sldId id="613" r:id="rId34"/>
-    <p:sldId id="615" r:id="rId35"/>
-    <p:sldId id="616" r:id="rId36"/>
-    <p:sldId id="622" r:id="rId37"/>
-    <p:sldId id="623" r:id="rId38"/>
-    <p:sldId id="618" r:id="rId39"/>
-    <p:sldId id="598" r:id="rId40"/>
+    <p:sldId id="630" r:id="rId25"/>
+    <p:sldId id="631" r:id="rId26"/>
+    <p:sldId id="632" r:id="rId27"/>
+    <p:sldId id="633" r:id="rId28"/>
+    <p:sldId id="634" r:id="rId29"/>
+    <p:sldId id="635" r:id="rId30"/>
+    <p:sldId id="636" r:id="rId31"/>
+    <p:sldId id="637" r:id="rId32"/>
+    <p:sldId id="605" r:id="rId33"/>
+    <p:sldId id="608" r:id="rId34"/>
+    <p:sldId id="610" r:id="rId35"/>
+    <p:sldId id="611" r:id="rId36"/>
+    <p:sldId id="607" r:id="rId37"/>
+    <p:sldId id="619" r:id="rId38"/>
+    <p:sldId id="621" r:id="rId39"/>
+    <p:sldId id="620" r:id="rId40"/>
+    <p:sldId id="612" r:id="rId41"/>
+    <p:sldId id="613" r:id="rId42"/>
+    <p:sldId id="615" r:id="rId43"/>
+    <p:sldId id="616" r:id="rId44"/>
+    <p:sldId id="622" r:id="rId45"/>
+    <p:sldId id="623" r:id="rId46"/>
+    <p:sldId id="618" r:id="rId47"/>
+    <p:sldId id="598" r:id="rId48"/>
   </p:sldIdLst>
   <p:sldSz cx="9144000" cy="6858000" type="screen4x3"/>
   <p:notesSz cx="6784975" cy="9921875"/>
@@ -2756,29 +2764,6 @@
           <a:bodyPr/>
           <a:lstStyle/>
           <a:p>
-            <a:r>
-              <a:rPr lang="de-DE" dirty="0"/>
-              <a:t>Quelle</a:t>
-            </a:r>
-          </a:p>
-          <a:p>
-            <a:r>
-              <a:rPr lang="de-DE" dirty="0"/>
-              <a:t>Imgflip.com</a:t>
-            </a:r>
-          </a:p>
-          <a:p>
-            <a:endParaRPr lang="de-DE" dirty="0"/>
-          </a:p>
-          <a:p>
-            <a:r>
-              <a:rPr lang="de-DE" dirty="0"/>
-              <a:t>Side </a:t>
-            </a:r>
-            <a:r>
-              <a:rPr lang="de-DE" dirty="0" err="1"/>
-              <a:t>car</a:t>
-            </a:r>
             <a:endParaRPr lang="de-DE" dirty="0"/>
           </a:p>
         </p:txBody>
@@ -2801,7 +2786,7 @@
             <a:fld id="{18182567-388C-4D33-8B7B-A651F195F118}" type="slidenum">
               <a:rPr lang="de-DE" altLang="de-DE" smtClean="0"/>
               <a:pPr/>
-              <a:t>23</a:t>
+              <a:t>26</a:t>
             </a:fld>
             <a:endParaRPr lang="de-DE" altLang="de-DE"/>
           </a:p>
@@ -2810,7 +2795,7 @@
     </p:spTree>
     <p:extLst>
       <p:ext uri="{BB962C8B-B14F-4D97-AF65-F5344CB8AC3E}">
-        <p14:creationId xmlns:p14="http://schemas.microsoft.com/office/powerpoint/2010/main" val="1749284629"/>
+        <p14:creationId xmlns:p14="http://schemas.microsoft.com/office/powerpoint/2010/main" val="2731177149"/>
       </p:ext>
     </p:extLst>
   </p:cSld>
@@ -3020,10 +3005,7 @@
           <a:bodyPr/>
           <a:lstStyle/>
           <a:p>
-            <a:r>
-              <a:rPr lang="de-DE" dirty="0"/>
-              <a:t>https://kubernetes.io/docs/concepts/workloads/pods/sidecar-containers/</a:t>
-            </a:r>
+            <a:endParaRPr lang="de-DE" dirty="0"/>
           </a:p>
         </p:txBody>
       </p:sp>
@@ -3045,7 +3027,7 @@
             <a:fld id="{18182567-388C-4D33-8B7B-A651F195F118}" type="slidenum">
               <a:rPr lang="de-DE" altLang="de-DE" smtClean="0"/>
               <a:pPr/>
-              <a:t>24</a:t>
+              <a:t>27</a:t>
             </a:fld>
             <a:endParaRPr lang="de-DE" altLang="de-DE"/>
           </a:p>
@@ -3054,7 +3036,7 @@
     </p:spTree>
     <p:extLst>
       <p:ext uri="{BB962C8B-B14F-4D97-AF65-F5344CB8AC3E}">
-        <p14:creationId xmlns:p14="http://schemas.microsoft.com/office/powerpoint/2010/main" val="3525946719"/>
+        <p14:creationId xmlns:p14="http://schemas.microsoft.com/office/powerpoint/2010/main" val="3539444758"/>
       </p:ext>
     </p:extLst>
   </p:cSld>
@@ -3130,7 +3112,7 @@
             <a:fld id="{18182567-388C-4D33-8B7B-A651F195F118}" type="slidenum">
               <a:rPr lang="de-DE" altLang="de-DE" smtClean="0"/>
               <a:pPr/>
-              <a:t>25</a:t>
+              <a:t>28</a:t>
             </a:fld>
             <a:endParaRPr lang="de-DE" altLang="de-DE"/>
           </a:p>
@@ -3139,7 +3121,7 @@
     </p:spTree>
     <p:extLst>
       <p:ext uri="{BB962C8B-B14F-4D97-AF65-F5344CB8AC3E}">
-        <p14:creationId xmlns:p14="http://schemas.microsoft.com/office/powerpoint/2010/main" val="2745888912"/>
+        <p14:creationId xmlns:p14="http://schemas.microsoft.com/office/powerpoint/2010/main" val="113505406"/>
       </p:ext>
     </p:extLst>
   </p:cSld>
@@ -3193,243 +3175,7 @@
           <a:bodyPr/>
           <a:lstStyle/>
           <a:p>
-            <a:r>
-              <a:rPr lang="de-DE" dirty="0"/>
-              <a:t>API Server</a:t>
-            </a:r>
-          </a:p>
-          <a:p>
-            <a:r>
-              <a:rPr lang="de-DE" dirty="0"/>
-              <a:t>- stellt die deklarativen </a:t>
-            </a:r>
-            <a:r>
-              <a:rPr lang="de-DE" dirty="0" err="1"/>
-              <a:t>beschreibungen</a:t>
-            </a:r>
-            <a:r>
-              <a:rPr lang="de-DE" dirty="0"/>
-              <a:t> für </a:t>
-            </a:r>
-            <a:r>
-              <a:rPr lang="de-DE" dirty="0" err="1"/>
-              <a:t>infrastruktur</a:t>
-            </a:r>
-            <a:r>
-              <a:rPr lang="de-DE" dirty="0"/>
-              <a:t> bereit</a:t>
-            </a:r>
-          </a:p>
-          <a:p>
-            <a:r>
-              <a:rPr lang="de-DE" dirty="0"/>
-              <a:t>- sogenannte Custom </a:t>
-            </a:r>
-            <a:r>
-              <a:rPr lang="de-DE" dirty="0" err="1"/>
-              <a:t>Resource</a:t>
-            </a:r>
-            <a:r>
-              <a:rPr lang="de-DE" dirty="0"/>
-              <a:t> (CR) </a:t>
-            </a:r>
-            <a:r>
-              <a:rPr lang="de-DE" dirty="0" err="1"/>
-              <a:t>definitions</a:t>
-            </a:r>
             <a:endParaRPr lang="de-DE" dirty="0"/>
-          </a:p>
-          <a:p>
-            <a:r>
-              <a:rPr lang="de-DE" dirty="0"/>
-              <a:t>- auf diese CRs </a:t>
-            </a:r>
-            <a:r>
-              <a:rPr lang="de-DE" dirty="0" err="1"/>
-              <a:t>watched</a:t>
-            </a:r>
-            <a:r>
-              <a:rPr lang="de-DE" dirty="0"/>
-              <a:t> der Infra-Operator beim API-Server</a:t>
-            </a:r>
-          </a:p>
-          <a:p>
-            <a:endParaRPr lang="de-DE" dirty="0"/>
-          </a:p>
-          <a:p>
-            <a:r>
-              <a:rPr lang="de-DE" dirty="0"/>
-              <a:t>Kube-Controller bleibt? Nein. </a:t>
-            </a:r>
-            <a:r>
-              <a:rPr lang="de-DE" dirty="0" err="1"/>
-              <a:t>GitOps</a:t>
-            </a:r>
-            <a:r>
-              <a:rPr lang="de-DE" dirty="0"/>
-              <a:t>-Operator/Controller!</a:t>
-            </a:r>
-          </a:p>
-          <a:p>
-            <a:endParaRPr lang="de-DE" dirty="0"/>
-          </a:p>
-          <a:p>
-            <a:r>
-              <a:rPr lang="de-DE" dirty="0" err="1"/>
-              <a:t>GitOps</a:t>
-            </a:r>
-            <a:r>
-              <a:rPr lang="de-DE" dirty="0"/>
-              <a:t>-Operator</a:t>
-            </a:r>
-          </a:p>
-          <a:p>
-            <a:r>
-              <a:rPr lang="de-DE" dirty="0"/>
-              <a:t>- pullt aus dem Cloud-Infrastruktur-Repo (</a:t>
-            </a:r>
-            <a:r>
-              <a:rPr lang="de-DE" dirty="0" err="1"/>
-              <a:t>git</a:t>
-            </a:r>
-            <a:r>
-              <a:rPr lang="de-DE" dirty="0"/>
-              <a:t>)</a:t>
-            </a:r>
-          </a:p>
-          <a:p>
-            <a:r>
-              <a:rPr lang="de-DE" dirty="0"/>
-              <a:t>- dann werden die </a:t>
-            </a:r>
-            <a:r>
-              <a:rPr lang="de-DE" dirty="0" err="1"/>
-              <a:t>resourcen</a:t>
-            </a:r>
-            <a:r>
-              <a:rPr lang="de-DE" dirty="0"/>
-              <a:t> auf den API-Server </a:t>
-            </a:r>
-            <a:r>
-              <a:rPr lang="de-DE" dirty="0" err="1"/>
-              <a:t>applied</a:t>
-            </a:r>
-            <a:endParaRPr lang="de-DE" dirty="0"/>
-          </a:p>
-          <a:p>
-            <a:r>
-              <a:rPr lang="de-DE" dirty="0"/>
-              <a:t>- und von dort aus geht es dann zum Infra-Operator und dieser setzt die (ggf. neuen) CRs dann um</a:t>
-            </a:r>
-          </a:p>
-          <a:p>
-            <a:endParaRPr lang="de-DE" dirty="0"/>
-          </a:p>
-          <a:p>
-            <a:r>
-              <a:rPr lang="de-DE" dirty="0" err="1"/>
-              <a:t>Infra</a:t>
-            </a:r>
-            <a:r>
-              <a:rPr lang="de-DE" dirty="0"/>
-              <a:t> Operator</a:t>
-            </a:r>
-          </a:p>
-          <a:p>
-            <a:r>
-              <a:rPr lang="de-DE" dirty="0"/>
-              <a:t>- umsetzen in irgendeine Cloud Plattform (= </a:t>
-            </a:r>
-            <a:r>
-              <a:rPr lang="de-DE" dirty="0" err="1"/>
-              <a:t>Infra</a:t>
-            </a:r>
-            <a:r>
-              <a:rPr lang="de-DE" dirty="0"/>
-              <a:t> </a:t>
-            </a:r>
-            <a:r>
-              <a:rPr lang="de-DE" dirty="0" err="1"/>
-              <a:t>providers</a:t>
-            </a:r>
-            <a:r>
-              <a:rPr lang="de-DE" dirty="0"/>
-              <a:t> oder auch „bare </a:t>
-            </a:r>
-            <a:r>
-              <a:rPr lang="de-DE" dirty="0" err="1"/>
-              <a:t>metal</a:t>
-            </a:r>
-            <a:r>
-              <a:rPr lang="de-DE" dirty="0"/>
-              <a:t>“ also physischer Server </a:t>
-            </a:r>
-            <a:r>
-              <a:rPr lang="de-DE" dirty="0">
-                <a:sym typeface="Wingdings" panose="05000000000000000000" pitchFamily="2" charset="2"/>
-              </a:rPr>
-              <a:t></a:t>
-            </a:r>
-            <a:r>
-              <a:rPr lang="de-DE" dirty="0"/>
-              <a:t>)</a:t>
-            </a:r>
-          </a:p>
-          <a:p>
-            <a:endParaRPr lang="de-DE" dirty="0"/>
-          </a:p>
-          <a:p>
-            <a:r>
-              <a:rPr lang="de-DE" dirty="0"/>
-              <a:t>Am „Ende“ haben wir dann unsere Target Cluster</a:t>
-            </a:r>
-          </a:p>
-          <a:p>
-            <a:r>
-              <a:rPr lang="de-DE" dirty="0"/>
-              <a:t>Und auf diese kann der </a:t>
-            </a:r>
-            <a:r>
-              <a:rPr lang="de-DE" dirty="0" err="1"/>
-              <a:t>GitOps</a:t>
-            </a:r>
-            <a:r>
-              <a:rPr lang="de-DE" dirty="0"/>
-              <a:t>-Operator auch Anwendungen/Software deployen</a:t>
-            </a:r>
-          </a:p>
-          <a:p>
-            <a:endParaRPr lang="de-DE" dirty="0"/>
-          </a:p>
-          <a:p>
-            <a:endParaRPr lang="de-DE" dirty="0"/>
-          </a:p>
-          <a:p>
-            <a:endParaRPr lang="de-DE" dirty="0"/>
-          </a:p>
-          <a:p>
-            <a:r>
-              <a:rPr lang="de-DE" dirty="0" err="1"/>
-              <a:t>Infra</a:t>
-            </a:r>
-            <a:r>
-              <a:rPr lang="de-DE" dirty="0"/>
-              <a:t> </a:t>
-            </a:r>
-            <a:r>
-              <a:rPr lang="de-DE" dirty="0" err="1"/>
-              <a:t>operator</a:t>
-            </a:r>
-            <a:r>
-              <a:rPr lang="de-DE" dirty="0"/>
-              <a:t>…?</a:t>
-            </a:r>
-          </a:p>
-          <a:p>
-            <a:r>
-              <a:rPr lang="de-DE" dirty="0"/>
-              <a:t>https://github.com/openstack-k8s-operators/infra-operator</a:t>
-            </a:r>
           </a:p>
         </p:txBody>
       </p:sp>
@@ -3451,7 +3197,7 @@
             <a:fld id="{18182567-388C-4D33-8B7B-A651F195F118}" type="slidenum">
               <a:rPr lang="de-DE" altLang="de-DE" smtClean="0"/>
               <a:pPr/>
-              <a:t>26</a:t>
+              <a:t>29</a:t>
             </a:fld>
             <a:endParaRPr lang="de-DE" altLang="de-DE"/>
           </a:p>
@@ -3460,7 +3206,7 @@
     </p:spTree>
     <p:extLst>
       <p:ext uri="{BB962C8B-B14F-4D97-AF65-F5344CB8AC3E}">
-        <p14:creationId xmlns:p14="http://schemas.microsoft.com/office/powerpoint/2010/main" val="1843041313"/>
+        <p14:creationId xmlns:p14="http://schemas.microsoft.com/office/powerpoint/2010/main" val="991868598"/>
       </p:ext>
     </p:extLst>
   </p:cSld>
@@ -3514,21 +3260,6 @@
           <a:bodyPr/>
           <a:lstStyle/>
           <a:p>
-            <a:r>
-              <a:rPr lang="de-DE" dirty="0"/>
-              <a:t>Quelle Bild:</a:t>
-            </a:r>
-          </a:p>
-          <a:p>
-            <a:r>
-              <a:rPr lang="de-DE" dirty="0"/>
-              <a:t>https://www.hosteurope.de/blog/exx-gitops-eine-einfuehrung-in-cloud-native-continuous-delivery/</a:t>
-            </a:r>
-          </a:p>
-          <a:p>
-            <a:endParaRPr lang="de-DE" dirty="0"/>
-          </a:p>
-          <a:p>
             <a:endParaRPr lang="de-DE" dirty="0"/>
           </a:p>
         </p:txBody>
@@ -3551,7 +3282,7 @@
             <a:fld id="{18182567-388C-4D33-8B7B-A651F195F118}" type="slidenum">
               <a:rPr lang="de-DE" altLang="de-DE" smtClean="0"/>
               <a:pPr/>
-              <a:t>29</a:t>
+              <a:t>30</a:t>
             </a:fld>
             <a:endParaRPr lang="de-DE" altLang="de-DE"/>
           </a:p>
@@ -3560,7 +3291,7 @@
     </p:spTree>
     <p:extLst>
       <p:ext uri="{BB962C8B-B14F-4D97-AF65-F5344CB8AC3E}">
-        <p14:creationId xmlns:p14="http://schemas.microsoft.com/office/powerpoint/2010/main" val="2430538478"/>
+        <p14:creationId xmlns:p14="http://schemas.microsoft.com/office/powerpoint/2010/main" val="768276750"/>
       </p:ext>
     </p:extLst>
   </p:cSld>
@@ -3616,19 +3347,27 @@
           <a:p>
             <a:r>
               <a:rPr lang="de-DE" dirty="0"/>
-              <a:t>Quelle Bild:</a:t>
+              <a:t>Quelle</a:t>
             </a:r>
           </a:p>
           <a:p>
             <a:r>
               <a:rPr lang="de-DE" dirty="0"/>
-              <a:t>https://www.hosteurope.de/blog/exx-gitops-eine-einfuehrung-in-cloud-native-continuous-delivery/</a:t>
+              <a:t>Imgflip.com</a:t>
             </a:r>
           </a:p>
           <a:p>
             <a:endParaRPr lang="de-DE" dirty="0"/>
           </a:p>
           <a:p>
+            <a:r>
+              <a:rPr lang="de-DE" dirty="0"/>
+              <a:t>Side </a:t>
+            </a:r>
+            <a:r>
+              <a:rPr lang="de-DE" dirty="0" err="1"/>
+              <a:t>car</a:t>
+            </a:r>
             <a:endParaRPr lang="de-DE" dirty="0"/>
           </a:p>
         </p:txBody>
@@ -3651,7 +3390,7 @@
             <a:fld id="{18182567-388C-4D33-8B7B-A651F195F118}" type="slidenum">
               <a:rPr lang="de-DE" altLang="de-DE" smtClean="0"/>
               <a:pPr/>
-              <a:t>30</a:t>
+              <a:t>31</a:t>
             </a:fld>
             <a:endParaRPr lang="de-DE" altLang="de-DE"/>
           </a:p>
@@ -3660,7 +3399,7 @@
     </p:spTree>
     <p:extLst>
       <p:ext uri="{BB962C8B-B14F-4D97-AF65-F5344CB8AC3E}">
-        <p14:creationId xmlns:p14="http://schemas.microsoft.com/office/powerpoint/2010/main" val="186718501"/>
+        <p14:creationId xmlns:p14="http://schemas.microsoft.com/office/powerpoint/2010/main" val="1749284629"/>
       </p:ext>
     </p:extLst>
   </p:cSld>
@@ -3716,100 +3455,7 @@
           <a:p>
             <a:r>
               <a:rPr lang="de-DE" dirty="0"/>
-              <a:t>Es gibt bei </a:t>
-            </a:r>
-            <a:r>
-              <a:rPr lang="de-DE" dirty="0" err="1"/>
-              <a:t>GitOps</a:t>
-            </a:r>
-            <a:r>
-              <a:rPr lang="de-DE" dirty="0"/>
-              <a:t> Operator die Möglichkeit, dass man den Operator automatisierte </a:t>
-            </a:r>
-            <a:r>
-              <a:rPr lang="de-DE" dirty="0" err="1"/>
-              <a:t>updates</a:t>
-            </a:r>
-            <a:r>
-              <a:rPr lang="de-DE" dirty="0"/>
-              <a:t> machen lässt</a:t>
-            </a:r>
-          </a:p>
-          <a:p>
-            <a:r>
-              <a:rPr lang="de-DE" dirty="0"/>
-              <a:t>- </a:t>
-            </a:r>
-            <a:r>
-              <a:rPr lang="de-DE" dirty="0" err="1"/>
-              <a:t>operator</a:t>
-            </a:r>
-            <a:r>
-              <a:rPr lang="de-DE" dirty="0"/>
-              <a:t> kann auf die </a:t>
-            </a:r>
-            <a:r>
-              <a:rPr lang="de-DE" dirty="0" err="1"/>
-              <a:t>container</a:t>
-            </a:r>
-            <a:r>
-              <a:rPr lang="de-DE" dirty="0"/>
-              <a:t> </a:t>
-            </a:r>
-            <a:r>
-              <a:rPr lang="de-DE" dirty="0" err="1"/>
-              <a:t>registry</a:t>
-            </a:r>
-            <a:r>
-              <a:rPr lang="de-DE" dirty="0"/>
-              <a:t> horchen (daher das +</a:t>
-            </a:r>
-            <a:r>
-              <a:rPr lang="de-DE" dirty="0" err="1"/>
-              <a:t>watch</a:t>
-            </a:r>
-            <a:r>
-              <a:rPr lang="de-DE" dirty="0"/>
-              <a:t>)</a:t>
-            </a:r>
-          </a:p>
-          <a:p>
-            <a:r>
-              <a:rPr lang="de-DE" dirty="0"/>
-              <a:t>- und danach dann das </a:t>
-            </a:r>
-            <a:r>
-              <a:rPr lang="de-DE" dirty="0" err="1"/>
-              <a:t>image</a:t>
-            </a:r>
-            <a:r>
-              <a:rPr lang="de-DE" dirty="0"/>
-              <a:t> zurück in </a:t>
-            </a:r>
-            <a:r>
-              <a:rPr lang="de-DE" dirty="0" err="1"/>
-              <a:t>git</a:t>
-            </a:r>
-            <a:r>
-              <a:rPr lang="de-DE" dirty="0"/>
-              <a:t> spielen (daher das +push)</a:t>
-            </a:r>
-          </a:p>
-          <a:p>
-            <a:endParaRPr lang="de-DE" dirty="0"/>
-          </a:p>
-          <a:p>
-            <a:r>
-              <a:rPr lang="de-DE" dirty="0"/>
-              <a:t>Argo und </a:t>
-            </a:r>
-            <a:r>
-              <a:rPr lang="de-DE" dirty="0" err="1"/>
-              <a:t>Flux</a:t>
-            </a:r>
-            <a:r>
-              <a:rPr lang="de-DE" dirty="0"/>
-              <a:t> haben jeweils Konstrukte dafür. Hier eig. Nicht weiter relevant.</a:t>
+              <a:t>https://kubernetes.io/docs/concepts/workloads/pods/sidecar-containers/</a:t>
             </a:r>
           </a:p>
         </p:txBody>
@@ -3832,7 +3478,7 @@
             <a:fld id="{18182567-388C-4D33-8B7B-A651F195F118}" type="slidenum">
               <a:rPr lang="de-DE" altLang="de-DE" smtClean="0"/>
               <a:pPr/>
-              <a:t>31</a:t>
+              <a:t>32</a:t>
             </a:fld>
             <a:endParaRPr lang="de-DE" altLang="de-DE"/>
           </a:p>
@@ -3841,7 +3487,7 @@
     </p:spTree>
     <p:extLst>
       <p:ext uri="{BB962C8B-B14F-4D97-AF65-F5344CB8AC3E}">
-        <p14:creationId xmlns:p14="http://schemas.microsoft.com/office/powerpoint/2010/main" val="2158994840"/>
+        <p14:creationId xmlns:p14="http://schemas.microsoft.com/office/powerpoint/2010/main" val="3525946719"/>
       </p:ext>
     </p:extLst>
   </p:cSld>
@@ -3895,231 +3541,6 @@
           <a:bodyPr/>
           <a:lstStyle/>
           <a:p>
-            <a:r>
-              <a:rPr lang="de-DE" dirty="0" err="1"/>
-              <a:t>GitOps</a:t>
-            </a:r>
-            <a:r>
-              <a:rPr lang="de-DE" dirty="0"/>
-              <a:t> Tools: Infrastruktur (</a:t>
-            </a:r>
-            <a:r>
-              <a:rPr lang="de-DE" dirty="0" err="1"/>
-              <a:t>IaC</a:t>
-            </a:r>
-            <a:r>
-              <a:rPr lang="de-DE" dirty="0"/>
-              <a:t>) in ein separates Repo!</a:t>
-            </a:r>
-          </a:p>
-          <a:p>
-            <a:endParaRPr lang="de-DE" dirty="0"/>
-          </a:p>
-          <a:p>
-            <a:r>
-              <a:rPr lang="de-DE" dirty="0"/>
-              <a:t>https://argo-cd.readthedocs.io/en/stable/user-guide/best_practices/</a:t>
-            </a:r>
-          </a:p>
-          <a:p>
-            <a:endParaRPr lang="de-DE" dirty="0"/>
-          </a:p>
-          <a:p>
-            <a:pPr algn="l"/>
-            <a:r>
-              <a:rPr lang="en-US" b="0" i="0" dirty="0">
-                <a:effectLst/>
-                <a:latin typeface="Work Sans" pitchFamily="2" charset="0"/>
-              </a:rPr>
-              <a:t>Best Practices</a:t>
-            </a:r>
-            <a:endParaRPr lang="en-US" b="0" i="0" u="none" strike="noStrike" dirty="0">
-              <a:effectLst/>
-              <a:latin typeface="Work Sans" pitchFamily="2" charset="0"/>
-            </a:endParaRPr>
-          </a:p>
-          <a:p>
-            <a:pPr algn="l"/>
-            <a:endParaRPr lang="en-US" b="0" i="0" dirty="0">
-              <a:effectLst/>
-              <a:latin typeface="Work Sans" pitchFamily="2" charset="0"/>
-            </a:endParaRPr>
-          </a:p>
-          <a:p>
-            <a:pPr algn="l"/>
-            <a:r>
-              <a:rPr lang="en-US" b="0" i="0" dirty="0">
-                <a:effectLst/>
-                <a:latin typeface="Work Sans" pitchFamily="2" charset="0"/>
-              </a:rPr>
-              <a:t>Separating Config Vs. Source Code Repositories</a:t>
-            </a:r>
-            <a:endParaRPr lang="en-US" b="0" i="0" u="none" strike="noStrike" dirty="0">
-              <a:effectLst/>
-              <a:latin typeface="Work Sans" pitchFamily="2" charset="0"/>
-            </a:endParaRPr>
-          </a:p>
-          <a:p>
-            <a:pPr algn="l"/>
-            <a:endParaRPr lang="en-US" b="0" i="0" dirty="0">
-              <a:effectLst/>
-              <a:latin typeface="Work Sans" pitchFamily="2" charset="0"/>
-            </a:endParaRPr>
-          </a:p>
-          <a:p>
-            <a:pPr algn="l"/>
-            <a:r>
-              <a:rPr lang="en-US" b="0" i="0" dirty="0">
-                <a:effectLst/>
-                <a:latin typeface="Work Sans" pitchFamily="2" charset="0"/>
-              </a:rPr>
-              <a:t>Using a separate Git repository to hold your Kubernetes manifests, keeping the config separate from your application source code, is highly recommended for the following reasons:</a:t>
-            </a:r>
-          </a:p>
-          <a:p>
-            <a:pPr algn="l"/>
-            <a:endParaRPr lang="en-US" b="0" i="0" dirty="0">
-              <a:effectLst/>
-              <a:latin typeface="Work Sans" pitchFamily="2" charset="0"/>
-            </a:endParaRPr>
-          </a:p>
-          <a:p>
-            <a:pPr algn="l">
-              <a:buFont typeface="+mj-lt"/>
-              <a:buAutoNum type="arabicPeriod"/>
-            </a:pPr>
-            <a:r>
-              <a:rPr lang="en-US" b="0" i="0" dirty="0">
-                <a:effectLst/>
-                <a:latin typeface="Work Sans" pitchFamily="2" charset="0"/>
-              </a:rPr>
-              <a:t>It provides a clean separation of application code vs. application config. There will be times when you wish to modify just the manifests without triggering an entire CI build. For example, you likely do </a:t>
-            </a:r>
-            <a:r>
-              <a:rPr lang="en-US" b="0" i="1" dirty="0">
-                <a:effectLst/>
-                <a:latin typeface="Work Sans" pitchFamily="2" charset="0"/>
-              </a:rPr>
-              <a:t>not</a:t>
-            </a:r>
-            <a:r>
-              <a:rPr lang="en-US" b="0" i="0" dirty="0">
-                <a:effectLst/>
-                <a:latin typeface="Work Sans" pitchFamily="2" charset="0"/>
-              </a:rPr>
-              <a:t> want to trigger a build if you simply wish to bump the number of replicas in a Deployment spec.</a:t>
-            </a:r>
-          </a:p>
-          <a:p>
-            <a:pPr algn="l">
-              <a:buFont typeface="+mj-lt"/>
-              <a:buAutoNum type="arabicPeriod"/>
-            </a:pPr>
-            <a:endParaRPr lang="en-US" b="0" i="0" dirty="0">
-              <a:effectLst/>
-              <a:latin typeface="Work Sans" pitchFamily="2" charset="0"/>
-            </a:endParaRPr>
-          </a:p>
-          <a:p>
-            <a:pPr algn="l">
-              <a:buFont typeface="+mj-lt"/>
-              <a:buAutoNum type="arabicPeriod"/>
-            </a:pPr>
-            <a:r>
-              <a:rPr lang="en-US" b="0" i="0" dirty="0">
-                <a:effectLst/>
-                <a:latin typeface="Work Sans" pitchFamily="2" charset="0"/>
-              </a:rPr>
-              <a:t>Cleaner audit log. For auditing purposes, a repo which only holds configuration will have a much cleaner Git history of what changes were made, without the noise coming from check-ins due to normal development activity.</a:t>
-            </a:r>
-          </a:p>
-          <a:p>
-            <a:pPr algn="l">
-              <a:buFont typeface="+mj-lt"/>
-              <a:buAutoNum type="arabicPeriod"/>
-            </a:pPr>
-            <a:endParaRPr lang="en-US" b="0" i="0" dirty="0">
-              <a:effectLst/>
-              <a:latin typeface="Work Sans" pitchFamily="2" charset="0"/>
-            </a:endParaRPr>
-          </a:p>
-          <a:p>
-            <a:pPr algn="l">
-              <a:buFont typeface="+mj-lt"/>
-              <a:buAutoNum type="arabicPeriod"/>
-            </a:pPr>
-            <a:r>
-              <a:rPr lang="en-US" b="0" i="0" dirty="0">
-                <a:effectLst/>
-                <a:latin typeface="Work Sans" pitchFamily="2" charset="0"/>
-              </a:rPr>
-              <a:t>Your application may be comprised of services built from multiple Git repositories, but is deployed as a single unit. Oftentimes, microservices applications are comprised of services with different versioning schemes, and release cycles (e.g. ELK, Kafka + </a:t>
-            </a:r>
-            <a:r>
-              <a:rPr lang="en-US" b="0" i="0" dirty="0" err="1">
-                <a:effectLst/>
-                <a:latin typeface="Work Sans" pitchFamily="2" charset="0"/>
-              </a:rPr>
-              <a:t>ZooKeeper</a:t>
-            </a:r>
-            <a:r>
-              <a:rPr lang="en-US" b="0" i="0" dirty="0">
-                <a:effectLst/>
-                <a:latin typeface="Work Sans" pitchFamily="2" charset="0"/>
-              </a:rPr>
-              <a:t>). It may not make sense to store the manifests in one of the source code repositories of a single component.</a:t>
-            </a:r>
-          </a:p>
-          <a:p>
-            <a:pPr algn="l">
-              <a:buFont typeface="+mj-lt"/>
-              <a:buAutoNum type="arabicPeriod"/>
-            </a:pPr>
-            <a:endParaRPr lang="en-US" b="0" i="0" dirty="0">
-              <a:effectLst/>
-              <a:latin typeface="Work Sans" pitchFamily="2" charset="0"/>
-            </a:endParaRPr>
-          </a:p>
-          <a:p>
-            <a:pPr algn="l">
-              <a:buFont typeface="+mj-lt"/>
-              <a:buAutoNum type="arabicPeriod"/>
-            </a:pPr>
-            <a:r>
-              <a:rPr lang="en-US" b="0" i="0" dirty="0">
-                <a:effectLst/>
-                <a:latin typeface="Work Sans" pitchFamily="2" charset="0"/>
-              </a:rPr>
-              <a:t>Separation of access. The developers who are developing the application, may not necessarily be the same people who can/should push to production environments, either intentionally or unintentionally. By having separate repos, commit access can be given to the source code repo, and not the application config repo.</a:t>
-            </a:r>
-          </a:p>
-          <a:p>
-            <a:pPr algn="l">
-              <a:buFont typeface="+mj-lt"/>
-              <a:buAutoNum type="arabicPeriod"/>
-            </a:pPr>
-            <a:endParaRPr lang="en-US" b="0" i="0" dirty="0">
-              <a:effectLst/>
-              <a:latin typeface="Work Sans" pitchFamily="2" charset="0"/>
-            </a:endParaRPr>
-          </a:p>
-          <a:p>
-            <a:pPr algn="l">
-              <a:buFont typeface="+mj-lt"/>
-              <a:buAutoNum type="arabicPeriod"/>
-            </a:pPr>
-            <a:r>
-              <a:rPr lang="en-US" b="0" i="0" dirty="0">
-                <a:effectLst/>
-                <a:latin typeface="Work Sans" pitchFamily="2" charset="0"/>
-              </a:rPr>
-              <a:t>If you are automating your CI pipeline, pushing manifest changes to the same Git repository can trigger an infinite loop of build jobs and Git commit triggers. Having a separate repo to push config changes to, prevents this from happening.</a:t>
-            </a:r>
-          </a:p>
-          <a:p>
-            <a:endParaRPr lang="de-DE" dirty="0"/>
-          </a:p>
-          <a:p>
             <a:endParaRPr lang="de-DE" dirty="0"/>
           </a:p>
         </p:txBody>
@@ -4142,7 +3563,7 @@
             <a:fld id="{18182567-388C-4D33-8B7B-A651F195F118}" type="slidenum">
               <a:rPr lang="de-DE" altLang="de-DE" smtClean="0"/>
               <a:pPr/>
-              <a:t>32</a:t>
+              <a:t>33</a:t>
             </a:fld>
             <a:endParaRPr lang="de-DE" altLang="de-DE"/>
           </a:p>
@@ -4151,7 +3572,7 @@
     </p:spTree>
     <p:extLst>
       <p:ext uri="{BB962C8B-B14F-4D97-AF65-F5344CB8AC3E}">
-        <p14:creationId xmlns:p14="http://schemas.microsoft.com/office/powerpoint/2010/main" val="1390618214"/>
+        <p14:creationId xmlns:p14="http://schemas.microsoft.com/office/powerpoint/2010/main" val="2745888912"/>
       </p:ext>
     </p:extLst>
   </p:cSld>
@@ -4205,7 +3626,243 @@
           <a:bodyPr/>
           <a:lstStyle/>
           <a:p>
+            <a:r>
+              <a:rPr lang="de-DE" dirty="0"/>
+              <a:t>API Server</a:t>
+            </a:r>
+          </a:p>
+          <a:p>
+            <a:r>
+              <a:rPr lang="de-DE" dirty="0"/>
+              <a:t>- stellt die deklarativen </a:t>
+            </a:r>
+            <a:r>
+              <a:rPr lang="de-DE" dirty="0" err="1"/>
+              <a:t>beschreibungen</a:t>
+            </a:r>
+            <a:r>
+              <a:rPr lang="de-DE" dirty="0"/>
+              <a:t> für </a:t>
+            </a:r>
+            <a:r>
+              <a:rPr lang="de-DE" dirty="0" err="1"/>
+              <a:t>infrastruktur</a:t>
+            </a:r>
+            <a:r>
+              <a:rPr lang="de-DE" dirty="0"/>
+              <a:t> bereit</a:t>
+            </a:r>
+          </a:p>
+          <a:p>
+            <a:r>
+              <a:rPr lang="de-DE" dirty="0"/>
+              <a:t>- sogenannte Custom </a:t>
+            </a:r>
+            <a:r>
+              <a:rPr lang="de-DE" dirty="0" err="1"/>
+              <a:t>Resource</a:t>
+            </a:r>
+            <a:r>
+              <a:rPr lang="de-DE" dirty="0"/>
+              <a:t> (CR) </a:t>
+            </a:r>
+            <a:r>
+              <a:rPr lang="de-DE" dirty="0" err="1"/>
+              <a:t>definitions</a:t>
+            </a:r>
             <a:endParaRPr lang="de-DE" dirty="0"/>
+          </a:p>
+          <a:p>
+            <a:r>
+              <a:rPr lang="de-DE" dirty="0"/>
+              <a:t>- auf diese CRs </a:t>
+            </a:r>
+            <a:r>
+              <a:rPr lang="de-DE" dirty="0" err="1"/>
+              <a:t>watched</a:t>
+            </a:r>
+            <a:r>
+              <a:rPr lang="de-DE" dirty="0"/>
+              <a:t> der Infra-Operator beim API-Server</a:t>
+            </a:r>
+          </a:p>
+          <a:p>
+            <a:endParaRPr lang="de-DE" dirty="0"/>
+          </a:p>
+          <a:p>
+            <a:r>
+              <a:rPr lang="de-DE" dirty="0"/>
+              <a:t>Kube-Controller bleibt? Nein. </a:t>
+            </a:r>
+            <a:r>
+              <a:rPr lang="de-DE" dirty="0" err="1"/>
+              <a:t>GitOps</a:t>
+            </a:r>
+            <a:r>
+              <a:rPr lang="de-DE" dirty="0"/>
+              <a:t>-Operator/Controller!</a:t>
+            </a:r>
+          </a:p>
+          <a:p>
+            <a:endParaRPr lang="de-DE" dirty="0"/>
+          </a:p>
+          <a:p>
+            <a:r>
+              <a:rPr lang="de-DE" dirty="0" err="1"/>
+              <a:t>GitOps</a:t>
+            </a:r>
+            <a:r>
+              <a:rPr lang="de-DE" dirty="0"/>
+              <a:t>-Operator</a:t>
+            </a:r>
+          </a:p>
+          <a:p>
+            <a:r>
+              <a:rPr lang="de-DE" dirty="0"/>
+              <a:t>- pullt aus dem Cloud-Infrastruktur-Repo (</a:t>
+            </a:r>
+            <a:r>
+              <a:rPr lang="de-DE" dirty="0" err="1"/>
+              <a:t>git</a:t>
+            </a:r>
+            <a:r>
+              <a:rPr lang="de-DE" dirty="0"/>
+              <a:t>)</a:t>
+            </a:r>
+          </a:p>
+          <a:p>
+            <a:r>
+              <a:rPr lang="de-DE" dirty="0"/>
+              <a:t>- dann werden die </a:t>
+            </a:r>
+            <a:r>
+              <a:rPr lang="de-DE" dirty="0" err="1"/>
+              <a:t>resourcen</a:t>
+            </a:r>
+            <a:r>
+              <a:rPr lang="de-DE" dirty="0"/>
+              <a:t> auf den API-Server </a:t>
+            </a:r>
+            <a:r>
+              <a:rPr lang="de-DE" dirty="0" err="1"/>
+              <a:t>applied</a:t>
+            </a:r>
+            <a:endParaRPr lang="de-DE" dirty="0"/>
+          </a:p>
+          <a:p>
+            <a:r>
+              <a:rPr lang="de-DE" dirty="0"/>
+              <a:t>- und von dort aus geht es dann zum Infra-Operator und dieser setzt die (ggf. neuen) CRs dann um</a:t>
+            </a:r>
+          </a:p>
+          <a:p>
+            <a:endParaRPr lang="de-DE" dirty="0"/>
+          </a:p>
+          <a:p>
+            <a:r>
+              <a:rPr lang="de-DE" dirty="0" err="1"/>
+              <a:t>Infra</a:t>
+            </a:r>
+            <a:r>
+              <a:rPr lang="de-DE" dirty="0"/>
+              <a:t> Operator</a:t>
+            </a:r>
+          </a:p>
+          <a:p>
+            <a:r>
+              <a:rPr lang="de-DE" dirty="0"/>
+              <a:t>- umsetzen in irgendeine Cloud Plattform (= </a:t>
+            </a:r>
+            <a:r>
+              <a:rPr lang="de-DE" dirty="0" err="1"/>
+              <a:t>Infra</a:t>
+            </a:r>
+            <a:r>
+              <a:rPr lang="de-DE" dirty="0"/>
+              <a:t> </a:t>
+            </a:r>
+            <a:r>
+              <a:rPr lang="de-DE" dirty="0" err="1"/>
+              <a:t>providers</a:t>
+            </a:r>
+            <a:r>
+              <a:rPr lang="de-DE" dirty="0"/>
+              <a:t> oder auch „bare </a:t>
+            </a:r>
+            <a:r>
+              <a:rPr lang="de-DE" dirty="0" err="1"/>
+              <a:t>metal</a:t>
+            </a:r>
+            <a:r>
+              <a:rPr lang="de-DE" dirty="0"/>
+              <a:t>“ also physischer Server </a:t>
+            </a:r>
+            <a:r>
+              <a:rPr lang="de-DE" dirty="0">
+                <a:sym typeface="Wingdings" panose="05000000000000000000" pitchFamily="2" charset="2"/>
+              </a:rPr>
+              <a:t></a:t>
+            </a:r>
+            <a:r>
+              <a:rPr lang="de-DE" dirty="0"/>
+              <a:t>)</a:t>
+            </a:r>
+          </a:p>
+          <a:p>
+            <a:endParaRPr lang="de-DE" dirty="0"/>
+          </a:p>
+          <a:p>
+            <a:r>
+              <a:rPr lang="de-DE" dirty="0"/>
+              <a:t>Am „Ende“ haben wir dann unsere Target Cluster</a:t>
+            </a:r>
+          </a:p>
+          <a:p>
+            <a:r>
+              <a:rPr lang="de-DE" dirty="0"/>
+              <a:t>Und auf diese kann der </a:t>
+            </a:r>
+            <a:r>
+              <a:rPr lang="de-DE" dirty="0" err="1"/>
+              <a:t>GitOps</a:t>
+            </a:r>
+            <a:r>
+              <a:rPr lang="de-DE" dirty="0"/>
+              <a:t>-Operator auch Anwendungen/Software deployen</a:t>
+            </a:r>
+          </a:p>
+          <a:p>
+            <a:endParaRPr lang="de-DE" dirty="0"/>
+          </a:p>
+          <a:p>
+            <a:endParaRPr lang="de-DE" dirty="0"/>
+          </a:p>
+          <a:p>
+            <a:endParaRPr lang="de-DE" dirty="0"/>
+          </a:p>
+          <a:p>
+            <a:r>
+              <a:rPr lang="de-DE" dirty="0" err="1"/>
+              <a:t>Infra</a:t>
+            </a:r>
+            <a:r>
+              <a:rPr lang="de-DE" dirty="0"/>
+              <a:t> </a:t>
+            </a:r>
+            <a:r>
+              <a:rPr lang="de-DE" dirty="0" err="1"/>
+              <a:t>operator</a:t>
+            </a:r>
+            <a:r>
+              <a:rPr lang="de-DE" dirty="0"/>
+              <a:t>…?</a:t>
+            </a:r>
+          </a:p>
+          <a:p>
+            <a:r>
+              <a:rPr lang="de-DE" dirty="0"/>
+              <a:t>https://github.com/openstack-k8s-operators/infra-operator</a:t>
+            </a:r>
           </a:p>
         </p:txBody>
       </p:sp>
@@ -4227,7 +3884,7 @@
             <a:fld id="{18182567-388C-4D33-8B7B-A651F195F118}" type="slidenum">
               <a:rPr lang="de-DE" altLang="de-DE" smtClean="0"/>
               <a:pPr/>
-              <a:t>35</a:t>
+              <a:t>34</a:t>
             </a:fld>
             <a:endParaRPr lang="de-DE" altLang="de-DE"/>
           </a:p>
@@ -4236,7 +3893,7 @@
     </p:spTree>
     <p:extLst>
       <p:ext uri="{BB962C8B-B14F-4D97-AF65-F5344CB8AC3E}">
-        <p14:creationId xmlns:p14="http://schemas.microsoft.com/office/powerpoint/2010/main" val="1497522267"/>
+        <p14:creationId xmlns:p14="http://schemas.microsoft.com/office/powerpoint/2010/main" val="1843041313"/>
       </p:ext>
     </p:extLst>
   </p:cSld>
@@ -4292,136 +3949,20 @@
           <a:p>
             <a:r>
               <a:rPr lang="de-DE" dirty="0"/>
-              <a:t>Vorteile:</a:t>
-            </a:r>
-          </a:p>
-          <a:p>
-            <a:pPr marL="171450" indent="-171450">
-              <a:buFont typeface="Arial" panose="020B0604020202020204" pitchFamily="34" charset="0"/>
-              <a:buChar char="•"/>
-            </a:pPr>
+              <a:t>Quelle Bild:</a:t>
+            </a:r>
+          </a:p>
+          <a:p>
             <a:r>
               <a:rPr lang="de-DE" dirty="0"/>
-              <a:t>Einzelnes Repo für die Entwicklung! (Höhere Effizienz)</a:t>
-            </a:r>
-          </a:p>
-          <a:p>
-            <a:pPr marL="171450" indent="-171450">
-              <a:buFont typeface="Arial" panose="020B0604020202020204" pitchFamily="34" charset="0"/>
-              <a:buChar char="•"/>
-            </a:pPr>
-            <a:r>
-              <a:rPr lang="de-DE" dirty="0"/>
-              <a:t>Automatisiertes </a:t>
-            </a:r>
-            <a:r>
-              <a:rPr lang="de-DE" dirty="0" err="1"/>
-              <a:t>Staging</a:t>
-            </a:r>
-            <a:r>
-              <a:rPr lang="de-DE" dirty="0"/>
-              <a:t> möglich (pull </a:t>
-            </a:r>
-            <a:r>
-              <a:rPr lang="de-DE" dirty="0" err="1"/>
-              <a:t>request</a:t>
-            </a:r>
-            <a:r>
-              <a:rPr lang="de-DE" dirty="0"/>
-              <a:t> Erzeugung, Namespaces)</a:t>
-            </a:r>
-          </a:p>
-          <a:p>
-            <a:pPr marL="171450" indent="-171450">
-              <a:buFont typeface="Arial" panose="020B0604020202020204" pitchFamily="34" charset="0"/>
-              <a:buChar char="•"/>
-            </a:pPr>
-            <a:r>
-              <a:rPr lang="de-DE" dirty="0"/>
-              <a:t>Shift-</a:t>
-            </a:r>
-            <a:r>
-              <a:rPr lang="de-DE" dirty="0" err="1"/>
-              <a:t>Left</a:t>
-            </a:r>
-            <a:r>
-              <a:rPr lang="de-DE" dirty="0"/>
-              <a:t>-Ansatz möglich! (Tests, Lint, Policy Check, ….)</a:t>
-            </a:r>
-          </a:p>
-          <a:p>
-            <a:pPr marL="628650" lvl="1" indent="-171450">
-              <a:buFont typeface="Arial" panose="020B0604020202020204" pitchFamily="34" charset="0"/>
-              <a:buChar char="•"/>
-            </a:pPr>
-            <a:r>
-              <a:rPr lang="de-DE" dirty="0"/>
-              <a:t>mit </a:t>
-            </a:r>
-            <a:r>
-              <a:rPr lang="de-DE" dirty="0" err="1"/>
-              <a:t>yamlint</a:t>
-            </a:r>
-            <a:r>
-              <a:rPr lang="de-DE" dirty="0"/>
-              <a:t>, </a:t>
-            </a:r>
-            <a:r>
-              <a:rPr lang="de-DE" dirty="0" err="1"/>
-              <a:t>kubeval</a:t>
-            </a:r>
-            <a:r>
-              <a:rPr lang="de-DE" dirty="0"/>
-              <a:t>, </a:t>
-            </a:r>
-            <a:r>
-              <a:rPr lang="de-DE" dirty="0" err="1"/>
-              <a:t>helm</a:t>
-            </a:r>
-            <a:r>
-              <a:rPr lang="de-DE" dirty="0"/>
-              <a:t> </a:t>
-            </a:r>
-            <a:r>
-              <a:rPr lang="de-DE" dirty="0" err="1"/>
-              <a:t>lint</a:t>
-            </a:r>
-            <a:r>
-              <a:rPr lang="de-DE" dirty="0"/>
-              <a:t>, </a:t>
-            </a:r>
-            <a:r>
-              <a:rPr lang="de-DE" dirty="0" err="1"/>
-              <a:t>conftest</a:t>
-            </a:r>
+              <a:t>https://www.hosteurope.de/blog/exx-gitops-eine-einfuehrung-in-cloud-native-continuous-delivery/</a:t>
+            </a:r>
+          </a:p>
+          <a:p>
             <a:endParaRPr lang="de-DE" dirty="0"/>
           </a:p>
           <a:p>
-            <a:pPr marL="171450" indent="-171450">
-              <a:buFont typeface="Arial" panose="020B0604020202020204" pitchFamily="34" charset="0"/>
-              <a:buChar char="•"/>
-            </a:pPr>
             <a:endParaRPr lang="de-DE" dirty="0"/>
-          </a:p>
-          <a:p>
-            <a:pPr marL="0" indent="0">
-              <a:buFont typeface="Arial" panose="020B0604020202020204" pitchFamily="34" charset="0"/>
-              <a:buNone/>
-            </a:pPr>
-            <a:r>
-              <a:rPr lang="de-DE" dirty="0"/>
-              <a:t>Nachteile:</a:t>
-            </a:r>
-          </a:p>
-          <a:p>
-            <a:pPr marL="171450" indent="-171450">
-              <a:buFont typeface="Arial" panose="020B0604020202020204" pitchFamily="34" charset="0"/>
-              <a:buChar char="•"/>
-            </a:pPr>
-            <a:r>
-              <a:rPr lang="de-DE" dirty="0"/>
-              <a:t>Komplexität steckt im Detail… Oder eben in den CI Pipelines.</a:t>
-            </a:r>
           </a:p>
         </p:txBody>
       </p:sp>
@@ -4443,7 +3984,7 @@
             <a:fld id="{18182567-388C-4D33-8B7B-A651F195F118}" type="slidenum">
               <a:rPr lang="de-DE" altLang="de-DE" smtClean="0"/>
               <a:pPr/>
-              <a:t>36</a:t>
+              <a:t>37</a:t>
             </a:fld>
             <a:endParaRPr lang="de-DE" altLang="de-DE"/>
           </a:p>
@@ -4452,7 +3993,7 @@
     </p:spTree>
     <p:extLst>
       <p:ext uri="{BB962C8B-B14F-4D97-AF65-F5344CB8AC3E}">
-        <p14:creationId xmlns:p14="http://schemas.microsoft.com/office/powerpoint/2010/main" val="2083903176"/>
+        <p14:creationId xmlns:p14="http://schemas.microsoft.com/office/powerpoint/2010/main" val="2430538478"/>
       </p:ext>
     </p:extLst>
   </p:cSld>
@@ -4506,6 +4047,21 @@
           <a:bodyPr/>
           <a:lstStyle/>
           <a:p>
+            <a:r>
+              <a:rPr lang="de-DE" dirty="0"/>
+              <a:t>Quelle Bild:</a:t>
+            </a:r>
+          </a:p>
+          <a:p>
+            <a:r>
+              <a:rPr lang="de-DE" dirty="0"/>
+              <a:t>https://www.hosteurope.de/blog/exx-gitops-eine-einfuehrung-in-cloud-native-continuous-delivery/</a:t>
+            </a:r>
+          </a:p>
+          <a:p>
+            <a:endParaRPr lang="de-DE" dirty="0"/>
+          </a:p>
+          <a:p>
             <a:endParaRPr lang="de-DE" dirty="0"/>
           </a:p>
         </p:txBody>
@@ -4528,7 +4084,7 @@
             <a:fld id="{18182567-388C-4D33-8B7B-A651F195F118}" type="slidenum">
               <a:rPr lang="de-DE" altLang="de-DE" smtClean="0"/>
               <a:pPr/>
-              <a:t>37</a:t>
+              <a:t>38</a:t>
             </a:fld>
             <a:endParaRPr lang="de-DE" altLang="de-DE"/>
           </a:p>
@@ -4537,7 +4093,7 @@
     </p:spTree>
     <p:extLst>
       <p:ext uri="{BB962C8B-B14F-4D97-AF65-F5344CB8AC3E}">
-        <p14:creationId xmlns:p14="http://schemas.microsoft.com/office/powerpoint/2010/main" val="3352445793"/>
+        <p14:creationId xmlns:p14="http://schemas.microsoft.com/office/powerpoint/2010/main" val="186718501"/>
       </p:ext>
     </p:extLst>
   </p:cSld>
@@ -4681,7 +4237,100 @@
           <a:p>
             <a:r>
               <a:rPr lang="de-DE" dirty="0"/>
-              <a:t>Quelle: https://blog.kubesimplify.com/gitops-demystified</a:t>
+              <a:t>Es gibt bei </a:t>
+            </a:r>
+            <a:r>
+              <a:rPr lang="de-DE" dirty="0" err="1"/>
+              <a:t>GitOps</a:t>
+            </a:r>
+            <a:r>
+              <a:rPr lang="de-DE" dirty="0"/>
+              <a:t> Operator die Möglichkeit, dass man den Operator automatisierte </a:t>
+            </a:r>
+            <a:r>
+              <a:rPr lang="de-DE" dirty="0" err="1"/>
+              <a:t>updates</a:t>
+            </a:r>
+            <a:r>
+              <a:rPr lang="de-DE" dirty="0"/>
+              <a:t> machen lässt</a:t>
+            </a:r>
+          </a:p>
+          <a:p>
+            <a:r>
+              <a:rPr lang="de-DE" dirty="0"/>
+              <a:t>- </a:t>
+            </a:r>
+            <a:r>
+              <a:rPr lang="de-DE" dirty="0" err="1"/>
+              <a:t>operator</a:t>
+            </a:r>
+            <a:r>
+              <a:rPr lang="de-DE" dirty="0"/>
+              <a:t> kann auf die </a:t>
+            </a:r>
+            <a:r>
+              <a:rPr lang="de-DE" dirty="0" err="1"/>
+              <a:t>container</a:t>
+            </a:r>
+            <a:r>
+              <a:rPr lang="de-DE" dirty="0"/>
+              <a:t> </a:t>
+            </a:r>
+            <a:r>
+              <a:rPr lang="de-DE" dirty="0" err="1"/>
+              <a:t>registry</a:t>
+            </a:r>
+            <a:r>
+              <a:rPr lang="de-DE" dirty="0"/>
+              <a:t> horchen (daher das +</a:t>
+            </a:r>
+            <a:r>
+              <a:rPr lang="de-DE" dirty="0" err="1"/>
+              <a:t>watch</a:t>
+            </a:r>
+            <a:r>
+              <a:rPr lang="de-DE" dirty="0"/>
+              <a:t>)</a:t>
+            </a:r>
+          </a:p>
+          <a:p>
+            <a:r>
+              <a:rPr lang="de-DE" dirty="0"/>
+              <a:t>- und danach dann das </a:t>
+            </a:r>
+            <a:r>
+              <a:rPr lang="de-DE" dirty="0" err="1"/>
+              <a:t>image</a:t>
+            </a:r>
+            <a:r>
+              <a:rPr lang="de-DE" dirty="0"/>
+              <a:t> zurück in </a:t>
+            </a:r>
+            <a:r>
+              <a:rPr lang="de-DE" dirty="0" err="1"/>
+              <a:t>git</a:t>
+            </a:r>
+            <a:r>
+              <a:rPr lang="de-DE" dirty="0"/>
+              <a:t> spielen (daher das +push)</a:t>
+            </a:r>
+          </a:p>
+          <a:p>
+            <a:endParaRPr lang="de-DE" dirty="0"/>
+          </a:p>
+          <a:p>
+            <a:r>
+              <a:rPr lang="de-DE" dirty="0"/>
+              <a:t>Argo und </a:t>
+            </a:r>
+            <a:r>
+              <a:rPr lang="de-DE" dirty="0" err="1"/>
+              <a:t>Flux</a:t>
+            </a:r>
+            <a:r>
+              <a:rPr lang="de-DE" dirty="0"/>
+              <a:t> haben jeweils Konstrukte dafür. Hier eig. Nicht weiter relevant.</a:t>
             </a:r>
           </a:p>
         </p:txBody>
@@ -4704,7 +4353,791 @@
             <a:fld id="{18182567-388C-4D33-8B7B-A651F195F118}" type="slidenum">
               <a:rPr lang="de-DE" altLang="de-DE" smtClean="0"/>
               <a:pPr/>
-              <a:t>38</a:t>
+              <a:t>39</a:t>
+            </a:fld>
+            <a:endParaRPr lang="de-DE" altLang="de-DE"/>
+          </a:p>
+        </p:txBody>
+      </p:sp>
+    </p:spTree>
+    <p:extLst>
+      <p:ext uri="{BB962C8B-B14F-4D97-AF65-F5344CB8AC3E}">
+        <p14:creationId xmlns:p14="http://schemas.microsoft.com/office/powerpoint/2010/main" val="2158994840"/>
+      </p:ext>
+    </p:extLst>
+  </p:cSld>
+  <p:clrMapOvr>
+    <a:masterClrMapping/>
+  </p:clrMapOvr>
+</p:notes>
+</file>
+
+<file path=ppt/notesSlides/notesSlide31.xml><?xml version="1.0" encoding="utf-8"?>
+<p:notes xmlns:a="http://schemas.openxmlformats.org/drawingml/2006/main" xmlns:r="http://schemas.openxmlformats.org/officeDocument/2006/relationships" xmlns:p="http://schemas.openxmlformats.org/presentationml/2006/main">
+  <p:cSld>
+    <p:spTree>
+      <p:nvGrpSpPr>
+        <p:cNvPr id="1" name=""/>
+        <p:cNvGrpSpPr/>
+        <p:nvPr/>
+      </p:nvGrpSpPr>
+      <p:grpSpPr>
+        <a:xfrm>
+          <a:off x="0" y="0"/>
+          <a:ext cx="0" cy="0"/>
+          <a:chOff x="0" y="0"/>
+          <a:chExt cx="0" cy="0"/>
+        </a:xfrm>
+      </p:grpSpPr>
+      <p:sp>
+        <p:nvSpPr>
+          <p:cNvPr id="2" name="Folienbildplatzhalter 1"/>
+          <p:cNvSpPr>
+            <a:spLocks noGrp="1" noRot="1" noChangeAspect="1"/>
+          </p:cNvSpPr>
+          <p:nvPr>
+            <p:ph type="sldImg"/>
+          </p:nvPr>
+        </p:nvSpPr>
+        <p:spPr/>
+      </p:sp>
+      <p:sp>
+        <p:nvSpPr>
+          <p:cNvPr id="3" name="Notizenplatzhalter 2"/>
+          <p:cNvSpPr>
+            <a:spLocks noGrp="1"/>
+          </p:cNvSpPr>
+          <p:nvPr>
+            <p:ph type="body" idx="1"/>
+          </p:nvPr>
+        </p:nvSpPr>
+        <p:spPr/>
+        <p:txBody>
+          <a:bodyPr/>
+          <a:lstStyle/>
+          <a:p>
+            <a:r>
+              <a:rPr lang="de-DE" dirty="0" err="1"/>
+              <a:t>GitOps</a:t>
+            </a:r>
+            <a:r>
+              <a:rPr lang="de-DE" dirty="0"/>
+              <a:t> Tools: Infrastruktur (</a:t>
+            </a:r>
+            <a:r>
+              <a:rPr lang="de-DE" dirty="0" err="1"/>
+              <a:t>IaC</a:t>
+            </a:r>
+            <a:r>
+              <a:rPr lang="de-DE" dirty="0"/>
+              <a:t>) in ein separates Repo!</a:t>
+            </a:r>
+          </a:p>
+          <a:p>
+            <a:endParaRPr lang="de-DE" dirty="0"/>
+          </a:p>
+          <a:p>
+            <a:r>
+              <a:rPr lang="de-DE" dirty="0"/>
+              <a:t>https://argo-cd.readthedocs.io/en/stable/user-guide/best_practices/</a:t>
+            </a:r>
+          </a:p>
+          <a:p>
+            <a:endParaRPr lang="de-DE" dirty="0"/>
+          </a:p>
+          <a:p>
+            <a:pPr algn="l"/>
+            <a:r>
+              <a:rPr lang="en-US" b="0" i="0" dirty="0">
+                <a:effectLst/>
+                <a:latin typeface="Work Sans" pitchFamily="2" charset="0"/>
+              </a:rPr>
+              <a:t>Best Practices</a:t>
+            </a:r>
+            <a:endParaRPr lang="en-US" b="0" i="0" u="none" strike="noStrike" dirty="0">
+              <a:effectLst/>
+              <a:latin typeface="Work Sans" pitchFamily="2" charset="0"/>
+            </a:endParaRPr>
+          </a:p>
+          <a:p>
+            <a:pPr algn="l"/>
+            <a:endParaRPr lang="en-US" b="0" i="0" dirty="0">
+              <a:effectLst/>
+              <a:latin typeface="Work Sans" pitchFamily="2" charset="0"/>
+            </a:endParaRPr>
+          </a:p>
+          <a:p>
+            <a:pPr algn="l"/>
+            <a:r>
+              <a:rPr lang="en-US" b="0" i="0" dirty="0">
+                <a:effectLst/>
+                <a:latin typeface="Work Sans" pitchFamily="2" charset="0"/>
+              </a:rPr>
+              <a:t>Separating Config Vs. Source Code Repositories</a:t>
+            </a:r>
+            <a:endParaRPr lang="en-US" b="0" i="0" u="none" strike="noStrike" dirty="0">
+              <a:effectLst/>
+              <a:latin typeface="Work Sans" pitchFamily="2" charset="0"/>
+            </a:endParaRPr>
+          </a:p>
+          <a:p>
+            <a:pPr algn="l"/>
+            <a:endParaRPr lang="en-US" b="0" i="0" dirty="0">
+              <a:effectLst/>
+              <a:latin typeface="Work Sans" pitchFamily="2" charset="0"/>
+            </a:endParaRPr>
+          </a:p>
+          <a:p>
+            <a:pPr algn="l"/>
+            <a:r>
+              <a:rPr lang="en-US" b="0" i="0" dirty="0">
+                <a:effectLst/>
+                <a:latin typeface="Work Sans" pitchFamily="2" charset="0"/>
+              </a:rPr>
+              <a:t>Using a separate Git repository to hold your Kubernetes manifests, keeping the config separate from your application source code, is highly recommended for the following reasons:</a:t>
+            </a:r>
+          </a:p>
+          <a:p>
+            <a:pPr algn="l"/>
+            <a:endParaRPr lang="en-US" b="0" i="0" dirty="0">
+              <a:effectLst/>
+              <a:latin typeface="Work Sans" pitchFamily="2" charset="0"/>
+            </a:endParaRPr>
+          </a:p>
+          <a:p>
+            <a:pPr algn="l">
+              <a:buFont typeface="+mj-lt"/>
+              <a:buAutoNum type="arabicPeriod"/>
+            </a:pPr>
+            <a:r>
+              <a:rPr lang="en-US" b="0" i="0" dirty="0">
+                <a:effectLst/>
+                <a:latin typeface="Work Sans" pitchFamily="2" charset="0"/>
+              </a:rPr>
+              <a:t>It provides a clean separation of application code vs. application config. There will be times when you wish to modify just the manifests without triggering an entire CI build. For example, you likely do </a:t>
+            </a:r>
+            <a:r>
+              <a:rPr lang="en-US" b="0" i="1" dirty="0">
+                <a:effectLst/>
+                <a:latin typeface="Work Sans" pitchFamily="2" charset="0"/>
+              </a:rPr>
+              <a:t>not</a:t>
+            </a:r>
+            <a:r>
+              <a:rPr lang="en-US" b="0" i="0" dirty="0">
+                <a:effectLst/>
+                <a:latin typeface="Work Sans" pitchFamily="2" charset="0"/>
+              </a:rPr>
+              <a:t> want to trigger a build if you simply wish to bump the number of replicas in a Deployment spec.</a:t>
+            </a:r>
+          </a:p>
+          <a:p>
+            <a:pPr algn="l">
+              <a:buFont typeface="+mj-lt"/>
+              <a:buAutoNum type="arabicPeriod"/>
+            </a:pPr>
+            <a:endParaRPr lang="en-US" b="0" i="0" dirty="0">
+              <a:effectLst/>
+              <a:latin typeface="Work Sans" pitchFamily="2" charset="0"/>
+            </a:endParaRPr>
+          </a:p>
+          <a:p>
+            <a:pPr algn="l">
+              <a:buFont typeface="+mj-lt"/>
+              <a:buAutoNum type="arabicPeriod"/>
+            </a:pPr>
+            <a:r>
+              <a:rPr lang="en-US" b="0" i="0" dirty="0">
+                <a:effectLst/>
+                <a:latin typeface="Work Sans" pitchFamily="2" charset="0"/>
+              </a:rPr>
+              <a:t>Cleaner audit log. For auditing purposes, a repo which only holds configuration will have a much cleaner Git history of what changes were made, without the noise coming from check-ins due to normal development activity.</a:t>
+            </a:r>
+          </a:p>
+          <a:p>
+            <a:pPr algn="l">
+              <a:buFont typeface="+mj-lt"/>
+              <a:buAutoNum type="arabicPeriod"/>
+            </a:pPr>
+            <a:endParaRPr lang="en-US" b="0" i="0" dirty="0">
+              <a:effectLst/>
+              <a:latin typeface="Work Sans" pitchFamily="2" charset="0"/>
+            </a:endParaRPr>
+          </a:p>
+          <a:p>
+            <a:pPr algn="l">
+              <a:buFont typeface="+mj-lt"/>
+              <a:buAutoNum type="arabicPeriod"/>
+            </a:pPr>
+            <a:r>
+              <a:rPr lang="en-US" b="0" i="0" dirty="0">
+                <a:effectLst/>
+                <a:latin typeface="Work Sans" pitchFamily="2" charset="0"/>
+              </a:rPr>
+              <a:t>Your application may be comprised of services built from multiple Git repositories, but is deployed as a single unit. Oftentimes, microservices applications are comprised of services with different versioning schemes, and release cycles (e.g. ELK, Kafka + </a:t>
+            </a:r>
+            <a:r>
+              <a:rPr lang="en-US" b="0" i="0" dirty="0" err="1">
+                <a:effectLst/>
+                <a:latin typeface="Work Sans" pitchFamily="2" charset="0"/>
+              </a:rPr>
+              <a:t>ZooKeeper</a:t>
+            </a:r>
+            <a:r>
+              <a:rPr lang="en-US" b="0" i="0" dirty="0">
+                <a:effectLst/>
+                <a:latin typeface="Work Sans" pitchFamily="2" charset="0"/>
+              </a:rPr>
+              <a:t>). It may not make sense to store the manifests in one of the source code repositories of a single component.</a:t>
+            </a:r>
+          </a:p>
+          <a:p>
+            <a:pPr algn="l">
+              <a:buFont typeface="+mj-lt"/>
+              <a:buAutoNum type="arabicPeriod"/>
+            </a:pPr>
+            <a:endParaRPr lang="en-US" b="0" i="0" dirty="0">
+              <a:effectLst/>
+              <a:latin typeface="Work Sans" pitchFamily="2" charset="0"/>
+            </a:endParaRPr>
+          </a:p>
+          <a:p>
+            <a:pPr algn="l">
+              <a:buFont typeface="+mj-lt"/>
+              <a:buAutoNum type="arabicPeriod"/>
+            </a:pPr>
+            <a:r>
+              <a:rPr lang="en-US" b="0" i="0" dirty="0">
+                <a:effectLst/>
+                <a:latin typeface="Work Sans" pitchFamily="2" charset="0"/>
+              </a:rPr>
+              <a:t>Separation of access. The developers who are developing the application, may not necessarily be the same people who can/should push to production environments, either intentionally or unintentionally. By having separate repos, commit access can be given to the source code repo, and not the application config repo.</a:t>
+            </a:r>
+          </a:p>
+          <a:p>
+            <a:pPr algn="l">
+              <a:buFont typeface="+mj-lt"/>
+              <a:buAutoNum type="arabicPeriod"/>
+            </a:pPr>
+            <a:endParaRPr lang="en-US" b="0" i="0" dirty="0">
+              <a:effectLst/>
+              <a:latin typeface="Work Sans" pitchFamily="2" charset="0"/>
+            </a:endParaRPr>
+          </a:p>
+          <a:p>
+            <a:pPr algn="l">
+              <a:buFont typeface="+mj-lt"/>
+              <a:buAutoNum type="arabicPeriod"/>
+            </a:pPr>
+            <a:r>
+              <a:rPr lang="en-US" b="0" i="0" dirty="0">
+                <a:effectLst/>
+                <a:latin typeface="Work Sans" pitchFamily="2" charset="0"/>
+              </a:rPr>
+              <a:t>If you are automating your CI pipeline, pushing manifest changes to the same Git repository can trigger an infinite loop of build jobs and Git commit triggers. Having a separate repo to push config changes to, prevents this from happening.</a:t>
+            </a:r>
+          </a:p>
+          <a:p>
+            <a:endParaRPr lang="de-DE" dirty="0"/>
+          </a:p>
+          <a:p>
+            <a:endParaRPr lang="de-DE" dirty="0"/>
+          </a:p>
+        </p:txBody>
+      </p:sp>
+      <p:sp>
+        <p:nvSpPr>
+          <p:cNvPr id="4" name="Foliennummernplatzhalter 3"/>
+          <p:cNvSpPr>
+            <a:spLocks noGrp="1"/>
+          </p:cNvSpPr>
+          <p:nvPr>
+            <p:ph type="sldNum" sz="quarter" idx="5"/>
+          </p:nvPr>
+        </p:nvSpPr>
+        <p:spPr/>
+        <p:txBody>
+          <a:bodyPr/>
+          <a:lstStyle/>
+          <a:p>
+            <a:fld id="{18182567-388C-4D33-8B7B-A651F195F118}" type="slidenum">
+              <a:rPr lang="de-DE" altLang="de-DE" smtClean="0"/>
+              <a:pPr/>
+              <a:t>40</a:t>
+            </a:fld>
+            <a:endParaRPr lang="de-DE" altLang="de-DE"/>
+          </a:p>
+        </p:txBody>
+      </p:sp>
+    </p:spTree>
+    <p:extLst>
+      <p:ext uri="{BB962C8B-B14F-4D97-AF65-F5344CB8AC3E}">
+        <p14:creationId xmlns:p14="http://schemas.microsoft.com/office/powerpoint/2010/main" val="1390618214"/>
+      </p:ext>
+    </p:extLst>
+  </p:cSld>
+  <p:clrMapOvr>
+    <a:masterClrMapping/>
+  </p:clrMapOvr>
+</p:notes>
+</file>
+
+<file path=ppt/notesSlides/notesSlide32.xml><?xml version="1.0" encoding="utf-8"?>
+<p:notes xmlns:a="http://schemas.openxmlformats.org/drawingml/2006/main" xmlns:r="http://schemas.openxmlformats.org/officeDocument/2006/relationships" xmlns:p="http://schemas.openxmlformats.org/presentationml/2006/main">
+  <p:cSld>
+    <p:spTree>
+      <p:nvGrpSpPr>
+        <p:cNvPr id="1" name=""/>
+        <p:cNvGrpSpPr/>
+        <p:nvPr/>
+      </p:nvGrpSpPr>
+      <p:grpSpPr>
+        <a:xfrm>
+          <a:off x="0" y="0"/>
+          <a:ext cx="0" cy="0"/>
+          <a:chOff x="0" y="0"/>
+          <a:chExt cx="0" cy="0"/>
+        </a:xfrm>
+      </p:grpSpPr>
+      <p:sp>
+        <p:nvSpPr>
+          <p:cNvPr id="2" name="Folienbildplatzhalter 1"/>
+          <p:cNvSpPr>
+            <a:spLocks noGrp="1" noRot="1" noChangeAspect="1"/>
+          </p:cNvSpPr>
+          <p:nvPr>
+            <p:ph type="sldImg"/>
+          </p:nvPr>
+        </p:nvSpPr>
+        <p:spPr/>
+      </p:sp>
+      <p:sp>
+        <p:nvSpPr>
+          <p:cNvPr id="3" name="Notizenplatzhalter 2"/>
+          <p:cNvSpPr>
+            <a:spLocks noGrp="1"/>
+          </p:cNvSpPr>
+          <p:nvPr>
+            <p:ph type="body" idx="1"/>
+          </p:nvPr>
+        </p:nvSpPr>
+        <p:spPr/>
+        <p:txBody>
+          <a:bodyPr/>
+          <a:lstStyle/>
+          <a:p>
+            <a:endParaRPr lang="de-DE" dirty="0"/>
+          </a:p>
+        </p:txBody>
+      </p:sp>
+      <p:sp>
+        <p:nvSpPr>
+          <p:cNvPr id="4" name="Foliennummernplatzhalter 3"/>
+          <p:cNvSpPr>
+            <a:spLocks noGrp="1"/>
+          </p:cNvSpPr>
+          <p:nvPr>
+            <p:ph type="sldNum" sz="quarter" idx="5"/>
+          </p:nvPr>
+        </p:nvSpPr>
+        <p:spPr/>
+        <p:txBody>
+          <a:bodyPr/>
+          <a:lstStyle/>
+          <a:p>
+            <a:fld id="{18182567-388C-4D33-8B7B-A651F195F118}" type="slidenum">
+              <a:rPr lang="de-DE" altLang="de-DE" smtClean="0"/>
+              <a:pPr/>
+              <a:t>43</a:t>
+            </a:fld>
+            <a:endParaRPr lang="de-DE" altLang="de-DE"/>
+          </a:p>
+        </p:txBody>
+      </p:sp>
+    </p:spTree>
+    <p:extLst>
+      <p:ext uri="{BB962C8B-B14F-4D97-AF65-F5344CB8AC3E}">
+        <p14:creationId xmlns:p14="http://schemas.microsoft.com/office/powerpoint/2010/main" val="1497522267"/>
+      </p:ext>
+    </p:extLst>
+  </p:cSld>
+  <p:clrMapOvr>
+    <a:masterClrMapping/>
+  </p:clrMapOvr>
+</p:notes>
+</file>
+
+<file path=ppt/notesSlides/notesSlide33.xml><?xml version="1.0" encoding="utf-8"?>
+<p:notes xmlns:a="http://schemas.openxmlformats.org/drawingml/2006/main" xmlns:r="http://schemas.openxmlformats.org/officeDocument/2006/relationships" xmlns:p="http://schemas.openxmlformats.org/presentationml/2006/main">
+  <p:cSld>
+    <p:spTree>
+      <p:nvGrpSpPr>
+        <p:cNvPr id="1" name=""/>
+        <p:cNvGrpSpPr/>
+        <p:nvPr/>
+      </p:nvGrpSpPr>
+      <p:grpSpPr>
+        <a:xfrm>
+          <a:off x="0" y="0"/>
+          <a:ext cx="0" cy="0"/>
+          <a:chOff x="0" y="0"/>
+          <a:chExt cx="0" cy="0"/>
+        </a:xfrm>
+      </p:grpSpPr>
+      <p:sp>
+        <p:nvSpPr>
+          <p:cNvPr id="2" name="Folienbildplatzhalter 1"/>
+          <p:cNvSpPr>
+            <a:spLocks noGrp="1" noRot="1" noChangeAspect="1"/>
+          </p:cNvSpPr>
+          <p:nvPr>
+            <p:ph type="sldImg"/>
+          </p:nvPr>
+        </p:nvSpPr>
+        <p:spPr/>
+      </p:sp>
+      <p:sp>
+        <p:nvSpPr>
+          <p:cNvPr id="3" name="Notizenplatzhalter 2"/>
+          <p:cNvSpPr>
+            <a:spLocks noGrp="1"/>
+          </p:cNvSpPr>
+          <p:nvPr>
+            <p:ph type="body" idx="1"/>
+          </p:nvPr>
+        </p:nvSpPr>
+        <p:spPr/>
+        <p:txBody>
+          <a:bodyPr/>
+          <a:lstStyle/>
+          <a:p>
+            <a:r>
+              <a:rPr lang="de-DE" dirty="0"/>
+              <a:t>Vorteile:</a:t>
+            </a:r>
+          </a:p>
+          <a:p>
+            <a:pPr marL="171450" indent="-171450">
+              <a:buFont typeface="Arial" panose="020B0604020202020204" pitchFamily="34" charset="0"/>
+              <a:buChar char="•"/>
+            </a:pPr>
+            <a:r>
+              <a:rPr lang="de-DE" dirty="0"/>
+              <a:t>Einzelnes Repo für die Entwicklung! (Höhere Effizienz)</a:t>
+            </a:r>
+          </a:p>
+          <a:p>
+            <a:pPr marL="171450" indent="-171450">
+              <a:buFont typeface="Arial" panose="020B0604020202020204" pitchFamily="34" charset="0"/>
+              <a:buChar char="•"/>
+            </a:pPr>
+            <a:r>
+              <a:rPr lang="de-DE" dirty="0"/>
+              <a:t>Automatisiertes </a:t>
+            </a:r>
+            <a:r>
+              <a:rPr lang="de-DE" dirty="0" err="1"/>
+              <a:t>Staging</a:t>
+            </a:r>
+            <a:r>
+              <a:rPr lang="de-DE" dirty="0"/>
+              <a:t> möglich (pull </a:t>
+            </a:r>
+            <a:r>
+              <a:rPr lang="de-DE" dirty="0" err="1"/>
+              <a:t>request</a:t>
+            </a:r>
+            <a:r>
+              <a:rPr lang="de-DE" dirty="0"/>
+              <a:t> Erzeugung, Namespaces)</a:t>
+            </a:r>
+          </a:p>
+          <a:p>
+            <a:pPr marL="171450" indent="-171450">
+              <a:buFont typeface="Arial" panose="020B0604020202020204" pitchFamily="34" charset="0"/>
+              <a:buChar char="•"/>
+            </a:pPr>
+            <a:r>
+              <a:rPr lang="de-DE" dirty="0"/>
+              <a:t>Shift-</a:t>
+            </a:r>
+            <a:r>
+              <a:rPr lang="de-DE" dirty="0" err="1"/>
+              <a:t>Left</a:t>
+            </a:r>
+            <a:r>
+              <a:rPr lang="de-DE" dirty="0"/>
+              <a:t>-Ansatz möglich! (Tests, Lint, Policy Check, ….)</a:t>
+            </a:r>
+          </a:p>
+          <a:p>
+            <a:pPr marL="628650" lvl="1" indent="-171450">
+              <a:buFont typeface="Arial" panose="020B0604020202020204" pitchFamily="34" charset="0"/>
+              <a:buChar char="•"/>
+            </a:pPr>
+            <a:r>
+              <a:rPr lang="de-DE" dirty="0"/>
+              <a:t>mit </a:t>
+            </a:r>
+            <a:r>
+              <a:rPr lang="de-DE" dirty="0" err="1"/>
+              <a:t>yamlint</a:t>
+            </a:r>
+            <a:r>
+              <a:rPr lang="de-DE" dirty="0"/>
+              <a:t>, </a:t>
+            </a:r>
+            <a:r>
+              <a:rPr lang="de-DE" dirty="0" err="1"/>
+              <a:t>kubeval</a:t>
+            </a:r>
+            <a:r>
+              <a:rPr lang="de-DE" dirty="0"/>
+              <a:t>, </a:t>
+            </a:r>
+            <a:r>
+              <a:rPr lang="de-DE" dirty="0" err="1"/>
+              <a:t>helm</a:t>
+            </a:r>
+            <a:r>
+              <a:rPr lang="de-DE" dirty="0"/>
+              <a:t> </a:t>
+            </a:r>
+            <a:r>
+              <a:rPr lang="de-DE" dirty="0" err="1"/>
+              <a:t>lint</a:t>
+            </a:r>
+            <a:r>
+              <a:rPr lang="de-DE" dirty="0"/>
+              <a:t>, </a:t>
+            </a:r>
+            <a:r>
+              <a:rPr lang="de-DE" dirty="0" err="1"/>
+              <a:t>conftest</a:t>
+            </a:r>
+            <a:endParaRPr lang="de-DE" dirty="0"/>
+          </a:p>
+          <a:p>
+            <a:pPr marL="171450" indent="-171450">
+              <a:buFont typeface="Arial" panose="020B0604020202020204" pitchFamily="34" charset="0"/>
+              <a:buChar char="•"/>
+            </a:pPr>
+            <a:endParaRPr lang="de-DE" dirty="0"/>
+          </a:p>
+          <a:p>
+            <a:pPr marL="0" indent="0">
+              <a:buFont typeface="Arial" panose="020B0604020202020204" pitchFamily="34" charset="0"/>
+              <a:buNone/>
+            </a:pPr>
+            <a:r>
+              <a:rPr lang="de-DE" dirty="0"/>
+              <a:t>Nachteile:</a:t>
+            </a:r>
+          </a:p>
+          <a:p>
+            <a:pPr marL="171450" indent="-171450">
+              <a:buFont typeface="Arial" panose="020B0604020202020204" pitchFamily="34" charset="0"/>
+              <a:buChar char="•"/>
+            </a:pPr>
+            <a:r>
+              <a:rPr lang="de-DE" dirty="0"/>
+              <a:t>Komplexität steckt im Detail… Oder eben in den CI Pipelines.</a:t>
+            </a:r>
+          </a:p>
+        </p:txBody>
+      </p:sp>
+      <p:sp>
+        <p:nvSpPr>
+          <p:cNvPr id="4" name="Foliennummernplatzhalter 3"/>
+          <p:cNvSpPr>
+            <a:spLocks noGrp="1"/>
+          </p:cNvSpPr>
+          <p:nvPr>
+            <p:ph type="sldNum" sz="quarter" idx="5"/>
+          </p:nvPr>
+        </p:nvSpPr>
+        <p:spPr/>
+        <p:txBody>
+          <a:bodyPr/>
+          <a:lstStyle/>
+          <a:p>
+            <a:fld id="{18182567-388C-4D33-8B7B-A651F195F118}" type="slidenum">
+              <a:rPr lang="de-DE" altLang="de-DE" smtClean="0"/>
+              <a:pPr/>
+              <a:t>44</a:t>
+            </a:fld>
+            <a:endParaRPr lang="de-DE" altLang="de-DE"/>
+          </a:p>
+        </p:txBody>
+      </p:sp>
+    </p:spTree>
+    <p:extLst>
+      <p:ext uri="{BB962C8B-B14F-4D97-AF65-F5344CB8AC3E}">
+        <p14:creationId xmlns:p14="http://schemas.microsoft.com/office/powerpoint/2010/main" val="2083903176"/>
+      </p:ext>
+    </p:extLst>
+  </p:cSld>
+  <p:clrMapOvr>
+    <a:masterClrMapping/>
+  </p:clrMapOvr>
+</p:notes>
+</file>
+
+<file path=ppt/notesSlides/notesSlide34.xml><?xml version="1.0" encoding="utf-8"?>
+<p:notes xmlns:a="http://schemas.openxmlformats.org/drawingml/2006/main" xmlns:r="http://schemas.openxmlformats.org/officeDocument/2006/relationships" xmlns:p="http://schemas.openxmlformats.org/presentationml/2006/main">
+  <p:cSld>
+    <p:spTree>
+      <p:nvGrpSpPr>
+        <p:cNvPr id="1" name=""/>
+        <p:cNvGrpSpPr/>
+        <p:nvPr/>
+      </p:nvGrpSpPr>
+      <p:grpSpPr>
+        <a:xfrm>
+          <a:off x="0" y="0"/>
+          <a:ext cx="0" cy="0"/>
+          <a:chOff x="0" y="0"/>
+          <a:chExt cx="0" cy="0"/>
+        </a:xfrm>
+      </p:grpSpPr>
+      <p:sp>
+        <p:nvSpPr>
+          <p:cNvPr id="2" name="Folienbildplatzhalter 1"/>
+          <p:cNvSpPr>
+            <a:spLocks noGrp="1" noRot="1" noChangeAspect="1"/>
+          </p:cNvSpPr>
+          <p:nvPr>
+            <p:ph type="sldImg"/>
+          </p:nvPr>
+        </p:nvSpPr>
+        <p:spPr/>
+      </p:sp>
+      <p:sp>
+        <p:nvSpPr>
+          <p:cNvPr id="3" name="Notizenplatzhalter 2"/>
+          <p:cNvSpPr>
+            <a:spLocks noGrp="1"/>
+          </p:cNvSpPr>
+          <p:nvPr>
+            <p:ph type="body" idx="1"/>
+          </p:nvPr>
+        </p:nvSpPr>
+        <p:spPr/>
+        <p:txBody>
+          <a:bodyPr/>
+          <a:lstStyle/>
+          <a:p>
+            <a:endParaRPr lang="de-DE" dirty="0"/>
+          </a:p>
+        </p:txBody>
+      </p:sp>
+      <p:sp>
+        <p:nvSpPr>
+          <p:cNvPr id="4" name="Foliennummernplatzhalter 3"/>
+          <p:cNvSpPr>
+            <a:spLocks noGrp="1"/>
+          </p:cNvSpPr>
+          <p:nvPr>
+            <p:ph type="sldNum" sz="quarter" idx="5"/>
+          </p:nvPr>
+        </p:nvSpPr>
+        <p:spPr/>
+        <p:txBody>
+          <a:bodyPr/>
+          <a:lstStyle/>
+          <a:p>
+            <a:fld id="{18182567-388C-4D33-8B7B-A651F195F118}" type="slidenum">
+              <a:rPr lang="de-DE" altLang="de-DE" smtClean="0"/>
+              <a:pPr/>
+              <a:t>45</a:t>
+            </a:fld>
+            <a:endParaRPr lang="de-DE" altLang="de-DE"/>
+          </a:p>
+        </p:txBody>
+      </p:sp>
+    </p:spTree>
+    <p:extLst>
+      <p:ext uri="{BB962C8B-B14F-4D97-AF65-F5344CB8AC3E}">
+        <p14:creationId xmlns:p14="http://schemas.microsoft.com/office/powerpoint/2010/main" val="3352445793"/>
+      </p:ext>
+    </p:extLst>
+  </p:cSld>
+  <p:clrMapOvr>
+    <a:masterClrMapping/>
+  </p:clrMapOvr>
+</p:notes>
+</file>
+
+<file path=ppt/notesSlides/notesSlide35.xml><?xml version="1.0" encoding="utf-8"?>
+<p:notes xmlns:a="http://schemas.openxmlformats.org/drawingml/2006/main" xmlns:r="http://schemas.openxmlformats.org/officeDocument/2006/relationships" xmlns:p="http://schemas.openxmlformats.org/presentationml/2006/main">
+  <p:cSld>
+    <p:spTree>
+      <p:nvGrpSpPr>
+        <p:cNvPr id="1" name=""/>
+        <p:cNvGrpSpPr/>
+        <p:nvPr/>
+      </p:nvGrpSpPr>
+      <p:grpSpPr>
+        <a:xfrm>
+          <a:off x="0" y="0"/>
+          <a:ext cx="0" cy="0"/>
+          <a:chOff x="0" y="0"/>
+          <a:chExt cx="0" cy="0"/>
+        </a:xfrm>
+      </p:grpSpPr>
+      <p:sp>
+        <p:nvSpPr>
+          <p:cNvPr id="2" name="Folienbildplatzhalter 1"/>
+          <p:cNvSpPr>
+            <a:spLocks noGrp="1" noRot="1" noChangeAspect="1"/>
+          </p:cNvSpPr>
+          <p:nvPr>
+            <p:ph type="sldImg"/>
+          </p:nvPr>
+        </p:nvSpPr>
+        <p:spPr/>
+      </p:sp>
+      <p:sp>
+        <p:nvSpPr>
+          <p:cNvPr id="3" name="Notizenplatzhalter 2"/>
+          <p:cNvSpPr>
+            <a:spLocks noGrp="1"/>
+          </p:cNvSpPr>
+          <p:nvPr>
+            <p:ph type="body" idx="1"/>
+          </p:nvPr>
+        </p:nvSpPr>
+        <p:spPr/>
+        <p:txBody>
+          <a:bodyPr/>
+          <a:lstStyle/>
+          <a:p>
+            <a:r>
+              <a:rPr lang="de-DE" dirty="0"/>
+              <a:t>Quelle: https://blog.kubesimplify.com/gitops-demystified</a:t>
+            </a:r>
+          </a:p>
+        </p:txBody>
+      </p:sp>
+      <p:sp>
+        <p:nvSpPr>
+          <p:cNvPr id="4" name="Foliennummernplatzhalter 3"/>
+          <p:cNvSpPr>
+            <a:spLocks noGrp="1"/>
+          </p:cNvSpPr>
+          <p:nvPr>
+            <p:ph type="sldNum" sz="quarter" idx="5"/>
+          </p:nvPr>
+        </p:nvSpPr>
+        <p:spPr/>
+        <p:txBody>
+          <a:bodyPr/>
+          <a:lstStyle/>
+          <a:p>
+            <a:fld id="{18182567-388C-4D33-8B7B-A651F195F118}" type="slidenum">
+              <a:rPr lang="de-DE" altLang="de-DE" smtClean="0"/>
+              <a:pPr/>
+              <a:t>46</a:t>
             </a:fld>
             <a:endParaRPr lang="de-DE" altLang="de-DE"/>
           </a:p>
@@ -6975,7 +7408,7 @@
               <a:pPr algn="ctr">
                 <a:defRPr/>
               </a:pPr>
-              <a:t>29.07.2024</a:t>
+              <a:t>01.08.2024</a:t>
             </a:fld>
             <a:endParaRPr lang="de-DE" sz="1000">
               <a:solidFill>
@@ -12659,10 +13092,10 @@
       </p:grpSpPr>
       <p:sp>
         <p:nvSpPr>
-          <p:cNvPr id="2" name="Titel 1">
+          <p:cNvPr id="4" name="Titel 3">
             <a:extLst>
               <a:ext uri="{FF2B5EF4-FFF2-40B4-BE49-F238E27FC236}">
-                <a16:creationId xmlns:a16="http://schemas.microsoft.com/office/drawing/2014/main" id="{6852D978-9DF5-1E6A-F50B-0CA32EA8DAC7}"/>
+                <a16:creationId xmlns:a16="http://schemas.microsoft.com/office/drawing/2014/main" id="{DE2E2438-F7AB-FA72-F879-96DF03F462F1}"/>
               </a:ext>
             </a:extLst>
           </p:cNvPr>
@@ -12679,52 +13112,171 @@
           <a:lstStyle/>
           <a:p>
             <a:r>
-              <a:rPr lang="de-DE" dirty="0" err="1"/>
+              <a:rPr lang="en-US" dirty="0" err="1"/>
               <a:t>GitOps</a:t>
             </a:r>
             <a:endParaRPr lang="de-DE" dirty="0"/>
           </a:p>
         </p:txBody>
       </p:sp>
-      <p:pic>
-        <p:nvPicPr>
+      <p:sp>
+        <p:nvSpPr>
           <p:cNvPr id="5" name="Inhaltsplatzhalter 4">
             <a:extLst>
               <a:ext uri="{FF2B5EF4-FFF2-40B4-BE49-F238E27FC236}">
-                <a16:creationId xmlns:a16="http://schemas.microsoft.com/office/drawing/2014/main" id="{37FD0FEF-8FFD-7132-377A-BD8E8097BBE0}"/>
+                <a16:creationId xmlns:a16="http://schemas.microsoft.com/office/drawing/2014/main" id="{CEE3422D-D918-7E84-8C4D-561B54190ECC}"/>
               </a:ext>
             </a:extLst>
           </p:cNvPr>
-          <p:cNvPicPr>
-            <a:picLocks noGrp="1" noChangeAspect="1"/>
-          </p:cNvPicPr>
+          <p:cNvSpPr>
+            <a:spLocks noGrp="1"/>
+          </p:cNvSpPr>
           <p:nvPr>
             <p:ph idx="1"/>
           </p:nvPr>
-        </p:nvPicPr>
-        <p:blipFill>
-          <a:blip r:embed="rId3">
-            <a:extLst>
-              <a:ext uri="{28A0092B-C50C-407E-A947-70E740481C1C}">
-                <a14:useLocalDpi xmlns:a14="http://schemas.microsoft.com/office/drawing/2010/main" val="0"/>
-              </a:ext>
-            </a:extLst>
-          </a:blip>
-          <a:stretch>
-            <a:fillRect/>
-          </a:stretch>
-        </p:blipFill>
-        <p:spPr>
-          <a:xfrm>
-            <a:off x="332581" y="1300162"/>
-            <a:ext cx="8458200" cy="4762500"/>
-          </a:xfrm>
-        </p:spPr>
-      </p:pic>
+        </p:nvSpPr>
+        <p:spPr/>
+        <p:txBody>
+          <a:bodyPr/>
+          <a:lstStyle/>
+          <a:p>
+            <a:pPr marL="0" indent="0">
+              <a:buNone/>
+            </a:pPr>
+            <a:r>
+              <a:rPr lang="en-US" b="1" dirty="0"/>
+              <a:t>Demo und Aufgabe:</a:t>
+            </a:r>
+            <a:br>
+              <a:rPr lang="en-US" b="1" dirty="0"/>
+            </a:br>
+            <a:r>
+              <a:rPr lang="en-US" b="1" dirty="0"/>
+              <a:t>Example Deploy</a:t>
+            </a:r>
+            <a:r>
+              <a:rPr lang="de-DE" b="1" dirty="0"/>
+              <a:t> </a:t>
+            </a:r>
+            <a:r>
+              <a:rPr lang="de-DE" b="1" dirty="0" err="1"/>
+              <a:t>with</a:t>
+            </a:r>
+            <a:r>
+              <a:rPr lang="de-DE" b="1" dirty="0"/>
+              <a:t> </a:t>
+            </a:r>
+            <a:r>
+              <a:rPr lang="de-DE" b="1"/>
+              <a:t>GitOps</a:t>
+            </a:r>
+            <a:endParaRPr lang="de-DE" b="1" dirty="0"/>
+          </a:p>
+          <a:p>
+            <a:pPr>
+              <a:buFont typeface="Arial" panose="020B0604020202020204" pitchFamily="34" charset="0"/>
+              <a:buChar char="•"/>
+            </a:pPr>
+            <a:r>
+              <a:rPr lang="de-DE" dirty="0"/>
+              <a:t>Deploy in </a:t>
+            </a:r>
+            <a:r>
+              <a:rPr lang="de-DE" dirty="0" err="1"/>
+              <a:t>Kubernetes</a:t>
+            </a:r>
+            <a:r>
+              <a:rPr lang="de-DE" dirty="0"/>
+              <a:t> Kluser von Docker Desktop </a:t>
+            </a:r>
+          </a:p>
+          <a:p>
+            <a:pPr>
+              <a:buFont typeface="Arial" panose="020B0604020202020204" pitchFamily="34" charset="0"/>
+              <a:buChar char="•"/>
+            </a:pPr>
+            <a:r>
+              <a:rPr lang="de-DE" dirty="0" err="1"/>
+              <a:t>IaC</a:t>
+            </a:r>
+            <a:r>
+              <a:rPr lang="de-DE" dirty="0"/>
+              <a:t> via </a:t>
+            </a:r>
+            <a:r>
+              <a:rPr lang="de-DE" dirty="0" err="1"/>
+              <a:t>Kubernetes</a:t>
+            </a:r>
+            <a:r>
+              <a:rPr lang="de-DE" dirty="0"/>
+              <a:t> Manifests </a:t>
+            </a:r>
+            <a:r>
+              <a:rPr lang="de-DE" dirty="0" err="1"/>
+              <a:t>files</a:t>
+            </a:r>
+            <a:endParaRPr lang="de-DE" dirty="0"/>
+          </a:p>
+          <a:p>
+            <a:pPr>
+              <a:buFont typeface="Arial" panose="020B0604020202020204" pitchFamily="34" charset="0"/>
+              <a:buChar char="•"/>
+            </a:pPr>
+            <a:r>
+              <a:rPr lang="de-DE" dirty="0" err="1"/>
+              <a:t>Gitlabs</a:t>
+            </a:r>
+            <a:r>
+              <a:rPr lang="de-DE" dirty="0"/>
+              <a:t> als Container Registry</a:t>
+            </a:r>
+          </a:p>
+          <a:p>
+            <a:pPr>
+              <a:buFont typeface="Arial" panose="020B0604020202020204" pitchFamily="34" charset="0"/>
+              <a:buChar char="•"/>
+            </a:pPr>
+            <a:r>
+              <a:rPr lang="de-DE" dirty="0" err="1"/>
+              <a:t>Flux</a:t>
+            </a:r>
+            <a:r>
+              <a:rPr lang="de-DE" dirty="0"/>
+              <a:t> als </a:t>
+            </a:r>
+            <a:r>
+              <a:rPr lang="de-DE" dirty="0" err="1"/>
+              <a:t>GitOps</a:t>
+            </a:r>
+            <a:r>
+              <a:rPr lang="de-DE" dirty="0"/>
+              <a:t> Operator</a:t>
+            </a:r>
+          </a:p>
+          <a:p>
+            <a:pPr>
+              <a:buFont typeface="Arial" panose="020B0604020202020204" pitchFamily="34" charset="0"/>
+              <a:buChar char="•"/>
+            </a:pPr>
+            <a:r>
+              <a:rPr lang="de-DE" dirty="0"/>
+              <a:t>Sourcecode und </a:t>
+            </a:r>
+            <a:r>
+              <a:rPr lang="de-DE" dirty="0" err="1"/>
+              <a:t>IaC</a:t>
+            </a:r>
+            <a:r>
+              <a:rPr lang="de-DE" dirty="0"/>
+              <a:t> in einem Repository</a:t>
+            </a:r>
+          </a:p>
+        </p:txBody>
+      </p:sp>
     </p:spTree>
     <p:extLst>
       <p:ext uri="{BB962C8B-B14F-4D97-AF65-F5344CB8AC3E}">
-        <p14:creationId xmlns:p14="http://schemas.microsoft.com/office/powerpoint/2010/main" val="3210427694"/>
+        <p14:creationId xmlns:p14="http://schemas.microsoft.com/office/powerpoint/2010/main" val="2882101199"/>
       </p:ext>
     </p:extLst>
   </p:cSld>
@@ -12753,6 +13305,2238 @@
       </p:grpSpPr>
       <p:sp>
         <p:nvSpPr>
+          <p:cNvPr id="4" name="Titel 3">
+            <a:extLst>
+              <a:ext uri="{FF2B5EF4-FFF2-40B4-BE49-F238E27FC236}">
+                <a16:creationId xmlns:a16="http://schemas.microsoft.com/office/drawing/2014/main" id="{DE2E2438-F7AB-FA72-F879-96DF03F462F1}"/>
+              </a:ext>
+            </a:extLst>
+          </p:cNvPr>
+          <p:cNvSpPr>
+            <a:spLocks noGrp="1"/>
+          </p:cNvSpPr>
+          <p:nvPr>
+            <p:ph type="title"/>
+          </p:nvPr>
+        </p:nvSpPr>
+        <p:spPr/>
+        <p:txBody>
+          <a:bodyPr/>
+          <a:lstStyle/>
+          <a:p>
+            <a:r>
+              <a:rPr lang="en-US" dirty="0" err="1"/>
+              <a:t>GitOps</a:t>
+            </a:r>
+            <a:endParaRPr lang="de-DE" dirty="0"/>
+          </a:p>
+        </p:txBody>
+      </p:sp>
+      <p:sp>
+        <p:nvSpPr>
+          <p:cNvPr id="5" name="Inhaltsplatzhalter 4">
+            <a:extLst>
+              <a:ext uri="{FF2B5EF4-FFF2-40B4-BE49-F238E27FC236}">
+                <a16:creationId xmlns:a16="http://schemas.microsoft.com/office/drawing/2014/main" id="{CEE3422D-D918-7E84-8C4D-561B54190ECC}"/>
+              </a:ext>
+            </a:extLst>
+          </p:cNvPr>
+          <p:cNvSpPr>
+            <a:spLocks noGrp="1"/>
+          </p:cNvSpPr>
+          <p:nvPr>
+            <p:ph idx="1"/>
+          </p:nvPr>
+        </p:nvSpPr>
+        <p:spPr/>
+        <p:txBody>
+          <a:bodyPr/>
+          <a:lstStyle/>
+          <a:p>
+            <a:pPr marL="0" indent="0">
+              <a:buNone/>
+            </a:pPr>
+            <a:r>
+              <a:rPr lang="en-US" b="1" dirty="0"/>
+              <a:t>Install Flux</a:t>
+            </a:r>
+            <a:endParaRPr lang="de-DE" b="1" dirty="0"/>
+          </a:p>
+          <a:p>
+            <a:pPr>
+              <a:buFont typeface="Arial" panose="020B0604020202020204" pitchFamily="34" charset="0"/>
+              <a:buChar char="•"/>
+            </a:pPr>
+            <a:r>
+              <a:rPr lang="de-DE" dirty="0"/>
+              <a:t>Installationsanweisung auf der Webseite</a:t>
+            </a:r>
+          </a:p>
+          <a:p>
+            <a:pPr lvl="1">
+              <a:buFont typeface="Arial" panose="020B0604020202020204" pitchFamily="34" charset="0"/>
+              <a:buChar char="•"/>
+            </a:pPr>
+            <a:r>
+              <a:rPr lang="de-DE" dirty="0">
+                <a:hlinkClick r:id="rId2"/>
+              </a:rPr>
+              <a:t>https://fluxcd.io/flux/installation/</a:t>
+            </a:r>
+            <a:r>
+              <a:rPr lang="de-DE" dirty="0"/>
+              <a:t> </a:t>
+            </a:r>
+          </a:p>
+          <a:p>
+            <a:pPr lvl="1">
+              <a:buFont typeface="Arial" panose="020B0604020202020204" pitchFamily="34" charset="0"/>
+              <a:buChar char="•"/>
+            </a:pPr>
+            <a:endParaRPr lang="de-DE" dirty="0"/>
+          </a:p>
+          <a:p>
+            <a:pPr marL="0" indent="0">
+              <a:buNone/>
+            </a:pPr>
+            <a:r>
+              <a:rPr lang="en-US" b="1" dirty="0"/>
+              <a:t>Install </a:t>
+            </a:r>
+            <a:r>
+              <a:rPr lang="en-US" b="1" dirty="0" err="1"/>
+              <a:t>kubectl</a:t>
+            </a:r>
+            <a:endParaRPr lang="de-DE" b="1" dirty="0"/>
+          </a:p>
+          <a:p>
+            <a:pPr>
+              <a:buFont typeface="Arial" panose="020B0604020202020204" pitchFamily="34" charset="0"/>
+              <a:buChar char="•"/>
+            </a:pPr>
+            <a:r>
+              <a:rPr lang="de-DE" dirty="0"/>
+              <a:t>Installationsanweisung auf der Webseite</a:t>
+            </a:r>
+          </a:p>
+          <a:p>
+            <a:pPr lvl="1">
+              <a:buFont typeface="Arial" panose="020B0604020202020204" pitchFamily="34" charset="0"/>
+              <a:buChar char="•"/>
+            </a:pPr>
+            <a:r>
+              <a:rPr lang="de-DE" dirty="0">
+                <a:hlinkClick r:id="rId3"/>
+              </a:rPr>
+              <a:t>https://kubernetes.io/docs/tasks/tools/</a:t>
+            </a:r>
+            <a:r>
+              <a:rPr lang="de-DE" dirty="0"/>
+              <a:t> </a:t>
+            </a:r>
+          </a:p>
+          <a:p>
+            <a:pPr lvl="1">
+              <a:buFont typeface="Arial" panose="020B0604020202020204" pitchFamily="34" charset="0"/>
+              <a:buChar char="•"/>
+            </a:pPr>
+            <a:endParaRPr lang="de-DE" dirty="0"/>
+          </a:p>
+          <a:p>
+            <a:pPr marL="0" indent="0">
+              <a:buNone/>
+            </a:pPr>
+            <a:r>
+              <a:rPr lang="de-DE" b="1" dirty="0"/>
+              <a:t>Repository Klonen</a:t>
+            </a:r>
+          </a:p>
+          <a:p>
+            <a:pPr>
+              <a:buFont typeface="Arial" panose="020B0604020202020204" pitchFamily="34" charset="0"/>
+              <a:buChar char="•"/>
+            </a:pPr>
+            <a:r>
+              <a:rPr lang="de-DE" dirty="0"/>
+              <a:t>Klonen Sie das Repository</a:t>
+            </a:r>
+          </a:p>
+          <a:p>
+            <a:pPr>
+              <a:buFont typeface="Arial" panose="020B0604020202020204" pitchFamily="34" charset="0"/>
+              <a:buChar char="•"/>
+            </a:pPr>
+            <a:r>
+              <a:rPr lang="de-DE" dirty="0"/>
+              <a:t>Pushen sie es in Ihr </a:t>
+            </a:r>
+            <a:r>
+              <a:rPr lang="de-DE" dirty="0" err="1"/>
+              <a:t>Gitlab</a:t>
+            </a:r>
+            <a:r>
+              <a:rPr lang="de-DE" dirty="0"/>
+              <a:t> remote</a:t>
+            </a:r>
+          </a:p>
+          <a:p>
+            <a:pPr marL="457200" lvl="1" indent="0">
+              <a:buNone/>
+            </a:pPr>
+            <a:endParaRPr lang="de-DE" dirty="0"/>
+          </a:p>
+          <a:p>
+            <a:pPr lvl="1">
+              <a:buFont typeface="Arial" panose="020B0604020202020204" pitchFamily="34" charset="0"/>
+              <a:buChar char="•"/>
+            </a:pPr>
+            <a:endParaRPr lang="de-DE" dirty="0"/>
+          </a:p>
+        </p:txBody>
+      </p:sp>
+    </p:spTree>
+    <p:extLst>
+      <p:ext uri="{BB962C8B-B14F-4D97-AF65-F5344CB8AC3E}">
+        <p14:creationId xmlns:p14="http://schemas.microsoft.com/office/powerpoint/2010/main" val="4282903927"/>
+      </p:ext>
+    </p:extLst>
+  </p:cSld>
+  <p:clrMapOvr>
+    <a:masterClrMapping/>
+  </p:clrMapOvr>
+</p:sld>
+</file>
+
+<file path=ppt/slides/slide25.xml><?xml version="1.0" encoding="utf-8"?>
+<p:sld xmlns:a="http://schemas.openxmlformats.org/drawingml/2006/main" xmlns:r="http://schemas.openxmlformats.org/officeDocument/2006/relationships" xmlns:p="http://schemas.openxmlformats.org/presentationml/2006/main">
+  <p:cSld>
+    <p:spTree>
+      <p:nvGrpSpPr>
+        <p:cNvPr id="1" name=""/>
+        <p:cNvGrpSpPr/>
+        <p:nvPr/>
+      </p:nvGrpSpPr>
+      <p:grpSpPr>
+        <a:xfrm>
+          <a:off x="0" y="0"/>
+          <a:ext cx="0" cy="0"/>
+          <a:chOff x="0" y="0"/>
+          <a:chExt cx="0" cy="0"/>
+        </a:xfrm>
+      </p:grpSpPr>
+      <p:sp>
+        <p:nvSpPr>
+          <p:cNvPr id="4" name="Titel 3">
+            <a:extLst>
+              <a:ext uri="{FF2B5EF4-FFF2-40B4-BE49-F238E27FC236}">
+                <a16:creationId xmlns:a16="http://schemas.microsoft.com/office/drawing/2014/main" id="{DE2E2438-F7AB-FA72-F879-96DF03F462F1}"/>
+              </a:ext>
+            </a:extLst>
+          </p:cNvPr>
+          <p:cNvSpPr>
+            <a:spLocks noGrp="1"/>
+          </p:cNvSpPr>
+          <p:nvPr>
+            <p:ph type="title"/>
+          </p:nvPr>
+        </p:nvSpPr>
+        <p:spPr/>
+        <p:txBody>
+          <a:bodyPr/>
+          <a:lstStyle/>
+          <a:p>
+            <a:r>
+              <a:rPr lang="en-US" dirty="0" err="1"/>
+              <a:t>GitOps</a:t>
+            </a:r>
+            <a:endParaRPr lang="de-DE" dirty="0"/>
+          </a:p>
+        </p:txBody>
+      </p:sp>
+      <p:sp>
+        <p:nvSpPr>
+          <p:cNvPr id="5" name="Inhaltsplatzhalter 4">
+            <a:extLst>
+              <a:ext uri="{FF2B5EF4-FFF2-40B4-BE49-F238E27FC236}">
+                <a16:creationId xmlns:a16="http://schemas.microsoft.com/office/drawing/2014/main" id="{CEE3422D-D918-7E84-8C4D-561B54190ECC}"/>
+              </a:ext>
+            </a:extLst>
+          </p:cNvPr>
+          <p:cNvSpPr>
+            <a:spLocks noGrp="1"/>
+          </p:cNvSpPr>
+          <p:nvPr>
+            <p:ph idx="1"/>
+          </p:nvPr>
+        </p:nvSpPr>
+        <p:spPr/>
+        <p:txBody>
+          <a:bodyPr/>
+          <a:lstStyle/>
+          <a:p>
+            <a:pPr marL="0" indent="0">
+              <a:buNone/>
+            </a:pPr>
+            <a:r>
+              <a:rPr lang="de-DE" b="1" dirty="0" err="1"/>
+              <a:t>Kubernetes</a:t>
+            </a:r>
+            <a:r>
+              <a:rPr lang="de-DE" b="1" dirty="0"/>
+              <a:t> Cluster aktivieren</a:t>
+            </a:r>
+          </a:p>
+          <a:p>
+            <a:pPr>
+              <a:buFont typeface="Arial" panose="020B0604020202020204" pitchFamily="34" charset="0"/>
+              <a:buChar char="•"/>
+            </a:pPr>
+            <a:endParaRPr lang="de-DE" dirty="0"/>
+          </a:p>
+        </p:txBody>
+      </p:sp>
+      <p:pic>
+        <p:nvPicPr>
+          <p:cNvPr id="3" name="Grafik 2" descr="Ein Bild, das Text, Screenshot, Schrift, Zahl enthält.&#10;&#10;Automatisch generierte Beschreibung">
+            <a:extLst>
+              <a:ext uri="{FF2B5EF4-FFF2-40B4-BE49-F238E27FC236}">
+                <a16:creationId xmlns:a16="http://schemas.microsoft.com/office/drawing/2014/main" id="{A92B9147-8814-E930-92D8-745254A9E4BD}"/>
+              </a:ext>
+            </a:extLst>
+          </p:cNvPr>
+          <p:cNvPicPr>
+            <a:picLocks noChangeAspect="1"/>
+          </p:cNvPicPr>
+          <p:nvPr/>
+        </p:nvPicPr>
+        <p:blipFill>
+          <a:blip r:embed="rId2">
+            <a:extLst>
+              <a:ext uri="{28A0092B-C50C-407E-A947-70E740481C1C}">
+                <a14:useLocalDpi xmlns:a14="http://schemas.microsoft.com/office/drawing/2010/main" val="0"/>
+              </a:ext>
+            </a:extLst>
+          </a:blip>
+          <a:stretch>
+            <a:fillRect/>
+          </a:stretch>
+        </p:blipFill>
+        <p:spPr>
+          <a:xfrm>
+            <a:off x="862012" y="2119312"/>
+            <a:ext cx="7419975" cy="2619375"/>
+          </a:xfrm>
+          <a:prstGeom prst="rect">
+            <a:avLst/>
+          </a:prstGeom>
+        </p:spPr>
+      </p:pic>
+    </p:spTree>
+    <p:extLst>
+      <p:ext uri="{BB962C8B-B14F-4D97-AF65-F5344CB8AC3E}">
+        <p14:creationId xmlns:p14="http://schemas.microsoft.com/office/powerpoint/2010/main" val="1344562929"/>
+      </p:ext>
+    </p:extLst>
+  </p:cSld>
+  <p:clrMapOvr>
+    <a:masterClrMapping/>
+  </p:clrMapOvr>
+</p:sld>
+</file>
+
+<file path=ppt/slides/slide26.xml><?xml version="1.0" encoding="utf-8"?>
+<p:sld xmlns:a="http://schemas.openxmlformats.org/drawingml/2006/main" xmlns:r="http://schemas.openxmlformats.org/officeDocument/2006/relationships" xmlns:p="http://schemas.openxmlformats.org/presentationml/2006/main">
+  <p:cSld>
+    <p:spTree>
+      <p:nvGrpSpPr>
+        <p:cNvPr id="1" name=""/>
+        <p:cNvGrpSpPr/>
+        <p:nvPr/>
+      </p:nvGrpSpPr>
+      <p:grpSpPr>
+        <a:xfrm>
+          <a:off x="0" y="0"/>
+          <a:ext cx="0" cy="0"/>
+          <a:chOff x="0" y="0"/>
+          <a:chExt cx="0" cy="0"/>
+        </a:xfrm>
+      </p:grpSpPr>
+      <p:sp>
+        <p:nvSpPr>
+          <p:cNvPr id="4" name="Titel 3">
+            <a:extLst>
+              <a:ext uri="{FF2B5EF4-FFF2-40B4-BE49-F238E27FC236}">
+                <a16:creationId xmlns:a16="http://schemas.microsoft.com/office/drawing/2014/main" id="{DE2E2438-F7AB-FA72-F879-96DF03F462F1}"/>
+              </a:ext>
+            </a:extLst>
+          </p:cNvPr>
+          <p:cNvSpPr>
+            <a:spLocks noGrp="1"/>
+          </p:cNvSpPr>
+          <p:nvPr>
+            <p:ph type="title"/>
+          </p:nvPr>
+        </p:nvSpPr>
+        <p:spPr/>
+        <p:txBody>
+          <a:bodyPr/>
+          <a:lstStyle/>
+          <a:p>
+            <a:r>
+              <a:rPr lang="en-US" dirty="0" err="1"/>
+              <a:t>GitOps</a:t>
+            </a:r>
+            <a:endParaRPr lang="de-DE" dirty="0"/>
+          </a:p>
+        </p:txBody>
+      </p:sp>
+      <p:sp>
+        <p:nvSpPr>
+          <p:cNvPr id="5" name="Inhaltsplatzhalter 4">
+            <a:extLst>
+              <a:ext uri="{FF2B5EF4-FFF2-40B4-BE49-F238E27FC236}">
+                <a16:creationId xmlns:a16="http://schemas.microsoft.com/office/drawing/2014/main" id="{CEE3422D-D918-7E84-8C4D-561B54190ECC}"/>
+              </a:ext>
+            </a:extLst>
+          </p:cNvPr>
+          <p:cNvSpPr>
+            <a:spLocks noGrp="1"/>
+          </p:cNvSpPr>
+          <p:nvPr>
+            <p:ph idx="1"/>
+          </p:nvPr>
+        </p:nvSpPr>
+        <p:spPr/>
+        <p:txBody>
+          <a:bodyPr/>
+          <a:lstStyle/>
+          <a:p>
+            <a:pPr marL="0" indent="0">
+              <a:buNone/>
+            </a:pPr>
+            <a:r>
+              <a:rPr lang="de-DE" b="1" dirty="0"/>
+              <a:t>Deploy Token in Cluster Secret hinterlegen</a:t>
+            </a:r>
+          </a:p>
+          <a:p>
+            <a:pPr>
+              <a:buFont typeface="Arial" panose="020B0604020202020204" pitchFamily="34" charset="0"/>
+              <a:buChar char="•"/>
+            </a:pPr>
+            <a:r>
+              <a:rPr lang="de-DE" dirty="0"/>
+              <a:t>Deploy Token erstellen</a:t>
+            </a:r>
+          </a:p>
+          <a:p>
+            <a:pPr lvl="1">
+              <a:buFont typeface="Arial" panose="020B0604020202020204" pitchFamily="34" charset="0"/>
+              <a:buChar char="•"/>
+            </a:pPr>
+            <a:r>
+              <a:rPr lang="de-DE" dirty="0"/>
+              <a:t>Einstellungen &gt; Repository &gt; Bereitstellungstoken</a:t>
+            </a:r>
+          </a:p>
+          <a:p>
+            <a:pPr lvl="1">
+              <a:buFont typeface="Arial" panose="020B0604020202020204" pitchFamily="34" charset="0"/>
+              <a:buChar char="•"/>
+            </a:pPr>
+            <a:r>
+              <a:rPr lang="de-DE" dirty="0" err="1"/>
+              <a:t>read_registry</a:t>
+            </a:r>
+            <a:r>
+              <a:rPr lang="de-DE" dirty="0"/>
+              <a:t> und </a:t>
+            </a:r>
+            <a:r>
+              <a:rPr lang="de-DE" dirty="0" err="1"/>
+              <a:t>read_container_registry</a:t>
+            </a:r>
+            <a:r>
+              <a:rPr lang="de-DE" dirty="0"/>
+              <a:t> </a:t>
+            </a:r>
+            <a:r>
+              <a:rPr lang="de-DE" dirty="0" err="1"/>
+              <a:t>persmission</a:t>
+            </a:r>
+            <a:endParaRPr lang="de-DE" dirty="0"/>
+          </a:p>
+          <a:p>
+            <a:pPr>
+              <a:buFont typeface="Arial" panose="020B0604020202020204" pitchFamily="34" charset="0"/>
+              <a:buChar char="•"/>
+            </a:pPr>
+            <a:r>
+              <a:rPr lang="de-DE" dirty="0"/>
+              <a:t>Secret zu </a:t>
+            </a:r>
+            <a:r>
+              <a:rPr lang="de-DE" dirty="0" err="1"/>
+              <a:t>kubernetes</a:t>
+            </a:r>
+            <a:r>
+              <a:rPr lang="de-DE" dirty="0"/>
+              <a:t> hinzufügen</a:t>
+            </a:r>
+          </a:p>
+          <a:p>
+            <a:pPr lvl="1">
+              <a:buFont typeface="Arial" panose="020B0604020202020204" pitchFamily="34" charset="0"/>
+              <a:buChar char="•"/>
+            </a:pPr>
+            <a:endParaRPr lang="de-DE" dirty="0"/>
+          </a:p>
+        </p:txBody>
+      </p:sp>
+      <p:sp>
+        <p:nvSpPr>
+          <p:cNvPr id="2" name="Textfeld 1">
+            <a:extLst>
+              <a:ext uri="{FF2B5EF4-FFF2-40B4-BE49-F238E27FC236}">
+                <a16:creationId xmlns:a16="http://schemas.microsoft.com/office/drawing/2014/main" id="{C1E58444-C66E-F900-1B32-CA158CD9E3EC}"/>
+              </a:ext>
+            </a:extLst>
+          </p:cNvPr>
+          <p:cNvSpPr txBox="1"/>
+          <p:nvPr/>
+        </p:nvSpPr>
+        <p:spPr bwMode="auto">
+          <a:xfrm>
+            <a:off x="683568" y="3356992"/>
+            <a:ext cx="8784976" cy="1569660"/>
+          </a:xfrm>
+          <a:prstGeom prst="rect">
+            <a:avLst/>
+          </a:prstGeom>
+          <a:noFill/>
+          <a:ln w="9525">
+            <a:noFill/>
+            <a:miter lim="800000"/>
+            <a:headEnd/>
+            <a:tailEnd/>
+          </a:ln>
+        </p:spPr>
+        <p:txBody>
+          <a:bodyPr wrap="square" rtlCol="0" anchor="ctr">
+            <a:spAutoFit/>
+          </a:bodyPr>
+          <a:lstStyle/>
+          <a:p>
+            <a:pPr eaLnBrk="1" hangingPunct="1"/>
+            <a:r>
+              <a:rPr lang="de-DE" dirty="0" err="1">
+                <a:latin typeface="Aptos" panose="020B0004020202020204" pitchFamily="34" charset="0"/>
+              </a:rPr>
+              <a:t>kubectl</a:t>
+            </a:r>
+            <a:r>
+              <a:rPr lang="de-DE" dirty="0">
+                <a:latin typeface="Aptos" panose="020B0004020202020204" pitchFamily="34" charset="0"/>
+              </a:rPr>
+              <a:t> </a:t>
+            </a:r>
+            <a:r>
+              <a:rPr lang="de-DE" dirty="0" err="1">
+                <a:latin typeface="Aptos" panose="020B0004020202020204" pitchFamily="34" charset="0"/>
+              </a:rPr>
+              <a:t>create</a:t>
+            </a:r>
+            <a:r>
+              <a:rPr lang="de-DE" dirty="0">
+                <a:latin typeface="Aptos" panose="020B0004020202020204" pitchFamily="34" charset="0"/>
+              </a:rPr>
+              <a:t> </a:t>
+            </a:r>
+            <a:r>
+              <a:rPr lang="de-DE" dirty="0" err="1">
+                <a:latin typeface="Aptos" panose="020B0004020202020204" pitchFamily="34" charset="0"/>
+              </a:rPr>
+              <a:t>secret</a:t>
+            </a:r>
+            <a:r>
+              <a:rPr lang="de-DE" dirty="0">
+                <a:latin typeface="Aptos" panose="020B0004020202020204" pitchFamily="34" charset="0"/>
+              </a:rPr>
+              <a:t> </a:t>
+            </a:r>
+            <a:r>
+              <a:rPr lang="de-DE" dirty="0" err="1">
+                <a:latin typeface="Aptos" panose="020B0004020202020204" pitchFamily="34" charset="0"/>
+              </a:rPr>
+              <a:t>docker-registry</a:t>
+            </a:r>
+            <a:r>
+              <a:rPr lang="de-DE" dirty="0">
+                <a:latin typeface="Aptos" panose="020B0004020202020204" pitchFamily="34" charset="0"/>
+              </a:rPr>
+              <a:t> </a:t>
+            </a:r>
+            <a:r>
+              <a:rPr lang="de-DE" dirty="0" err="1">
+                <a:latin typeface="Aptos" panose="020B0004020202020204" pitchFamily="34" charset="0"/>
+              </a:rPr>
+              <a:t>regcred</a:t>
+            </a:r>
+            <a:r>
+              <a:rPr lang="de-DE" dirty="0">
+                <a:latin typeface="Aptos" panose="020B0004020202020204" pitchFamily="34" charset="0"/>
+              </a:rPr>
+              <a:t> \</a:t>
+            </a:r>
+          </a:p>
+          <a:p>
+            <a:pPr eaLnBrk="1" hangingPunct="1"/>
+            <a:r>
+              <a:rPr lang="de-DE" dirty="0">
+                <a:latin typeface="Aptos" panose="020B0004020202020204" pitchFamily="34" charset="0"/>
+              </a:rPr>
+              <a:t>--docker-server=registry.gitlab.com \</a:t>
+            </a:r>
+          </a:p>
+          <a:p>
+            <a:pPr eaLnBrk="1" hangingPunct="1"/>
+            <a:r>
+              <a:rPr lang="de-DE" dirty="0">
+                <a:latin typeface="Aptos" panose="020B0004020202020204" pitchFamily="34" charset="0"/>
+              </a:rPr>
+              <a:t>--docker-</a:t>
+            </a:r>
+            <a:r>
+              <a:rPr lang="de-DE" dirty="0" err="1">
+                <a:latin typeface="Aptos" panose="020B0004020202020204" pitchFamily="34" charset="0"/>
+              </a:rPr>
+              <a:t>username</a:t>
+            </a:r>
+            <a:r>
+              <a:rPr lang="de-DE" dirty="0">
+                <a:latin typeface="Aptos" panose="020B0004020202020204" pitchFamily="34" charset="0"/>
+              </a:rPr>
+              <a:t>=&lt;deploy </a:t>
+            </a:r>
+            <a:r>
+              <a:rPr lang="de-DE" dirty="0" err="1">
+                <a:latin typeface="Aptos" panose="020B0004020202020204" pitchFamily="34" charset="0"/>
+              </a:rPr>
+              <a:t>token</a:t>
+            </a:r>
+            <a:r>
+              <a:rPr lang="de-DE" dirty="0">
+                <a:latin typeface="Aptos" panose="020B0004020202020204" pitchFamily="34" charset="0"/>
+              </a:rPr>
+              <a:t> user&gt; \</a:t>
+            </a:r>
+          </a:p>
+          <a:p>
+            <a:pPr eaLnBrk="1" hangingPunct="1"/>
+            <a:r>
+              <a:rPr lang="de-DE" dirty="0">
+                <a:latin typeface="Aptos" panose="020B0004020202020204" pitchFamily="34" charset="0"/>
+              </a:rPr>
+              <a:t>--docker-password=&lt;deploy </a:t>
+            </a:r>
+            <a:r>
+              <a:rPr lang="de-DE" dirty="0" err="1">
+                <a:latin typeface="Aptos" panose="020B0004020202020204" pitchFamily="34" charset="0"/>
+              </a:rPr>
+              <a:t>token</a:t>
+            </a:r>
+            <a:r>
+              <a:rPr lang="de-DE" dirty="0">
+                <a:latin typeface="Aptos" panose="020B0004020202020204" pitchFamily="34" charset="0"/>
+              </a:rPr>
+              <a:t> </a:t>
+            </a:r>
+            <a:r>
+              <a:rPr lang="de-DE" dirty="0" err="1">
+                <a:latin typeface="Aptos" panose="020B0004020202020204" pitchFamily="34" charset="0"/>
+              </a:rPr>
+              <a:t>password</a:t>
+            </a:r>
+            <a:r>
+              <a:rPr lang="de-DE" dirty="0">
+                <a:latin typeface="Aptos" panose="020B0004020202020204" pitchFamily="34" charset="0"/>
+              </a:rPr>
+              <a:t>&gt;</a:t>
+            </a:r>
+          </a:p>
+        </p:txBody>
+      </p:sp>
+    </p:spTree>
+    <p:extLst>
+      <p:ext uri="{BB962C8B-B14F-4D97-AF65-F5344CB8AC3E}">
+        <p14:creationId xmlns:p14="http://schemas.microsoft.com/office/powerpoint/2010/main" val="1074516350"/>
+      </p:ext>
+    </p:extLst>
+  </p:cSld>
+  <p:clrMapOvr>
+    <a:masterClrMapping/>
+  </p:clrMapOvr>
+</p:sld>
+</file>
+
+<file path=ppt/slides/slide27.xml><?xml version="1.0" encoding="utf-8"?>
+<p:sld xmlns:a="http://schemas.openxmlformats.org/drawingml/2006/main" xmlns:r="http://schemas.openxmlformats.org/officeDocument/2006/relationships" xmlns:p="http://schemas.openxmlformats.org/presentationml/2006/main">
+  <p:cSld>
+    <p:spTree>
+      <p:nvGrpSpPr>
+        <p:cNvPr id="1" name=""/>
+        <p:cNvGrpSpPr/>
+        <p:nvPr/>
+      </p:nvGrpSpPr>
+      <p:grpSpPr>
+        <a:xfrm>
+          <a:off x="0" y="0"/>
+          <a:ext cx="0" cy="0"/>
+          <a:chOff x="0" y="0"/>
+          <a:chExt cx="0" cy="0"/>
+        </a:xfrm>
+      </p:grpSpPr>
+      <p:sp>
+        <p:nvSpPr>
+          <p:cNvPr id="4" name="Titel 3">
+            <a:extLst>
+              <a:ext uri="{FF2B5EF4-FFF2-40B4-BE49-F238E27FC236}">
+                <a16:creationId xmlns:a16="http://schemas.microsoft.com/office/drawing/2014/main" id="{DE2E2438-F7AB-FA72-F879-96DF03F462F1}"/>
+              </a:ext>
+            </a:extLst>
+          </p:cNvPr>
+          <p:cNvSpPr>
+            <a:spLocks noGrp="1"/>
+          </p:cNvSpPr>
+          <p:nvPr>
+            <p:ph type="title"/>
+          </p:nvPr>
+        </p:nvSpPr>
+        <p:spPr/>
+        <p:txBody>
+          <a:bodyPr/>
+          <a:lstStyle/>
+          <a:p>
+            <a:r>
+              <a:rPr lang="en-US" dirty="0" err="1"/>
+              <a:t>GitOps</a:t>
+            </a:r>
+            <a:endParaRPr lang="de-DE" dirty="0"/>
+          </a:p>
+        </p:txBody>
+      </p:sp>
+      <p:sp>
+        <p:nvSpPr>
+          <p:cNvPr id="5" name="Inhaltsplatzhalter 4">
+            <a:extLst>
+              <a:ext uri="{FF2B5EF4-FFF2-40B4-BE49-F238E27FC236}">
+                <a16:creationId xmlns:a16="http://schemas.microsoft.com/office/drawing/2014/main" id="{CEE3422D-D918-7E84-8C4D-561B54190ECC}"/>
+              </a:ext>
+            </a:extLst>
+          </p:cNvPr>
+          <p:cNvSpPr>
+            <a:spLocks noGrp="1"/>
+          </p:cNvSpPr>
+          <p:nvPr>
+            <p:ph idx="1"/>
+          </p:nvPr>
+        </p:nvSpPr>
+        <p:spPr/>
+        <p:txBody>
+          <a:bodyPr/>
+          <a:lstStyle/>
+          <a:p>
+            <a:pPr marL="0" indent="0">
+              <a:buNone/>
+            </a:pPr>
+            <a:r>
+              <a:rPr lang="de-DE" b="1" dirty="0"/>
+              <a:t>Edit Docker </a:t>
+            </a:r>
+            <a:r>
+              <a:rPr lang="de-DE" b="1" dirty="0" err="1"/>
+              <a:t>image</a:t>
+            </a:r>
+            <a:r>
+              <a:rPr lang="de-DE" b="1" dirty="0"/>
+              <a:t> in manifest </a:t>
+            </a:r>
+            <a:r>
+              <a:rPr lang="de-DE" b="1" dirty="0" err="1"/>
+              <a:t>file</a:t>
+            </a:r>
+            <a:endParaRPr lang="de-DE" b="1" dirty="0"/>
+          </a:p>
+          <a:p>
+            <a:pPr>
+              <a:buFont typeface="Arial" panose="020B0604020202020204" pitchFamily="34" charset="0"/>
+              <a:buChar char="•"/>
+            </a:pPr>
+            <a:r>
+              <a:rPr lang="de-DE" dirty="0"/>
+              <a:t>Prüfen Sie das </a:t>
+            </a:r>
+            <a:r>
+              <a:rPr lang="de-DE" dirty="0" err="1"/>
+              <a:t>Gitlab</a:t>
+            </a:r>
+            <a:r>
+              <a:rPr lang="de-DE" dirty="0"/>
+              <a:t> Container Registry auf das Image.</a:t>
+            </a:r>
+          </a:p>
+          <a:p>
+            <a:pPr lvl="1">
+              <a:buFont typeface="Arial" panose="020B0604020202020204" pitchFamily="34" charset="0"/>
+              <a:buChar char="•"/>
+            </a:pPr>
+            <a:r>
+              <a:rPr lang="de-DE" dirty="0"/>
+              <a:t>The </a:t>
+            </a:r>
+            <a:r>
+              <a:rPr lang="de-DE" dirty="0" err="1"/>
+              <a:t>image</a:t>
+            </a:r>
+            <a:r>
+              <a:rPr lang="de-DE" dirty="0"/>
+              <a:t> </a:t>
+            </a:r>
+            <a:r>
+              <a:rPr lang="de-DE" dirty="0" err="1"/>
+              <a:t>is</a:t>
+            </a:r>
+            <a:r>
+              <a:rPr lang="de-DE" dirty="0"/>
+              <a:t> </a:t>
+            </a:r>
+            <a:r>
+              <a:rPr lang="de-DE" dirty="0" err="1"/>
+              <a:t>created</a:t>
+            </a:r>
+            <a:r>
+              <a:rPr lang="de-DE" dirty="0"/>
+              <a:t> </a:t>
+            </a:r>
+            <a:r>
+              <a:rPr lang="de-DE" dirty="0" err="1"/>
+              <a:t>by</a:t>
+            </a:r>
+            <a:r>
+              <a:rPr lang="de-DE" dirty="0"/>
+              <a:t> </a:t>
+            </a:r>
+            <a:r>
+              <a:rPr lang="de-DE" dirty="0" err="1"/>
+              <a:t>the</a:t>
+            </a:r>
+            <a:r>
+              <a:rPr lang="de-DE" dirty="0"/>
+              <a:t> ci-pipeline</a:t>
+            </a:r>
+          </a:p>
+          <a:p>
+            <a:pPr>
+              <a:buFont typeface="Arial" panose="020B0604020202020204" pitchFamily="34" charset="0"/>
+              <a:buChar char="•"/>
+            </a:pPr>
+            <a:r>
+              <a:rPr lang="de-DE" dirty="0"/>
+              <a:t>Edit </a:t>
+            </a:r>
+            <a:r>
+              <a:rPr lang="de-DE" dirty="0" err="1"/>
+              <a:t>app.yaml</a:t>
+            </a:r>
+            <a:r>
+              <a:rPr lang="de-DE" dirty="0"/>
+              <a:t> </a:t>
+            </a:r>
+            <a:r>
+              <a:rPr lang="de-DE" dirty="0" err="1"/>
+              <a:t>to</a:t>
+            </a:r>
+            <a:r>
+              <a:rPr lang="de-DE" dirty="0"/>
+              <a:t> </a:t>
+            </a:r>
+            <a:r>
+              <a:rPr lang="de-DE" dirty="0" err="1"/>
+              <a:t>include</a:t>
+            </a:r>
+            <a:r>
+              <a:rPr lang="de-DE" dirty="0"/>
+              <a:t> </a:t>
+            </a:r>
+            <a:r>
+              <a:rPr lang="de-DE" dirty="0" err="1"/>
+              <a:t>your</a:t>
+            </a:r>
+            <a:r>
+              <a:rPr lang="de-DE" dirty="0"/>
+              <a:t> </a:t>
+            </a:r>
+            <a:r>
+              <a:rPr lang="de-DE" dirty="0" err="1"/>
+              <a:t>container</a:t>
+            </a:r>
+            <a:r>
+              <a:rPr lang="de-DE" dirty="0"/>
+              <a:t> </a:t>
+            </a:r>
+            <a:r>
+              <a:rPr lang="de-DE" dirty="0" err="1"/>
+              <a:t>image</a:t>
+            </a:r>
+            <a:r>
+              <a:rPr lang="de-DE" dirty="0"/>
+              <a:t>.</a:t>
+            </a:r>
+          </a:p>
+          <a:p>
+            <a:pPr lvl="1">
+              <a:buFont typeface="Arial" panose="020B0604020202020204" pitchFamily="34" charset="0"/>
+              <a:buChar char="•"/>
+            </a:pPr>
+            <a:endParaRPr lang="de-DE" dirty="0"/>
+          </a:p>
+        </p:txBody>
+      </p:sp>
+      <p:pic>
+        <p:nvPicPr>
+          <p:cNvPr id="8" name="Grafik 7" descr="Ein Bild, das Text, Screenshot, Schrift, Zahl enthält.&#10;&#10;Automatisch generierte Beschreibung">
+            <a:extLst>
+              <a:ext uri="{FF2B5EF4-FFF2-40B4-BE49-F238E27FC236}">
+                <a16:creationId xmlns:a16="http://schemas.microsoft.com/office/drawing/2014/main" id="{15F60CF3-B2C4-B2C4-7534-50663797AE46}"/>
+              </a:ext>
+            </a:extLst>
+          </p:cNvPr>
+          <p:cNvPicPr>
+            <a:picLocks noChangeAspect="1"/>
+          </p:cNvPicPr>
+          <p:nvPr/>
+        </p:nvPicPr>
+        <p:blipFill>
+          <a:blip r:embed="rId3">
+            <a:extLst>
+              <a:ext uri="{28A0092B-C50C-407E-A947-70E740481C1C}">
+                <a14:useLocalDpi xmlns:a14="http://schemas.microsoft.com/office/drawing/2010/main" val="0"/>
+              </a:ext>
+            </a:extLst>
+          </a:blip>
+          <a:stretch>
+            <a:fillRect/>
+          </a:stretch>
+        </p:blipFill>
+        <p:spPr>
+          <a:xfrm>
+            <a:off x="1144886" y="3140968"/>
+            <a:ext cx="6854228" cy="2525242"/>
+          </a:xfrm>
+          <a:prstGeom prst="rect">
+            <a:avLst/>
+          </a:prstGeom>
+        </p:spPr>
+      </p:pic>
+    </p:spTree>
+    <p:extLst>
+      <p:ext uri="{BB962C8B-B14F-4D97-AF65-F5344CB8AC3E}">
+        <p14:creationId xmlns:p14="http://schemas.microsoft.com/office/powerpoint/2010/main" val="55794115"/>
+      </p:ext>
+    </p:extLst>
+  </p:cSld>
+  <p:clrMapOvr>
+    <a:masterClrMapping/>
+  </p:clrMapOvr>
+</p:sld>
+</file>
+
+<file path=ppt/slides/slide28.xml><?xml version="1.0" encoding="utf-8"?>
+<p:sld xmlns:a="http://schemas.openxmlformats.org/drawingml/2006/main" xmlns:r="http://schemas.openxmlformats.org/officeDocument/2006/relationships" xmlns:p="http://schemas.openxmlformats.org/presentationml/2006/main">
+  <p:cSld>
+    <p:spTree>
+      <p:nvGrpSpPr>
+        <p:cNvPr id="1" name=""/>
+        <p:cNvGrpSpPr/>
+        <p:nvPr/>
+      </p:nvGrpSpPr>
+      <p:grpSpPr>
+        <a:xfrm>
+          <a:off x="0" y="0"/>
+          <a:ext cx="0" cy="0"/>
+          <a:chOff x="0" y="0"/>
+          <a:chExt cx="0" cy="0"/>
+        </a:xfrm>
+      </p:grpSpPr>
+      <p:sp>
+        <p:nvSpPr>
+          <p:cNvPr id="4" name="Titel 3">
+            <a:extLst>
+              <a:ext uri="{FF2B5EF4-FFF2-40B4-BE49-F238E27FC236}">
+                <a16:creationId xmlns:a16="http://schemas.microsoft.com/office/drawing/2014/main" id="{DE2E2438-F7AB-FA72-F879-96DF03F462F1}"/>
+              </a:ext>
+            </a:extLst>
+          </p:cNvPr>
+          <p:cNvSpPr>
+            <a:spLocks noGrp="1"/>
+          </p:cNvSpPr>
+          <p:nvPr>
+            <p:ph type="title"/>
+          </p:nvPr>
+        </p:nvSpPr>
+        <p:spPr/>
+        <p:txBody>
+          <a:bodyPr/>
+          <a:lstStyle/>
+          <a:p>
+            <a:r>
+              <a:rPr lang="en-US" dirty="0" err="1"/>
+              <a:t>GitOps</a:t>
+            </a:r>
+            <a:endParaRPr lang="de-DE" dirty="0"/>
+          </a:p>
+        </p:txBody>
+      </p:sp>
+      <p:sp>
+        <p:nvSpPr>
+          <p:cNvPr id="5" name="Inhaltsplatzhalter 4">
+            <a:extLst>
+              <a:ext uri="{FF2B5EF4-FFF2-40B4-BE49-F238E27FC236}">
+                <a16:creationId xmlns:a16="http://schemas.microsoft.com/office/drawing/2014/main" id="{CEE3422D-D918-7E84-8C4D-561B54190ECC}"/>
+              </a:ext>
+            </a:extLst>
+          </p:cNvPr>
+          <p:cNvSpPr>
+            <a:spLocks noGrp="1"/>
+          </p:cNvSpPr>
+          <p:nvPr>
+            <p:ph idx="1"/>
+          </p:nvPr>
+        </p:nvSpPr>
+        <p:spPr/>
+        <p:txBody>
+          <a:bodyPr/>
+          <a:lstStyle/>
+          <a:p>
+            <a:pPr marL="0" indent="0">
+              <a:buNone/>
+            </a:pPr>
+            <a:r>
+              <a:rPr lang="de-DE" b="1" dirty="0"/>
+              <a:t>Bootstrap </a:t>
+            </a:r>
+            <a:r>
+              <a:rPr lang="de-DE" b="1" dirty="0" err="1"/>
+              <a:t>the</a:t>
+            </a:r>
+            <a:r>
+              <a:rPr lang="de-DE" b="1" dirty="0"/>
+              <a:t> Cluster </a:t>
+            </a:r>
+            <a:r>
+              <a:rPr lang="de-DE" b="1" dirty="0" err="1"/>
+              <a:t>into</a:t>
+            </a:r>
+            <a:r>
+              <a:rPr lang="de-DE" b="1" dirty="0"/>
+              <a:t> </a:t>
+            </a:r>
+            <a:r>
+              <a:rPr lang="de-DE" b="1" dirty="0" err="1"/>
+              <a:t>GitLabs</a:t>
+            </a:r>
+            <a:r>
+              <a:rPr lang="de-DE" b="1" dirty="0"/>
+              <a:t> </a:t>
+            </a:r>
+            <a:r>
+              <a:rPr lang="de-DE" b="1" dirty="0" err="1"/>
+              <a:t>with</a:t>
+            </a:r>
+            <a:r>
+              <a:rPr lang="de-DE" b="1" dirty="0"/>
+              <a:t> </a:t>
+            </a:r>
+            <a:r>
+              <a:rPr lang="de-DE" b="1" dirty="0" err="1"/>
+              <a:t>Flux</a:t>
+            </a:r>
+            <a:endParaRPr lang="de-DE" b="1" dirty="0"/>
+          </a:p>
+          <a:p>
+            <a:pPr>
+              <a:buFont typeface="Arial" panose="020B0604020202020204" pitchFamily="34" charset="0"/>
+              <a:buChar char="•"/>
+            </a:pPr>
+            <a:r>
+              <a:rPr lang="de-DE" dirty="0"/>
+              <a:t>In einem Terminal mit folgendem Befehl.</a:t>
+            </a:r>
+          </a:p>
+          <a:p>
+            <a:pPr>
+              <a:buFont typeface="Arial" panose="020B0604020202020204" pitchFamily="34" charset="0"/>
+              <a:buChar char="•"/>
+            </a:pPr>
+            <a:r>
+              <a:rPr lang="de-DE" dirty="0"/>
+              <a:t>Ein persönliches Zugrifftoken mit </a:t>
+            </a:r>
+            <a:r>
+              <a:rPr lang="de-DE" dirty="0" err="1"/>
+              <a:t>Maintainer</a:t>
+            </a:r>
+            <a:r>
+              <a:rPr lang="de-DE" dirty="0"/>
+              <a:t>-Rechten auf dem Repository benötigt. </a:t>
+            </a:r>
+          </a:p>
+          <a:p>
+            <a:pPr marL="0" indent="0">
+              <a:buNone/>
+            </a:pPr>
+            <a:endParaRPr lang="de-DE" dirty="0"/>
+          </a:p>
+          <a:p>
+            <a:pPr lvl="1">
+              <a:buFont typeface="Arial" panose="020B0604020202020204" pitchFamily="34" charset="0"/>
+              <a:buChar char="•"/>
+            </a:pPr>
+            <a:endParaRPr lang="de-DE" dirty="0"/>
+          </a:p>
+        </p:txBody>
+      </p:sp>
+      <p:sp>
+        <p:nvSpPr>
+          <p:cNvPr id="2" name="Textfeld 1">
+            <a:extLst>
+              <a:ext uri="{FF2B5EF4-FFF2-40B4-BE49-F238E27FC236}">
+                <a16:creationId xmlns:a16="http://schemas.microsoft.com/office/drawing/2014/main" id="{F6A4E5D5-7350-7285-A9C7-20E502137789}"/>
+              </a:ext>
+            </a:extLst>
+          </p:cNvPr>
+          <p:cNvSpPr txBox="1"/>
+          <p:nvPr/>
+        </p:nvSpPr>
+        <p:spPr bwMode="auto">
+          <a:xfrm>
+            <a:off x="899592" y="3054153"/>
+            <a:ext cx="7416824" cy="1938992"/>
+          </a:xfrm>
+          <a:prstGeom prst="rect">
+            <a:avLst/>
+          </a:prstGeom>
+          <a:noFill/>
+          <a:ln w="9525">
+            <a:noFill/>
+            <a:miter lim="800000"/>
+            <a:headEnd/>
+            <a:tailEnd/>
+          </a:ln>
+        </p:spPr>
+        <p:txBody>
+          <a:bodyPr wrap="square" rtlCol="0" anchor="ctr">
+            <a:spAutoFit/>
+          </a:bodyPr>
+          <a:lstStyle/>
+          <a:p>
+            <a:pPr eaLnBrk="1" hangingPunct="1"/>
+            <a:r>
+              <a:rPr lang="de-DE" dirty="0" err="1">
+                <a:latin typeface="Aptos" panose="020B0004020202020204" pitchFamily="34" charset="0"/>
+              </a:rPr>
+              <a:t>flux</a:t>
+            </a:r>
+            <a:r>
+              <a:rPr lang="de-DE" dirty="0">
+                <a:latin typeface="Aptos" panose="020B0004020202020204" pitchFamily="34" charset="0"/>
+              </a:rPr>
+              <a:t> </a:t>
+            </a:r>
+            <a:r>
+              <a:rPr lang="de-DE" dirty="0" err="1">
+                <a:latin typeface="Aptos" panose="020B0004020202020204" pitchFamily="34" charset="0"/>
+              </a:rPr>
+              <a:t>bootstrap</a:t>
+            </a:r>
+            <a:r>
+              <a:rPr lang="de-DE" dirty="0">
+                <a:latin typeface="Aptos" panose="020B0004020202020204" pitchFamily="34" charset="0"/>
+              </a:rPr>
+              <a:t> </a:t>
+            </a:r>
+            <a:r>
+              <a:rPr lang="de-DE" dirty="0" err="1">
+                <a:latin typeface="Aptos" panose="020B0004020202020204" pitchFamily="34" charset="0"/>
+              </a:rPr>
+              <a:t>gitlab</a:t>
+            </a:r>
+            <a:r>
+              <a:rPr lang="de-DE" dirty="0">
+                <a:latin typeface="Aptos" panose="020B0004020202020204" pitchFamily="34" charset="0"/>
+              </a:rPr>
+              <a:t> --deploy-token-</a:t>
+            </a:r>
+            <a:r>
+              <a:rPr lang="de-DE" dirty="0" err="1">
+                <a:latin typeface="Aptos" panose="020B0004020202020204" pitchFamily="34" charset="0"/>
+              </a:rPr>
+              <a:t>auth</a:t>
+            </a:r>
+            <a:r>
+              <a:rPr lang="de-DE" dirty="0">
+                <a:latin typeface="Aptos" panose="020B0004020202020204" pitchFamily="34" charset="0"/>
+              </a:rPr>
+              <a:t> \</a:t>
+            </a:r>
+          </a:p>
+          <a:p>
+            <a:pPr eaLnBrk="1" hangingPunct="1"/>
+            <a:r>
+              <a:rPr lang="de-DE" dirty="0">
+                <a:latin typeface="Aptos" panose="020B0004020202020204" pitchFamily="34" charset="0"/>
+              </a:rPr>
+              <a:t>--</a:t>
+            </a:r>
+            <a:r>
+              <a:rPr lang="de-DE" dirty="0" err="1">
+                <a:latin typeface="Aptos" panose="020B0004020202020204" pitchFamily="34" charset="0"/>
+              </a:rPr>
+              <a:t>owner</a:t>
+            </a:r>
+            <a:r>
+              <a:rPr lang="de-DE" dirty="0">
+                <a:latin typeface="Aptos" panose="020B0004020202020204" pitchFamily="34" charset="0"/>
+              </a:rPr>
+              <a:t>=&lt;</a:t>
+            </a:r>
+            <a:r>
+              <a:rPr lang="de-DE" dirty="0" err="1">
+                <a:latin typeface="Aptos" panose="020B0004020202020204" pitchFamily="34" charset="0"/>
+              </a:rPr>
+              <a:t>groupId</a:t>
+            </a:r>
+            <a:r>
+              <a:rPr lang="de-DE" dirty="0">
+                <a:latin typeface="Aptos" panose="020B0004020202020204" pitchFamily="34" charset="0"/>
+              </a:rPr>
+              <a:t>&gt;</a:t>
+            </a:r>
+          </a:p>
+          <a:p>
+            <a:pPr eaLnBrk="1" hangingPunct="1"/>
+            <a:r>
+              <a:rPr lang="de-DE" dirty="0">
+                <a:latin typeface="Aptos" panose="020B0004020202020204" pitchFamily="34" charset="0"/>
+              </a:rPr>
+              <a:t>--</a:t>
+            </a:r>
+            <a:r>
+              <a:rPr lang="de-DE" dirty="0" err="1">
+                <a:latin typeface="Aptos" panose="020B0004020202020204" pitchFamily="34" charset="0"/>
+              </a:rPr>
+              <a:t>repository</a:t>
+            </a:r>
+            <a:r>
+              <a:rPr lang="de-DE" dirty="0">
+                <a:latin typeface="Aptos" panose="020B0004020202020204" pitchFamily="34" charset="0"/>
+              </a:rPr>
+              <a:t>=&lt;</a:t>
+            </a:r>
+            <a:r>
+              <a:rPr lang="de-DE" dirty="0" err="1">
+                <a:latin typeface="Aptos" panose="020B0004020202020204" pitchFamily="34" charset="0"/>
+              </a:rPr>
+              <a:t>repositoryName</a:t>
+            </a:r>
+            <a:r>
+              <a:rPr lang="de-DE" dirty="0">
+                <a:latin typeface="Aptos" panose="020B0004020202020204" pitchFamily="34" charset="0"/>
+              </a:rPr>
+              <a:t>&gt;</a:t>
+            </a:r>
+          </a:p>
+          <a:p>
+            <a:pPr eaLnBrk="1" hangingPunct="1"/>
+            <a:r>
+              <a:rPr lang="de-DE" dirty="0">
+                <a:latin typeface="Aptos" panose="020B0004020202020204" pitchFamily="34" charset="0"/>
+              </a:rPr>
+              <a:t>--</a:t>
+            </a:r>
+            <a:r>
+              <a:rPr lang="de-DE" dirty="0" err="1">
+                <a:latin typeface="Aptos" panose="020B0004020202020204" pitchFamily="34" charset="0"/>
+              </a:rPr>
+              <a:t>path</a:t>
+            </a:r>
+            <a:r>
+              <a:rPr lang="de-DE" dirty="0">
+                <a:latin typeface="Aptos" panose="020B0004020202020204" pitchFamily="34" charset="0"/>
+              </a:rPr>
+              <a:t>=</a:t>
+            </a:r>
+            <a:r>
+              <a:rPr lang="de-DE" dirty="0" err="1">
+                <a:latin typeface="Aptos" panose="020B0004020202020204" pitchFamily="34" charset="0"/>
+              </a:rPr>
+              <a:t>repositories</a:t>
+            </a:r>
+            <a:endParaRPr lang="de-DE" dirty="0">
+              <a:latin typeface="Aptos" panose="020B0004020202020204" pitchFamily="34" charset="0"/>
+            </a:endParaRPr>
+          </a:p>
+          <a:p>
+            <a:pPr eaLnBrk="1" hangingPunct="1"/>
+            <a:r>
+              <a:rPr lang="de-DE" dirty="0">
+                <a:latin typeface="Aptos" panose="020B0004020202020204" pitchFamily="34" charset="0"/>
+              </a:rPr>
+              <a:t>--</a:t>
+            </a:r>
+            <a:r>
+              <a:rPr lang="de-DE" dirty="0" err="1">
+                <a:latin typeface="Aptos" panose="020B0004020202020204" pitchFamily="34" charset="0"/>
+              </a:rPr>
+              <a:t>branch</a:t>
+            </a:r>
+            <a:r>
+              <a:rPr lang="de-DE" dirty="0">
+                <a:latin typeface="Aptos" panose="020B0004020202020204" pitchFamily="34" charset="0"/>
+              </a:rPr>
+              <a:t>=</a:t>
+            </a:r>
+            <a:r>
+              <a:rPr lang="de-DE" dirty="0" err="1">
+                <a:latin typeface="Aptos" panose="020B0004020202020204" pitchFamily="34" charset="0"/>
+              </a:rPr>
+              <a:t>main</a:t>
+            </a:r>
+            <a:endParaRPr lang="de-DE" sz="1800" dirty="0">
+              <a:latin typeface="Aptos" panose="020B0004020202020204" pitchFamily="34" charset="0"/>
+            </a:endParaRPr>
+          </a:p>
+        </p:txBody>
+      </p:sp>
+    </p:spTree>
+    <p:extLst>
+      <p:ext uri="{BB962C8B-B14F-4D97-AF65-F5344CB8AC3E}">
+        <p14:creationId xmlns:p14="http://schemas.microsoft.com/office/powerpoint/2010/main" val="622714256"/>
+      </p:ext>
+    </p:extLst>
+  </p:cSld>
+  <p:clrMapOvr>
+    <a:masterClrMapping/>
+  </p:clrMapOvr>
+</p:sld>
+</file>
+
+<file path=ppt/slides/slide29.xml><?xml version="1.0" encoding="utf-8"?>
+<p:sld xmlns:a="http://schemas.openxmlformats.org/drawingml/2006/main" xmlns:r="http://schemas.openxmlformats.org/officeDocument/2006/relationships" xmlns:p="http://schemas.openxmlformats.org/presentationml/2006/main">
+  <p:cSld>
+    <p:spTree>
+      <p:nvGrpSpPr>
+        <p:cNvPr id="1" name=""/>
+        <p:cNvGrpSpPr/>
+        <p:nvPr/>
+      </p:nvGrpSpPr>
+      <p:grpSpPr>
+        <a:xfrm>
+          <a:off x="0" y="0"/>
+          <a:ext cx="0" cy="0"/>
+          <a:chOff x="0" y="0"/>
+          <a:chExt cx="0" cy="0"/>
+        </a:xfrm>
+      </p:grpSpPr>
+      <p:sp>
+        <p:nvSpPr>
+          <p:cNvPr id="4" name="Titel 3">
+            <a:extLst>
+              <a:ext uri="{FF2B5EF4-FFF2-40B4-BE49-F238E27FC236}">
+                <a16:creationId xmlns:a16="http://schemas.microsoft.com/office/drawing/2014/main" id="{DE2E2438-F7AB-FA72-F879-96DF03F462F1}"/>
+              </a:ext>
+            </a:extLst>
+          </p:cNvPr>
+          <p:cNvSpPr>
+            <a:spLocks noGrp="1"/>
+          </p:cNvSpPr>
+          <p:nvPr>
+            <p:ph type="title"/>
+          </p:nvPr>
+        </p:nvSpPr>
+        <p:spPr/>
+        <p:txBody>
+          <a:bodyPr/>
+          <a:lstStyle/>
+          <a:p>
+            <a:r>
+              <a:rPr lang="en-US" dirty="0" err="1"/>
+              <a:t>GitOps</a:t>
+            </a:r>
+            <a:endParaRPr lang="de-DE" dirty="0"/>
+          </a:p>
+        </p:txBody>
+      </p:sp>
+      <p:sp>
+        <p:nvSpPr>
+          <p:cNvPr id="5" name="Inhaltsplatzhalter 4">
+            <a:extLst>
+              <a:ext uri="{FF2B5EF4-FFF2-40B4-BE49-F238E27FC236}">
+                <a16:creationId xmlns:a16="http://schemas.microsoft.com/office/drawing/2014/main" id="{CEE3422D-D918-7E84-8C4D-561B54190ECC}"/>
+              </a:ext>
+            </a:extLst>
+          </p:cNvPr>
+          <p:cNvSpPr>
+            <a:spLocks noGrp="1"/>
+          </p:cNvSpPr>
+          <p:nvPr>
+            <p:ph idx="1"/>
+          </p:nvPr>
+        </p:nvSpPr>
+        <p:spPr/>
+        <p:txBody>
+          <a:bodyPr/>
+          <a:lstStyle/>
+          <a:p>
+            <a:pPr marL="0" indent="0">
+              <a:buNone/>
+            </a:pPr>
+            <a:r>
+              <a:rPr lang="de-DE" b="1" dirty="0"/>
+              <a:t>Überprüfen des </a:t>
+            </a:r>
+            <a:r>
+              <a:rPr lang="de-DE" b="1" dirty="0" err="1"/>
+              <a:t>Deploys</a:t>
+            </a:r>
+            <a:endParaRPr lang="de-DE" b="1" dirty="0"/>
+          </a:p>
+          <a:p>
+            <a:pPr>
+              <a:buFont typeface="Arial" panose="020B0604020202020204" pitchFamily="34" charset="0"/>
+              <a:buChar char="•"/>
+            </a:pPr>
+            <a:r>
+              <a:rPr lang="de-DE" dirty="0"/>
+              <a:t>Der Status von </a:t>
+            </a:r>
+            <a:r>
+              <a:rPr lang="de-DE" dirty="0" err="1"/>
+              <a:t>Flux</a:t>
+            </a:r>
+            <a:r>
+              <a:rPr lang="de-DE" dirty="0"/>
+              <a:t> kann wie folgt ermittelt werden</a:t>
+            </a:r>
+          </a:p>
+          <a:p>
+            <a:pPr lvl="1">
+              <a:buFont typeface="Arial" panose="020B0604020202020204" pitchFamily="34" charset="0"/>
+              <a:buChar char="•"/>
+            </a:pPr>
+            <a:r>
+              <a:rPr lang="de-DE" dirty="0" err="1"/>
+              <a:t>flux</a:t>
+            </a:r>
+            <a:r>
+              <a:rPr lang="de-DE" dirty="0"/>
+              <a:t> </a:t>
+            </a:r>
+            <a:r>
+              <a:rPr lang="de-DE" dirty="0" err="1"/>
+              <a:t>get</a:t>
+            </a:r>
+            <a:r>
+              <a:rPr lang="de-DE" dirty="0"/>
+              <a:t> all</a:t>
+            </a:r>
+          </a:p>
+          <a:p>
+            <a:pPr>
+              <a:buFont typeface="Arial" panose="020B0604020202020204" pitchFamily="34" charset="0"/>
+              <a:buChar char="•"/>
+            </a:pPr>
+            <a:r>
+              <a:rPr lang="de-DE" dirty="0"/>
+              <a:t>Der Status des Clusters kann wie folgt ermittelt werden</a:t>
+            </a:r>
+          </a:p>
+          <a:p>
+            <a:pPr lvl="1">
+              <a:buFont typeface="Arial" panose="020B0604020202020204" pitchFamily="34" charset="0"/>
+              <a:buChar char="•"/>
+            </a:pPr>
+            <a:r>
+              <a:rPr lang="de-DE" dirty="0" err="1"/>
+              <a:t>kubectl</a:t>
+            </a:r>
+            <a:r>
+              <a:rPr lang="de-DE" dirty="0"/>
+              <a:t> </a:t>
+            </a:r>
+            <a:r>
+              <a:rPr lang="de-DE" dirty="0" err="1"/>
+              <a:t>get</a:t>
+            </a:r>
+            <a:r>
+              <a:rPr lang="de-DE" dirty="0"/>
+              <a:t> all</a:t>
+            </a:r>
+          </a:p>
+          <a:p>
+            <a:pPr lvl="1">
+              <a:buFont typeface="Arial" panose="020B0604020202020204" pitchFamily="34" charset="0"/>
+              <a:buChar char="•"/>
+            </a:pPr>
+            <a:endParaRPr lang="de-DE" dirty="0"/>
+          </a:p>
+          <a:p>
+            <a:pPr>
+              <a:buFont typeface="Arial" panose="020B0604020202020204" pitchFamily="34" charset="0"/>
+              <a:buChar char="•"/>
+            </a:pPr>
+            <a:r>
+              <a:rPr lang="de-DE" dirty="0"/>
+              <a:t>Der gestartete Webserver kann wie folgt erreicht werden</a:t>
+            </a:r>
+          </a:p>
+          <a:p>
+            <a:pPr lvl="1">
+              <a:buFont typeface="Arial" panose="020B0604020202020204" pitchFamily="34" charset="0"/>
+              <a:buChar char="•"/>
+            </a:pPr>
+            <a:r>
+              <a:rPr lang="de-DE" dirty="0"/>
+              <a:t>http://localhost:3000</a:t>
+            </a:r>
+          </a:p>
+          <a:p>
+            <a:pPr lvl="1">
+              <a:buFont typeface="Arial" panose="020B0604020202020204" pitchFamily="34" charset="0"/>
+              <a:buChar char="•"/>
+            </a:pPr>
+            <a:endParaRPr lang="de-DE" dirty="0"/>
+          </a:p>
+        </p:txBody>
+      </p:sp>
+    </p:spTree>
+    <p:extLst>
+      <p:ext uri="{BB962C8B-B14F-4D97-AF65-F5344CB8AC3E}">
+        <p14:creationId xmlns:p14="http://schemas.microsoft.com/office/powerpoint/2010/main" val="2021694804"/>
+      </p:ext>
+    </p:extLst>
+  </p:cSld>
+  <p:clrMapOvr>
+    <a:masterClrMapping/>
+  </p:clrMapOvr>
+</p:sld>
+</file>
+
+<file path=ppt/slides/slide3.xml><?xml version="1.0" encoding="utf-8"?>
+<p:sld xmlns:a="http://schemas.openxmlformats.org/drawingml/2006/main" xmlns:r="http://schemas.openxmlformats.org/officeDocument/2006/relationships" xmlns:p="http://schemas.openxmlformats.org/presentationml/2006/main">
+  <p:cSld>
+    <p:spTree>
+      <p:nvGrpSpPr>
+        <p:cNvPr id="1" name=""/>
+        <p:cNvGrpSpPr/>
+        <p:nvPr/>
+      </p:nvGrpSpPr>
+      <p:grpSpPr>
+        <a:xfrm>
+          <a:off x="0" y="0"/>
+          <a:ext cx="0" cy="0"/>
+          <a:chOff x="0" y="0"/>
+          <a:chExt cx="0" cy="0"/>
+        </a:xfrm>
+      </p:grpSpPr>
+      <p:sp>
+        <p:nvSpPr>
+          <p:cNvPr id="6146" name="Inhaltsplatzhalter 18">
+            <a:extLst>
+              <a:ext uri="{FF2B5EF4-FFF2-40B4-BE49-F238E27FC236}">
+                <a16:creationId xmlns:a16="http://schemas.microsoft.com/office/drawing/2014/main" id="{BE3C4C95-FD5D-27F0-ED0C-AB8113CAC9F1}"/>
+              </a:ext>
+            </a:extLst>
+          </p:cNvPr>
+          <p:cNvSpPr>
+            <a:spLocks noGrp="1"/>
+          </p:cNvSpPr>
+          <p:nvPr>
+            <p:ph idx="1"/>
+          </p:nvPr>
+        </p:nvSpPr>
+        <p:spPr/>
+        <p:txBody>
+          <a:bodyPr/>
+          <a:lstStyle/>
+          <a:p>
+            <a:pPr>
+              <a:buFont typeface="Arial" panose="020B0604020202020204" pitchFamily="34" charset="0"/>
+              <a:buChar char="•"/>
+            </a:pPr>
+            <a:r>
+              <a:rPr lang="de-DE" altLang="de-DE" sz="1800" b="1" dirty="0"/>
+              <a:t>Tag 1 – Einführung in </a:t>
+            </a:r>
+            <a:r>
+              <a:rPr lang="de-DE" altLang="de-DE" sz="1800" b="1" dirty="0" err="1"/>
+              <a:t>Git</a:t>
+            </a:r>
+            <a:r>
+              <a:rPr lang="de-DE" altLang="de-DE" sz="1800" b="1" dirty="0"/>
+              <a:t> und </a:t>
+            </a:r>
+            <a:r>
+              <a:rPr lang="de-DE" altLang="de-DE" sz="1800" b="1" dirty="0" err="1"/>
+              <a:t>GitLab</a:t>
+            </a:r>
+            <a:endParaRPr lang="de-DE" altLang="de-DE" sz="1800" b="1" dirty="0"/>
+          </a:p>
+          <a:p>
+            <a:pPr lvl="1">
+              <a:buFont typeface="Arial" panose="020B0604020202020204" pitchFamily="34" charset="0"/>
+              <a:buChar char="•"/>
+            </a:pPr>
+            <a:r>
+              <a:rPr lang="de-DE" altLang="de-DE" sz="1400" dirty="0"/>
+              <a:t>Einführung &amp; Kursüberblick</a:t>
+            </a:r>
+          </a:p>
+          <a:p>
+            <a:pPr lvl="1">
+              <a:buFont typeface="Arial" panose="020B0604020202020204" pitchFamily="34" charset="0"/>
+              <a:buChar char="•"/>
+            </a:pPr>
+            <a:r>
+              <a:rPr lang="de-DE" altLang="de-DE" sz="1400" dirty="0"/>
+              <a:t>Grundlagen von </a:t>
+            </a:r>
+            <a:r>
+              <a:rPr lang="de-DE" altLang="de-DE" sz="1400" dirty="0" err="1"/>
+              <a:t>Git</a:t>
+            </a:r>
+            <a:endParaRPr lang="de-DE" altLang="de-DE" sz="1400" dirty="0"/>
+          </a:p>
+          <a:p>
+            <a:pPr lvl="1">
+              <a:buFont typeface="Arial" panose="020B0604020202020204" pitchFamily="34" charset="0"/>
+              <a:buChar char="•"/>
+            </a:pPr>
+            <a:r>
+              <a:rPr lang="de-DE" altLang="de-DE" sz="1400" dirty="0" err="1"/>
+              <a:t>Git</a:t>
+            </a:r>
+            <a:r>
+              <a:rPr lang="de-DE" altLang="de-DE" sz="1400" dirty="0"/>
+              <a:t> </a:t>
+            </a:r>
+            <a:r>
+              <a:rPr lang="de-DE" altLang="de-DE" sz="1400" dirty="0" err="1"/>
+              <a:t>Rebase</a:t>
+            </a:r>
+            <a:r>
+              <a:rPr lang="de-DE" altLang="de-DE" sz="1400" dirty="0"/>
+              <a:t> und </a:t>
+            </a:r>
+            <a:r>
+              <a:rPr lang="de-DE" altLang="de-DE" sz="1400" dirty="0" err="1"/>
+              <a:t>Merge</a:t>
+            </a:r>
+            <a:r>
+              <a:rPr lang="de-DE" altLang="de-DE" sz="1400" dirty="0"/>
+              <a:t>-Strategien</a:t>
+            </a:r>
+          </a:p>
+          <a:p>
+            <a:pPr lvl="1">
+              <a:buFont typeface="Arial" panose="020B0604020202020204" pitchFamily="34" charset="0"/>
+              <a:buChar char="•"/>
+            </a:pPr>
+            <a:r>
+              <a:rPr lang="de-DE" altLang="de-DE" sz="1400" dirty="0" err="1"/>
+              <a:t>Git</a:t>
+            </a:r>
+            <a:r>
+              <a:rPr lang="de-DE" altLang="de-DE" sz="1400" dirty="0"/>
+              <a:t> Remote</a:t>
+            </a:r>
+          </a:p>
+          <a:p>
+            <a:pPr lvl="1">
+              <a:buFont typeface="Arial" panose="020B0604020202020204" pitchFamily="34" charset="0"/>
+              <a:buChar char="•"/>
+            </a:pPr>
+            <a:r>
+              <a:rPr lang="de-DE" altLang="de-DE" sz="1400" dirty="0"/>
+              <a:t>Grundlagen von </a:t>
+            </a:r>
+            <a:r>
+              <a:rPr lang="de-DE" altLang="de-DE" sz="1400" dirty="0" err="1"/>
+              <a:t>GitLab</a:t>
+            </a:r>
+            <a:endParaRPr lang="de-DE" altLang="de-DE" sz="1400" dirty="0"/>
+          </a:p>
+          <a:p>
+            <a:pPr>
+              <a:buFont typeface="Arial" panose="020B0604020202020204" pitchFamily="34" charset="0"/>
+              <a:buChar char="•"/>
+            </a:pPr>
+            <a:r>
+              <a:rPr lang="de-DE" altLang="de-DE" sz="1800" b="1" dirty="0"/>
+              <a:t>Tag 2 – </a:t>
+            </a:r>
+            <a:r>
+              <a:rPr lang="de-DE" altLang="de-DE" sz="1800" b="1" dirty="0" err="1"/>
+              <a:t>Git</a:t>
+            </a:r>
+            <a:r>
+              <a:rPr lang="de-DE" altLang="de-DE" sz="1800" b="1" dirty="0"/>
+              <a:t>-Workflows, CI/CD, </a:t>
+            </a:r>
+            <a:r>
+              <a:rPr lang="de-DE" altLang="de-DE" sz="1800" b="1" dirty="0" err="1"/>
+              <a:t>GitLab</a:t>
+            </a:r>
+            <a:r>
+              <a:rPr lang="de-DE" altLang="de-DE" sz="1800" b="1" dirty="0"/>
+              <a:t> CI </a:t>
+            </a:r>
+          </a:p>
+          <a:p>
+            <a:pPr lvl="1">
+              <a:buFont typeface="Arial" panose="020B0604020202020204" pitchFamily="34" charset="0"/>
+              <a:buChar char="•"/>
+            </a:pPr>
+            <a:r>
+              <a:rPr lang="de-DE" altLang="de-DE" sz="1400" dirty="0" err="1"/>
+              <a:t>Git</a:t>
+            </a:r>
+            <a:r>
+              <a:rPr lang="de-DE" altLang="de-DE" sz="1400" dirty="0"/>
+              <a:t>-Workflow im Team</a:t>
+            </a:r>
+          </a:p>
+          <a:p>
+            <a:pPr lvl="1">
+              <a:buFont typeface="Arial" panose="020B0604020202020204" pitchFamily="34" charset="0"/>
+              <a:buChar char="•"/>
+            </a:pPr>
+            <a:r>
+              <a:rPr lang="de-DE" altLang="de-DE" sz="1400" dirty="0" err="1"/>
+              <a:t>Gitflow</a:t>
+            </a:r>
+            <a:r>
+              <a:rPr lang="de-DE" altLang="de-DE" sz="1400" dirty="0"/>
+              <a:t>-Workflow</a:t>
+            </a:r>
+          </a:p>
+          <a:p>
+            <a:pPr lvl="1">
+              <a:buFont typeface="Arial" panose="020B0604020202020204" pitchFamily="34" charset="0"/>
+              <a:buChar char="•"/>
+            </a:pPr>
+            <a:r>
+              <a:rPr lang="de-DE" altLang="de-DE" sz="1400" dirty="0"/>
+              <a:t>Tags, Releases &amp; deren Verwaltung</a:t>
+            </a:r>
+          </a:p>
+          <a:p>
+            <a:pPr lvl="1">
+              <a:buFont typeface="Arial" panose="020B0604020202020204" pitchFamily="34" charset="0"/>
+              <a:buChar char="•"/>
+            </a:pPr>
+            <a:r>
+              <a:rPr lang="de-DE" altLang="de-DE" sz="1400" dirty="0"/>
+              <a:t>Einführung in </a:t>
+            </a:r>
+            <a:r>
+              <a:rPr lang="de-DE" altLang="de-DE" sz="1400" dirty="0" err="1"/>
+              <a:t>GitLab</a:t>
+            </a:r>
+            <a:r>
+              <a:rPr lang="de-DE" altLang="de-DE" sz="1400" dirty="0"/>
+              <a:t> CI/CD &amp; </a:t>
+            </a:r>
+            <a:r>
+              <a:rPr lang="de-DE" altLang="de-DE" sz="1400" dirty="0" err="1"/>
+              <a:t>gitlab-ci.yml</a:t>
+            </a:r>
+            <a:endParaRPr lang="de-DE" altLang="de-DE" sz="1400" dirty="0"/>
+          </a:p>
+          <a:p>
+            <a:pPr lvl="1">
+              <a:buFont typeface="Arial" panose="020B0604020202020204" pitchFamily="34" charset="0"/>
+              <a:buChar char="•"/>
+            </a:pPr>
+            <a:r>
+              <a:rPr lang="de-DE" altLang="de-DE" sz="1400" dirty="0" err="1"/>
+              <a:t>GitLab</a:t>
+            </a:r>
+            <a:r>
+              <a:rPr lang="de-DE" altLang="de-DE" sz="1400" dirty="0"/>
+              <a:t> Runner</a:t>
+            </a:r>
+          </a:p>
+          <a:p>
+            <a:pPr>
+              <a:buFont typeface="Arial" panose="020B0604020202020204" pitchFamily="34" charset="0"/>
+              <a:buChar char="•"/>
+            </a:pPr>
+            <a:r>
+              <a:rPr lang="de-DE" altLang="de-DE" sz="1800" b="1" dirty="0"/>
+              <a:t>Tag 3 – Docker, </a:t>
+            </a:r>
+            <a:r>
+              <a:rPr lang="de-DE" altLang="de-DE" sz="1800" b="1" dirty="0" err="1"/>
+              <a:t>GitOps</a:t>
+            </a:r>
+            <a:r>
+              <a:rPr lang="de-DE" altLang="de-DE" sz="1800" b="1" dirty="0"/>
+              <a:t>, </a:t>
+            </a:r>
+            <a:r>
+              <a:rPr lang="de-DE" altLang="de-DE" sz="1800" b="1" dirty="0" err="1"/>
+              <a:t>Deployment</a:t>
+            </a:r>
+            <a:r>
+              <a:rPr lang="de-DE" altLang="de-DE" sz="1800" b="1" dirty="0"/>
+              <a:t>-Strategien</a:t>
+            </a:r>
+          </a:p>
+          <a:p>
+            <a:pPr lvl="1">
+              <a:buFont typeface="Arial" panose="020B0604020202020204" pitchFamily="34" charset="0"/>
+              <a:buChar char="•"/>
+            </a:pPr>
+            <a:r>
+              <a:rPr lang="de-DE" altLang="de-DE" sz="1400" dirty="0"/>
+              <a:t>Entwicklung mit Docker</a:t>
+            </a:r>
+          </a:p>
+          <a:p>
+            <a:pPr lvl="1">
+              <a:buFont typeface="Arial" panose="020B0604020202020204" pitchFamily="34" charset="0"/>
+              <a:buChar char="•"/>
+            </a:pPr>
+            <a:r>
+              <a:rPr lang="de-DE" altLang="de-DE" sz="1400" dirty="0"/>
+              <a:t>Container/Docker-Registry</a:t>
+            </a:r>
+          </a:p>
+          <a:p>
+            <a:pPr lvl="1">
+              <a:buFont typeface="Arial" panose="020B0604020202020204" pitchFamily="34" charset="0"/>
+              <a:buChar char="•"/>
+            </a:pPr>
+            <a:r>
+              <a:rPr lang="de-DE" altLang="de-DE" sz="1400" dirty="0"/>
+              <a:t>Erstellen von Release- und </a:t>
+            </a:r>
+            <a:r>
+              <a:rPr lang="de-DE" altLang="de-DE" sz="1400" dirty="0" err="1"/>
+              <a:t>Tagged</a:t>
+            </a:r>
+            <a:r>
+              <a:rPr lang="de-DE" altLang="de-DE" sz="1400" dirty="0"/>
+              <a:t>-Images</a:t>
+            </a:r>
+          </a:p>
+          <a:p>
+            <a:pPr lvl="1">
+              <a:buFont typeface="Arial" panose="020B0604020202020204" pitchFamily="34" charset="0"/>
+              <a:buChar char="•"/>
+            </a:pPr>
+            <a:r>
+              <a:rPr lang="de-DE" altLang="de-DE" sz="1400" u="sng" dirty="0" err="1"/>
+              <a:t>GitOps</a:t>
+            </a:r>
+            <a:r>
+              <a:rPr lang="de-DE" altLang="de-DE" sz="1400" u="sng" dirty="0"/>
+              <a:t> Grundlagen</a:t>
+            </a:r>
+          </a:p>
+          <a:p>
+            <a:pPr lvl="1">
+              <a:buFont typeface="Arial" panose="020B0604020202020204" pitchFamily="34" charset="0"/>
+              <a:buChar char="•"/>
+            </a:pPr>
+            <a:r>
+              <a:rPr lang="de-DE" altLang="de-DE" sz="1400" dirty="0"/>
+              <a:t>Möglichkeiten des </a:t>
+            </a:r>
+            <a:r>
+              <a:rPr lang="de-DE" altLang="de-DE" sz="1400" dirty="0" err="1"/>
+              <a:t>Deployments</a:t>
+            </a:r>
+            <a:r>
+              <a:rPr lang="de-DE" altLang="de-DE" sz="1400" dirty="0"/>
+              <a:t> &amp; Verwaltung von Konfiguration</a:t>
+            </a:r>
+          </a:p>
+          <a:p>
+            <a:pPr lvl="1">
+              <a:buFont typeface="Arial" panose="020B0604020202020204" pitchFamily="34" charset="0"/>
+              <a:buChar char="•"/>
+            </a:pPr>
+            <a:r>
+              <a:rPr lang="de-DE" altLang="de-DE" sz="1400" dirty="0"/>
+              <a:t>Abschlussübung &amp; Diskussion</a:t>
+            </a:r>
+          </a:p>
+          <a:p>
+            <a:pPr lvl="1">
+              <a:buFont typeface="Arial" panose="020B0604020202020204" pitchFamily="34" charset="0"/>
+              <a:buChar char="•"/>
+            </a:pPr>
+            <a:endParaRPr lang="de-DE" altLang="de-DE" sz="1400" dirty="0"/>
+          </a:p>
+        </p:txBody>
+      </p:sp>
+      <p:sp>
+        <p:nvSpPr>
+          <p:cNvPr id="6147" name="Rectangle 1062">
+            <a:extLst>
+              <a:ext uri="{FF2B5EF4-FFF2-40B4-BE49-F238E27FC236}">
+                <a16:creationId xmlns:a16="http://schemas.microsoft.com/office/drawing/2014/main" id="{C46E9340-3256-8D55-A265-94F2F41E288E}"/>
+              </a:ext>
+            </a:extLst>
+          </p:cNvPr>
+          <p:cNvSpPr>
+            <a:spLocks noGrp="1" noChangeArrowheads="1"/>
+          </p:cNvSpPr>
+          <p:nvPr>
+            <p:ph type="title"/>
+          </p:nvPr>
+        </p:nvSpPr>
+        <p:spPr>
+          <a:xfrm>
+            <a:off x="285750" y="142875"/>
+            <a:ext cx="5654675" cy="706438"/>
+          </a:xfrm>
+        </p:spPr>
+        <p:txBody>
+          <a:bodyPr/>
+          <a:lstStyle/>
+          <a:p>
+            <a:r>
+              <a:rPr lang="de-DE" altLang="de-DE" dirty="0"/>
+              <a:t>Agenda</a:t>
+            </a:r>
+          </a:p>
+        </p:txBody>
+      </p:sp>
+    </p:spTree>
+    <p:extLst>
+      <p:ext uri="{BB962C8B-B14F-4D97-AF65-F5344CB8AC3E}">
+        <p14:creationId xmlns:p14="http://schemas.microsoft.com/office/powerpoint/2010/main" val="1470878326"/>
+      </p:ext>
+    </p:extLst>
+  </p:cSld>
+  <p:clrMapOvr>
+    <a:masterClrMapping/>
+  </p:clrMapOvr>
+</p:sld>
+</file>
+
+<file path=ppt/slides/slide30.xml><?xml version="1.0" encoding="utf-8"?>
+<p:sld xmlns:a="http://schemas.openxmlformats.org/drawingml/2006/main" xmlns:r="http://schemas.openxmlformats.org/officeDocument/2006/relationships" xmlns:p="http://schemas.openxmlformats.org/presentationml/2006/main">
+  <p:cSld>
+    <p:spTree>
+      <p:nvGrpSpPr>
+        <p:cNvPr id="1" name=""/>
+        <p:cNvGrpSpPr/>
+        <p:nvPr/>
+      </p:nvGrpSpPr>
+      <p:grpSpPr>
+        <a:xfrm>
+          <a:off x="0" y="0"/>
+          <a:ext cx="0" cy="0"/>
+          <a:chOff x="0" y="0"/>
+          <a:chExt cx="0" cy="0"/>
+        </a:xfrm>
+      </p:grpSpPr>
+      <p:sp>
+        <p:nvSpPr>
+          <p:cNvPr id="4" name="Titel 3">
+            <a:extLst>
+              <a:ext uri="{FF2B5EF4-FFF2-40B4-BE49-F238E27FC236}">
+                <a16:creationId xmlns:a16="http://schemas.microsoft.com/office/drawing/2014/main" id="{DE2E2438-F7AB-FA72-F879-96DF03F462F1}"/>
+              </a:ext>
+            </a:extLst>
+          </p:cNvPr>
+          <p:cNvSpPr>
+            <a:spLocks noGrp="1"/>
+          </p:cNvSpPr>
+          <p:nvPr>
+            <p:ph type="title"/>
+          </p:nvPr>
+        </p:nvSpPr>
+        <p:spPr/>
+        <p:txBody>
+          <a:bodyPr/>
+          <a:lstStyle/>
+          <a:p>
+            <a:r>
+              <a:rPr lang="en-US" dirty="0" err="1"/>
+              <a:t>GitOps</a:t>
+            </a:r>
+            <a:endParaRPr lang="de-DE" dirty="0"/>
+          </a:p>
+        </p:txBody>
+      </p:sp>
+      <p:sp>
+        <p:nvSpPr>
+          <p:cNvPr id="5" name="Inhaltsplatzhalter 4">
+            <a:extLst>
+              <a:ext uri="{FF2B5EF4-FFF2-40B4-BE49-F238E27FC236}">
+                <a16:creationId xmlns:a16="http://schemas.microsoft.com/office/drawing/2014/main" id="{CEE3422D-D918-7E84-8C4D-561B54190ECC}"/>
+              </a:ext>
+            </a:extLst>
+          </p:cNvPr>
+          <p:cNvSpPr>
+            <a:spLocks noGrp="1"/>
+          </p:cNvSpPr>
+          <p:nvPr>
+            <p:ph idx="1"/>
+          </p:nvPr>
+        </p:nvSpPr>
+        <p:spPr/>
+        <p:txBody>
+          <a:bodyPr/>
+          <a:lstStyle/>
+          <a:p>
+            <a:pPr marL="0" indent="0">
+              <a:buNone/>
+            </a:pPr>
+            <a:r>
+              <a:rPr lang="de-DE" b="1" dirty="0"/>
+              <a:t>Aufgabe: Update mittels </a:t>
+            </a:r>
+            <a:r>
+              <a:rPr lang="de-DE" b="1" dirty="0" err="1"/>
+              <a:t>GitOps</a:t>
+            </a:r>
+            <a:endParaRPr lang="de-DE" b="1" dirty="0"/>
+          </a:p>
+          <a:p>
+            <a:pPr>
+              <a:buFont typeface="Arial" panose="020B0604020202020204" pitchFamily="34" charset="0"/>
+              <a:buChar char="•"/>
+            </a:pPr>
+            <a:r>
+              <a:rPr lang="de-DE" dirty="0"/>
+              <a:t>Ändern Sie den tag des Containers auf v2</a:t>
+            </a:r>
+          </a:p>
+          <a:p>
+            <a:pPr lvl="1">
+              <a:buFont typeface="Arial" panose="020B0604020202020204" pitchFamily="34" charset="0"/>
+              <a:buChar char="•"/>
+            </a:pPr>
+            <a:r>
+              <a:rPr lang="de-DE" dirty="0"/>
+              <a:t>Ändern in .</a:t>
+            </a:r>
+            <a:r>
+              <a:rPr lang="de-DE" dirty="0" err="1"/>
+              <a:t>gitlab-ci.yml</a:t>
+            </a:r>
+            <a:endParaRPr lang="de-DE" dirty="0"/>
+          </a:p>
+          <a:p>
+            <a:pPr lvl="1">
+              <a:buFont typeface="Arial" panose="020B0604020202020204" pitchFamily="34" charset="0"/>
+              <a:buChar char="•"/>
+            </a:pPr>
+            <a:r>
+              <a:rPr lang="de-DE" dirty="0"/>
+              <a:t>Ändern in </a:t>
+            </a:r>
+            <a:r>
+              <a:rPr lang="de-DE" dirty="0" err="1"/>
+              <a:t>manifests</a:t>
+            </a:r>
+            <a:r>
+              <a:rPr lang="de-DE" dirty="0"/>
+              <a:t>/</a:t>
+            </a:r>
+            <a:r>
+              <a:rPr lang="de-DE" dirty="0" err="1"/>
+              <a:t>app.yaml</a:t>
+            </a:r>
+            <a:endParaRPr lang="de-DE" dirty="0"/>
+          </a:p>
+          <a:p>
+            <a:pPr>
+              <a:buFont typeface="Arial" panose="020B0604020202020204" pitchFamily="34" charset="0"/>
+              <a:buChar char="•"/>
+            </a:pPr>
+            <a:r>
+              <a:rPr lang="de-DE" dirty="0"/>
+              <a:t>Ändern Sie die Nachricht in server.js zu „Hello New World“</a:t>
+            </a:r>
+          </a:p>
+          <a:p>
+            <a:pPr>
+              <a:buFont typeface="Arial" panose="020B0604020202020204" pitchFamily="34" charset="0"/>
+              <a:buChar char="•"/>
+            </a:pPr>
+            <a:r>
+              <a:rPr lang="de-DE" dirty="0"/>
+              <a:t>Prüfen sie den Status von </a:t>
+            </a:r>
+            <a:r>
+              <a:rPr lang="de-DE" dirty="0" err="1"/>
+              <a:t>Flux</a:t>
+            </a:r>
+            <a:r>
+              <a:rPr lang="de-DE" dirty="0"/>
+              <a:t>, </a:t>
+            </a:r>
+            <a:r>
+              <a:rPr lang="de-DE" dirty="0" err="1"/>
+              <a:t>Kubernetes</a:t>
+            </a:r>
+            <a:r>
+              <a:rPr lang="de-DE" dirty="0"/>
+              <a:t> und Server</a:t>
+            </a:r>
+          </a:p>
+          <a:p>
+            <a:pPr lvl="1">
+              <a:buFont typeface="Arial" panose="020B0604020202020204" pitchFamily="34" charset="0"/>
+              <a:buChar char="•"/>
+            </a:pPr>
+            <a:endParaRPr lang="de-DE" dirty="0"/>
+          </a:p>
+        </p:txBody>
+      </p:sp>
+    </p:spTree>
+    <p:extLst>
+      <p:ext uri="{BB962C8B-B14F-4D97-AF65-F5344CB8AC3E}">
+        <p14:creationId xmlns:p14="http://schemas.microsoft.com/office/powerpoint/2010/main" val="3156084334"/>
+      </p:ext>
+    </p:extLst>
+  </p:cSld>
+  <p:clrMapOvr>
+    <a:masterClrMapping/>
+  </p:clrMapOvr>
+</p:sld>
+</file>
+
+<file path=ppt/slides/slide31.xml><?xml version="1.0" encoding="utf-8"?>
+<p:sld xmlns:a="http://schemas.openxmlformats.org/drawingml/2006/main" xmlns:r="http://schemas.openxmlformats.org/officeDocument/2006/relationships" xmlns:p="http://schemas.openxmlformats.org/presentationml/2006/main">
+  <p:cSld>
+    <p:spTree>
+      <p:nvGrpSpPr>
+        <p:cNvPr id="1" name=""/>
+        <p:cNvGrpSpPr/>
+        <p:nvPr/>
+      </p:nvGrpSpPr>
+      <p:grpSpPr>
+        <a:xfrm>
+          <a:off x="0" y="0"/>
+          <a:ext cx="0" cy="0"/>
+          <a:chOff x="0" y="0"/>
+          <a:chExt cx="0" cy="0"/>
+        </a:xfrm>
+      </p:grpSpPr>
+      <p:sp>
+        <p:nvSpPr>
+          <p:cNvPr id="2" name="Titel 1">
+            <a:extLst>
+              <a:ext uri="{FF2B5EF4-FFF2-40B4-BE49-F238E27FC236}">
+                <a16:creationId xmlns:a16="http://schemas.microsoft.com/office/drawing/2014/main" id="{6852D978-9DF5-1E6A-F50B-0CA32EA8DAC7}"/>
+              </a:ext>
+            </a:extLst>
+          </p:cNvPr>
+          <p:cNvSpPr>
+            <a:spLocks noGrp="1"/>
+          </p:cNvSpPr>
+          <p:nvPr>
+            <p:ph type="title"/>
+          </p:nvPr>
+        </p:nvSpPr>
+        <p:spPr/>
+        <p:txBody>
+          <a:bodyPr/>
+          <a:lstStyle/>
+          <a:p>
+            <a:r>
+              <a:rPr lang="de-DE" dirty="0" err="1"/>
+              <a:t>GitOps</a:t>
+            </a:r>
+            <a:endParaRPr lang="de-DE" dirty="0"/>
+          </a:p>
+        </p:txBody>
+      </p:sp>
+      <p:pic>
+        <p:nvPicPr>
+          <p:cNvPr id="5" name="Inhaltsplatzhalter 4">
+            <a:extLst>
+              <a:ext uri="{FF2B5EF4-FFF2-40B4-BE49-F238E27FC236}">
+                <a16:creationId xmlns:a16="http://schemas.microsoft.com/office/drawing/2014/main" id="{37FD0FEF-8FFD-7132-377A-BD8E8097BBE0}"/>
+              </a:ext>
+            </a:extLst>
+          </p:cNvPr>
+          <p:cNvPicPr>
+            <a:picLocks noGrp="1" noChangeAspect="1"/>
+          </p:cNvPicPr>
+          <p:nvPr>
+            <p:ph idx="1"/>
+          </p:nvPr>
+        </p:nvPicPr>
+        <p:blipFill>
+          <a:blip r:embed="rId3">
+            <a:extLst>
+              <a:ext uri="{28A0092B-C50C-407E-A947-70E740481C1C}">
+                <a14:useLocalDpi xmlns:a14="http://schemas.microsoft.com/office/drawing/2010/main" val="0"/>
+              </a:ext>
+            </a:extLst>
+          </a:blip>
+          <a:stretch>
+            <a:fillRect/>
+          </a:stretch>
+        </p:blipFill>
+        <p:spPr>
+          <a:xfrm>
+            <a:off x="332581" y="1300162"/>
+            <a:ext cx="8458200" cy="4762500"/>
+          </a:xfrm>
+        </p:spPr>
+      </p:pic>
+    </p:spTree>
+    <p:extLst>
+      <p:ext uri="{BB962C8B-B14F-4D97-AF65-F5344CB8AC3E}">
+        <p14:creationId xmlns:p14="http://schemas.microsoft.com/office/powerpoint/2010/main" val="3210427694"/>
+      </p:ext>
+    </p:extLst>
+  </p:cSld>
+  <p:clrMapOvr>
+    <a:masterClrMapping/>
+  </p:clrMapOvr>
+</p:sld>
+</file>
+
+<file path=ppt/slides/slide32.xml><?xml version="1.0" encoding="utf-8"?>
+<p:sld xmlns:a="http://schemas.openxmlformats.org/drawingml/2006/main" xmlns:r="http://schemas.openxmlformats.org/officeDocument/2006/relationships" xmlns:p="http://schemas.openxmlformats.org/presentationml/2006/main">
+  <p:cSld>
+    <p:spTree>
+      <p:nvGrpSpPr>
+        <p:cNvPr id="1" name=""/>
+        <p:cNvGrpSpPr/>
+        <p:nvPr/>
+      </p:nvGrpSpPr>
+      <p:grpSpPr>
+        <a:xfrm>
+          <a:off x="0" y="0"/>
+          <a:ext cx="0" cy="0"/>
+          <a:chOff x="0" y="0"/>
+          <a:chExt cx="0" cy="0"/>
+        </a:xfrm>
+      </p:grpSpPr>
+      <p:sp>
+        <p:nvSpPr>
           <p:cNvPr id="2" name="Titel 1">
             <a:extLst>
               <a:ext uri="{FF2B5EF4-FFF2-40B4-BE49-F238E27FC236}">
@@ -13037,7 +15821,7 @@
 </p:sld>
 </file>
 
-<file path=ppt/slides/slide25.xml><?xml version="1.0" encoding="utf-8"?>
+<file path=ppt/slides/slide33.xml><?xml version="1.0" encoding="utf-8"?>
 <p:sld xmlns:a="http://schemas.openxmlformats.org/drawingml/2006/main" xmlns:r="http://schemas.openxmlformats.org/officeDocument/2006/relationships" xmlns:p="http://schemas.openxmlformats.org/presentationml/2006/main">
   <p:cSld>
     <p:spTree>
@@ -14555,7 +17339,7 @@
 </p:sld>
 </file>
 
-<file path=ppt/slides/slide26.xml><?xml version="1.0" encoding="utf-8"?>
+<file path=ppt/slides/slide34.xml><?xml version="1.0" encoding="utf-8"?>
 <p:sld xmlns:a="http://schemas.openxmlformats.org/drawingml/2006/main" xmlns:r="http://schemas.openxmlformats.org/officeDocument/2006/relationships" xmlns:p="http://schemas.openxmlformats.org/presentationml/2006/main">
   <p:cSld>
     <p:spTree>
@@ -17059,7 +19843,7 @@
 </p:sld>
 </file>
 
-<file path=ppt/slides/slide27.xml><?xml version="1.0" encoding="utf-8"?>
+<file path=ppt/slides/slide35.xml><?xml version="1.0" encoding="utf-8"?>
 <p:sld xmlns:a="http://schemas.openxmlformats.org/drawingml/2006/main" xmlns:r="http://schemas.openxmlformats.org/officeDocument/2006/relationships" xmlns:p="http://schemas.openxmlformats.org/presentationml/2006/main">
   <p:cSld>
     <p:spTree>
@@ -17218,7 +20002,7 @@
 </p:sld>
 </file>
 
-<file path=ppt/slides/slide28.xml><?xml version="1.0" encoding="utf-8"?>
+<file path=ppt/slides/slide36.xml><?xml version="1.0" encoding="utf-8"?>
 <p:sld xmlns:a="http://schemas.openxmlformats.org/drawingml/2006/main" xmlns:r="http://schemas.openxmlformats.org/officeDocument/2006/relationships" xmlns:p="http://schemas.openxmlformats.org/presentationml/2006/main">
   <p:cSld>
     <p:spTree>
@@ -17406,7 +20190,7 @@
 </p:sld>
 </file>
 
-<file path=ppt/slides/slide29.xml><?xml version="1.0" encoding="utf-8"?>
+<file path=ppt/slides/slide37.xml><?xml version="1.0" encoding="utf-8"?>
 <p:sld xmlns:a="http://schemas.openxmlformats.org/drawingml/2006/main" xmlns:r="http://schemas.openxmlformats.org/officeDocument/2006/relationships" xmlns:p="http://schemas.openxmlformats.org/presentationml/2006/main">
   <p:cSld>
     <p:spTree>
@@ -17616,413 +20400,7 @@
 </p:sld>
 </file>
 
-<file path=ppt/slides/slide3.xml><?xml version="1.0" encoding="utf-8"?>
-<p:sld xmlns:a="http://schemas.openxmlformats.org/drawingml/2006/main" xmlns:r="http://schemas.openxmlformats.org/officeDocument/2006/relationships" xmlns:p="http://schemas.openxmlformats.org/presentationml/2006/main">
-  <p:cSld>
-    <p:spTree>
-      <p:nvGrpSpPr>
-        <p:cNvPr id="1" name=""/>
-        <p:cNvGrpSpPr/>
-        <p:nvPr/>
-      </p:nvGrpSpPr>
-      <p:grpSpPr>
-        <a:xfrm>
-          <a:off x="0" y="0"/>
-          <a:ext cx="0" cy="0"/>
-          <a:chOff x="0" y="0"/>
-          <a:chExt cx="0" cy="0"/>
-        </a:xfrm>
-      </p:grpSpPr>
-      <p:sp>
-        <p:nvSpPr>
-          <p:cNvPr id="6146" name="Inhaltsplatzhalter 18">
-            <a:extLst>
-              <a:ext uri="{FF2B5EF4-FFF2-40B4-BE49-F238E27FC236}">
-                <a16:creationId xmlns:a16="http://schemas.microsoft.com/office/drawing/2014/main" id="{BE3C4C95-FD5D-27F0-ED0C-AB8113CAC9F1}"/>
-              </a:ext>
-            </a:extLst>
-          </p:cNvPr>
-          <p:cNvSpPr>
-            <a:spLocks noGrp="1"/>
-          </p:cNvSpPr>
-          <p:nvPr>
-            <p:ph idx="1"/>
-          </p:nvPr>
-        </p:nvSpPr>
-        <p:spPr/>
-        <p:txBody>
-          <a:bodyPr/>
-          <a:lstStyle/>
-          <a:p>
-            <a:pPr>
-              <a:buFont typeface="Arial" panose="020B0604020202020204" pitchFamily="34" charset="0"/>
-              <a:buChar char="•"/>
-            </a:pPr>
-            <a:r>
-              <a:rPr lang="de-DE" altLang="de-DE" sz="1800" b="1" dirty="0"/>
-              <a:t>Tag 1 – Einführung in </a:t>
-            </a:r>
-            <a:r>
-              <a:rPr lang="de-DE" altLang="de-DE" sz="1800" b="1" dirty="0" err="1"/>
-              <a:t>Git</a:t>
-            </a:r>
-            <a:r>
-              <a:rPr lang="de-DE" altLang="de-DE" sz="1800" b="1" dirty="0"/>
-              <a:t> und </a:t>
-            </a:r>
-            <a:r>
-              <a:rPr lang="de-DE" altLang="de-DE" sz="1800" b="1" dirty="0" err="1"/>
-              <a:t>GitLab</a:t>
-            </a:r>
-            <a:endParaRPr lang="de-DE" altLang="de-DE" sz="1800" b="1" dirty="0"/>
-          </a:p>
-          <a:p>
-            <a:pPr lvl="1">
-              <a:buFont typeface="Arial" panose="020B0604020202020204" pitchFamily="34" charset="0"/>
-              <a:buChar char="•"/>
-            </a:pPr>
-            <a:r>
-              <a:rPr lang="de-DE" altLang="de-DE" sz="1400" dirty="0"/>
-              <a:t>Einführung &amp; Kursüberblick</a:t>
-            </a:r>
-          </a:p>
-          <a:p>
-            <a:pPr lvl="1">
-              <a:buFont typeface="Arial" panose="020B0604020202020204" pitchFamily="34" charset="0"/>
-              <a:buChar char="•"/>
-            </a:pPr>
-            <a:r>
-              <a:rPr lang="de-DE" altLang="de-DE" sz="1400" dirty="0"/>
-              <a:t>Grundlagen von </a:t>
-            </a:r>
-            <a:r>
-              <a:rPr lang="de-DE" altLang="de-DE" sz="1400" dirty="0" err="1"/>
-              <a:t>Git</a:t>
-            </a:r>
-            <a:endParaRPr lang="de-DE" altLang="de-DE" sz="1400" dirty="0"/>
-          </a:p>
-          <a:p>
-            <a:pPr lvl="1">
-              <a:buFont typeface="Arial" panose="020B0604020202020204" pitchFamily="34" charset="0"/>
-              <a:buChar char="•"/>
-            </a:pPr>
-            <a:r>
-              <a:rPr lang="de-DE" altLang="de-DE" sz="1400" dirty="0" err="1"/>
-              <a:t>Git</a:t>
-            </a:r>
-            <a:r>
-              <a:rPr lang="de-DE" altLang="de-DE" sz="1400" dirty="0"/>
-              <a:t> </a:t>
-            </a:r>
-            <a:r>
-              <a:rPr lang="de-DE" altLang="de-DE" sz="1400" dirty="0" err="1"/>
-              <a:t>Rebase</a:t>
-            </a:r>
-            <a:r>
-              <a:rPr lang="de-DE" altLang="de-DE" sz="1400" dirty="0"/>
-              <a:t> und </a:t>
-            </a:r>
-            <a:r>
-              <a:rPr lang="de-DE" altLang="de-DE" sz="1400" dirty="0" err="1"/>
-              <a:t>Merge</a:t>
-            </a:r>
-            <a:r>
-              <a:rPr lang="de-DE" altLang="de-DE" sz="1400" dirty="0"/>
-              <a:t>-Strategien</a:t>
-            </a:r>
-          </a:p>
-          <a:p>
-            <a:pPr lvl="1">
-              <a:buFont typeface="Arial" panose="020B0604020202020204" pitchFamily="34" charset="0"/>
-              <a:buChar char="•"/>
-            </a:pPr>
-            <a:r>
-              <a:rPr lang="de-DE" altLang="de-DE" sz="1400" dirty="0" err="1"/>
-              <a:t>Git</a:t>
-            </a:r>
-            <a:r>
-              <a:rPr lang="de-DE" altLang="de-DE" sz="1400" dirty="0"/>
-              <a:t> Remote</a:t>
-            </a:r>
-          </a:p>
-          <a:p>
-            <a:pPr lvl="1">
-              <a:buFont typeface="Arial" panose="020B0604020202020204" pitchFamily="34" charset="0"/>
-              <a:buChar char="•"/>
-            </a:pPr>
-            <a:r>
-              <a:rPr lang="de-DE" altLang="de-DE" sz="1400" dirty="0"/>
-              <a:t>Grundlagen von </a:t>
-            </a:r>
-            <a:r>
-              <a:rPr lang="de-DE" altLang="de-DE" sz="1400" dirty="0" err="1"/>
-              <a:t>GitLab</a:t>
-            </a:r>
-            <a:endParaRPr lang="de-DE" altLang="de-DE" sz="1400" dirty="0"/>
-          </a:p>
-          <a:p>
-            <a:pPr>
-              <a:buFont typeface="Arial" panose="020B0604020202020204" pitchFamily="34" charset="0"/>
-              <a:buChar char="•"/>
-            </a:pPr>
-            <a:r>
-              <a:rPr lang="de-DE" altLang="de-DE" sz="1800" b="1" dirty="0"/>
-              <a:t>Tag 2 – </a:t>
-            </a:r>
-            <a:r>
-              <a:rPr lang="de-DE" altLang="de-DE" sz="1800" b="1" dirty="0" err="1"/>
-              <a:t>Git</a:t>
-            </a:r>
-            <a:r>
-              <a:rPr lang="de-DE" altLang="de-DE" sz="1800" b="1" dirty="0"/>
-              <a:t>-Workflows, CI/CD, </a:t>
-            </a:r>
-            <a:r>
-              <a:rPr lang="de-DE" altLang="de-DE" sz="1800" b="1" dirty="0" err="1"/>
-              <a:t>GitLab</a:t>
-            </a:r>
-            <a:r>
-              <a:rPr lang="de-DE" altLang="de-DE" sz="1800" b="1" dirty="0"/>
-              <a:t> CI </a:t>
-            </a:r>
-          </a:p>
-          <a:p>
-            <a:pPr lvl="1">
-              <a:buFont typeface="Arial" panose="020B0604020202020204" pitchFamily="34" charset="0"/>
-              <a:buChar char="•"/>
-            </a:pPr>
-            <a:r>
-              <a:rPr lang="de-DE" altLang="de-DE" sz="1400" dirty="0" err="1"/>
-              <a:t>Git</a:t>
-            </a:r>
-            <a:r>
-              <a:rPr lang="de-DE" altLang="de-DE" sz="1400" dirty="0"/>
-              <a:t>-Workflow im Team</a:t>
-            </a:r>
-          </a:p>
-          <a:p>
-            <a:pPr lvl="1">
-              <a:buFont typeface="Arial" panose="020B0604020202020204" pitchFamily="34" charset="0"/>
-              <a:buChar char="•"/>
-            </a:pPr>
-            <a:r>
-              <a:rPr lang="de-DE" altLang="de-DE" sz="1400" dirty="0" err="1"/>
-              <a:t>Gitflow</a:t>
-            </a:r>
-            <a:r>
-              <a:rPr lang="de-DE" altLang="de-DE" sz="1400" dirty="0"/>
-              <a:t>-Workflow</a:t>
-            </a:r>
-          </a:p>
-          <a:p>
-            <a:pPr lvl="1">
-              <a:buFont typeface="Arial" panose="020B0604020202020204" pitchFamily="34" charset="0"/>
-              <a:buChar char="•"/>
-            </a:pPr>
-            <a:r>
-              <a:rPr lang="de-DE" altLang="de-DE" sz="1400" dirty="0"/>
-              <a:t>Tags, Releases &amp; deren Verwaltung</a:t>
-            </a:r>
-          </a:p>
-          <a:p>
-            <a:pPr lvl="1">
-              <a:buFont typeface="Arial" panose="020B0604020202020204" pitchFamily="34" charset="0"/>
-              <a:buChar char="•"/>
-            </a:pPr>
-            <a:r>
-              <a:rPr lang="de-DE" altLang="de-DE" sz="1400" dirty="0"/>
-              <a:t>Einführung in </a:t>
-            </a:r>
-            <a:r>
-              <a:rPr lang="de-DE" altLang="de-DE" sz="1400" dirty="0" err="1"/>
-              <a:t>GitLab</a:t>
-            </a:r>
-            <a:r>
-              <a:rPr lang="de-DE" altLang="de-DE" sz="1400" dirty="0"/>
-              <a:t> CI/CD &amp; </a:t>
-            </a:r>
-            <a:r>
-              <a:rPr lang="de-DE" altLang="de-DE" sz="1400" dirty="0" err="1"/>
-              <a:t>gitlab-ci.yml</a:t>
-            </a:r>
-            <a:endParaRPr lang="de-DE" altLang="de-DE" sz="1400" dirty="0"/>
-          </a:p>
-          <a:p>
-            <a:pPr lvl="1">
-              <a:buFont typeface="Arial" panose="020B0604020202020204" pitchFamily="34" charset="0"/>
-              <a:buChar char="•"/>
-            </a:pPr>
-            <a:r>
-              <a:rPr lang="de-DE" altLang="de-DE" sz="1400" dirty="0" err="1"/>
-              <a:t>GitLab</a:t>
-            </a:r>
-            <a:r>
-              <a:rPr lang="de-DE" altLang="de-DE" sz="1400" dirty="0"/>
-              <a:t> Runner</a:t>
-            </a:r>
-          </a:p>
-          <a:p>
-            <a:pPr>
-              <a:buFont typeface="Arial" panose="020B0604020202020204" pitchFamily="34" charset="0"/>
-              <a:buChar char="•"/>
-            </a:pPr>
-            <a:r>
-              <a:rPr lang="de-DE" altLang="de-DE" sz="1800" b="1" dirty="0"/>
-              <a:t>Tag 3 – Docker, </a:t>
-            </a:r>
-            <a:r>
-              <a:rPr lang="de-DE" altLang="de-DE" sz="1800" b="1" dirty="0" err="1"/>
-              <a:t>GitOps</a:t>
-            </a:r>
-            <a:r>
-              <a:rPr lang="de-DE" altLang="de-DE" sz="1800" b="1" dirty="0"/>
-              <a:t>, </a:t>
-            </a:r>
-            <a:r>
-              <a:rPr lang="de-DE" altLang="de-DE" sz="1800" b="1" dirty="0" err="1"/>
-              <a:t>Deployment</a:t>
-            </a:r>
-            <a:r>
-              <a:rPr lang="de-DE" altLang="de-DE" sz="1800" b="1" dirty="0"/>
-              <a:t>-Strategien</a:t>
-            </a:r>
-          </a:p>
-          <a:p>
-            <a:pPr lvl="1">
-              <a:buFont typeface="Arial" panose="020B0604020202020204" pitchFamily="34" charset="0"/>
-              <a:buChar char="•"/>
-            </a:pPr>
-            <a:r>
-              <a:rPr lang="de-DE" altLang="de-DE" sz="1400" dirty="0"/>
-              <a:t>Entwicklung mit Docker</a:t>
-            </a:r>
-          </a:p>
-          <a:p>
-            <a:pPr lvl="1">
-              <a:buFont typeface="Arial" panose="020B0604020202020204" pitchFamily="34" charset="0"/>
-              <a:buChar char="•"/>
-            </a:pPr>
-            <a:r>
-              <a:rPr lang="de-DE" altLang="de-DE" sz="1400" dirty="0"/>
-              <a:t>Container/Docker-Registry</a:t>
-            </a:r>
-          </a:p>
-          <a:p>
-            <a:pPr lvl="1">
-              <a:buFont typeface="Arial" panose="020B0604020202020204" pitchFamily="34" charset="0"/>
-              <a:buChar char="•"/>
-            </a:pPr>
-            <a:r>
-              <a:rPr lang="de-DE" altLang="de-DE" sz="1400" dirty="0"/>
-              <a:t>Erstellen von Release- und </a:t>
-            </a:r>
-            <a:r>
-              <a:rPr lang="de-DE" altLang="de-DE" sz="1400" dirty="0" err="1"/>
-              <a:t>Tagged</a:t>
-            </a:r>
-            <a:r>
-              <a:rPr lang="de-DE" altLang="de-DE" sz="1400" dirty="0"/>
-              <a:t>-Images</a:t>
-            </a:r>
-          </a:p>
-          <a:p>
-            <a:pPr lvl="1">
-              <a:buFont typeface="Arial" panose="020B0604020202020204" pitchFamily="34" charset="0"/>
-              <a:buChar char="•"/>
-            </a:pPr>
-            <a:r>
-              <a:rPr lang="de-DE" altLang="de-DE" sz="1400" u="sng" dirty="0" err="1"/>
-              <a:t>GitOps</a:t>
-            </a:r>
-            <a:r>
-              <a:rPr lang="de-DE" altLang="de-DE" sz="1400" u="sng" dirty="0"/>
-              <a:t> Grundlagen</a:t>
-            </a:r>
-          </a:p>
-          <a:p>
-            <a:pPr lvl="1">
-              <a:buFont typeface="Arial" panose="020B0604020202020204" pitchFamily="34" charset="0"/>
-              <a:buChar char="•"/>
-            </a:pPr>
-            <a:r>
-              <a:rPr lang="de-DE" altLang="de-DE" sz="1400" dirty="0"/>
-              <a:t>Möglichkeiten des </a:t>
-            </a:r>
-            <a:r>
-              <a:rPr lang="de-DE" altLang="de-DE" sz="1400" dirty="0" err="1"/>
-              <a:t>Deployments</a:t>
-            </a:r>
-            <a:r>
-              <a:rPr lang="de-DE" altLang="de-DE" sz="1400" dirty="0"/>
-              <a:t> &amp; Verwaltung von Konfiguration</a:t>
-            </a:r>
-          </a:p>
-          <a:p>
-            <a:pPr lvl="1">
-              <a:buFont typeface="Arial" panose="020B0604020202020204" pitchFamily="34" charset="0"/>
-              <a:buChar char="•"/>
-            </a:pPr>
-            <a:r>
-              <a:rPr lang="de-DE" altLang="de-DE" sz="1400" dirty="0"/>
-              <a:t>Abschlussübung &amp; Diskussion</a:t>
-            </a:r>
-          </a:p>
-          <a:p>
-            <a:pPr lvl="1">
-              <a:buFont typeface="Arial" panose="020B0604020202020204" pitchFamily="34" charset="0"/>
-              <a:buChar char="•"/>
-            </a:pPr>
-            <a:endParaRPr lang="de-DE" altLang="de-DE" sz="1400" dirty="0"/>
-          </a:p>
-        </p:txBody>
-      </p:sp>
-      <p:sp>
-        <p:nvSpPr>
-          <p:cNvPr id="6147" name="Rectangle 1062">
-            <a:extLst>
-              <a:ext uri="{FF2B5EF4-FFF2-40B4-BE49-F238E27FC236}">
-                <a16:creationId xmlns:a16="http://schemas.microsoft.com/office/drawing/2014/main" id="{C46E9340-3256-8D55-A265-94F2F41E288E}"/>
-              </a:ext>
-            </a:extLst>
-          </p:cNvPr>
-          <p:cNvSpPr>
-            <a:spLocks noGrp="1" noChangeArrowheads="1"/>
-          </p:cNvSpPr>
-          <p:nvPr>
-            <p:ph type="title"/>
-          </p:nvPr>
-        </p:nvSpPr>
-        <p:spPr>
-          <a:xfrm>
-            <a:off x="285750" y="142875"/>
-            <a:ext cx="5654675" cy="706438"/>
-          </a:xfrm>
-        </p:spPr>
-        <p:txBody>
-          <a:bodyPr/>
-          <a:lstStyle/>
-          <a:p>
-            <a:r>
-              <a:rPr lang="de-DE" altLang="de-DE" dirty="0"/>
-              <a:t>Agenda</a:t>
-            </a:r>
-          </a:p>
-        </p:txBody>
-      </p:sp>
-    </p:spTree>
-    <p:extLst>
-      <p:ext uri="{BB962C8B-B14F-4D97-AF65-F5344CB8AC3E}">
-        <p14:creationId xmlns:p14="http://schemas.microsoft.com/office/powerpoint/2010/main" val="1470878326"/>
-      </p:ext>
-    </p:extLst>
-  </p:cSld>
-  <p:clrMapOvr>
-    <a:masterClrMapping/>
-  </p:clrMapOvr>
-</p:sld>
-</file>
-
-<file path=ppt/slides/slide30.xml><?xml version="1.0" encoding="utf-8"?>
+<file path=ppt/slides/slide38.xml><?xml version="1.0" encoding="utf-8"?>
 <p:sld xmlns:a="http://schemas.openxmlformats.org/drawingml/2006/main" xmlns:r="http://schemas.openxmlformats.org/officeDocument/2006/relationships" xmlns:p="http://schemas.openxmlformats.org/presentationml/2006/main">
   <p:cSld>
     <p:spTree>
@@ -18322,7 +20700,7 @@
 </p:sld>
 </file>
 
-<file path=ppt/slides/slide31.xml><?xml version="1.0" encoding="utf-8"?>
+<file path=ppt/slides/slide39.xml><?xml version="1.0" encoding="utf-8"?>
 <p:sld xmlns:a="http://schemas.openxmlformats.org/drawingml/2006/main" xmlns:r="http://schemas.openxmlformats.org/officeDocument/2006/relationships" xmlns:p="http://schemas.openxmlformats.org/presentationml/2006/main">
   <p:cSld>
     <p:spTree>
@@ -20456,7 +22834,82 @@
 </p:sld>
 </file>
 
-<file path=ppt/slides/slide32.xml><?xml version="1.0" encoding="utf-8"?>
+<file path=ppt/slides/slide4.xml><?xml version="1.0" encoding="utf-8"?>
+<p:sld xmlns:a="http://schemas.openxmlformats.org/drawingml/2006/main" xmlns:r="http://schemas.openxmlformats.org/officeDocument/2006/relationships" xmlns:p="http://schemas.openxmlformats.org/presentationml/2006/main">
+  <p:cSld>
+    <p:spTree>
+      <p:nvGrpSpPr>
+        <p:cNvPr id="1" name=""/>
+        <p:cNvGrpSpPr/>
+        <p:nvPr/>
+      </p:nvGrpSpPr>
+      <p:grpSpPr>
+        <a:xfrm>
+          <a:off x="0" y="0"/>
+          <a:ext cx="0" cy="0"/>
+          <a:chOff x="0" y="0"/>
+          <a:chExt cx="0" cy="0"/>
+        </a:xfrm>
+      </p:grpSpPr>
+      <p:sp>
+        <p:nvSpPr>
+          <p:cNvPr id="2" name="Titel 1"/>
+          <p:cNvSpPr>
+            <a:spLocks noGrp="1"/>
+          </p:cNvSpPr>
+          <p:nvPr>
+            <p:ph type="title"/>
+          </p:nvPr>
+        </p:nvSpPr>
+        <p:spPr/>
+        <p:txBody>
+          <a:bodyPr/>
+          <a:lstStyle/>
+          <a:p>
+            <a:r>
+              <a:rPr lang="de-DE" cap="none" dirty="0" err="1"/>
+              <a:t>GitOps</a:t>
+            </a:r>
+            <a:endParaRPr lang="de-DE" cap="none" dirty="0"/>
+          </a:p>
+        </p:txBody>
+      </p:sp>
+      <p:sp>
+        <p:nvSpPr>
+          <p:cNvPr id="3" name="Untertitel 2"/>
+          <p:cNvSpPr>
+            <a:spLocks noGrp="1"/>
+          </p:cNvSpPr>
+          <p:nvPr>
+            <p:ph type="body" idx="1"/>
+          </p:nvPr>
+        </p:nvSpPr>
+        <p:spPr/>
+        <p:txBody>
+          <a:bodyPr/>
+          <a:lstStyle/>
+          <a:p>
+            <a:r>
+              <a:rPr lang="de-DE" dirty="0"/>
+              <a:t>Grundlagen von</a:t>
+            </a:r>
+          </a:p>
+        </p:txBody>
+      </p:sp>
+    </p:spTree>
+    <p:extLst>
+      <p:ext uri="{BB962C8B-B14F-4D97-AF65-F5344CB8AC3E}">
+        <p14:creationId xmlns:p14="http://schemas.microsoft.com/office/powerpoint/2010/main" val="614702079"/>
+      </p:ext>
+    </p:extLst>
+  </p:cSld>
+  <p:clrMapOvr>
+    <a:masterClrMapping/>
+  </p:clrMapOvr>
+</p:sld>
+</file>
+
+<file path=ppt/slides/slide40.xml><?xml version="1.0" encoding="utf-8"?>
 <p:sld xmlns:a="http://schemas.openxmlformats.org/drawingml/2006/main" xmlns:r="http://schemas.openxmlformats.org/officeDocument/2006/relationships" xmlns:p="http://schemas.openxmlformats.org/presentationml/2006/main">
   <p:cSld>
     <p:spTree>
@@ -22119,7 +24572,7 @@
 </p:sld>
 </file>
 
-<file path=ppt/slides/slide33.xml><?xml version="1.0" encoding="utf-8"?>
+<file path=ppt/slides/slide41.xml><?xml version="1.0" encoding="utf-8"?>
 <p:sld xmlns:a="http://schemas.openxmlformats.org/drawingml/2006/main" xmlns:r="http://schemas.openxmlformats.org/officeDocument/2006/relationships" xmlns:p="http://schemas.openxmlformats.org/presentationml/2006/main">
   <p:cSld>
     <p:spTree>
@@ -23958,7 +26411,7 @@
 </p:sld>
 </file>
 
-<file path=ppt/slides/slide34.xml><?xml version="1.0" encoding="utf-8"?>
+<file path=ppt/slides/slide42.xml><?xml version="1.0" encoding="utf-8"?>
 <p:sld xmlns:a="http://schemas.openxmlformats.org/drawingml/2006/main" xmlns:r="http://schemas.openxmlformats.org/officeDocument/2006/relationships" xmlns:p="http://schemas.openxmlformats.org/presentationml/2006/main">
   <p:cSld>
     <p:spTree>
@@ -24139,7 +26592,7 @@
 </p:sld>
 </file>
 
-<file path=ppt/slides/slide35.xml><?xml version="1.0" encoding="utf-8"?>
+<file path=ppt/slides/slide43.xml><?xml version="1.0" encoding="utf-8"?>
 <p:sld xmlns:a="http://schemas.openxmlformats.org/drawingml/2006/main" xmlns:r="http://schemas.openxmlformats.org/officeDocument/2006/relationships" xmlns:p="http://schemas.openxmlformats.org/presentationml/2006/main">
   <p:cSld>
     <p:spTree>
@@ -26036,7 +28489,7 @@
 </p:sld>
 </file>
 
-<file path=ppt/slides/slide36.xml><?xml version="1.0" encoding="utf-8"?>
+<file path=ppt/slides/slide44.xml><?xml version="1.0" encoding="utf-8"?>
 <p:sld xmlns:a="http://schemas.openxmlformats.org/drawingml/2006/main" xmlns:r="http://schemas.openxmlformats.org/officeDocument/2006/relationships" xmlns:p="http://schemas.openxmlformats.org/presentationml/2006/main">
   <p:cSld>
     <p:spTree>
@@ -26308,7 +28761,7 @@
 </p:sld>
 </file>
 
-<file path=ppt/slides/slide37.xml><?xml version="1.0" encoding="utf-8"?>
+<file path=ppt/slides/slide45.xml><?xml version="1.0" encoding="utf-8"?>
 <p:sld xmlns:a="http://schemas.openxmlformats.org/drawingml/2006/main" xmlns:r="http://schemas.openxmlformats.org/officeDocument/2006/relationships" xmlns:p="http://schemas.openxmlformats.org/presentationml/2006/main">
   <p:cSld>
     <p:spTree>
@@ -26548,7 +29001,7 @@
 </p:sld>
 </file>
 
-<file path=ppt/slides/slide38.xml><?xml version="1.0" encoding="utf-8"?>
+<file path=ppt/slides/slide46.xml><?xml version="1.0" encoding="utf-8"?>
 <p:sld xmlns:a="http://schemas.openxmlformats.org/drawingml/2006/main" xmlns:r="http://schemas.openxmlformats.org/officeDocument/2006/relationships" xmlns:p="http://schemas.openxmlformats.org/presentationml/2006/main">
   <p:cSld>
     <p:spTree>
@@ -26633,81 +29086,6 @@
     <p:extLst>
       <p:ext uri="{BB962C8B-B14F-4D97-AF65-F5344CB8AC3E}">
         <p14:creationId xmlns:p14="http://schemas.microsoft.com/office/powerpoint/2010/main" val="2186984375"/>
-      </p:ext>
-    </p:extLst>
-  </p:cSld>
-  <p:clrMapOvr>
-    <a:masterClrMapping/>
-  </p:clrMapOvr>
-</p:sld>
-</file>
-
-<file path=ppt/slides/slide4.xml><?xml version="1.0" encoding="utf-8"?>
-<p:sld xmlns:a="http://schemas.openxmlformats.org/drawingml/2006/main" xmlns:r="http://schemas.openxmlformats.org/officeDocument/2006/relationships" xmlns:p="http://schemas.openxmlformats.org/presentationml/2006/main">
-  <p:cSld>
-    <p:spTree>
-      <p:nvGrpSpPr>
-        <p:cNvPr id="1" name=""/>
-        <p:cNvGrpSpPr/>
-        <p:nvPr/>
-      </p:nvGrpSpPr>
-      <p:grpSpPr>
-        <a:xfrm>
-          <a:off x="0" y="0"/>
-          <a:ext cx="0" cy="0"/>
-          <a:chOff x="0" y="0"/>
-          <a:chExt cx="0" cy="0"/>
-        </a:xfrm>
-      </p:grpSpPr>
-      <p:sp>
-        <p:nvSpPr>
-          <p:cNvPr id="2" name="Titel 1"/>
-          <p:cNvSpPr>
-            <a:spLocks noGrp="1"/>
-          </p:cNvSpPr>
-          <p:nvPr>
-            <p:ph type="title"/>
-          </p:nvPr>
-        </p:nvSpPr>
-        <p:spPr/>
-        <p:txBody>
-          <a:bodyPr/>
-          <a:lstStyle/>
-          <a:p>
-            <a:r>
-              <a:rPr lang="de-DE" cap="none" dirty="0" err="1"/>
-              <a:t>GitOps</a:t>
-            </a:r>
-            <a:endParaRPr lang="de-DE" cap="none" dirty="0"/>
-          </a:p>
-        </p:txBody>
-      </p:sp>
-      <p:sp>
-        <p:nvSpPr>
-          <p:cNvPr id="3" name="Untertitel 2"/>
-          <p:cNvSpPr>
-            <a:spLocks noGrp="1"/>
-          </p:cNvSpPr>
-          <p:nvPr>
-            <p:ph type="body" idx="1"/>
-          </p:nvPr>
-        </p:nvSpPr>
-        <p:spPr/>
-        <p:txBody>
-          <a:bodyPr/>
-          <a:lstStyle/>
-          <a:p>
-            <a:r>
-              <a:rPr lang="de-DE" dirty="0"/>
-              <a:t>Grundlagen von</a:t>
-            </a:r>
-          </a:p>
-        </p:txBody>
-      </p:sp>
-    </p:spTree>
-    <p:extLst>
-      <p:ext uri="{BB962C8B-B14F-4D97-AF65-F5344CB8AC3E}">
-        <p14:creationId xmlns:p14="http://schemas.microsoft.com/office/powerpoint/2010/main" val="614702079"/>
       </p:ext>
     </p:extLst>
   </p:cSld>

--- a/slides/Tag-3_4-GitOps.pptx
+++ b/slides/Tag-3_4-GitOps.pptx
@@ -13167,7 +13167,7 @@
               <a:t> </a:t>
             </a:r>
             <a:r>
-              <a:rPr lang="de-DE" b="1"/>
+              <a:rPr lang="de-DE" b="1" dirty="0" err="1"/>
               <a:t>GitOps</a:t>
             </a:r>
             <a:endParaRPr lang="de-DE" b="1" dirty="0"/>

--- a/slides/Tag-3_4-GitOps.pptx
+++ b/slides/Tag-3_4-GitOps.pptx
@@ -7408,7 +7408,7 @@
               <a:pPr algn="ctr">
                 <a:defRPr/>
               </a:pPr>
-              <a:t>01.08.2024</a:t>
+              <a:t>07.08.2024</a:t>
             </a:fld>
             <a:endParaRPr lang="de-DE" sz="1000">
               <a:solidFill>
@@ -14092,47 +14092,7 @@
             </a:pPr>
             <a:r>
               <a:rPr lang="de-DE" dirty="0"/>
-              <a:t>The </a:t>
-            </a:r>
-            <a:r>
-              <a:rPr lang="de-DE" dirty="0" err="1"/>
-              <a:t>image</a:t>
-            </a:r>
-            <a:r>
-              <a:rPr lang="de-DE" dirty="0"/>
-              <a:t> </a:t>
-            </a:r>
-            <a:r>
-              <a:rPr lang="de-DE" dirty="0" err="1"/>
-              <a:t>is</a:t>
-            </a:r>
-            <a:r>
-              <a:rPr lang="de-DE" dirty="0"/>
-              <a:t> </a:t>
-            </a:r>
-            <a:r>
-              <a:rPr lang="de-DE" dirty="0" err="1"/>
-              <a:t>created</a:t>
-            </a:r>
-            <a:r>
-              <a:rPr lang="de-DE" dirty="0"/>
-              <a:t> </a:t>
-            </a:r>
-            <a:r>
-              <a:rPr lang="de-DE" dirty="0" err="1"/>
-              <a:t>by</a:t>
-            </a:r>
-            <a:r>
-              <a:rPr lang="de-DE" dirty="0"/>
-              <a:t> </a:t>
-            </a:r>
-            <a:r>
-              <a:rPr lang="de-DE" dirty="0" err="1"/>
-              <a:t>the</a:t>
-            </a:r>
-            <a:r>
-              <a:rPr lang="de-DE" dirty="0"/>
-              <a:t> ci-pipeline</a:t>
+              <a:t>Das Image wird von der CI-Pipeline erstellt</a:t>
             </a:r>
           </a:p>
           <a:p>
@@ -14142,7 +14102,7 @@
             </a:pPr>
             <a:r>
               <a:rPr lang="de-DE" dirty="0"/>
-              <a:t>Edit </a:t>
+              <a:t>Passen sie </a:t>
             </a:r>
             <a:r>
               <a:rPr lang="de-DE" dirty="0" err="1"/>
@@ -14150,48 +14110,13 @@
             </a:r>
             <a:r>
               <a:rPr lang="de-DE" dirty="0"/>
-              <a:t> </a:t>
-            </a:r>
-            <a:r>
-              <a:rPr lang="de-DE" dirty="0" err="1"/>
-              <a:t>to</a:t>
-            </a:r>
-            <a:r>
-              <a:rPr lang="de-DE" dirty="0"/>
-              <a:t> </a:t>
-            </a:r>
-            <a:r>
-              <a:rPr lang="de-DE" dirty="0" err="1"/>
-              <a:t>include</a:t>
-            </a:r>
-            <a:r>
-              <a:rPr lang="de-DE" dirty="0"/>
-              <a:t> </a:t>
-            </a:r>
-            <a:r>
-              <a:rPr lang="de-DE" dirty="0" err="1"/>
-              <a:t>your</a:t>
-            </a:r>
-            <a:r>
-              <a:rPr lang="de-DE" dirty="0"/>
-              <a:t> </a:t>
-            </a:r>
-            <a:r>
-              <a:rPr lang="de-DE" dirty="0" err="1"/>
-              <a:t>container</a:t>
-            </a:r>
-            <a:r>
-              <a:rPr lang="de-DE" dirty="0"/>
-              <a:t> </a:t>
-            </a:r>
-            <a:r>
-              <a:rPr lang="de-DE" dirty="0" err="1"/>
-              <a:t>image</a:t>
-            </a:r>
-            <a:r>
-              <a:rPr lang="de-DE" dirty="0"/>
-              <a:t>.</a:t>
-            </a:r>
+              <a:t> für Ihr </a:t>
+            </a:r>
+            <a:r>
+              <a:rPr lang="de-DE"/>
+              <a:t>Container Image an.</a:t>
+            </a:r>
+            <a:endParaRPr lang="de-DE" dirty="0"/>
           </a:p>
           <a:p>
             <a:pPr lvl="1">

--- a/slides/Tag-3_4-GitOps.pptx
+++ b/slides/Tag-3_4-GitOps.pptx
@@ -15299,6 +15299,24 @@
             <a:r>
               <a:rPr lang="de-DE" dirty="0"/>
               <a:t>Ändern Sie die Nachricht in server.js zu „Hello New World“</a:t>
+            </a:r>
+          </a:p>
+          <a:p>
+            <a:pPr>
+              <a:buFont typeface="Arial" panose="020B0604020202020204" pitchFamily="34" charset="0"/>
+              <a:buChar char="•"/>
+            </a:pPr>
+            <a:r>
+              <a:rPr lang="de-DE" dirty="0"/>
+              <a:t>Pushen Sie ihre Änderungen zum </a:t>
+            </a:r>
+            <a:r>
+              <a:rPr lang="de-DE" dirty="0" err="1"/>
+              <a:t>git</a:t>
+            </a:r>
+            <a:r>
+              <a:rPr lang="de-DE" dirty="0"/>
+              <a:t> remote.</a:t>
             </a:r>
           </a:p>
           <a:p>

--- a/slides/Tag-3_4-GitOps.pptx
+++ b/slides/Tag-3_4-GitOps.pptx
@@ -7408,7 +7408,7 @@
               <a:pPr algn="ctr">
                 <a:defRPr/>
               </a:pPr>
-              <a:t>07.08.2024</a:t>
+              <a:t>08.08.2024</a:t>
             </a:fld>
             <a:endParaRPr lang="de-DE" sz="1000">
               <a:solidFill>
@@ -14505,7 +14505,7 @@
               <a:rPr lang="de-DE" dirty="0" err="1">
                 <a:latin typeface="Aptos" panose="020B0004020202020204" pitchFamily="34" charset="0"/>
               </a:rPr>
-              <a:t>repositories</a:t>
+              <a:t>manifests</a:t>
             </a:r>
             <a:endParaRPr lang="de-DE" dirty="0">
               <a:latin typeface="Aptos" panose="020B0004020202020204" pitchFamily="34" charset="0"/>

--- a/slides/Tag-3_4-GitOps.pptx
+++ b/slides/Tag-3_4-GitOps.pptx
@@ -6,10 +6,10 @@
     <p:sldMasterId id="2147483649" r:id="rId2"/>
   </p:sldMasterIdLst>
   <p:notesMasterIdLst>
-    <p:notesMasterId r:id="rId49"/>
+    <p:notesMasterId r:id="rId58"/>
   </p:notesMasterIdLst>
   <p:handoutMasterIdLst>
-    <p:handoutMasterId r:id="rId50"/>
+    <p:handoutMasterId r:id="rId59"/>
   </p:handoutMasterIdLst>
   <p:sldIdLst>
     <p:sldId id="624" r:id="rId3"/>
@@ -35,29 +35,38 @@
     <p:sldId id="617" r:id="rId23"/>
     <p:sldId id="609" r:id="rId24"/>
     <p:sldId id="630" r:id="rId25"/>
-    <p:sldId id="631" r:id="rId26"/>
-    <p:sldId id="632" r:id="rId27"/>
-    <p:sldId id="633" r:id="rId28"/>
-    <p:sldId id="634" r:id="rId29"/>
-    <p:sldId id="635" r:id="rId30"/>
-    <p:sldId id="636" r:id="rId31"/>
-    <p:sldId id="637" r:id="rId32"/>
-    <p:sldId id="605" r:id="rId33"/>
-    <p:sldId id="608" r:id="rId34"/>
-    <p:sldId id="610" r:id="rId35"/>
-    <p:sldId id="611" r:id="rId36"/>
-    <p:sldId id="607" r:id="rId37"/>
-    <p:sldId id="619" r:id="rId38"/>
-    <p:sldId id="621" r:id="rId39"/>
-    <p:sldId id="620" r:id="rId40"/>
-    <p:sldId id="612" r:id="rId41"/>
-    <p:sldId id="613" r:id="rId42"/>
-    <p:sldId id="615" r:id="rId43"/>
-    <p:sldId id="616" r:id="rId44"/>
-    <p:sldId id="622" r:id="rId45"/>
-    <p:sldId id="623" r:id="rId46"/>
-    <p:sldId id="618" r:id="rId47"/>
-    <p:sldId id="598" r:id="rId48"/>
+    <p:sldId id="638" r:id="rId26"/>
+    <p:sldId id="639" r:id="rId27"/>
+    <p:sldId id="640" r:id="rId28"/>
+    <p:sldId id="641" r:id="rId29"/>
+    <p:sldId id="642" r:id="rId30"/>
+    <p:sldId id="646" r:id="rId31"/>
+    <p:sldId id="643" r:id="rId32"/>
+    <p:sldId id="644" r:id="rId33"/>
+    <p:sldId id="631" r:id="rId34"/>
+    <p:sldId id="632" r:id="rId35"/>
+    <p:sldId id="633" r:id="rId36"/>
+    <p:sldId id="645" r:id="rId37"/>
+    <p:sldId id="634" r:id="rId38"/>
+    <p:sldId id="635" r:id="rId39"/>
+    <p:sldId id="636" r:id="rId40"/>
+    <p:sldId id="637" r:id="rId41"/>
+    <p:sldId id="605" r:id="rId42"/>
+    <p:sldId id="608" r:id="rId43"/>
+    <p:sldId id="610" r:id="rId44"/>
+    <p:sldId id="611" r:id="rId45"/>
+    <p:sldId id="607" r:id="rId46"/>
+    <p:sldId id="619" r:id="rId47"/>
+    <p:sldId id="621" r:id="rId48"/>
+    <p:sldId id="620" r:id="rId49"/>
+    <p:sldId id="612" r:id="rId50"/>
+    <p:sldId id="613" r:id="rId51"/>
+    <p:sldId id="615" r:id="rId52"/>
+    <p:sldId id="616" r:id="rId53"/>
+    <p:sldId id="622" r:id="rId54"/>
+    <p:sldId id="623" r:id="rId55"/>
+    <p:sldId id="618" r:id="rId56"/>
+    <p:sldId id="598" r:id="rId57"/>
   </p:sldIdLst>
   <p:sldSz cx="9144000" cy="6858000" type="screen4x3"/>
   <p:notesSz cx="6784975" cy="9921875"/>
@@ -2786,7 +2795,7 @@
             <a:fld id="{18182567-388C-4D33-8B7B-A651F195F118}" type="slidenum">
               <a:rPr lang="de-DE" altLang="de-DE" smtClean="0"/>
               <a:pPr/>
-              <a:t>26</a:t>
+              <a:t>34</a:t>
             </a:fld>
             <a:endParaRPr lang="de-DE" altLang="de-DE"/>
           </a:p>
@@ -3027,7 +3036,7 @@
             <a:fld id="{18182567-388C-4D33-8B7B-A651F195F118}" type="slidenum">
               <a:rPr lang="de-DE" altLang="de-DE" smtClean="0"/>
               <a:pPr/>
-              <a:t>27</a:t>
+              <a:t>35</a:t>
             </a:fld>
             <a:endParaRPr lang="de-DE" altLang="de-DE"/>
           </a:p>
@@ -3036,7 +3045,7 @@
     </p:spTree>
     <p:extLst>
       <p:ext uri="{BB962C8B-B14F-4D97-AF65-F5344CB8AC3E}">
-        <p14:creationId xmlns:p14="http://schemas.microsoft.com/office/powerpoint/2010/main" val="3539444758"/>
+        <p14:creationId xmlns:p14="http://schemas.microsoft.com/office/powerpoint/2010/main" val="4173483797"/>
       </p:ext>
     </p:extLst>
   </p:cSld>
@@ -3112,7 +3121,7 @@
             <a:fld id="{18182567-388C-4D33-8B7B-A651F195F118}" type="slidenum">
               <a:rPr lang="de-DE" altLang="de-DE" smtClean="0"/>
               <a:pPr/>
-              <a:t>28</a:t>
+              <a:t>36</a:t>
             </a:fld>
             <a:endParaRPr lang="de-DE" altLang="de-DE"/>
           </a:p>
@@ -3121,7 +3130,7 @@
     </p:spTree>
     <p:extLst>
       <p:ext uri="{BB962C8B-B14F-4D97-AF65-F5344CB8AC3E}">
-        <p14:creationId xmlns:p14="http://schemas.microsoft.com/office/powerpoint/2010/main" val="113505406"/>
+        <p14:creationId xmlns:p14="http://schemas.microsoft.com/office/powerpoint/2010/main" val="3539444758"/>
       </p:ext>
     </p:extLst>
   </p:cSld>
@@ -3197,7 +3206,7 @@
             <a:fld id="{18182567-388C-4D33-8B7B-A651F195F118}" type="slidenum">
               <a:rPr lang="de-DE" altLang="de-DE" smtClean="0"/>
               <a:pPr/>
-              <a:t>29</a:t>
+              <a:t>37</a:t>
             </a:fld>
             <a:endParaRPr lang="de-DE" altLang="de-DE"/>
           </a:p>
@@ -3206,7 +3215,7 @@
     </p:spTree>
     <p:extLst>
       <p:ext uri="{BB962C8B-B14F-4D97-AF65-F5344CB8AC3E}">
-        <p14:creationId xmlns:p14="http://schemas.microsoft.com/office/powerpoint/2010/main" val="991868598"/>
+        <p14:creationId xmlns:p14="http://schemas.microsoft.com/office/powerpoint/2010/main" val="113505406"/>
       </p:ext>
     </p:extLst>
   </p:cSld>
@@ -3282,7 +3291,7 @@
             <a:fld id="{18182567-388C-4D33-8B7B-A651F195F118}" type="slidenum">
               <a:rPr lang="de-DE" altLang="de-DE" smtClean="0"/>
               <a:pPr/>
-              <a:t>30</a:t>
+              <a:t>38</a:t>
             </a:fld>
             <a:endParaRPr lang="de-DE" altLang="de-DE"/>
           </a:p>
@@ -3291,7 +3300,7 @@
     </p:spTree>
     <p:extLst>
       <p:ext uri="{BB962C8B-B14F-4D97-AF65-F5344CB8AC3E}">
-        <p14:creationId xmlns:p14="http://schemas.microsoft.com/office/powerpoint/2010/main" val="768276750"/>
+        <p14:creationId xmlns:p14="http://schemas.microsoft.com/office/powerpoint/2010/main" val="991868598"/>
       </p:ext>
     </p:extLst>
   </p:cSld>
@@ -3345,29 +3354,6 @@
           <a:bodyPr/>
           <a:lstStyle/>
           <a:p>
-            <a:r>
-              <a:rPr lang="de-DE" dirty="0"/>
-              <a:t>Quelle</a:t>
-            </a:r>
-          </a:p>
-          <a:p>
-            <a:r>
-              <a:rPr lang="de-DE" dirty="0"/>
-              <a:t>Imgflip.com</a:t>
-            </a:r>
-          </a:p>
-          <a:p>
-            <a:endParaRPr lang="de-DE" dirty="0"/>
-          </a:p>
-          <a:p>
-            <a:r>
-              <a:rPr lang="de-DE" dirty="0"/>
-              <a:t>Side </a:t>
-            </a:r>
-            <a:r>
-              <a:rPr lang="de-DE" dirty="0" err="1"/>
-              <a:t>car</a:t>
-            </a:r>
             <a:endParaRPr lang="de-DE" dirty="0"/>
           </a:p>
         </p:txBody>
@@ -3390,7 +3376,7 @@
             <a:fld id="{18182567-388C-4D33-8B7B-A651F195F118}" type="slidenum">
               <a:rPr lang="de-DE" altLang="de-DE" smtClean="0"/>
               <a:pPr/>
-              <a:t>31</a:t>
+              <a:t>39</a:t>
             </a:fld>
             <a:endParaRPr lang="de-DE" altLang="de-DE"/>
           </a:p>
@@ -3399,7 +3385,7 @@
     </p:spTree>
     <p:extLst>
       <p:ext uri="{BB962C8B-B14F-4D97-AF65-F5344CB8AC3E}">
-        <p14:creationId xmlns:p14="http://schemas.microsoft.com/office/powerpoint/2010/main" val="1749284629"/>
+        <p14:creationId xmlns:p14="http://schemas.microsoft.com/office/powerpoint/2010/main" val="768276750"/>
       </p:ext>
     </p:extLst>
   </p:cSld>
@@ -3455,8 +3441,28 @@
           <a:p>
             <a:r>
               <a:rPr lang="de-DE" dirty="0"/>
-              <a:t>https://kubernetes.io/docs/concepts/workloads/pods/sidecar-containers/</a:t>
-            </a:r>
+              <a:t>Quelle</a:t>
+            </a:r>
+          </a:p>
+          <a:p>
+            <a:r>
+              <a:rPr lang="de-DE" dirty="0"/>
+              <a:t>Imgflip.com</a:t>
+            </a:r>
+          </a:p>
+          <a:p>
+            <a:endParaRPr lang="de-DE" dirty="0"/>
+          </a:p>
+          <a:p>
+            <a:r>
+              <a:rPr lang="de-DE" dirty="0"/>
+              <a:t>Side </a:t>
+            </a:r>
+            <a:r>
+              <a:rPr lang="de-DE" dirty="0" err="1"/>
+              <a:t>car</a:t>
+            </a:r>
+            <a:endParaRPr lang="de-DE" dirty="0"/>
           </a:p>
         </p:txBody>
       </p:sp>
@@ -3478,7 +3484,7 @@
             <a:fld id="{18182567-388C-4D33-8B7B-A651F195F118}" type="slidenum">
               <a:rPr lang="de-DE" altLang="de-DE" smtClean="0"/>
               <a:pPr/>
-              <a:t>32</a:t>
+              <a:t>40</a:t>
             </a:fld>
             <a:endParaRPr lang="de-DE" altLang="de-DE"/>
           </a:p>
@@ -3487,7 +3493,7 @@
     </p:spTree>
     <p:extLst>
       <p:ext uri="{BB962C8B-B14F-4D97-AF65-F5344CB8AC3E}">
-        <p14:creationId xmlns:p14="http://schemas.microsoft.com/office/powerpoint/2010/main" val="3525946719"/>
+        <p14:creationId xmlns:p14="http://schemas.microsoft.com/office/powerpoint/2010/main" val="1749284629"/>
       </p:ext>
     </p:extLst>
   </p:cSld>
@@ -3541,7 +3547,10 @@
           <a:bodyPr/>
           <a:lstStyle/>
           <a:p>
-            <a:endParaRPr lang="de-DE" dirty="0"/>
+            <a:r>
+              <a:rPr lang="de-DE" dirty="0"/>
+              <a:t>https://kubernetes.io/docs/concepts/workloads/pods/sidecar-containers/</a:t>
+            </a:r>
           </a:p>
         </p:txBody>
       </p:sp>
@@ -3563,7 +3572,7 @@
             <a:fld id="{18182567-388C-4D33-8B7B-A651F195F118}" type="slidenum">
               <a:rPr lang="de-DE" altLang="de-DE" smtClean="0"/>
               <a:pPr/>
-              <a:t>33</a:t>
+              <a:t>41</a:t>
             </a:fld>
             <a:endParaRPr lang="de-DE" altLang="de-DE"/>
           </a:p>
@@ -3572,7 +3581,7 @@
     </p:spTree>
     <p:extLst>
       <p:ext uri="{BB962C8B-B14F-4D97-AF65-F5344CB8AC3E}">
-        <p14:creationId xmlns:p14="http://schemas.microsoft.com/office/powerpoint/2010/main" val="2745888912"/>
+        <p14:creationId xmlns:p14="http://schemas.microsoft.com/office/powerpoint/2010/main" val="3525946719"/>
       </p:ext>
     </p:extLst>
   </p:cSld>
@@ -3626,243 +3635,7 @@
           <a:bodyPr/>
           <a:lstStyle/>
           <a:p>
-            <a:r>
-              <a:rPr lang="de-DE" dirty="0"/>
-              <a:t>API Server</a:t>
-            </a:r>
-          </a:p>
-          <a:p>
-            <a:r>
-              <a:rPr lang="de-DE" dirty="0"/>
-              <a:t>- stellt die deklarativen </a:t>
-            </a:r>
-            <a:r>
-              <a:rPr lang="de-DE" dirty="0" err="1"/>
-              <a:t>beschreibungen</a:t>
-            </a:r>
-            <a:r>
-              <a:rPr lang="de-DE" dirty="0"/>
-              <a:t> für </a:t>
-            </a:r>
-            <a:r>
-              <a:rPr lang="de-DE" dirty="0" err="1"/>
-              <a:t>infrastruktur</a:t>
-            </a:r>
-            <a:r>
-              <a:rPr lang="de-DE" dirty="0"/>
-              <a:t> bereit</a:t>
-            </a:r>
-          </a:p>
-          <a:p>
-            <a:r>
-              <a:rPr lang="de-DE" dirty="0"/>
-              <a:t>- sogenannte Custom </a:t>
-            </a:r>
-            <a:r>
-              <a:rPr lang="de-DE" dirty="0" err="1"/>
-              <a:t>Resource</a:t>
-            </a:r>
-            <a:r>
-              <a:rPr lang="de-DE" dirty="0"/>
-              <a:t> (CR) </a:t>
-            </a:r>
-            <a:r>
-              <a:rPr lang="de-DE" dirty="0" err="1"/>
-              <a:t>definitions</a:t>
-            </a:r>
             <a:endParaRPr lang="de-DE" dirty="0"/>
-          </a:p>
-          <a:p>
-            <a:r>
-              <a:rPr lang="de-DE" dirty="0"/>
-              <a:t>- auf diese CRs </a:t>
-            </a:r>
-            <a:r>
-              <a:rPr lang="de-DE" dirty="0" err="1"/>
-              <a:t>watched</a:t>
-            </a:r>
-            <a:r>
-              <a:rPr lang="de-DE" dirty="0"/>
-              <a:t> der Infra-Operator beim API-Server</a:t>
-            </a:r>
-          </a:p>
-          <a:p>
-            <a:endParaRPr lang="de-DE" dirty="0"/>
-          </a:p>
-          <a:p>
-            <a:r>
-              <a:rPr lang="de-DE" dirty="0"/>
-              <a:t>Kube-Controller bleibt? Nein. </a:t>
-            </a:r>
-            <a:r>
-              <a:rPr lang="de-DE" dirty="0" err="1"/>
-              <a:t>GitOps</a:t>
-            </a:r>
-            <a:r>
-              <a:rPr lang="de-DE" dirty="0"/>
-              <a:t>-Operator/Controller!</a:t>
-            </a:r>
-          </a:p>
-          <a:p>
-            <a:endParaRPr lang="de-DE" dirty="0"/>
-          </a:p>
-          <a:p>
-            <a:r>
-              <a:rPr lang="de-DE" dirty="0" err="1"/>
-              <a:t>GitOps</a:t>
-            </a:r>
-            <a:r>
-              <a:rPr lang="de-DE" dirty="0"/>
-              <a:t>-Operator</a:t>
-            </a:r>
-          </a:p>
-          <a:p>
-            <a:r>
-              <a:rPr lang="de-DE" dirty="0"/>
-              <a:t>- pullt aus dem Cloud-Infrastruktur-Repo (</a:t>
-            </a:r>
-            <a:r>
-              <a:rPr lang="de-DE" dirty="0" err="1"/>
-              <a:t>git</a:t>
-            </a:r>
-            <a:r>
-              <a:rPr lang="de-DE" dirty="0"/>
-              <a:t>)</a:t>
-            </a:r>
-          </a:p>
-          <a:p>
-            <a:r>
-              <a:rPr lang="de-DE" dirty="0"/>
-              <a:t>- dann werden die </a:t>
-            </a:r>
-            <a:r>
-              <a:rPr lang="de-DE" dirty="0" err="1"/>
-              <a:t>resourcen</a:t>
-            </a:r>
-            <a:r>
-              <a:rPr lang="de-DE" dirty="0"/>
-              <a:t> auf den API-Server </a:t>
-            </a:r>
-            <a:r>
-              <a:rPr lang="de-DE" dirty="0" err="1"/>
-              <a:t>applied</a:t>
-            </a:r>
-            <a:endParaRPr lang="de-DE" dirty="0"/>
-          </a:p>
-          <a:p>
-            <a:r>
-              <a:rPr lang="de-DE" dirty="0"/>
-              <a:t>- und von dort aus geht es dann zum Infra-Operator und dieser setzt die (ggf. neuen) CRs dann um</a:t>
-            </a:r>
-          </a:p>
-          <a:p>
-            <a:endParaRPr lang="de-DE" dirty="0"/>
-          </a:p>
-          <a:p>
-            <a:r>
-              <a:rPr lang="de-DE" dirty="0" err="1"/>
-              <a:t>Infra</a:t>
-            </a:r>
-            <a:r>
-              <a:rPr lang="de-DE" dirty="0"/>
-              <a:t> Operator</a:t>
-            </a:r>
-          </a:p>
-          <a:p>
-            <a:r>
-              <a:rPr lang="de-DE" dirty="0"/>
-              <a:t>- umsetzen in irgendeine Cloud Plattform (= </a:t>
-            </a:r>
-            <a:r>
-              <a:rPr lang="de-DE" dirty="0" err="1"/>
-              <a:t>Infra</a:t>
-            </a:r>
-            <a:r>
-              <a:rPr lang="de-DE" dirty="0"/>
-              <a:t> </a:t>
-            </a:r>
-            <a:r>
-              <a:rPr lang="de-DE" dirty="0" err="1"/>
-              <a:t>providers</a:t>
-            </a:r>
-            <a:r>
-              <a:rPr lang="de-DE" dirty="0"/>
-              <a:t> oder auch „bare </a:t>
-            </a:r>
-            <a:r>
-              <a:rPr lang="de-DE" dirty="0" err="1"/>
-              <a:t>metal</a:t>
-            </a:r>
-            <a:r>
-              <a:rPr lang="de-DE" dirty="0"/>
-              <a:t>“ also physischer Server </a:t>
-            </a:r>
-            <a:r>
-              <a:rPr lang="de-DE" dirty="0">
-                <a:sym typeface="Wingdings" panose="05000000000000000000" pitchFamily="2" charset="2"/>
-              </a:rPr>
-              <a:t></a:t>
-            </a:r>
-            <a:r>
-              <a:rPr lang="de-DE" dirty="0"/>
-              <a:t>)</a:t>
-            </a:r>
-          </a:p>
-          <a:p>
-            <a:endParaRPr lang="de-DE" dirty="0"/>
-          </a:p>
-          <a:p>
-            <a:r>
-              <a:rPr lang="de-DE" dirty="0"/>
-              <a:t>Am „Ende“ haben wir dann unsere Target Cluster</a:t>
-            </a:r>
-          </a:p>
-          <a:p>
-            <a:r>
-              <a:rPr lang="de-DE" dirty="0"/>
-              <a:t>Und auf diese kann der </a:t>
-            </a:r>
-            <a:r>
-              <a:rPr lang="de-DE" dirty="0" err="1"/>
-              <a:t>GitOps</a:t>
-            </a:r>
-            <a:r>
-              <a:rPr lang="de-DE" dirty="0"/>
-              <a:t>-Operator auch Anwendungen/Software deployen</a:t>
-            </a:r>
-          </a:p>
-          <a:p>
-            <a:endParaRPr lang="de-DE" dirty="0"/>
-          </a:p>
-          <a:p>
-            <a:endParaRPr lang="de-DE" dirty="0"/>
-          </a:p>
-          <a:p>
-            <a:endParaRPr lang="de-DE" dirty="0"/>
-          </a:p>
-          <a:p>
-            <a:r>
-              <a:rPr lang="de-DE" dirty="0" err="1"/>
-              <a:t>Infra</a:t>
-            </a:r>
-            <a:r>
-              <a:rPr lang="de-DE" dirty="0"/>
-              <a:t> </a:t>
-            </a:r>
-            <a:r>
-              <a:rPr lang="de-DE" dirty="0" err="1"/>
-              <a:t>operator</a:t>
-            </a:r>
-            <a:r>
-              <a:rPr lang="de-DE" dirty="0"/>
-              <a:t>…?</a:t>
-            </a:r>
-          </a:p>
-          <a:p>
-            <a:r>
-              <a:rPr lang="de-DE" dirty="0"/>
-              <a:t>https://github.com/openstack-k8s-operators/infra-operator</a:t>
-            </a:r>
           </a:p>
         </p:txBody>
       </p:sp>
@@ -3884,7 +3657,7 @@
             <a:fld id="{18182567-388C-4D33-8B7B-A651F195F118}" type="slidenum">
               <a:rPr lang="de-DE" altLang="de-DE" smtClean="0"/>
               <a:pPr/>
-              <a:t>34</a:t>
+              <a:t>42</a:t>
             </a:fld>
             <a:endParaRPr lang="de-DE" altLang="de-DE"/>
           </a:p>
@@ -3893,7 +3666,7 @@
     </p:spTree>
     <p:extLst>
       <p:ext uri="{BB962C8B-B14F-4D97-AF65-F5344CB8AC3E}">
-        <p14:creationId xmlns:p14="http://schemas.microsoft.com/office/powerpoint/2010/main" val="1843041313"/>
+        <p14:creationId xmlns:p14="http://schemas.microsoft.com/office/powerpoint/2010/main" val="2745888912"/>
       </p:ext>
     </p:extLst>
   </p:cSld>
@@ -3949,20 +3722,241 @@
           <a:p>
             <a:r>
               <a:rPr lang="de-DE" dirty="0"/>
-              <a:t>Quelle Bild:</a:t>
-            </a:r>
-          </a:p>
-          <a:p>
-            <a:r>
-              <a:rPr lang="de-DE" dirty="0"/>
-              <a:t>https://www.hosteurope.de/blog/exx-gitops-eine-einfuehrung-in-cloud-native-continuous-delivery/</a:t>
-            </a:r>
-          </a:p>
-          <a:p>
+              <a:t>API Server</a:t>
+            </a:r>
+          </a:p>
+          <a:p>
+            <a:r>
+              <a:rPr lang="de-DE" dirty="0"/>
+              <a:t>- stellt die deklarativen </a:t>
+            </a:r>
+            <a:r>
+              <a:rPr lang="de-DE" dirty="0" err="1"/>
+              <a:t>beschreibungen</a:t>
+            </a:r>
+            <a:r>
+              <a:rPr lang="de-DE" dirty="0"/>
+              <a:t> für </a:t>
+            </a:r>
+            <a:r>
+              <a:rPr lang="de-DE" dirty="0" err="1"/>
+              <a:t>infrastruktur</a:t>
+            </a:r>
+            <a:r>
+              <a:rPr lang="de-DE" dirty="0"/>
+              <a:t> bereit</a:t>
+            </a:r>
+          </a:p>
+          <a:p>
+            <a:r>
+              <a:rPr lang="de-DE" dirty="0"/>
+              <a:t>- sogenannte Custom </a:t>
+            </a:r>
+            <a:r>
+              <a:rPr lang="de-DE" dirty="0" err="1"/>
+              <a:t>Resource</a:t>
+            </a:r>
+            <a:r>
+              <a:rPr lang="de-DE" dirty="0"/>
+              <a:t> (CR) </a:t>
+            </a:r>
+            <a:r>
+              <a:rPr lang="de-DE" dirty="0" err="1"/>
+              <a:t>definitions</a:t>
+            </a:r>
             <a:endParaRPr lang="de-DE" dirty="0"/>
           </a:p>
           <a:p>
+            <a:r>
+              <a:rPr lang="de-DE" dirty="0"/>
+              <a:t>- auf diese CRs </a:t>
+            </a:r>
+            <a:r>
+              <a:rPr lang="de-DE" dirty="0" err="1"/>
+              <a:t>watched</a:t>
+            </a:r>
+            <a:r>
+              <a:rPr lang="de-DE" dirty="0"/>
+              <a:t> der Infra-Operator beim API-Server</a:t>
+            </a:r>
+          </a:p>
+          <a:p>
             <a:endParaRPr lang="de-DE" dirty="0"/>
+          </a:p>
+          <a:p>
+            <a:r>
+              <a:rPr lang="de-DE" dirty="0"/>
+              <a:t>Kube-Controller bleibt? Nein. </a:t>
+            </a:r>
+            <a:r>
+              <a:rPr lang="de-DE" dirty="0" err="1"/>
+              <a:t>GitOps</a:t>
+            </a:r>
+            <a:r>
+              <a:rPr lang="de-DE" dirty="0"/>
+              <a:t>-Operator/Controller!</a:t>
+            </a:r>
+          </a:p>
+          <a:p>
+            <a:endParaRPr lang="de-DE" dirty="0"/>
+          </a:p>
+          <a:p>
+            <a:r>
+              <a:rPr lang="de-DE" dirty="0" err="1"/>
+              <a:t>GitOps</a:t>
+            </a:r>
+            <a:r>
+              <a:rPr lang="de-DE" dirty="0"/>
+              <a:t>-Operator</a:t>
+            </a:r>
+          </a:p>
+          <a:p>
+            <a:r>
+              <a:rPr lang="de-DE" dirty="0"/>
+              <a:t>- pullt aus dem Cloud-Infrastruktur-Repo (</a:t>
+            </a:r>
+            <a:r>
+              <a:rPr lang="de-DE" dirty="0" err="1"/>
+              <a:t>git</a:t>
+            </a:r>
+            <a:r>
+              <a:rPr lang="de-DE" dirty="0"/>
+              <a:t>)</a:t>
+            </a:r>
+          </a:p>
+          <a:p>
+            <a:r>
+              <a:rPr lang="de-DE" dirty="0"/>
+              <a:t>- dann werden die </a:t>
+            </a:r>
+            <a:r>
+              <a:rPr lang="de-DE" dirty="0" err="1"/>
+              <a:t>resourcen</a:t>
+            </a:r>
+            <a:r>
+              <a:rPr lang="de-DE" dirty="0"/>
+              <a:t> auf den API-Server </a:t>
+            </a:r>
+            <a:r>
+              <a:rPr lang="de-DE" dirty="0" err="1"/>
+              <a:t>applied</a:t>
+            </a:r>
+            <a:endParaRPr lang="de-DE" dirty="0"/>
+          </a:p>
+          <a:p>
+            <a:r>
+              <a:rPr lang="de-DE" dirty="0"/>
+              <a:t>- und von dort aus geht es dann zum Infra-Operator und dieser setzt die (ggf. neuen) CRs dann um</a:t>
+            </a:r>
+          </a:p>
+          <a:p>
+            <a:endParaRPr lang="de-DE" dirty="0"/>
+          </a:p>
+          <a:p>
+            <a:r>
+              <a:rPr lang="de-DE" dirty="0" err="1"/>
+              <a:t>Infra</a:t>
+            </a:r>
+            <a:r>
+              <a:rPr lang="de-DE" dirty="0"/>
+              <a:t> Operator</a:t>
+            </a:r>
+          </a:p>
+          <a:p>
+            <a:r>
+              <a:rPr lang="de-DE" dirty="0"/>
+              <a:t>- umsetzen in irgendeine Cloud Plattform (= </a:t>
+            </a:r>
+            <a:r>
+              <a:rPr lang="de-DE" dirty="0" err="1"/>
+              <a:t>Infra</a:t>
+            </a:r>
+            <a:r>
+              <a:rPr lang="de-DE" dirty="0"/>
+              <a:t> </a:t>
+            </a:r>
+            <a:r>
+              <a:rPr lang="de-DE" dirty="0" err="1"/>
+              <a:t>providers</a:t>
+            </a:r>
+            <a:r>
+              <a:rPr lang="de-DE" dirty="0"/>
+              <a:t> oder auch „bare </a:t>
+            </a:r>
+            <a:r>
+              <a:rPr lang="de-DE" dirty="0" err="1"/>
+              <a:t>metal</a:t>
+            </a:r>
+            <a:r>
+              <a:rPr lang="de-DE" dirty="0"/>
+              <a:t>“ also physischer Server </a:t>
+            </a:r>
+            <a:r>
+              <a:rPr lang="de-DE" dirty="0">
+                <a:sym typeface="Wingdings" panose="05000000000000000000" pitchFamily="2" charset="2"/>
+              </a:rPr>
+              <a:t></a:t>
+            </a:r>
+            <a:r>
+              <a:rPr lang="de-DE" dirty="0"/>
+              <a:t>)</a:t>
+            </a:r>
+          </a:p>
+          <a:p>
+            <a:endParaRPr lang="de-DE" dirty="0"/>
+          </a:p>
+          <a:p>
+            <a:r>
+              <a:rPr lang="de-DE" dirty="0"/>
+              <a:t>Am „Ende“ haben wir dann unsere Target Cluster</a:t>
+            </a:r>
+          </a:p>
+          <a:p>
+            <a:r>
+              <a:rPr lang="de-DE" dirty="0"/>
+              <a:t>Und auf diese kann der </a:t>
+            </a:r>
+            <a:r>
+              <a:rPr lang="de-DE" dirty="0" err="1"/>
+              <a:t>GitOps</a:t>
+            </a:r>
+            <a:r>
+              <a:rPr lang="de-DE" dirty="0"/>
+              <a:t>-Operator auch Anwendungen/Software deployen</a:t>
+            </a:r>
+          </a:p>
+          <a:p>
+            <a:endParaRPr lang="de-DE" dirty="0"/>
+          </a:p>
+          <a:p>
+            <a:endParaRPr lang="de-DE" dirty="0"/>
+          </a:p>
+          <a:p>
+            <a:endParaRPr lang="de-DE" dirty="0"/>
+          </a:p>
+          <a:p>
+            <a:r>
+              <a:rPr lang="de-DE" dirty="0" err="1"/>
+              <a:t>Infra</a:t>
+            </a:r>
+            <a:r>
+              <a:rPr lang="de-DE" dirty="0"/>
+              <a:t> </a:t>
+            </a:r>
+            <a:r>
+              <a:rPr lang="de-DE" dirty="0" err="1"/>
+              <a:t>operator</a:t>
+            </a:r>
+            <a:r>
+              <a:rPr lang="de-DE" dirty="0"/>
+              <a:t>…?</a:t>
+            </a:r>
+          </a:p>
+          <a:p>
+            <a:r>
+              <a:rPr lang="de-DE" dirty="0"/>
+              <a:t>https://github.com/openstack-k8s-operators/infra-operator</a:t>
+            </a:r>
           </a:p>
         </p:txBody>
       </p:sp>
@@ -3984,7 +3978,7 @@
             <a:fld id="{18182567-388C-4D33-8B7B-A651F195F118}" type="slidenum">
               <a:rPr lang="de-DE" altLang="de-DE" smtClean="0"/>
               <a:pPr/>
-              <a:t>37</a:t>
+              <a:t>43</a:t>
             </a:fld>
             <a:endParaRPr lang="de-DE" altLang="de-DE"/>
           </a:p>
@@ -3993,7 +3987,7 @@
     </p:spTree>
     <p:extLst>
       <p:ext uri="{BB962C8B-B14F-4D97-AF65-F5344CB8AC3E}">
-        <p14:creationId xmlns:p14="http://schemas.microsoft.com/office/powerpoint/2010/main" val="2430538478"/>
+        <p14:creationId xmlns:p14="http://schemas.microsoft.com/office/powerpoint/2010/main" val="1843041313"/>
       </p:ext>
     </p:extLst>
   </p:cSld>
@@ -4084,7 +4078,7 @@
             <a:fld id="{18182567-388C-4D33-8B7B-A651F195F118}" type="slidenum">
               <a:rPr lang="de-DE" altLang="de-DE" smtClean="0"/>
               <a:pPr/>
-              <a:t>38</a:t>
+              <a:t>46</a:t>
             </a:fld>
             <a:endParaRPr lang="de-DE" altLang="de-DE"/>
           </a:p>
@@ -4093,7 +4087,7 @@
     </p:spTree>
     <p:extLst>
       <p:ext uri="{BB962C8B-B14F-4D97-AF65-F5344CB8AC3E}">
-        <p14:creationId xmlns:p14="http://schemas.microsoft.com/office/powerpoint/2010/main" val="186718501"/>
+        <p14:creationId xmlns:p14="http://schemas.microsoft.com/office/powerpoint/2010/main" val="2430538478"/>
       </p:ext>
     </p:extLst>
   </p:cSld>
@@ -4237,101 +4231,20 @@
           <a:p>
             <a:r>
               <a:rPr lang="de-DE" dirty="0"/>
-              <a:t>Es gibt bei </a:t>
-            </a:r>
-            <a:r>
-              <a:rPr lang="de-DE" dirty="0" err="1"/>
-              <a:t>GitOps</a:t>
-            </a:r>
-            <a:r>
-              <a:rPr lang="de-DE" dirty="0"/>
-              <a:t> Operator die Möglichkeit, dass man den Operator automatisierte </a:t>
-            </a:r>
-            <a:r>
-              <a:rPr lang="de-DE" dirty="0" err="1"/>
-              <a:t>updates</a:t>
-            </a:r>
-            <a:r>
-              <a:rPr lang="de-DE" dirty="0"/>
-              <a:t> machen lässt</a:t>
-            </a:r>
-          </a:p>
-          <a:p>
-            <a:r>
-              <a:rPr lang="de-DE" dirty="0"/>
-              <a:t>- </a:t>
-            </a:r>
-            <a:r>
-              <a:rPr lang="de-DE" dirty="0" err="1"/>
-              <a:t>operator</a:t>
-            </a:r>
-            <a:r>
-              <a:rPr lang="de-DE" dirty="0"/>
-              <a:t> kann auf die </a:t>
-            </a:r>
-            <a:r>
-              <a:rPr lang="de-DE" dirty="0" err="1"/>
-              <a:t>container</a:t>
-            </a:r>
-            <a:r>
-              <a:rPr lang="de-DE" dirty="0"/>
-              <a:t> </a:t>
-            </a:r>
-            <a:r>
-              <a:rPr lang="de-DE" dirty="0" err="1"/>
-              <a:t>registry</a:t>
-            </a:r>
-            <a:r>
-              <a:rPr lang="de-DE" dirty="0"/>
-              <a:t> horchen (daher das +</a:t>
-            </a:r>
-            <a:r>
-              <a:rPr lang="de-DE" dirty="0" err="1"/>
-              <a:t>watch</a:t>
-            </a:r>
-            <a:r>
-              <a:rPr lang="de-DE" dirty="0"/>
-              <a:t>)</a:t>
-            </a:r>
-          </a:p>
-          <a:p>
-            <a:r>
-              <a:rPr lang="de-DE" dirty="0"/>
-              <a:t>- und danach dann das </a:t>
-            </a:r>
-            <a:r>
-              <a:rPr lang="de-DE" dirty="0" err="1"/>
-              <a:t>image</a:t>
-            </a:r>
-            <a:r>
-              <a:rPr lang="de-DE" dirty="0"/>
-              <a:t> zurück in </a:t>
-            </a:r>
-            <a:r>
-              <a:rPr lang="de-DE" dirty="0" err="1"/>
-              <a:t>git</a:t>
-            </a:r>
-            <a:r>
-              <a:rPr lang="de-DE" dirty="0"/>
-              <a:t> spielen (daher das +push)</a:t>
+              <a:t>Quelle Bild:</a:t>
+            </a:r>
+          </a:p>
+          <a:p>
+            <a:r>
+              <a:rPr lang="de-DE" dirty="0"/>
+              <a:t>https://www.hosteurope.de/blog/exx-gitops-eine-einfuehrung-in-cloud-native-continuous-delivery/</a:t>
             </a:r>
           </a:p>
           <a:p>
             <a:endParaRPr lang="de-DE" dirty="0"/>
           </a:p>
           <a:p>
-            <a:r>
-              <a:rPr lang="de-DE" dirty="0"/>
-              <a:t>Argo und </a:t>
-            </a:r>
-            <a:r>
-              <a:rPr lang="de-DE" dirty="0" err="1"/>
-              <a:t>Flux</a:t>
-            </a:r>
-            <a:r>
-              <a:rPr lang="de-DE" dirty="0"/>
-              <a:t> haben jeweils Konstrukte dafür. Hier eig. Nicht weiter relevant.</a:t>
-            </a:r>
+            <a:endParaRPr lang="de-DE" dirty="0"/>
           </a:p>
         </p:txBody>
       </p:sp>
@@ -4353,7 +4266,7 @@
             <a:fld id="{18182567-388C-4D33-8B7B-A651F195F118}" type="slidenum">
               <a:rPr lang="de-DE" altLang="de-DE" smtClean="0"/>
               <a:pPr/>
-              <a:t>39</a:t>
+              <a:t>47</a:t>
             </a:fld>
             <a:endParaRPr lang="de-DE" altLang="de-DE"/>
           </a:p>
@@ -4362,7 +4275,7 @@
     </p:spTree>
     <p:extLst>
       <p:ext uri="{BB962C8B-B14F-4D97-AF65-F5344CB8AC3E}">
-        <p14:creationId xmlns:p14="http://schemas.microsoft.com/office/powerpoint/2010/main" val="2158994840"/>
+        <p14:creationId xmlns:p14="http://schemas.microsoft.com/office/powerpoint/2010/main" val="186718501"/>
       </p:ext>
     </p:extLst>
   </p:cSld>
@@ -4417,20 +4330,84 @@
           <a:lstStyle/>
           <a:p>
             <a:r>
+              <a:rPr lang="de-DE" dirty="0"/>
+              <a:t>Es gibt bei </a:t>
+            </a:r>
+            <a:r>
               <a:rPr lang="de-DE" dirty="0" err="1"/>
               <a:t>GitOps</a:t>
             </a:r>
             <a:r>
               <a:rPr lang="de-DE" dirty="0"/>
-              <a:t> Tools: Infrastruktur (</a:t>
+              <a:t> Operator die Möglichkeit, dass man den Operator automatisierte </a:t>
             </a:r>
             <a:r>
               <a:rPr lang="de-DE" dirty="0" err="1"/>
-              <a:t>IaC</a:t>
-            </a:r>
-            <a:r>
-              <a:rPr lang="de-DE" dirty="0"/>
-              <a:t>) in ein separates Repo!</a:t>
+              <a:t>updates</a:t>
+            </a:r>
+            <a:r>
+              <a:rPr lang="de-DE" dirty="0"/>
+              <a:t> machen lässt</a:t>
+            </a:r>
+          </a:p>
+          <a:p>
+            <a:r>
+              <a:rPr lang="de-DE" dirty="0"/>
+              <a:t>- </a:t>
+            </a:r>
+            <a:r>
+              <a:rPr lang="de-DE" dirty="0" err="1"/>
+              <a:t>operator</a:t>
+            </a:r>
+            <a:r>
+              <a:rPr lang="de-DE" dirty="0"/>
+              <a:t> kann auf die </a:t>
+            </a:r>
+            <a:r>
+              <a:rPr lang="de-DE" dirty="0" err="1"/>
+              <a:t>container</a:t>
+            </a:r>
+            <a:r>
+              <a:rPr lang="de-DE" dirty="0"/>
+              <a:t> </a:t>
+            </a:r>
+            <a:r>
+              <a:rPr lang="de-DE" dirty="0" err="1"/>
+              <a:t>registry</a:t>
+            </a:r>
+            <a:r>
+              <a:rPr lang="de-DE" dirty="0"/>
+              <a:t> horchen (daher das +</a:t>
+            </a:r>
+            <a:r>
+              <a:rPr lang="de-DE" dirty="0" err="1"/>
+              <a:t>watch</a:t>
+            </a:r>
+            <a:r>
+              <a:rPr lang="de-DE" dirty="0"/>
+              <a:t>)</a:t>
+            </a:r>
+          </a:p>
+          <a:p>
+            <a:r>
+              <a:rPr lang="de-DE" dirty="0"/>
+              <a:t>- und danach dann das </a:t>
+            </a:r>
+            <a:r>
+              <a:rPr lang="de-DE" dirty="0" err="1"/>
+              <a:t>image</a:t>
+            </a:r>
+            <a:r>
+              <a:rPr lang="de-DE" dirty="0"/>
+              <a:t> zurück in </a:t>
+            </a:r>
+            <a:r>
+              <a:rPr lang="de-DE" dirty="0" err="1"/>
+              <a:t>git</a:t>
+            </a:r>
+            <a:r>
+              <a:rPr lang="de-DE" dirty="0"/>
+              <a:t> spielen (daher das +push)</a:t>
             </a:r>
           </a:p>
           <a:p>
@@ -4439,209 +4416,16 @@
           <a:p>
             <a:r>
               <a:rPr lang="de-DE" dirty="0"/>
-              <a:t>https://argo-cd.readthedocs.io/en/stable/user-guide/best_practices/</a:t>
-            </a:r>
-          </a:p>
-          <a:p>
-            <a:endParaRPr lang="de-DE" dirty="0"/>
-          </a:p>
-          <a:p>
-            <a:pPr algn="l"/>
-            <a:r>
-              <a:rPr lang="en-US" b="0" i="0" dirty="0">
-                <a:effectLst/>
-                <a:latin typeface="Work Sans" pitchFamily="2" charset="0"/>
-              </a:rPr>
-              <a:t>Best Practices</a:t>
-            </a:r>
-            <a:endParaRPr lang="en-US" b="0" i="0" u="none" strike="noStrike" dirty="0">
-              <a:effectLst/>
-              <a:latin typeface="Work Sans" pitchFamily="2" charset="0"/>
-            </a:endParaRPr>
-          </a:p>
-          <a:p>
-            <a:pPr algn="l"/>
-            <a:endParaRPr lang="en-US" b="0" i="0" dirty="0">
-              <a:effectLst/>
-              <a:latin typeface="Work Sans" pitchFamily="2" charset="0"/>
-            </a:endParaRPr>
-          </a:p>
-          <a:p>
-            <a:pPr algn="l"/>
-            <a:r>
-              <a:rPr lang="en-US" b="0" i="0" dirty="0">
-                <a:effectLst/>
-                <a:latin typeface="Work Sans" pitchFamily="2" charset="0"/>
-              </a:rPr>
-              <a:t>Separating Config Vs. Source Code Repositories</a:t>
-            </a:r>
-            <a:endParaRPr lang="en-US" b="0" i="0" u="none" strike="noStrike" dirty="0">
-              <a:effectLst/>
-              <a:latin typeface="Work Sans" pitchFamily="2" charset="0"/>
-            </a:endParaRPr>
-          </a:p>
-          <a:p>
-            <a:pPr algn="l"/>
-            <a:endParaRPr lang="en-US" b="0" i="0" dirty="0">
-              <a:effectLst/>
-              <a:latin typeface="Work Sans" pitchFamily="2" charset="0"/>
-            </a:endParaRPr>
-          </a:p>
-          <a:p>
-            <a:pPr algn="l"/>
-            <a:r>
-              <a:rPr lang="en-US" b="0" i="0" dirty="0">
-                <a:effectLst/>
-                <a:latin typeface="Work Sans" pitchFamily="2" charset="0"/>
-              </a:rPr>
-              <a:t>Using a separate Git repository to hold your Kubernetes manifests, keeping the config separate from your application source code, is highly recommended for the following reasons:</a:t>
-            </a:r>
-          </a:p>
-          <a:p>
-            <a:pPr algn="l"/>
-            <a:endParaRPr lang="en-US" b="0" i="0" dirty="0">
-              <a:effectLst/>
-              <a:latin typeface="Work Sans" pitchFamily="2" charset="0"/>
-            </a:endParaRPr>
-          </a:p>
-          <a:p>
-            <a:pPr algn="l">
-              <a:buFont typeface="+mj-lt"/>
-              <a:buAutoNum type="arabicPeriod"/>
-            </a:pPr>
-            <a:r>
-              <a:rPr lang="en-US" b="0" i="0" dirty="0">
-                <a:effectLst/>
-                <a:latin typeface="Work Sans" pitchFamily="2" charset="0"/>
-              </a:rPr>
-              <a:t>It provides a clean separation of application code vs. application config. There will be times when you wish to modify just the manifests without triggering an entire CI build. For example, you likely do </a:t>
-            </a:r>
-            <a:r>
-              <a:rPr lang="en-US" b="0" i="1" dirty="0">
-                <a:effectLst/>
-                <a:latin typeface="Work Sans" pitchFamily="2" charset="0"/>
-              </a:rPr>
-              <a:t>not</a:t>
-            </a:r>
-            <a:r>
-              <a:rPr lang="en-US" b="0" i="0" dirty="0">
-                <a:effectLst/>
-                <a:latin typeface="Work Sans" pitchFamily="2" charset="0"/>
-              </a:rPr>
-              <a:t> want to trigger a build if you simply wish to bump the number of replicas in a Deployment spec.</a:t>
-            </a:r>
-          </a:p>
-          <a:p>
-            <a:pPr algn="l">
-              <a:buFont typeface="+mj-lt"/>
-              <a:buAutoNum type="arabicPeriod"/>
-            </a:pPr>
-            <a:endParaRPr lang="en-US" b="0" i="0" dirty="0">
-              <a:effectLst/>
-              <a:latin typeface="Work Sans" pitchFamily="2" charset="0"/>
-            </a:endParaRPr>
-          </a:p>
-          <a:p>
-            <a:pPr algn="l">
-              <a:buFont typeface="+mj-lt"/>
-              <a:buAutoNum type="arabicPeriod"/>
-            </a:pPr>
-            <a:r>
-              <a:rPr lang="en-US" b="0" i="0" dirty="0">
-                <a:effectLst/>
-                <a:latin typeface="Work Sans" pitchFamily="2" charset="0"/>
-              </a:rPr>
-              <a:t>Cleaner audit log. For auditing purposes, a repo which only holds configuration will have a much cleaner Git history of what changes were made, without the noise coming from check-ins due to normal development activity.</a:t>
-            </a:r>
-          </a:p>
-          <a:p>
-            <a:pPr algn="l">
-              <a:buFont typeface="+mj-lt"/>
-              <a:buAutoNum type="arabicPeriod"/>
-            </a:pPr>
-            <a:endParaRPr lang="en-US" b="0" i="0" dirty="0">
-              <a:effectLst/>
-              <a:latin typeface="Work Sans" pitchFamily="2" charset="0"/>
-            </a:endParaRPr>
-          </a:p>
-          <a:p>
-            <a:pPr algn="l">
-              <a:buFont typeface="+mj-lt"/>
-              <a:buAutoNum type="arabicPeriod"/>
-            </a:pPr>
-            <a:r>
-              <a:rPr lang="en-US" b="0" i="0" dirty="0">
-                <a:effectLst/>
-                <a:latin typeface="Work Sans" pitchFamily="2" charset="0"/>
-              </a:rPr>
-              <a:t>Your application may be comprised of services built from multiple Git repositories, but is deployed as a single unit. Oftentimes, microservices applications are comprised of services with different versioning schemes, and release cycles (e.g. ELK, Kafka + </a:t>
-            </a:r>
-            <a:r>
-              <a:rPr lang="en-US" b="0" i="0" dirty="0" err="1">
-                <a:effectLst/>
-                <a:latin typeface="Work Sans" pitchFamily="2" charset="0"/>
-              </a:rPr>
-              <a:t>ZooKeeper</a:t>
-            </a:r>
-            <a:r>
-              <a:rPr lang="en-US" b="0" i="0" dirty="0">
-                <a:effectLst/>
-                <a:latin typeface="Work Sans" pitchFamily="2" charset="0"/>
-              </a:rPr>
-              <a:t>). It may not make sense to store the manifests in one of the source code repositories of a single component.</a:t>
-            </a:r>
-          </a:p>
-          <a:p>
-            <a:pPr algn="l">
-              <a:buFont typeface="+mj-lt"/>
-              <a:buAutoNum type="arabicPeriod"/>
-            </a:pPr>
-            <a:endParaRPr lang="en-US" b="0" i="0" dirty="0">
-              <a:effectLst/>
-              <a:latin typeface="Work Sans" pitchFamily="2" charset="0"/>
-            </a:endParaRPr>
-          </a:p>
-          <a:p>
-            <a:pPr algn="l">
-              <a:buFont typeface="+mj-lt"/>
-              <a:buAutoNum type="arabicPeriod"/>
-            </a:pPr>
-            <a:r>
-              <a:rPr lang="en-US" b="0" i="0" dirty="0">
-                <a:effectLst/>
-                <a:latin typeface="Work Sans" pitchFamily="2" charset="0"/>
-              </a:rPr>
-              <a:t>Separation of access. The developers who are developing the application, may not necessarily be the same people who can/should push to production environments, either intentionally or unintentionally. By having separate repos, commit access can be given to the source code repo, and not the application config repo.</a:t>
-            </a:r>
-          </a:p>
-          <a:p>
-            <a:pPr algn="l">
-              <a:buFont typeface="+mj-lt"/>
-              <a:buAutoNum type="arabicPeriod"/>
-            </a:pPr>
-            <a:endParaRPr lang="en-US" b="0" i="0" dirty="0">
-              <a:effectLst/>
-              <a:latin typeface="Work Sans" pitchFamily="2" charset="0"/>
-            </a:endParaRPr>
-          </a:p>
-          <a:p>
-            <a:pPr algn="l">
-              <a:buFont typeface="+mj-lt"/>
-              <a:buAutoNum type="arabicPeriod"/>
-            </a:pPr>
-            <a:r>
-              <a:rPr lang="en-US" b="0" i="0" dirty="0">
-                <a:effectLst/>
-                <a:latin typeface="Work Sans" pitchFamily="2" charset="0"/>
-              </a:rPr>
-              <a:t>If you are automating your CI pipeline, pushing manifest changes to the same Git repository can trigger an infinite loop of build jobs and Git commit triggers. Having a separate repo to push config changes to, prevents this from happening.</a:t>
-            </a:r>
-          </a:p>
-          <a:p>
-            <a:endParaRPr lang="de-DE" dirty="0"/>
-          </a:p>
-          <a:p>
-            <a:endParaRPr lang="de-DE" dirty="0"/>
+              <a:t>Argo und </a:t>
+            </a:r>
+            <a:r>
+              <a:rPr lang="de-DE" dirty="0" err="1"/>
+              <a:t>Flux</a:t>
+            </a:r>
+            <a:r>
+              <a:rPr lang="de-DE" dirty="0"/>
+              <a:t> haben jeweils Konstrukte dafür. Hier eig. Nicht weiter relevant.</a:t>
+            </a:r>
           </a:p>
         </p:txBody>
       </p:sp>
@@ -4663,7 +4447,7 @@
             <a:fld id="{18182567-388C-4D33-8B7B-A651F195F118}" type="slidenum">
               <a:rPr lang="de-DE" altLang="de-DE" smtClean="0"/>
               <a:pPr/>
-              <a:t>40</a:t>
+              <a:t>48</a:t>
             </a:fld>
             <a:endParaRPr lang="de-DE" altLang="de-DE"/>
           </a:p>
@@ -4672,7 +4456,7 @@
     </p:spTree>
     <p:extLst>
       <p:ext uri="{BB962C8B-B14F-4D97-AF65-F5344CB8AC3E}">
-        <p14:creationId xmlns:p14="http://schemas.microsoft.com/office/powerpoint/2010/main" val="1390618214"/>
+        <p14:creationId xmlns:p14="http://schemas.microsoft.com/office/powerpoint/2010/main" val="2158994840"/>
       </p:ext>
     </p:extLst>
   </p:cSld>
@@ -4726,6 +4510,231 @@
           <a:bodyPr/>
           <a:lstStyle/>
           <a:p>
+            <a:r>
+              <a:rPr lang="de-DE" dirty="0" err="1"/>
+              <a:t>GitOps</a:t>
+            </a:r>
+            <a:r>
+              <a:rPr lang="de-DE" dirty="0"/>
+              <a:t> Tools: Infrastruktur (</a:t>
+            </a:r>
+            <a:r>
+              <a:rPr lang="de-DE" dirty="0" err="1"/>
+              <a:t>IaC</a:t>
+            </a:r>
+            <a:r>
+              <a:rPr lang="de-DE" dirty="0"/>
+              <a:t>) in ein separates Repo!</a:t>
+            </a:r>
+          </a:p>
+          <a:p>
+            <a:endParaRPr lang="de-DE" dirty="0"/>
+          </a:p>
+          <a:p>
+            <a:r>
+              <a:rPr lang="de-DE" dirty="0"/>
+              <a:t>https://argo-cd.readthedocs.io/en/stable/user-guide/best_practices/</a:t>
+            </a:r>
+          </a:p>
+          <a:p>
+            <a:endParaRPr lang="de-DE" dirty="0"/>
+          </a:p>
+          <a:p>
+            <a:pPr algn="l"/>
+            <a:r>
+              <a:rPr lang="en-US" b="0" i="0" dirty="0">
+                <a:effectLst/>
+                <a:latin typeface="Work Sans" pitchFamily="2" charset="0"/>
+              </a:rPr>
+              <a:t>Best Practices</a:t>
+            </a:r>
+            <a:endParaRPr lang="en-US" b="0" i="0" u="none" strike="noStrike" dirty="0">
+              <a:effectLst/>
+              <a:latin typeface="Work Sans" pitchFamily="2" charset="0"/>
+            </a:endParaRPr>
+          </a:p>
+          <a:p>
+            <a:pPr algn="l"/>
+            <a:endParaRPr lang="en-US" b="0" i="0" dirty="0">
+              <a:effectLst/>
+              <a:latin typeface="Work Sans" pitchFamily="2" charset="0"/>
+            </a:endParaRPr>
+          </a:p>
+          <a:p>
+            <a:pPr algn="l"/>
+            <a:r>
+              <a:rPr lang="en-US" b="0" i="0" dirty="0">
+                <a:effectLst/>
+                <a:latin typeface="Work Sans" pitchFamily="2" charset="0"/>
+              </a:rPr>
+              <a:t>Separating Config Vs. Source Code Repositories</a:t>
+            </a:r>
+            <a:endParaRPr lang="en-US" b="0" i="0" u="none" strike="noStrike" dirty="0">
+              <a:effectLst/>
+              <a:latin typeface="Work Sans" pitchFamily="2" charset="0"/>
+            </a:endParaRPr>
+          </a:p>
+          <a:p>
+            <a:pPr algn="l"/>
+            <a:endParaRPr lang="en-US" b="0" i="0" dirty="0">
+              <a:effectLst/>
+              <a:latin typeface="Work Sans" pitchFamily="2" charset="0"/>
+            </a:endParaRPr>
+          </a:p>
+          <a:p>
+            <a:pPr algn="l"/>
+            <a:r>
+              <a:rPr lang="en-US" b="0" i="0" dirty="0">
+                <a:effectLst/>
+                <a:latin typeface="Work Sans" pitchFamily="2" charset="0"/>
+              </a:rPr>
+              <a:t>Using a separate Git repository to hold your Kubernetes manifests, keeping the config separate from your application source code, is highly recommended for the following reasons:</a:t>
+            </a:r>
+          </a:p>
+          <a:p>
+            <a:pPr algn="l"/>
+            <a:endParaRPr lang="en-US" b="0" i="0" dirty="0">
+              <a:effectLst/>
+              <a:latin typeface="Work Sans" pitchFamily="2" charset="0"/>
+            </a:endParaRPr>
+          </a:p>
+          <a:p>
+            <a:pPr algn="l">
+              <a:buFont typeface="+mj-lt"/>
+              <a:buAutoNum type="arabicPeriod"/>
+            </a:pPr>
+            <a:r>
+              <a:rPr lang="en-US" b="0" i="0" dirty="0">
+                <a:effectLst/>
+                <a:latin typeface="Work Sans" pitchFamily="2" charset="0"/>
+              </a:rPr>
+              <a:t>It provides a clean separation of application code vs. application config. There will be times when you wish to modify just the manifests without triggering an entire CI build. For example, you likely do </a:t>
+            </a:r>
+            <a:r>
+              <a:rPr lang="en-US" b="0" i="1" dirty="0">
+                <a:effectLst/>
+                <a:latin typeface="Work Sans" pitchFamily="2" charset="0"/>
+              </a:rPr>
+              <a:t>not</a:t>
+            </a:r>
+            <a:r>
+              <a:rPr lang="en-US" b="0" i="0" dirty="0">
+                <a:effectLst/>
+                <a:latin typeface="Work Sans" pitchFamily="2" charset="0"/>
+              </a:rPr>
+              <a:t> want to trigger a build if you simply wish to bump the number of replicas in a Deployment spec.</a:t>
+            </a:r>
+          </a:p>
+          <a:p>
+            <a:pPr algn="l">
+              <a:buFont typeface="+mj-lt"/>
+              <a:buAutoNum type="arabicPeriod"/>
+            </a:pPr>
+            <a:endParaRPr lang="en-US" b="0" i="0" dirty="0">
+              <a:effectLst/>
+              <a:latin typeface="Work Sans" pitchFamily="2" charset="0"/>
+            </a:endParaRPr>
+          </a:p>
+          <a:p>
+            <a:pPr algn="l">
+              <a:buFont typeface="+mj-lt"/>
+              <a:buAutoNum type="arabicPeriod"/>
+            </a:pPr>
+            <a:r>
+              <a:rPr lang="en-US" b="0" i="0" dirty="0">
+                <a:effectLst/>
+                <a:latin typeface="Work Sans" pitchFamily="2" charset="0"/>
+              </a:rPr>
+              <a:t>Cleaner audit log. For auditing purposes, a repo which only holds configuration will have a much cleaner Git history of what changes were made, without the noise coming from check-ins due to normal development activity.</a:t>
+            </a:r>
+          </a:p>
+          <a:p>
+            <a:pPr algn="l">
+              <a:buFont typeface="+mj-lt"/>
+              <a:buAutoNum type="arabicPeriod"/>
+            </a:pPr>
+            <a:endParaRPr lang="en-US" b="0" i="0" dirty="0">
+              <a:effectLst/>
+              <a:latin typeface="Work Sans" pitchFamily="2" charset="0"/>
+            </a:endParaRPr>
+          </a:p>
+          <a:p>
+            <a:pPr algn="l">
+              <a:buFont typeface="+mj-lt"/>
+              <a:buAutoNum type="arabicPeriod"/>
+            </a:pPr>
+            <a:r>
+              <a:rPr lang="en-US" b="0" i="0" dirty="0">
+                <a:effectLst/>
+                <a:latin typeface="Work Sans" pitchFamily="2" charset="0"/>
+              </a:rPr>
+              <a:t>Your application may be comprised of services built from multiple Git repositories, but is deployed as a single unit. Oftentimes, microservices applications are comprised of services with different versioning schemes, and release cycles (e.g. ELK, Kafka + </a:t>
+            </a:r>
+            <a:r>
+              <a:rPr lang="en-US" b="0" i="0" dirty="0" err="1">
+                <a:effectLst/>
+                <a:latin typeface="Work Sans" pitchFamily="2" charset="0"/>
+              </a:rPr>
+              <a:t>ZooKeeper</a:t>
+            </a:r>
+            <a:r>
+              <a:rPr lang="en-US" b="0" i="0" dirty="0">
+                <a:effectLst/>
+                <a:latin typeface="Work Sans" pitchFamily="2" charset="0"/>
+              </a:rPr>
+              <a:t>). It may not make sense to store the manifests in one of the source code repositories of a single component.</a:t>
+            </a:r>
+          </a:p>
+          <a:p>
+            <a:pPr algn="l">
+              <a:buFont typeface="+mj-lt"/>
+              <a:buAutoNum type="arabicPeriod"/>
+            </a:pPr>
+            <a:endParaRPr lang="en-US" b="0" i="0" dirty="0">
+              <a:effectLst/>
+              <a:latin typeface="Work Sans" pitchFamily="2" charset="0"/>
+            </a:endParaRPr>
+          </a:p>
+          <a:p>
+            <a:pPr algn="l">
+              <a:buFont typeface="+mj-lt"/>
+              <a:buAutoNum type="arabicPeriod"/>
+            </a:pPr>
+            <a:r>
+              <a:rPr lang="en-US" b="0" i="0" dirty="0">
+                <a:effectLst/>
+                <a:latin typeface="Work Sans" pitchFamily="2" charset="0"/>
+              </a:rPr>
+              <a:t>Separation of access. The developers who are developing the application, may not necessarily be the same people who can/should push to production environments, either intentionally or unintentionally. By having separate repos, commit access can be given to the source code repo, and not the application config repo.</a:t>
+            </a:r>
+          </a:p>
+          <a:p>
+            <a:pPr algn="l">
+              <a:buFont typeface="+mj-lt"/>
+              <a:buAutoNum type="arabicPeriod"/>
+            </a:pPr>
+            <a:endParaRPr lang="en-US" b="0" i="0" dirty="0">
+              <a:effectLst/>
+              <a:latin typeface="Work Sans" pitchFamily="2" charset="0"/>
+            </a:endParaRPr>
+          </a:p>
+          <a:p>
+            <a:pPr algn="l">
+              <a:buFont typeface="+mj-lt"/>
+              <a:buAutoNum type="arabicPeriod"/>
+            </a:pPr>
+            <a:r>
+              <a:rPr lang="en-US" b="0" i="0" dirty="0">
+                <a:effectLst/>
+                <a:latin typeface="Work Sans" pitchFamily="2" charset="0"/>
+              </a:rPr>
+              <a:t>If you are automating your CI pipeline, pushing manifest changes to the same Git repository can trigger an infinite loop of build jobs and Git commit triggers. Having a separate repo to push config changes to, prevents this from happening.</a:t>
+            </a:r>
+          </a:p>
+          <a:p>
+            <a:endParaRPr lang="de-DE" dirty="0"/>
+          </a:p>
+          <a:p>
             <a:endParaRPr lang="de-DE" dirty="0"/>
           </a:p>
         </p:txBody>
@@ -4748,7 +4757,7 @@
             <a:fld id="{18182567-388C-4D33-8B7B-A651F195F118}" type="slidenum">
               <a:rPr lang="de-DE" altLang="de-DE" smtClean="0"/>
               <a:pPr/>
-              <a:t>43</a:t>
+              <a:t>49</a:t>
             </a:fld>
             <a:endParaRPr lang="de-DE" altLang="de-DE"/>
           </a:p>
@@ -4757,7 +4766,7 @@
     </p:spTree>
     <p:extLst>
       <p:ext uri="{BB962C8B-B14F-4D97-AF65-F5344CB8AC3E}">
-        <p14:creationId xmlns:p14="http://schemas.microsoft.com/office/powerpoint/2010/main" val="1497522267"/>
+        <p14:creationId xmlns:p14="http://schemas.microsoft.com/office/powerpoint/2010/main" val="1390618214"/>
       </p:ext>
     </p:extLst>
   </p:cSld>
@@ -4811,138 +4820,7 @@
           <a:bodyPr/>
           <a:lstStyle/>
           <a:p>
-            <a:r>
-              <a:rPr lang="de-DE" dirty="0"/>
-              <a:t>Vorteile:</a:t>
-            </a:r>
-          </a:p>
-          <a:p>
-            <a:pPr marL="171450" indent="-171450">
-              <a:buFont typeface="Arial" panose="020B0604020202020204" pitchFamily="34" charset="0"/>
-              <a:buChar char="•"/>
-            </a:pPr>
-            <a:r>
-              <a:rPr lang="de-DE" dirty="0"/>
-              <a:t>Einzelnes Repo für die Entwicklung! (Höhere Effizienz)</a:t>
-            </a:r>
-          </a:p>
-          <a:p>
-            <a:pPr marL="171450" indent="-171450">
-              <a:buFont typeface="Arial" panose="020B0604020202020204" pitchFamily="34" charset="0"/>
-              <a:buChar char="•"/>
-            </a:pPr>
-            <a:r>
-              <a:rPr lang="de-DE" dirty="0"/>
-              <a:t>Automatisiertes </a:t>
-            </a:r>
-            <a:r>
-              <a:rPr lang="de-DE" dirty="0" err="1"/>
-              <a:t>Staging</a:t>
-            </a:r>
-            <a:r>
-              <a:rPr lang="de-DE" dirty="0"/>
-              <a:t> möglich (pull </a:t>
-            </a:r>
-            <a:r>
-              <a:rPr lang="de-DE" dirty="0" err="1"/>
-              <a:t>request</a:t>
-            </a:r>
-            <a:r>
-              <a:rPr lang="de-DE" dirty="0"/>
-              <a:t> Erzeugung, Namespaces)</a:t>
-            </a:r>
-          </a:p>
-          <a:p>
-            <a:pPr marL="171450" indent="-171450">
-              <a:buFont typeface="Arial" panose="020B0604020202020204" pitchFamily="34" charset="0"/>
-              <a:buChar char="•"/>
-            </a:pPr>
-            <a:r>
-              <a:rPr lang="de-DE" dirty="0"/>
-              <a:t>Shift-</a:t>
-            </a:r>
-            <a:r>
-              <a:rPr lang="de-DE" dirty="0" err="1"/>
-              <a:t>Left</a:t>
-            </a:r>
-            <a:r>
-              <a:rPr lang="de-DE" dirty="0"/>
-              <a:t>-Ansatz möglich! (Tests, Lint, Policy Check, ….)</a:t>
-            </a:r>
-          </a:p>
-          <a:p>
-            <a:pPr marL="628650" lvl="1" indent="-171450">
-              <a:buFont typeface="Arial" panose="020B0604020202020204" pitchFamily="34" charset="0"/>
-              <a:buChar char="•"/>
-            </a:pPr>
-            <a:r>
-              <a:rPr lang="de-DE" dirty="0"/>
-              <a:t>mit </a:t>
-            </a:r>
-            <a:r>
-              <a:rPr lang="de-DE" dirty="0" err="1"/>
-              <a:t>yamlint</a:t>
-            </a:r>
-            <a:r>
-              <a:rPr lang="de-DE" dirty="0"/>
-              <a:t>, </a:t>
-            </a:r>
-            <a:r>
-              <a:rPr lang="de-DE" dirty="0" err="1"/>
-              <a:t>kubeval</a:t>
-            </a:r>
-            <a:r>
-              <a:rPr lang="de-DE" dirty="0"/>
-              <a:t>, </a:t>
-            </a:r>
-            <a:r>
-              <a:rPr lang="de-DE" dirty="0" err="1"/>
-              <a:t>helm</a:t>
-            </a:r>
-            <a:r>
-              <a:rPr lang="de-DE" dirty="0"/>
-              <a:t> </a:t>
-            </a:r>
-            <a:r>
-              <a:rPr lang="de-DE" dirty="0" err="1"/>
-              <a:t>lint</a:t>
-            </a:r>
-            <a:r>
-              <a:rPr lang="de-DE" dirty="0"/>
-              <a:t>, </a:t>
-            </a:r>
-            <a:r>
-              <a:rPr lang="de-DE" dirty="0" err="1"/>
-              <a:t>conftest</a:t>
-            </a:r>
             <a:endParaRPr lang="de-DE" dirty="0"/>
-          </a:p>
-          <a:p>
-            <a:pPr marL="171450" indent="-171450">
-              <a:buFont typeface="Arial" panose="020B0604020202020204" pitchFamily="34" charset="0"/>
-              <a:buChar char="•"/>
-            </a:pPr>
-            <a:endParaRPr lang="de-DE" dirty="0"/>
-          </a:p>
-          <a:p>
-            <a:pPr marL="0" indent="0">
-              <a:buFont typeface="Arial" panose="020B0604020202020204" pitchFamily="34" charset="0"/>
-              <a:buNone/>
-            </a:pPr>
-            <a:r>
-              <a:rPr lang="de-DE" dirty="0"/>
-              <a:t>Nachteile:</a:t>
-            </a:r>
-          </a:p>
-          <a:p>
-            <a:pPr marL="171450" indent="-171450">
-              <a:buFont typeface="Arial" panose="020B0604020202020204" pitchFamily="34" charset="0"/>
-              <a:buChar char="•"/>
-            </a:pPr>
-            <a:r>
-              <a:rPr lang="de-DE" dirty="0"/>
-              <a:t>Komplexität steckt im Detail… Oder eben in den CI Pipelines.</a:t>
-            </a:r>
           </a:p>
         </p:txBody>
       </p:sp>
@@ -4964,7 +4842,7 @@
             <a:fld id="{18182567-388C-4D33-8B7B-A651F195F118}" type="slidenum">
               <a:rPr lang="de-DE" altLang="de-DE" smtClean="0"/>
               <a:pPr/>
-              <a:t>44</a:t>
+              <a:t>52</a:t>
             </a:fld>
             <a:endParaRPr lang="de-DE" altLang="de-DE"/>
           </a:p>
@@ -4973,7 +4851,7 @@
     </p:spTree>
     <p:extLst>
       <p:ext uri="{BB962C8B-B14F-4D97-AF65-F5344CB8AC3E}">
-        <p14:creationId xmlns:p14="http://schemas.microsoft.com/office/powerpoint/2010/main" val="2083903176"/>
+        <p14:creationId xmlns:p14="http://schemas.microsoft.com/office/powerpoint/2010/main" val="1497522267"/>
       </p:ext>
     </p:extLst>
   </p:cSld>
@@ -5027,7 +4905,138 @@
           <a:bodyPr/>
           <a:lstStyle/>
           <a:p>
+            <a:r>
+              <a:rPr lang="de-DE" dirty="0"/>
+              <a:t>Vorteile:</a:t>
+            </a:r>
+          </a:p>
+          <a:p>
+            <a:pPr marL="171450" indent="-171450">
+              <a:buFont typeface="Arial" panose="020B0604020202020204" pitchFamily="34" charset="0"/>
+              <a:buChar char="•"/>
+            </a:pPr>
+            <a:r>
+              <a:rPr lang="de-DE" dirty="0"/>
+              <a:t>Einzelnes Repo für die Entwicklung! (Höhere Effizienz)</a:t>
+            </a:r>
+          </a:p>
+          <a:p>
+            <a:pPr marL="171450" indent="-171450">
+              <a:buFont typeface="Arial" panose="020B0604020202020204" pitchFamily="34" charset="0"/>
+              <a:buChar char="•"/>
+            </a:pPr>
+            <a:r>
+              <a:rPr lang="de-DE" dirty="0"/>
+              <a:t>Automatisiertes </a:t>
+            </a:r>
+            <a:r>
+              <a:rPr lang="de-DE" dirty="0" err="1"/>
+              <a:t>Staging</a:t>
+            </a:r>
+            <a:r>
+              <a:rPr lang="de-DE" dirty="0"/>
+              <a:t> möglich (pull </a:t>
+            </a:r>
+            <a:r>
+              <a:rPr lang="de-DE" dirty="0" err="1"/>
+              <a:t>request</a:t>
+            </a:r>
+            <a:r>
+              <a:rPr lang="de-DE" dirty="0"/>
+              <a:t> Erzeugung, Namespaces)</a:t>
+            </a:r>
+          </a:p>
+          <a:p>
+            <a:pPr marL="171450" indent="-171450">
+              <a:buFont typeface="Arial" panose="020B0604020202020204" pitchFamily="34" charset="0"/>
+              <a:buChar char="•"/>
+            </a:pPr>
+            <a:r>
+              <a:rPr lang="de-DE" dirty="0"/>
+              <a:t>Shift-</a:t>
+            </a:r>
+            <a:r>
+              <a:rPr lang="de-DE" dirty="0" err="1"/>
+              <a:t>Left</a:t>
+            </a:r>
+            <a:r>
+              <a:rPr lang="de-DE" dirty="0"/>
+              <a:t>-Ansatz möglich! (Tests, Lint, Policy Check, ….)</a:t>
+            </a:r>
+          </a:p>
+          <a:p>
+            <a:pPr marL="628650" lvl="1" indent="-171450">
+              <a:buFont typeface="Arial" panose="020B0604020202020204" pitchFamily="34" charset="0"/>
+              <a:buChar char="•"/>
+            </a:pPr>
+            <a:r>
+              <a:rPr lang="de-DE" dirty="0"/>
+              <a:t>mit </a:t>
+            </a:r>
+            <a:r>
+              <a:rPr lang="de-DE" dirty="0" err="1"/>
+              <a:t>yamlint</a:t>
+            </a:r>
+            <a:r>
+              <a:rPr lang="de-DE" dirty="0"/>
+              <a:t>, </a:t>
+            </a:r>
+            <a:r>
+              <a:rPr lang="de-DE" dirty="0" err="1"/>
+              <a:t>kubeval</a:t>
+            </a:r>
+            <a:r>
+              <a:rPr lang="de-DE" dirty="0"/>
+              <a:t>, </a:t>
+            </a:r>
+            <a:r>
+              <a:rPr lang="de-DE" dirty="0" err="1"/>
+              <a:t>helm</a:t>
+            </a:r>
+            <a:r>
+              <a:rPr lang="de-DE" dirty="0"/>
+              <a:t> </a:t>
+            </a:r>
+            <a:r>
+              <a:rPr lang="de-DE" dirty="0" err="1"/>
+              <a:t>lint</a:t>
+            </a:r>
+            <a:r>
+              <a:rPr lang="de-DE" dirty="0"/>
+              <a:t>, </a:t>
+            </a:r>
+            <a:r>
+              <a:rPr lang="de-DE" dirty="0" err="1"/>
+              <a:t>conftest</a:t>
+            </a:r>
             <a:endParaRPr lang="de-DE" dirty="0"/>
+          </a:p>
+          <a:p>
+            <a:pPr marL="171450" indent="-171450">
+              <a:buFont typeface="Arial" panose="020B0604020202020204" pitchFamily="34" charset="0"/>
+              <a:buChar char="•"/>
+            </a:pPr>
+            <a:endParaRPr lang="de-DE" dirty="0"/>
+          </a:p>
+          <a:p>
+            <a:pPr marL="0" indent="0">
+              <a:buFont typeface="Arial" panose="020B0604020202020204" pitchFamily="34" charset="0"/>
+              <a:buNone/>
+            </a:pPr>
+            <a:r>
+              <a:rPr lang="de-DE" dirty="0"/>
+              <a:t>Nachteile:</a:t>
+            </a:r>
+          </a:p>
+          <a:p>
+            <a:pPr marL="171450" indent="-171450">
+              <a:buFont typeface="Arial" panose="020B0604020202020204" pitchFamily="34" charset="0"/>
+              <a:buChar char="•"/>
+            </a:pPr>
+            <a:r>
+              <a:rPr lang="de-DE" dirty="0"/>
+              <a:t>Komplexität steckt im Detail… Oder eben in den CI Pipelines.</a:t>
+            </a:r>
           </a:p>
         </p:txBody>
       </p:sp>
@@ -5049,7 +5058,7 @@
             <a:fld id="{18182567-388C-4D33-8B7B-A651F195F118}" type="slidenum">
               <a:rPr lang="de-DE" altLang="de-DE" smtClean="0"/>
               <a:pPr/>
-              <a:t>45</a:t>
+              <a:t>53</a:t>
             </a:fld>
             <a:endParaRPr lang="de-DE" altLang="de-DE"/>
           </a:p>
@@ -5058,7 +5067,7 @@
     </p:spTree>
     <p:extLst>
       <p:ext uri="{BB962C8B-B14F-4D97-AF65-F5344CB8AC3E}">
-        <p14:creationId xmlns:p14="http://schemas.microsoft.com/office/powerpoint/2010/main" val="3352445793"/>
+        <p14:creationId xmlns:p14="http://schemas.microsoft.com/office/powerpoint/2010/main" val="2083903176"/>
       </p:ext>
     </p:extLst>
   </p:cSld>
@@ -5112,10 +5121,7 @@
           <a:bodyPr/>
           <a:lstStyle/>
           <a:p>
-            <a:r>
-              <a:rPr lang="de-DE" dirty="0"/>
-              <a:t>Quelle: https://blog.kubesimplify.com/gitops-demystified</a:t>
-            </a:r>
+            <a:endParaRPr lang="de-DE" dirty="0"/>
           </a:p>
         </p:txBody>
       </p:sp>
@@ -5137,7 +5143,95 @@
             <a:fld id="{18182567-388C-4D33-8B7B-A651F195F118}" type="slidenum">
               <a:rPr lang="de-DE" altLang="de-DE" smtClean="0"/>
               <a:pPr/>
-              <a:t>46</a:t>
+              <a:t>54</a:t>
+            </a:fld>
+            <a:endParaRPr lang="de-DE" altLang="de-DE"/>
+          </a:p>
+        </p:txBody>
+      </p:sp>
+    </p:spTree>
+    <p:extLst>
+      <p:ext uri="{BB962C8B-B14F-4D97-AF65-F5344CB8AC3E}">
+        <p14:creationId xmlns:p14="http://schemas.microsoft.com/office/powerpoint/2010/main" val="3352445793"/>
+      </p:ext>
+    </p:extLst>
+  </p:cSld>
+  <p:clrMapOvr>
+    <a:masterClrMapping/>
+  </p:clrMapOvr>
+</p:notes>
+</file>
+
+<file path=ppt/notesSlides/notesSlide36.xml><?xml version="1.0" encoding="utf-8"?>
+<p:notes xmlns:a="http://schemas.openxmlformats.org/drawingml/2006/main" xmlns:r="http://schemas.openxmlformats.org/officeDocument/2006/relationships" xmlns:p="http://schemas.openxmlformats.org/presentationml/2006/main">
+  <p:cSld>
+    <p:spTree>
+      <p:nvGrpSpPr>
+        <p:cNvPr id="1" name=""/>
+        <p:cNvGrpSpPr/>
+        <p:nvPr/>
+      </p:nvGrpSpPr>
+      <p:grpSpPr>
+        <a:xfrm>
+          <a:off x="0" y="0"/>
+          <a:ext cx="0" cy="0"/>
+          <a:chOff x="0" y="0"/>
+          <a:chExt cx="0" cy="0"/>
+        </a:xfrm>
+      </p:grpSpPr>
+      <p:sp>
+        <p:nvSpPr>
+          <p:cNvPr id="2" name="Folienbildplatzhalter 1"/>
+          <p:cNvSpPr>
+            <a:spLocks noGrp="1" noRot="1" noChangeAspect="1"/>
+          </p:cNvSpPr>
+          <p:nvPr>
+            <p:ph type="sldImg"/>
+          </p:nvPr>
+        </p:nvSpPr>
+        <p:spPr/>
+      </p:sp>
+      <p:sp>
+        <p:nvSpPr>
+          <p:cNvPr id="3" name="Notizenplatzhalter 2"/>
+          <p:cNvSpPr>
+            <a:spLocks noGrp="1"/>
+          </p:cNvSpPr>
+          <p:nvPr>
+            <p:ph type="body" idx="1"/>
+          </p:nvPr>
+        </p:nvSpPr>
+        <p:spPr/>
+        <p:txBody>
+          <a:bodyPr/>
+          <a:lstStyle/>
+          <a:p>
+            <a:r>
+              <a:rPr lang="de-DE" dirty="0"/>
+              <a:t>Quelle: https://blog.kubesimplify.com/gitops-demystified</a:t>
+            </a:r>
+          </a:p>
+        </p:txBody>
+      </p:sp>
+      <p:sp>
+        <p:nvSpPr>
+          <p:cNvPr id="4" name="Foliennummernplatzhalter 3"/>
+          <p:cNvSpPr>
+            <a:spLocks noGrp="1"/>
+          </p:cNvSpPr>
+          <p:nvPr>
+            <p:ph type="sldNum" sz="quarter" idx="5"/>
+          </p:nvPr>
+        </p:nvSpPr>
+        <p:spPr/>
+        <p:txBody>
+          <a:bodyPr/>
+          <a:lstStyle/>
+          <a:p>
+            <a:fld id="{18182567-388C-4D33-8B7B-A651F195F118}" type="slidenum">
+              <a:rPr lang="de-DE" altLang="de-DE" smtClean="0"/>
+              <a:pPr/>
+              <a:t>55</a:t>
             </a:fld>
             <a:endParaRPr lang="de-DE" altLang="de-DE"/>
           </a:p>
@@ -7408,7 +7502,7 @@
               <a:pPr algn="ctr">
                 <a:defRPr/>
               </a:pPr>
-              <a:t>08.08.2024</a:t>
+              <a:t>23.08.2024</a:t>
             </a:fld>
             <a:endParaRPr lang="de-DE" sz="1000">
               <a:solidFill>
@@ -13145,26 +13239,22 @@
             </a:pPr>
             <a:r>
               <a:rPr lang="en-US" b="1" dirty="0"/>
-              <a:t>Demo und Aufgabe:</a:t>
+              <a:t>Aufgabe:</a:t>
             </a:r>
             <a:br>
               <a:rPr lang="en-US" b="1" dirty="0"/>
             </a:br>
             <a:r>
+              <a:rPr lang="en-US" b="1" dirty="0" err="1"/>
+              <a:t>Beispiel</a:t>
+            </a:r>
+            <a:r>
               <a:rPr lang="en-US" b="1" dirty="0"/>
-              <a:t>Example Deploy</a:t>
+              <a:t> für Deployment</a:t>
             </a:r>
             <a:r>
               <a:rPr lang="de-DE" b="1" dirty="0"/>
-              <a:t> </a:t>
-            </a:r>
-            <a:r>
-              <a:rPr lang="de-DE" b="1" dirty="0" err="1"/>
-              <a:t>with</a:t>
-            </a:r>
-            <a:r>
-              <a:rPr lang="de-DE" b="1" dirty="0"/>
-              <a:t> </a:t>
+              <a:t> mit </a:t>
             </a:r>
             <a:r>
               <a:rPr lang="de-DE" b="1" dirty="0" err="1"/>
@@ -13178,8 +13268,12 @@
               <a:buChar char="•"/>
             </a:pPr>
             <a:r>
-              <a:rPr lang="de-DE" dirty="0"/>
-              <a:t>Deploy in </a:t>
+              <a:rPr lang="de-DE" dirty="0" err="1"/>
+              <a:t>Deployment</a:t>
+            </a:r>
+            <a:r>
+              <a:rPr lang="de-DE" dirty="0"/>
+              <a:t> im </a:t>
             </a:r>
             <a:r>
               <a:rPr lang="de-DE" dirty="0" err="1"/>
@@ -13187,7 +13281,7 @@
             </a:r>
             <a:r>
               <a:rPr lang="de-DE" dirty="0"/>
-              <a:t> Kluser von Docker Desktop </a:t>
+              <a:t>-Cluster von Docker Desktop </a:t>
             </a:r>
           </a:p>
           <a:p>
@@ -13209,22 +13303,17 @@
             </a:r>
             <a:r>
               <a:rPr lang="de-DE" dirty="0"/>
-              <a:t> Manifests </a:t>
-            </a:r>
+              <a:t> Manifests Files</a:t>
+            </a:r>
+          </a:p>
+          <a:p>
+            <a:pPr>
+              <a:buFont typeface="Arial" panose="020B0604020202020204" pitchFamily="34" charset="0"/>
+              <a:buChar char="•"/>
+            </a:pPr>
             <a:r>
               <a:rPr lang="de-DE" dirty="0" err="1"/>
-              <a:t>files</a:t>
-            </a:r>
-            <a:endParaRPr lang="de-DE" dirty="0"/>
-          </a:p>
-          <a:p>
-            <a:pPr>
-              <a:buFont typeface="Arial" panose="020B0604020202020204" pitchFamily="34" charset="0"/>
-              <a:buChar char="•"/>
-            </a:pPr>
-            <a:r>
-              <a:rPr lang="de-DE" dirty="0" err="1"/>
-              <a:t>Gitlabs</a:t>
+              <a:t>Gitlab</a:t>
             </a:r>
             <a:r>
               <a:rPr lang="de-DE" dirty="0"/>
@@ -13250,7 +13339,7 @@
             </a:r>
             <a:r>
               <a:rPr lang="de-DE" dirty="0"/>
-              <a:t> Operator</a:t>
+              <a:t>-Operator</a:t>
             </a:r>
           </a:p>
           <a:p>
@@ -13270,6 +13359,61 @@
               <a:rPr lang="de-DE" dirty="0"/>
               <a:t> in einem Repository</a:t>
             </a:r>
+          </a:p>
+          <a:p>
+            <a:pPr marL="0" indent="0">
+              <a:buNone/>
+            </a:pPr>
+            <a:endParaRPr lang="de-DE" dirty="0"/>
+          </a:p>
+          <a:p>
+            <a:pPr marL="0" indent="0">
+              <a:buNone/>
+            </a:pPr>
+            <a:r>
+              <a:rPr lang="de-DE" b="1" dirty="0"/>
+              <a:t>Es folgt</a:t>
+            </a:r>
+            <a:endParaRPr lang="de-DE" dirty="0"/>
+          </a:p>
+          <a:p>
+            <a:pPr>
+              <a:buFont typeface="Arial" panose="020B0604020202020204" pitchFamily="34" charset="0"/>
+              <a:buChar char="•"/>
+            </a:pPr>
+            <a:r>
+              <a:rPr lang="de-DE" dirty="0"/>
+              <a:t>Kurzeinführung in </a:t>
+            </a:r>
+            <a:r>
+              <a:rPr lang="de-DE" dirty="0" err="1"/>
+              <a:t>Kubernetes</a:t>
+            </a:r>
+            <a:r>
+              <a:rPr lang="de-DE" dirty="0"/>
+              <a:t> und </a:t>
+            </a:r>
+            <a:r>
+              <a:rPr lang="de-DE" dirty="0" err="1"/>
+              <a:t>Flux</a:t>
+            </a:r>
+            <a:endParaRPr lang="de-DE" dirty="0"/>
+          </a:p>
+          <a:p>
+            <a:pPr>
+              <a:buFont typeface="Arial" panose="020B0604020202020204" pitchFamily="34" charset="0"/>
+              <a:buChar char="•"/>
+            </a:pPr>
+            <a:r>
+              <a:rPr lang="de-DE" dirty="0"/>
+              <a:t>Praktische Anleitung zur Aufgabe</a:t>
+            </a:r>
+          </a:p>
+          <a:p>
+            <a:pPr marL="0" indent="0">
+              <a:buNone/>
+            </a:pPr>
+            <a:endParaRPr lang="de-DE" dirty="0"/>
           </a:p>
         </p:txBody>
       </p:sp>
@@ -13357,10 +13501,17 @@
               <a:buNone/>
             </a:pPr>
             <a:r>
-              <a:rPr lang="en-US" b="1" dirty="0"/>
-              <a:t>Install Flux</a:t>
-            </a:r>
-            <a:endParaRPr lang="de-DE" b="1" dirty="0"/>
+              <a:rPr lang="de-DE" b="1" dirty="0"/>
+              <a:t>Was ist </a:t>
+            </a:r>
+            <a:r>
+              <a:rPr lang="de-DE" b="1" dirty="0" err="1"/>
+              <a:t>Kubernetes</a:t>
+            </a:r>
+            <a:r>
+              <a:rPr lang="de-DE" b="1" dirty="0"/>
+              <a:t>?</a:t>
+            </a:r>
           </a:p>
           <a:p>
             <a:pPr>
@@ -13369,74 +13520,110 @@
             </a:pPr>
             <a:r>
               <a:rPr lang="de-DE" dirty="0"/>
-              <a:t>Installationsanweisung auf der Webseite</a:t>
-            </a:r>
-          </a:p>
-          <a:p>
-            <a:pPr lvl="1">
+              <a:t>System zur „Containerorchestrierung“</a:t>
+            </a:r>
+          </a:p>
+          <a:p>
+            <a:pPr>
               <a:buFont typeface="Arial" panose="020B0604020202020204" pitchFamily="34" charset="0"/>
               <a:buChar char="•"/>
             </a:pPr>
             <a:r>
-              <a:rPr lang="de-DE" dirty="0">
-                <a:hlinkClick r:id="rId2"/>
-              </a:rPr>
-              <a:t>https://fluxcd.io/flux/installation/</a:t>
-            </a:r>
-            <a:r>
-              <a:rPr lang="de-DE" dirty="0"/>
-              <a:t> </a:t>
-            </a:r>
-          </a:p>
-          <a:p>
-            <a:pPr lvl="1">
+              <a:rPr lang="de-DE" dirty="0"/>
+              <a:t>Automatisiert Prozesse in </a:t>
+            </a:r>
+            <a:r>
+              <a:rPr lang="de-DE" dirty="0" err="1"/>
+              <a:t>Deployment</a:t>
+            </a:r>
+            <a:r>
+              <a:rPr lang="de-DE" dirty="0"/>
+              <a:t> und Betrieb</a:t>
+            </a:r>
+          </a:p>
+          <a:p>
+            <a:pPr>
               <a:buFont typeface="Arial" panose="020B0604020202020204" pitchFamily="34" charset="0"/>
               <a:buChar char="•"/>
             </a:pPr>
+            <a:r>
+              <a:rPr lang="de-DE" dirty="0"/>
+              <a:t>Verwaltet den Lebenszyklus von Containern</a:t>
+            </a:r>
+          </a:p>
+          <a:p>
+            <a:pPr>
+              <a:buFont typeface="Arial" panose="020B0604020202020204" pitchFamily="34" charset="0"/>
+              <a:buChar char="•"/>
+            </a:pPr>
+            <a:r>
+              <a:rPr lang="de-DE" dirty="0"/>
+              <a:t>Schwerpunkte Skalierbarkeit und </a:t>
+            </a:r>
+            <a:r>
+              <a:rPr lang="de-DE" dirty="0" err="1"/>
+              <a:t>Availability</a:t>
+            </a:r>
+            <a:r>
+              <a:rPr lang="de-DE" dirty="0"/>
+              <a:t>/Recovery</a:t>
+            </a:r>
+          </a:p>
+          <a:p>
+            <a:pPr>
+              <a:buFont typeface="Arial" panose="020B0604020202020204" pitchFamily="34" charset="0"/>
+              <a:buChar char="•"/>
+            </a:pPr>
+            <a:r>
+              <a:rPr lang="de-DE" dirty="0"/>
+              <a:t>Verteilte Architektur</a:t>
+            </a:r>
+          </a:p>
+          <a:p>
+            <a:pPr>
+              <a:buFont typeface="Arial" panose="020B0604020202020204" pitchFamily="34" charset="0"/>
+              <a:buChar char="•"/>
+            </a:pPr>
+            <a:r>
+              <a:rPr lang="de-DE" dirty="0"/>
+              <a:t>Deskriptive Konfiguration</a:t>
+            </a:r>
+          </a:p>
+          <a:p>
+            <a:pPr>
+              <a:buFont typeface="Arial" panose="020B0604020202020204" pitchFamily="34" charset="0"/>
+              <a:buChar char="•"/>
+            </a:pPr>
             <a:endParaRPr lang="de-DE" dirty="0"/>
+          </a:p>
+          <a:p>
+            <a:pPr>
+              <a:buFont typeface="Arial" panose="020B0604020202020204" pitchFamily="34" charset="0"/>
+              <a:buChar char="•"/>
+            </a:pPr>
+            <a:r>
+              <a:rPr lang="de-DE" dirty="0"/>
+              <a:t>Initialer Release 2014 durch Google</a:t>
+            </a:r>
+          </a:p>
+          <a:p>
+            <a:pPr>
+              <a:buFont typeface="Arial" panose="020B0604020202020204" pitchFamily="34" charset="0"/>
+              <a:buChar char="•"/>
+            </a:pPr>
+            <a:r>
+              <a:rPr lang="de-DE" dirty="0"/>
+              <a:t>Open Source</a:t>
+            </a:r>
           </a:p>
           <a:p>
             <a:pPr marL="0" indent="0">
               <a:buNone/>
             </a:pPr>
-            <a:r>
-              <a:rPr lang="en-US" b="1" dirty="0"/>
-              <a:t>Install </a:t>
-            </a:r>
-            <a:r>
-              <a:rPr lang="en-US" b="1" dirty="0" err="1"/>
-              <a:t>kubectl</a:t>
-            </a:r>
-            <a:endParaRPr lang="de-DE" b="1" dirty="0"/>
+            <a:endParaRPr lang="de-DE" dirty="0"/>
           </a:p>
           <a:p>
             <a:pPr>
-              <a:buFont typeface="Arial" panose="020B0604020202020204" pitchFamily="34" charset="0"/>
-              <a:buChar char="•"/>
-            </a:pPr>
-            <a:r>
-              <a:rPr lang="de-DE" dirty="0"/>
-              <a:t>Installationsanweisung auf der Webseite</a:t>
-            </a:r>
-          </a:p>
-          <a:p>
-            <a:pPr lvl="1">
-              <a:buFont typeface="Arial" panose="020B0604020202020204" pitchFamily="34" charset="0"/>
-              <a:buChar char="•"/>
-            </a:pPr>
-            <a:r>
-              <a:rPr lang="de-DE" dirty="0">
-                <a:hlinkClick r:id="rId3"/>
-              </a:rPr>
-              <a:t>https://kubernetes.io/docs/tasks/tools/</a:t>
-            </a:r>
-            <a:r>
-              <a:rPr lang="de-DE" dirty="0"/>
-              <a:t> </a:t>
-            </a:r>
-          </a:p>
-          <a:p>
-            <a:pPr lvl="1">
               <a:buFont typeface="Arial" panose="020B0604020202020204" pitchFamily="34" charset="0"/>
               <a:buChar char="•"/>
             </a:pPr>
@@ -13445,50 +13632,6 @@
           <a:p>
             <a:pPr marL="0" indent="0">
               <a:buNone/>
-            </a:pPr>
-            <a:r>
-              <a:rPr lang="de-DE" b="1" dirty="0"/>
-              <a:t>Repository Klonen</a:t>
-            </a:r>
-          </a:p>
-          <a:p>
-            <a:pPr>
-              <a:buFont typeface="Arial" panose="020B0604020202020204" pitchFamily="34" charset="0"/>
-              <a:buChar char="•"/>
-            </a:pPr>
-            <a:r>
-              <a:rPr lang="de-DE" dirty="0"/>
-              <a:t>Klonen Sie das Repository</a:t>
-            </a:r>
-          </a:p>
-          <a:p>
-            <a:pPr>
-              <a:buFont typeface="Arial" panose="020B0604020202020204" pitchFamily="34" charset="0"/>
-              <a:buChar char="•"/>
-            </a:pPr>
-            <a:r>
-              <a:rPr lang="de-DE" dirty="0"/>
-              <a:t>Pushen sie es in Ihr </a:t>
-            </a:r>
-            <a:r>
-              <a:rPr lang="de-DE" dirty="0" err="1"/>
-              <a:t>Gitlab</a:t>
-            </a:r>
-            <a:r>
-              <a:rPr lang="de-DE" dirty="0"/>
-              <a:t> remote</a:t>
-            </a:r>
-          </a:p>
-          <a:p>
-            <a:pPr marL="457200" lvl="1" indent="0">
-              <a:buNone/>
-            </a:pPr>
-            <a:endParaRPr lang="de-DE" dirty="0"/>
-          </a:p>
-          <a:p>
-            <a:pPr lvl="1">
-              <a:buFont typeface="Arial" panose="020B0604020202020204" pitchFamily="34" charset="0"/>
-              <a:buChar char="•"/>
             </a:pPr>
             <a:endParaRPr lang="de-DE" dirty="0"/>
           </a:p>
@@ -13497,7 +13640,7 @@
     </p:spTree>
     <p:extLst>
       <p:ext uri="{BB962C8B-B14F-4D97-AF65-F5344CB8AC3E}">
-        <p14:creationId xmlns:p14="http://schemas.microsoft.com/office/powerpoint/2010/main" val="4282903927"/>
+        <p14:creationId xmlns:p14="http://schemas.microsoft.com/office/powerpoint/2010/main" val="1032244483"/>
       </p:ext>
     </p:extLst>
   </p:cSld>
@@ -13578,63 +13721,145 @@
               <a:buNone/>
             </a:pPr>
             <a:r>
+              <a:rPr lang="de-DE" b="1" dirty="0"/>
+              <a:t>Wofür </a:t>
+            </a:r>
+            <a:r>
               <a:rPr lang="de-DE" b="1" dirty="0" err="1"/>
               <a:t>Kubernetes</a:t>
             </a:r>
             <a:r>
               <a:rPr lang="de-DE" b="1" dirty="0"/>
-              <a:t> Cluster aktivieren</a:t>
+              <a:t>?</a:t>
             </a:r>
           </a:p>
           <a:p>
             <a:pPr>
               <a:buFont typeface="Arial" panose="020B0604020202020204" pitchFamily="34" charset="0"/>
               <a:buChar char="•"/>
+            </a:pPr>
+            <a:r>
+              <a:rPr lang="de-DE" dirty="0"/>
+              <a:t>Verwaltung großer Softwarelandschaften</a:t>
+            </a:r>
+          </a:p>
+          <a:p>
+            <a:pPr>
+              <a:buFont typeface="Arial" panose="020B0604020202020204" pitchFamily="34" charset="0"/>
+              <a:buChar char="•"/>
+            </a:pPr>
+            <a:r>
+              <a:rPr lang="de-DE" dirty="0"/>
+              <a:t>High </a:t>
+            </a:r>
+            <a:r>
+              <a:rPr lang="de-DE" dirty="0" err="1"/>
+              <a:t>Availability</a:t>
+            </a:r>
+            <a:endParaRPr lang="de-DE" dirty="0"/>
+          </a:p>
+          <a:p>
+            <a:pPr>
+              <a:buFont typeface="Arial" panose="020B0604020202020204" pitchFamily="34" charset="0"/>
+              <a:buChar char="•"/>
+            </a:pPr>
+            <a:r>
+              <a:rPr lang="de-DE" dirty="0"/>
+              <a:t>Granulare und dynamische Skalierung</a:t>
+            </a:r>
+          </a:p>
+          <a:p>
+            <a:pPr>
+              <a:buFont typeface="Arial" panose="020B0604020202020204" pitchFamily="34" charset="0"/>
+              <a:buChar char="•"/>
+            </a:pPr>
+            <a:r>
+              <a:rPr lang="de-DE" dirty="0"/>
+              <a:t>Beliebt für die Verwaltung von Cloud-Infrastruktur</a:t>
+            </a:r>
+          </a:p>
+          <a:p>
+            <a:pPr marL="0" indent="0">
+              <a:buNone/>
+            </a:pPr>
+            <a:endParaRPr lang="de-DE" dirty="0"/>
+          </a:p>
+          <a:p>
+            <a:pPr marL="0" indent="0">
+              <a:buNone/>
+            </a:pPr>
+            <a:r>
+              <a:rPr lang="de-DE" b="1" dirty="0"/>
+              <a:t>Warum nicht?</a:t>
+            </a:r>
+            <a:endParaRPr lang="de-DE" dirty="0"/>
+          </a:p>
+          <a:p>
+            <a:pPr>
+              <a:buFont typeface="Arial" panose="020B0604020202020204" pitchFamily="34" charset="0"/>
+              <a:buChar char="•"/>
+            </a:pPr>
+            <a:r>
+              <a:rPr lang="de-DE" dirty="0"/>
+              <a:t>Komplexe Konfiguration</a:t>
+            </a:r>
+          </a:p>
+          <a:p>
+            <a:pPr>
+              <a:buFont typeface="Arial" panose="020B0604020202020204" pitchFamily="34" charset="0"/>
+              <a:buChar char="•"/>
+            </a:pPr>
+            <a:r>
+              <a:rPr lang="de-DE" dirty="0"/>
+              <a:t>Betrieb erfordert spezialisierte Kenntnisse</a:t>
+            </a:r>
+          </a:p>
+          <a:p>
+            <a:pPr>
+              <a:buFont typeface="Arial" panose="020B0604020202020204" pitchFamily="34" charset="0"/>
+              <a:buChar char="•"/>
+            </a:pPr>
+            <a:r>
+              <a:rPr lang="de-DE" dirty="0"/>
+              <a:t>Ressourcenintensiv</a:t>
+            </a:r>
+          </a:p>
+          <a:p>
+            <a:pPr>
+              <a:buFont typeface="Arial" panose="020B0604020202020204" pitchFamily="34" charset="0"/>
+              <a:buChar char="•"/>
+            </a:pPr>
+            <a:r>
+              <a:rPr lang="de-DE" dirty="0"/>
+              <a:t>Oversized für kleinere Projekte und Systeme</a:t>
+            </a:r>
+          </a:p>
+          <a:p>
+            <a:pPr>
+              <a:buFont typeface="Arial" panose="020B0604020202020204" pitchFamily="34" charset="0"/>
+              <a:buChar char="•"/>
+            </a:pPr>
+            <a:endParaRPr lang="de-DE" dirty="0"/>
+          </a:p>
+          <a:p>
+            <a:pPr>
+              <a:buFont typeface="Arial" panose="020B0604020202020204" pitchFamily="34" charset="0"/>
+              <a:buChar char="•"/>
+            </a:pPr>
+            <a:endParaRPr lang="de-DE" dirty="0"/>
+          </a:p>
+          <a:p>
+            <a:pPr marL="0" indent="0">
+              <a:buNone/>
             </a:pPr>
             <a:endParaRPr lang="de-DE" dirty="0"/>
           </a:p>
         </p:txBody>
       </p:sp>
-      <p:pic>
-        <p:nvPicPr>
-          <p:cNvPr id="3" name="Grafik 2" descr="Ein Bild, das Text, Screenshot, Schrift, Zahl enthält.&#10;&#10;Automatisch generierte Beschreibung">
-            <a:extLst>
-              <a:ext uri="{FF2B5EF4-FFF2-40B4-BE49-F238E27FC236}">
-                <a16:creationId xmlns:a16="http://schemas.microsoft.com/office/drawing/2014/main" id="{A92B9147-8814-E930-92D8-745254A9E4BD}"/>
-              </a:ext>
-            </a:extLst>
-          </p:cNvPr>
-          <p:cNvPicPr>
-            <a:picLocks noChangeAspect="1"/>
-          </p:cNvPicPr>
-          <p:nvPr/>
-        </p:nvPicPr>
-        <p:blipFill>
-          <a:blip r:embed="rId2">
-            <a:extLst>
-              <a:ext uri="{28A0092B-C50C-407E-A947-70E740481C1C}">
-                <a14:useLocalDpi xmlns:a14="http://schemas.microsoft.com/office/drawing/2010/main" val="0"/>
-              </a:ext>
-            </a:extLst>
-          </a:blip>
-          <a:stretch>
-            <a:fillRect/>
-          </a:stretch>
-        </p:blipFill>
-        <p:spPr>
-          <a:xfrm>
-            <a:off x="862012" y="2119312"/>
-            <a:ext cx="7419975" cy="2619375"/>
-          </a:xfrm>
-          <a:prstGeom prst="rect">
-            <a:avLst/>
-          </a:prstGeom>
-        </p:spPr>
-      </p:pic>
     </p:spTree>
     <p:extLst>
       <p:ext uri="{BB962C8B-B14F-4D97-AF65-F5344CB8AC3E}">
-        <p14:creationId xmlns:p14="http://schemas.microsoft.com/office/powerpoint/2010/main" val="1344562929"/>
+        <p14:creationId xmlns:p14="http://schemas.microsoft.com/office/powerpoint/2010/main" val="2525258498"/>
       </p:ext>
     </p:extLst>
   </p:cSld>
@@ -13715,8 +13940,12 @@
               <a:buNone/>
             </a:pPr>
             <a:r>
+              <a:rPr lang="de-DE" b="1" dirty="0" err="1"/>
+              <a:t>Kubernetes</a:t>
+            </a:r>
+            <a:r>
               <a:rPr lang="de-DE" b="1" dirty="0"/>
-              <a:t>Deploy Token in Cluster Secret hinterlegen</a:t>
+              <a:t> Cluster</a:t>
             </a:r>
           </a:p>
           <a:p>
@@ -13726,44 +13955,86 @@
             </a:pPr>
             <a:r>
               <a:rPr lang="de-DE" dirty="0"/>
-              <a:t>Deploy Token erstellen</a:t>
-            </a:r>
-          </a:p>
-          <a:p>
-            <a:pPr lvl="1">
+              <a:t>Verteiltes System, das ein oder mehrere physische oder virtuelle Computer (Nodes) zusammenfasst</a:t>
+            </a:r>
+          </a:p>
+          <a:p>
+            <a:pPr>
               <a:buFont typeface="Arial" panose="020B0604020202020204" pitchFamily="34" charset="0"/>
               <a:buChar char="•"/>
             </a:pPr>
             <a:r>
               <a:rPr lang="de-DE" dirty="0"/>
-              <a:t>Einstellungen &gt; Repository &gt; Bereitstellungstoken</a:t>
-            </a:r>
-          </a:p>
-          <a:p>
-            <a:pPr lvl="1">
+              <a:t>„Control Plane“ Node und </a:t>
+            </a:r>
+            <a:r>
+              <a:rPr lang="de-DE" dirty="0" err="1"/>
+              <a:t>Worker</a:t>
+            </a:r>
+            <a:r>
+              <a:rPr lang="de-DE" dirty="0"/>
+              <a:t> Nodes</a:t>
+            </a:r>
+          </a:p>
+          <a:p>
+            <a:pPr marL="0" indent="0">
+              <a:buNone/>
+            </a:pPr>
+            <a:endParaRPr lang="de-DE" dirty="0"/>
+          </a:p>
+          <a:p>
+            <a:pPr marL="0" indent="0">
+              <a:buNone/>
+            </a:pPr>
+            <a:r>
+              <a:rPr lang="de-DE" b="1" dirty="0"/>
+              <a:t>Control Plane</a:t>
+            </a:r>
+            <a:endParaRPr lang="de-DE" dirty="0"/>
+          </a:p>
+          <a:p>
+            <a:pPr>
               <a:buFont typeface="Arial" panose="020B0604020202020204" pitchFamily="34" charset="0"/>
               <a:buChar char="•"/>
             </a:pPr>
             <a:r>
+              <a:rPr lang="de-DE" dirty="0"/>
+              <a:t>API Server : </a:t>
+            </a:r>
+            <a:r>
               <a:rPr lang="de-DE" dirty="0" err="1"/>
-              <a:t>read_registry</a:t>
-            </a:r>
-            <a:r>
-              <a:rPr lang="de-DE" dirty="0"/>
-              <a:t> und </a:t>
-            </a:r>
-            <a:r>
-              <a:rPr lang="de-DE" dirty="0" err="1"/>
-              <a:t>read_container_registry</a:t>
-            </a:r>
-            <a:r>
-              <a:rPr lang="de-DE" dirty="0"/>
-              <a:t> </a:t>
-            </a:r>
-            <a:r>
-              <a:rPr lang="de-DE" dirty="0" err="1"/>
-              <a:t>persmission</a:t>
-            </a:r>
+              <a:t>Entrypoint</a:t>
+            </a:r>
+            <a:r>
+              <a:rPr lang="de-DE" dirty="0"/>
+              <a:t> des Clusters</a:t>
+            </a:r>
+          </a:p>
+          <a:p>
+            <a:pPr>
+              <a:buFont typeface="Arial" panose="020B0604020202020204" pitchFamily="34" charset="0"/>
+              <a:buChar char="•"/>
+            </a:pPr>
+            <a:r>
+              <a:rPr lang="de-DE" dirty="0"/>
+              <a:t>Management des Clusters</a:t>
+            </a:r>
+          </a:p>
+          <a:p>
+            <a:pPr>
+              <a:buFont typeface="Arial" panose="020B0604020202020204" pitchFamily="34" charset="0"/>
+              <a:buChar char="•"/>
+            </a:pPr>
+            <a:r>
+              <a:rPr lang="de-DE" dirty="0"/>
+              <a:t>Zustand des Clusters</a:t>
+            </a:r>
+          </a:p>
+          <a:p>
+            <a:pPr>
+              <a:buFont typeface="Arial" panose="020B0604020202020204" pitchFamily="34" charset="0"/>
+              <a:buChar char="•"/>
+            </a:pPr>
             <a:endParaRPr lang="de-DE" dirty="0"/>
           </a:p>
           <a:p>
@@ -13771,205 +14042,20 @@
               <a:buFont typeface="Arial" panose="020B0604020202020204" pitchFamily="34" charset="0"/>
               <a:buChar char="•"/>
             </a:pPr>
-            <a:r>
-              <a:rPr lang="de-DE" dirty="0"/>
-              <a:t>Secret zu </a:t>
-            </a:r>
-            <a:r>
-              <a:rPr lang="de-DE" dirty="0" err="1"/>
-              <a:t>kubernetes</a:t>
-            </a:r>
-            <a:r>
-              <a:rPr lang="de-DE" dirty="0"/>
-              <a:t> hinzufügen</a:t>
-            </a:r>
-          </a:p>
-          <a:p>
-            <a:pPr lvl="1">
-              <a:buFont typeface="Arial" panose="020B0604020202020204" pitchFamily="34" charset="0"/>
-              <a:buChar char="•"/>
-            </a:pPr>
             <a:endParaRPr lang="de-DE" dirty="0"/>
           </a:p>
-        </p:txBody>
-      </p:sp>
-      <p:sp>
-        <p:nvSpPr>
-          <p:cNvPr id="2" name="Textfeld 1">
-            <a:extLst>
-              <a:ext uri="{FF2B5EF4-FFF2-40B4-BE49-F238E27FC236}">
-                <a16:creationId xmlns:a16="http://schemas.microsoft.com/office/drawing/2014/main" id="{C1E58444-C66E-F900-1B32-CA158CD9E3EC}"/>
-              </a:ext>
-            </a:extLst>
-          </p:cNvPr>
-          <p:cNvSpPr txBox="1"/>
-          <p:nvPr/>
-        </p:nvSpPr>
-        <p:spPr bwMode="auto">
-          <a:xfrm>
-            <a:off x="683568" y="3356992"/>
-            <a:ext cx="8784976" cy="1569660"/>
-          </a:xfrm>
-          <a:prstGeom prst="rect">
-            <a:avLst/>
-          </a:prstGeom>
-          <a:noFill/>
-          <a:ln w="9525">
-            <a:noFill/>
-            <a:miter lim="800000"/>
-            <a:headEnd/>
-            <a:tailEnd/>
-          </a:ln>
-        </p:spPr>
-        <p:txBody>
-          <a:bodyPr wrap="square" rtlCol="0" anchor="ctr">
-            <a:spAutoFit/>
-          </a:bodyPr>
-          <a:lstStyle/>
-          <a:p>
-            <a:pPr eaLnBrk="1" hangingPunct="1"/>
-            <a:r>
-              <a:rPr lang="de-DE" dirty="0" err="1">
-                <a:latin typeface="Aptos" panose="020B0004020202020204" pitchFamily="34" charset="0"/>
-              </a:rPr>
-              <a:t>kubectl</a:t>
-            </a:r>
-            <a:r>
-              <a:rPr lang="de-DE" dirty="0">
-                <a:latin typeface="Aptos" panose="020B0004020202020204" pitchFamily="34" charset="0"/>
-              </a:rPr>
-              <a:t> </a:t>
-            </a:r>
-            <a:r>
-              <a:rPr lang="de-DE" dirty="0" err="1">
-                <a:latin typeface="Aptos" panose="020B0004020202020204" pitchFamily="34" charset="0"/>
-              </a:rPr>
-              <a:t>create</a:t>
-            </a:r>
-            <a:r>
-              <a:rPr lang="de-DE" dirty="0">
-                <a:latin typeface="Aptos" panose="020B0004020202020204" pitchFamily="34" charset="0"/>
-              </a:rPr>
-              <a:t> </a:t>
-            </a:r>
-            <a:r>
-              <a:rPr lang="de-DE" dirty="0" err="1">
-                <a:latin typeface="Aptos" panose="020B0004020202020204" pitchFamily="34" charset="0"/>
-              </a:rPr>
-              <a:t>secret</a:t>
-            </a:r>
-            <a:r>
-              <a:rPr lang="de-DE" dirty="0">
-                <a:latin typeface="Aptos" panose="020B0004020202020204" pitchFamily="34" charset="0"/>
-              </a:rPr>
-              <a:t> </a:t>
-            </a:r>
-            <a:r>
-              <a:rPr lang="de-DE" dirty="0" err="1">
-                <a:latin typeface="Aptos" panose="020B0004020202020204" pitchFamily="34" charset="0"/>
-              </a:rPr>
-              <a:t>docker-registry</a:t>
-            </a:r>
-            <a:r>
-              <a:rPr lang="de-DE" dirty="0">
-                <a:latin typeface="Aptos" panose="020B0004020202020204" pitchFamily="34" charset="0"/>
-              </a:rPr>
-              <a:t> </a:t>
-            </a:r>
-            <a:r>
-              <a:rPr lang="de-DE" dirty="0" err="1">
-                <a:latin typeface="Aptos" panose="020B0004020202020204" pitchFamily="34" charset="0"/>
-              </a:rPr>
-              <a:t>regcred</a:t>
-            </a:r>
-            <a:r>
-              <a:rPr lang="de-DE" dirty="0">
-                <a:latin typeface="Aptos" panose="020B0004020202020204" pitchFamily="34" charset="0"/>
-              </a:rPr>
-              <a:t> \</a:t>
-            </a:r>
-          </a:p>
-          <a:p>
-            <a:pPr eaLnBrk="1" hangingPunct="1"/>
-            <a:r>
-              <a:rPr lang="de-DE" dirty="0">
-                <a:latin typeface="Aptos" panose="020B0004020202020204" pitchFamily="34" charset="0"/>
-              </a:rPr>
-              <a:t>--docker-server=registry.gitlab.com \</a:t>
-            </a:r>
-          </a:p>
-          <a:p>
-            <a:pPr eaLnBrk="1" hangingPunct="1"/>
-            <a:r>
-              <a:rPr lang="de-DE" dirty="0">
-                <a:latin typeface="Aptos" panose="020B0004020202020204" pitchFamily="34" charset="0"/>
-              </a:rPr>
-              <a:t>--docker-</a:t>
-            </a:r>
-            <a:r>
-              <a:rPr lang="de-DE" dirty="0" err="1">
-                <a:latin typeface="Aptos" panose="020B0004020202020204" pitchFamily="34" charset="0"/>
-              </a:rPr>
-              <a:t>username</a:t>
-            </a:r>
-            <a:r>
-              <a:rPr lang="de-DE" dirty="0">
-                <a:latin typeface="Aptos" panose="020B0004020202020204" pitchFamily="34" charset="0"/>
-              </a:rPr>
-              <a:t>=&lt;deploy </a:t>
-            </a:r>
-            <a:r>
-              <a:rPr lang="de-DE" dirty="0" err="1">
-                <a:latin typeface="Aptos" panose="020B0004020202020204" pitchFamily="34" charset="0"/>
-              </a:rPr>
-              <a:t>token</a:t>
-            </a:r>
-            <a:r>
-              <a:rPr lang="de-DE" dirty="0">
-                <a:latin typeface="Aptos" panose="020B0004020202020204" pitchFamily="34" charset="0"/>
-              </a:rPr>
-              <a:t> user&gt; \</a:t>
-            </a:r>
-          </a:p>
-          <a:p>
-            <a:pPr eaLnBrk="1" hangingPunct="1"/>
-            <a:r>
-              <a:rPr lang="de-DE" dirty="0">
-                <a:latin typeface="Aptos" panose="020B0004020202020204" pitchFamily="34" charset="0"/>
-              </a:rPr>
-              <a:t>--docker-password=&lt;deploy </a:t>
-            </a:r>
-            <a:r>
-              <a:rPr lang="de-DE" dirty="0" err="1">
-                <a:latin typeface="Aptos" panose="020B0004020202020204" pitchFamily="34" charset="0"/>
-              </a:rPr>
-              <a:t>token</a:t>
-            </a:r>
-            <a:r>
-              <a:rPr lang="de-DE" dirty="0">
-                <a:latin typeface="Aptos" panose="020B0004020202020204" pitchFamily="34" charset="0"/>
-              </a:rPr>
-              <a:t> </a:t>
-            </a:r>
-            <a:r>
-              <a:rPr lang="de-DE" dirty="0" err="1">
-                <a:latin typeface="Aptos" panose="020B0004020202020204" pitchFamily="34" charset="0"/>
-              </a:rPr>
-              <a:t>password</a:t>
-            </a:r>
-            <a:r>
-              <a:rPr lang="de-DE" dirty="0">
-                <a:latin typeface="Aptos" panose="020B0004020202020204" pitchFamily="34" charset="0"/>
-              </a:rPr>
-              <a:t>&gt;</a:t>
-            </a:r>
+          <a:p>
+            <a:pPr marL="0" indent="0">
+              <a:buNone/>
+            </a:pPr>
+            <a:endParaRPr lang="de-DE" dirty="0"/>
           </a:p>
         </p:txBody>
       </p:sp>
     </p:spTree>
     <p:extLst>
       <p:ext uri="{BB962C8B-B14F-4D97-AF65-F5344CB8AC3E}">
-        <p14:creationId xmlns:p14="http://schemas.microsoft.com/office/powerpoint/2010/main" val="1074516350"/>
+        <p14:creationId xmlns:p14="http://schemas.microsoft.com/office/powerpoint/2010/main" val="1429042319"/>
       </p:ext>
     </p:extLst>
   </p:cSld>
@@ -14050,22 +14136,86 @@
               <a:buNone/>
             </a:pPr>
             <a:r>
+              <a:rPr lang="de-DE" b="1" dirty="0" err="1"/>
+              <a:t>Kubernetes</a:t>
+            </a:r>
+            <a:r>
               <a:rPr lang="de-DE" b="1" dirty="0"/>
-              <a:t>Edit Docker </a:t>
-            </a:r>
+              <a:t> Komponenten (vereinfacht)</a:t>
+            </a:r>
+            <a:endParaRPr lang="de-DE" dirty="0"/>
+          </a:p>
+          <a:p>
+            <a:pPr>
+              <a:buFont typeface="Arial" panose="020B0604020202020204" pitchFamily="34" charset="0"/>
+              <a:buChar char="•"/>
+            </a:pPr>
+            <a:r>
+              <a:rPr lang="de-DE" b="1" dirty="0"/>
+              <a:t>Pod</a:t>
+            </a:r>
+            <a:r>
+              <a:rPr lang="de-DE" dirty="0"/>
+              <a:t> : Abstraktion über ein oder mehrere zusammengehörige Container auf einer Node, die sich eine (nichtstatische) clusterinterne IP-Adresse teilen</a:t>
+            </a:r>
+          </a:p>
+          <a:p>
+            <a:pPr>
+              <a:buFont typeface="Arial" panose="020B0604020202020204" pitchFamily="34" charset="0"/>
+              <a:buChar char="•"/>
+            </a:pPr>
             <a:r>
               <a:rPr lang="de-DE" b="1" dirty="0" err="1"/>
-              <a:t>image</a:t>
-            </a:r>
+              <a:t>ReplicaSet</a:t>
+            </a:r>
+            <a:r>
+              <a:rPr lang="de-DE" dirty="0"/>
+              <a:t> : Erhält eine festgelegte Anzahl von gleichartigen Instanzen (Replicas) eines Pods, startet z.B. bei Ausfall eines Pods einen neuen</a:t>
+            </a:r>
+          </a:p>
+          <a:p>
+            <a:pPr>
+              <a:buFont typeface="Arial" panose="020B0604020202020204" pitchFamily="34" charset="0"/>
+              <a:buChar char="•"/>
+            </a:pPr>
             <a:r>
               <a:rPr lang="de-DE" b="1" dirty="0"/>
-              <a:t> in manifest </a:t>
-            </a:r>
+              <a:t>Service</a:t>
+            </a:r>
+            <a:r>
+              <a:rPr lang="de-DE" dirty="0"/>
+              <a:t> : Stellt eine statische clusterinterne IP-Adresse für </a:t>
+            </a:r>
+            <a:r>
+              <a:rPr lang="de-DE" dirty="0" err="1"/>
+              <a:t>ReplicaSets</a:t>
+            </a:r>
+            <a:r>
+              <a:rPr lang="de-DE" dirty="0"/>
+              <a:t> zu Verfügung und agiert als Loadbalancer</a:t>
+            </a:r>
+          </a:p>
+          <a:p>
+            <a:pPr>
+              <a:buFont typeface="Arial" panose="020B0604020202020204" pitchFamily="34" charset="0"/>
+              <a:buChar char="•"/>
+            </a:pPr>
             <a:r>
               <a:rPr lang="de-DE" b="1" dirty="0" err="1"/>
-              <a:t>file</a:t>
-            </a:r>
-            <a:endParaRPr lang="de-DE" b="1" dirty="0"/>
+              <a:t>ConfigMap</a:t>
+            </a:r>
+            <a:r>
+              <a:rPr lang="de-DE" dirty="0"/>
+              <a:t> / </a:t>
+            </a:r>
+            <a:r>
+              <a:rPr lang="de-DE" b="1" dirty="0"/>
+              <a:t>Secret</a:t>
+            </a:r>
+            <a:r>
+              <a:rPr lang="de-DE" dirty="0"/>
+              <a:t> : Enthält Anwendungskonfiguration (nichtsensitiv / sensitiv)</a:t>
+            </a:r>
           </a:p>
           <a:p>
             <a:pPr>
@@ -14073,100 +14223,32 @@
               <a:buChar char="•"/>
             </a:pPr>
             <a:r>
-              <a:rPr lang="de-DE" dirty="0"/>
-              <a:t>Prüfen Sie das </a:t>
+              <a:rPr lang="de-DE" b="1" dirty="0" err="1"/>
+              <a:t>Deployment</a:t>
+            </a:r>
+            <a:r>
+              <a:rPr lang="de-DE" b="1" dirty="0"/>
+              <a:t> </a:t>
+            </a:r>
+            <a:r>
+              <a:rPr lang="de-DE" dirty="0"/>
+              <a:t>: High-Level-Komponente, die ein </a:t>
             </a:r>
             <a:r>
               <a:rPr lang="de-DE" dirty="0" err="1"/>
-              <a:t>Gitlab</a:t>
-            </a:r>
-            <a:r>
-              <a:rPr lang="de-DE" dirty="0"/>
-              <a:t> Container Registry auf das Image.</a:t>
-            </a:r>
-          </a:p>
-          <a:p>
-            <a:pPr lvl="1">
-              <a:buFont typeface="Arial" panose="020B0604020202020204" pitchFamily="34" charset="0"/>
-              <a:buChar char="•"/>
-            </a:pPr>
-            <a:r>
-              <a:rPr lang="de-DE" dirty="0"/>
-              <a:t>Das Image wird von der CI-Pipeline erstellt</a:t>
-            </a:r>
-          </a:p>
-          <a:p>
-            <a:pPr>
-              <a:buFont typeface="Arial" panose="020B0604020202020204" pitchFamily="34" charset="0"/>
-              <a:buChar char="•"/>
-            </a:pPr>
-            <a:r>
-              <a:rPr lang="de-DE" dirty="0"/>
-              <a:t>Passen sie </a:t>
-            </a:r>
-            <a:r>
-              <a:rPr lang="de-DE" dirty="0" err="1"/>
-              <a:t>app.yaml</a:t>
-            </a:r>
-            <a:r>
-              <a:rPr lang="de-DE" dirty="0"/>
-              <a:t> für Ihr </a:t>
-            </a:r>
-            <a:r>
-              <a:rPr lang="de-DE"/>
-              <a:t>Container Image an.</a:t>
-            </a:r>
-            <a:endParaRPr lang="de-DE" dirty="0"/>
-          </a:p>
-          <a:p>
-            <a:pPr lvl="1">
-              <a:buFont typeface="Arial" panose="020B0604020202020204" pitchFamily="34" charset="0"/>
-              <a:buChar char="•"/>
-            </a:pPr>
-            <a:endParaRPr lang="de-DE" dirty="0"/>
+              <a:t>ReplicaSet</a:t>
+            </a:r>
+            <a:r>
+              <a:rPr lang="de-DE" dirty="0"/>
+              <a:t> verwaltet (für einen zustandslosen Microservice)</a:t>
+            </a:r>
           </a:p>
         </p:txBody>
       </p:sp>
-      <p:pic>
-        <p:nvPicPr>
-          <p:cNvPr id="8" name="Grafik 7" descr="Ein Bild, das Text, Screenshot, Schrift, Zahl enthält.&#10;&#10;Automatisch generierte Beschreibung">
-            <a:extLst>
-              <a:ext uri="{FF2B5EF4-FFF2-40B4-BE49-F238E27FC236}">
-                <a16:creationId xmlns:a16="http://schemas.microsoft.com/office/drawing/2014/main" id="{15F60CF3-B2C4-B2C4-7534-50663797AE46}"/>
-              </a:ext>
-            </a:extLst>
-          </p:cNvPr>
-          <p:cNvPicPr>
-            <a:picLocks noChangeAspect="1"/>
-          </p:cNvPicPr>
-          <p:nvPr/>
-        </p:nvPicPr>
-        <p:blipFill>
-          <a:blip r:embed="rId3">
-            <a:extLst>
-              <a:ext uri="{28A0092B-C50C-407E-A947-70E740481C1C}">
-                <a14:useLocalDpi xmlns:a14="http://schemas.microsoft.com/office/drawing/2010/main" val="0"/>
-              </a:ext>
-            </a:extLst>
-          </a:blip>
-          <a:stretch>
-            <a:fillRect/>
-          </a:stretch>
-        </p:blipFill>
-        <p:spPr>
-          <a:xfrm>
-            <a:off x="1144886" y="3140968"/>
-            <a:ext cx="6854228" cy="2525242"/>
-          </a:xfrm>
-          <a:prstGeom prst="rect">
-            <a:avLst/>
-          </a:prstGeom>
-        </p:spPr>
-      </p:pic>
     </p:spTree>
     <p:extLst>
       <p:ext uri="{BB962C8B-B14F-4D97-AF65-F5344CB8AC3E}">
-        <p14:creationId xmlns:p14="http://schemas.microsoft.com/office/powerpoint/2010/main" val="55794115"/>
+        <p14:creationId xmlns:p14="http://schemas.microsoft.com/office/powerpoint/2010/main" val="4209843032"/>
       </p:ext>
     </p:extLst>
   </p:cSld>
@@ -14247,46 +14329,13 @@
               <a:buNone/>
             </a:pPr>
             <a:r>
+              <a:rPr lang="de-DE" b="1" dirty="0" err="1"/>
+              <a:t>Kubernetes</a:t>
+            </a:r>
+            <a:r>
               <a:rPr lang="de-DE" b="1" dirty="0"/>
-              <a:t>Bootstrap </a:t>
-            </a:r>
-            <a:r>
-              <a:rPr lang="de-DE" b="1" dirty="0" err="1"/>
-              <a:t>the</a:t>
-            </a:r>
-            <a:r>
-              <a:rPr lang="de-DE" b="1" dirty="0"/>
-              <a:t> Cluster </a:t>
-            </a:r>
-            <a:r>
-              <a:rPr lang="de-DE" b="1" dirty="0" err="1"/>
-              <a:t>into</a:t>
-            </a:r>
-            <a:r>
-              <a:rPr lang="de-DE" b="1" dirty="0"/>
-              <a:t> </a:t>
-            </a:r>
-            <a:r>
-              <a:rPr lang="de-DE" b="1" dirty="0" err="1"/>
-              <a:t>GitLabs</a:t>
-            </a:r>
-            <a:r>
-              <a:rPr lang="de-DE" b="1" dirty="0"/>
-              <a:t> </a:t>
-            </a:r>
-            <a:r>
-              <a:rPr lang="de-DE" b="1" dirty="0" err="1"/>
-              <a:t>with</a:t>
-            </a:r>
-            <a:r>
-              <a:rPr lang="de-DE" b="1" dirty="0"/>
-              <a:t> </a:t>
-            </a:r>
-            <a:r>
-              <a:rPr lang="de-DE" b="1" dirty="0" err="1"/>
-              <a:t>Flux</a:t>
-            </a:r>
-            <a:endParaRPr lang="de-DE" b="1" dirty="0"/>
+              <a:t> Konfiguration</a:t>
+            </a:r>
           </a:p>
           <a:p>
             <a:pPr>
@@ -14295,8 +14344,21 @@
             </a:pPr>
             <a:r>
               <a:rPr lang="de-DE" dirty="0"/>
-              <a:t>In einem Terminal mit folgendem Befehl.</a:t>
-            </a:r>
+              <a:t>Beschreibung eines Soll-Zustands über .</a:t>
+            </a:r>
+            <a:r>
+              <a:rPr lang="de-DE" dirty="0" err="1"/>
+              <a:t>yml</a:t>
+            </a:r>
+            <a:r>
+              <a:rPr lang="de-DE" dirty="0"/>
+              <a:t> Dateien („Manifest Files“) -&gt; </a:t>
+            </a:r>
+            <a:r>
+              <a:rPr lang="de-DE" dirty="0" err="1"/>
+              <a:t>IaC</a:t>
+            </a:r>
+            <a:endParaRPr lang="de-DE" dirty="0"/>
           </a:p>
           <a:p>
             <a:pPr>
@@ -14305,15 +14367,51 @@
             </a:pPr>
             <a:r>
               <a:rPr lang="de-DE" dirty="0"/>
-              <a:t>Ein persönliches Zugrifftoken mit </a:t>
+              <a:t>Cluster versucht den Ist-Zustand an den Soll-Zustand anzupassen, wenn diese voneinander abweichen</a:t>
+            </a:r>
+          </a:p>
+          <a:p>
+            <a:pPr>
+              <a:buFont typeface="Arial" panose="020B0604020202020204" pitchFamily="34" charset="0"/>
+              <a:buChar char="•"/>
+            </a:pPr>
+            <a:r>
+              <a:rPr lang="de-DE" dirty="0"/>
+              <a:t>Nur High-Level-Komponenten wie </a:t>
             </a:r>
             <a:r>
               <a:rPr lang="de-DE" dirty="0" err="1"/>
-              <a:t>Maintainer</a:t>
-            </a:r>
-            <a:r>
-              <a:rPr lang="de-DE" dirty="0"/>
-              <a:t>-Rechten auf dem Repository benötigt. </a:t>
+              <a:t>Deployments</a:t>
+            </a:r>
+            <a:r>
+              <a:rPr lang="de-DE" dirty="0"/>
+              <a:t> und Services werden manuell konfiguriert</a:t>
+            </a:r>
+          </a:p>
+          <a:p>
+            <a:pPr>
+              <a:buFont typeface="Arial" panose="020B0604020202020204" pitchFamily="34" charset="0"/>
+              <a:buChar char="•"/>
+            </a:pPr>
+            <a:r>
+              <a:rPr lang="de-DE" dirty="0"/>
+              <a:t>In „</a:t>
+            </a:r>
+            <a:r>
+              <a:rPr lang="de-DE" dirty="0" err="1"/>
+              <a:t>selector</a:t>
+            </a:r>
+            <a:r>
+              <a:rPr lang="de-DE" dirty="0"/>
+              <a:t>“-Blöcken (im .</a:t>
+            </a:r>
+            <a:r>
+              <a:rPr lang="de-DE" dirty="0" err="1"/>
+              <a:t>yml</a:t>
+            </a:r>
+            <a:r>
+              <a:rPr lang="de-DE" dirty="0"/>
+              <a:t>) können Komponenten auf Basis von Labels miteinander verknüpft werden</a:t>
             </a:r>
           </a:p>
           <a:p>
@@ -14321,232 +14419,13 @@
               <a:buNone/>
             </a:pPr>
             <a:endParaRPr lang="de-DE" dirty="0"/>
-          </a:p>
-          <a:p>
-            <a:pPr lvl="1">
-              <a:buFont typeface="Arial" panose="020B0604020202020204" pitchFamily="34" charset="0"/>
-              <a:buChar char="•"/>
-            </a:pPr>
-            <a:endParaRPr lang="de-DE" dirty="0"/>
-          </a:p>
-        </p:txBody>
-      </p:sp>
-      <p:sp>
-        <p:nvSpPr>
-          <p:cNvPr id="2" name="Textfeld 1">
-            <a:extLst>
-              <a:ext uri="{FF2B5EF4-FFF2-40B4-BE49-F238E27FC236}">
-                <a16:creationId xmlns:a16="http://schemas.microsoft.com/office/drawing/2014/main" id="{F6A4E5D5-7350-7285-A9C7-20E502137789}"/>
-              </a:ext>
-            </a:extLst>
-          </p:cNvPr>
-          <p:cNvSpPr txBox="1"/>
-          <p:nvPr/>
-        </p:nvSpPr>
-        <p:spPr bwMode="auto">
-          <a:xfrm>
-            <a:off x="899592" y="3054153"/>
-            <a:ext cx="7416824" cy="1938992"/>
-          </a:xfrm>
-          <a:prstGeom prst="rect">
-            <a:avLst/>
-          </a:prstGeom>
-          <a:noFill/>
-          <a:ln w="9525">
-            <a:noFill/>
-            <a:miter lim="800000"/>
-            <a:headEnd/>
-            <a:tailEnd/>
-          </a:ln>
-        </p:spPr>
-        <p:txBody>
-          <a:bodyPr wrap="square" rtlCol="0" anchor="ctr">
-            <a:spAutoFit/>
-          </a:bodyPr>
-          <a:lstStyle/>
-          <a:p>
-            <a:pPr eaLnBrk="1" hangingPunct="1"/>
-            <a:r>
-              <a:rPr lang="de-DE" dirty="0" err="1">
-                <a:latin typeface="Aptos" panose="020B0004020202020204" pitchFamily="34" charset="0"/>
-              </a:rPr>
-              <a:t>flux</a:t>
-            </a:r>
-            <a:r>
-              <a:rPr lang="de-DE" dirty="0">
-                <a:latin typeface="Aptos" panose="020B0004020202020204" pitchFamily="34" charset="0"/>
-              </a:rPr>
-              <a:t> </a:t>
-            </a:r>
-            <a:r>
-              <a:rPr lang="de-DE" dirty="0" err="1">
-                <a:latin typeface="Aptos" panose="020B0004020202020204" pitchFamily="34" charset="0"/>
-              </a:rPr>
-              <a:t>bootstrap</a:t>
-            </a:r>
-            <a:r>
-              <a:rPr lang="de-DE" dirty="0">
-                <a:latin typeface="Aptos" panose="020B0004020202020204" pitchFamily="34" charset="0"/>
-              </a:rPr>
-              <a:t> </a:t>
-            </a:r>
-            <a:r>
-              <a:rPr lang="de-DE" dirty="0" err="1">
-                <a:latin typeface="Aptos" panose="020B0004020202020204" pitchFamily="34" charset="0"/>
-              </a:rPr>
-              <a:t>gitlab</a:t>
-            </a:r>
-            <a:r>
-              <a:rPr lang="de-DE" dirty="0">
-                <a:latin typeface="Aptos" panose="020B0004020202020204" pitchFamily="34" charset="0"/>
-              </a:rPr>
-              <a:t> --deploy-token-</a:t>
-            </a:r>
-            <a:r>
-              <a:rPr lang="de-DE" dirty="0" err="1">
-                <a:latin typeface="Aptos" panose="020B0004020202020204" pitchFamily="34" charset="0"/>
-              </a:rPr>
-              <a:t>auth</a:t>
-            </a:r>
-            <a:r>
-              <a:rPr lang="de-DE" dirty="0">
-                <a:latin typeface="Aptos" panose="020B0004020202020204" pitchFamily="34" charset="0"/>
-              </a:rPr>
-              <a:t> \</a:t>
-            </a:r>
-          </a:p>
-          <a:p>
-            <a:pPr eaLnBrk="1" hangingPunct="1"/>
-            <a:r>
-              <a:rPr lang="de-DE" dirty="0">
-                <a:latin typeface="Aptos" panose="020B0004020202020204" pitchFamily="34" charset="0"/>
-              </a:rPr>
-              <a:t>--</a:t>
-            </a:r>
-            <a:r>
-              <a:rPr lang="de-DE" dirty="0" err="1">
-                <a:latin typeface="Aptos" panose="020B0004020202020204" pitchFamily="34" charset="0"/>
-              </a:rPr>
-              <a:t>owner</a:t>
-            </a:r>
-            <a:r>
-              <a:rPr lang="de-DE" dirty="0">
-                <a:latin typeface="Aptos" panose="020B0004020202020204" pitchFamily="34" charset="0"/>
-              </a:rPr>
-              <a:t>=&lt;</a:t>
-            </a:r>
-            <a:r>
-              <a:rPr lang="de-DE" dirty="0" err="1">
-                <a:latin typeface="Aptos" panose="020B0004020202020204" pitchFamily="34" charset="0"/>
-              </a:rPr>
-              <a:t>groupId</a:t>
-            </a:r>
-            <a:r>
-              <a:rPr lang="de-DE" dirty="0">
-                <a:latin typeface="Aptos" panose="020B0004020202020204" pitchFamily="34" charset="0"/>
-              </a:rPr>
-              <a:t>&gt;</a:t>
-            </a:r>
-          </a:p>
-          <a:p>
-            <a:pPr eaLnBrk="1" hangingPunct="1"/>
-            <a:r>
-              <a:rPr lang="de-DE" dirty="0">
-                <a:latin typeface="Aptos" panose="020B0004020202020204" pitchFamily="34" charset="0"/>
-              </a:rPr>
-              <a:t>--</a:t>
-            </a:r>
-            <a:r>
-              <a:rPr lang="de-DE" dirty="0" err="1">
-                <a:latin typeface="Aptos" panose="020B0004020202020204" pitchFamily="34" charset="0"/>
-              </a:rPr>
-              <a:t>repository</a:t>
-            </a:r>
-            <a:r>
-              <a:rPr lang="de-DE" dirty="0">
-                <a:latin typeface="Aptos" panose="020B0004020202020204" pitchFamily="34" charset="0"/>
-              </a:rPr>
-              <a:t>=&lt;</a:t>
-            </a:r>
-            <a:r>
-              <a:rPr lang="de-DE" dirty="0" err="1">
-                <a:latin typeface="Aptos" panose="020B0004020202020204" pitchFamily="34" charset="0"/>
-              </a:rPr>
-              <a:t>repositoryName</a:t>
-            </a:r>
-            <a:r>
-              <a:rPr lang="de-DE" dirty="0">
-                <a:latin typeface="Aptos" panose="020B0004020202020204" pitchFamily="34" charset="0"/>
-              </a:rPr>
-              <a:t>&gt;</a:t>
-            </a:r>
-          </a:p>
-          <a:p>
-            <a:pPr eaLnBrk="1" hangingPunct="1"/>
-            <a:r>
-              <a:rPr lang="de-DE" dirty="0">
-                <a:latin typeface="Aptos" panose="020B0004020202020204" pitchFamily="34" charset="0"/>
-              </a:rPr>
-              <a:t>--</a:t>
-            </a:r>
-            <a:r>
-              <a:rPr lang="de-DE" dirty="0" err="1">
-                <a:latin typeface="Aptos" panose="020B0004020202020204" pitchFamily="34" charset="0"/>
-              </a:rPr>
-              <a:t>path</a:t>
-            </a:r>
-            <a:r>
-              <a:rPr lang="de-DE" dirty="0">
-                <a:latin typeface="Aptos" panose="020B0004020202020204" pitchFamily="34" charset="0"/>
-              </a:rPr>
-              <a:t>=</a:t>
-            </a:r>
-            <a:r>
-              <a:rPr lang="de-DE" dirty="0" err="1">
-                <a:latin typeface="Aptos" panose="020B0004020202020204" pitchFamily="34" charset="0"/>
-              </a:rPr>
-              <a:t>manifests</a:t>
-            </a:r>
-            <a:endParaRPr lang="de-DE" dirty="0">
-              <a:latin typeface="Aptos" panose="020B0004020202020204" pitchFamily="34" charset="0"/>
-            </a:endParaRPr>
-          </a:p>
-          <a:p>
-            <a:pPr eaLnBrk="1" hangingPunct="1"/>
-            <a:r>
-              <a:rPr lang="de-DE" dirty="0">
-                <a:latin typeface="Aptos" panose="020B0004020202020204" pitchFamily="34" charset="0"/>
-              </a:rPr>
-              <a:t>--</a:t>
-            </a:r>
-            <a:r>
-              <a:rPr lang="de-DE" dirty="0" err="1">
-                <a:latin typeface="Aptos" panose="020B0004020202020204" pitchFamily="34" charset="0"/>
-              </a:rPr>
-              <a:t>branch</a:t>
-            </a:r>
-            <a:r>
-              <a:rPr lang="de-DE" dirty="0">
-                <a:latin typeface="Aptos" panose="020B0004020202020204" pitchFamily="34" charset="0"/>
-              </a:rPr>
-              <a:t>=</a:t>
-            </a:r>
-            <a:r>
-              <a:rPr lang="de-DE" dirty="0" err="1">
-                <a:latin typeface="Aptos" panose="020B0004020202020204" pitchFamily="34" charset="0"/>
-              </a:rPr>
-              <a:t>main</a:t>
-            </a:r>
-            <a:endParaRPr lang="de-DE" sz="1800" dirty="0">
-              <a:latin typeface="Aptos" panose="020B0004020202020204" pitchFamily="34" charset="0"/>
-            </a:endParaRPr>
           </a:p>
         </p:txBody>
       </p:sp>
     </p:spTree>
     <p:extLst>
       <p:ext uri="{BB962C8B-B14F-4D97-AF65-F5344CB8AC3E}">
-        <p14:creationId xmlns:p14="http://schemas.microsoft.com/office/powerpoint/2010/main" val="622714256"/>
+        <p14:creationId xmlns:p14="http://schemas.microsoft.com/office/powerpoint/2010/main" val="388574919"/>
       </p:ext>
     </p:extLst>
   </p:cSld>
@@ -14628,13 +14507,28 @@
             </a:pPr>
             <a:r>
               <a:rPr lang="de-DE" b="1" dirty="0"/>
-              <a:t>Überprüfen des </a:t>
+              <a:t>Anwendung der Konfiguration (Beispiel)</a:t>
+            </a:r>
+          </a:p>
+          <a:p>
+            <a:pPr marL="0" indent="0">
+              <a:buNone/>
+            </a:pPr>
+            <a:endParaRPr lang="de-DE" b="1" dirty="0"/>
+          </a:p>
+          <a:p>
+            <a:pPr marL="0" indent="0">
+              <a:buNone/>
+            </a:pPr>
+            <a:r>
+              <a:rPr lang="de-DE" b="1" dirty="0"/>
+              <a:t>Bei Laden der Konfiguration eines </a:t>
             </a:r>
             <a:r>
               <a:rPr lang="de-DE" b="1" dirty="0" err="1"/>
-              <a:t>Deploys</a:t>
-            </a:r>
-            <a:endParaRPr lang="de-DE" b="1" dirty="0"/>
+              <a:t>Deployments</a:t>
+            </a:r>
+            <a:endParaRPr lang="de-DE" dirty="0"/>
           </a:p>
           <a:p>
             <a:pPr>
@@ -14642,38 +14536,26 @@
               <a:buChar char="•"/>
             </a:pPr>
             <a:r>
-              <a:rPr lang="de-DE" dirty="0"/>
-              <a:t>Der Status von </a:t>
-            </a:r>
-            <a:r>
               <a:rPr lang="de-DE" dirty="0" err="1"/>
-              <a:t>Flux</a:t>
-            </a:r>
-            <a:r>
-              <a:rPr lang="de-DE" dirty="0"/>
-              <a:t> kann wie folgt ermittelt werden</a:t>
-            </a:r>
-          </a:p>
-          <a:p>
-            <a:pPr lvl="1">
+              <a:t>Deployment</a:t>
+            </a:r>
+            <a:r>
+              <a:rPr lang="de-DE" dirty="0"/>
+              <a:t>-Komponente wird erstellt</a:t>
+            </a:r>
+          </a:p>
+          <a:p>
+            <a:pPr>
               <a:buFont typeface="Arial" panose="020B0604020202020204" pitchFamily="34" charset="0"/>
               <a:buChar char="•"/>
             </a:pPr>
             <a:r>
               <a:rPr lang="de-DE" dirty="0" err="1"/>
-              <a:t>flux</a:t>
-            </a:r>
-            <a:r>
-              <a:rPr lang="de-DE" dirty="0"/>
-              <a:t> </a:t>
-            </a:r>
-            <a:r>
-              <a:rPr lang="de-DE" dirty="0" err="1"/>
-              <a:t>get</a:t>
-            </a:r>
-            <a:r>
-              <a:rPr lang="de-DE" dirty="0"/>
-              <a:t> all</a:t>
+              <a:t>ReplicaSet</a:t>
+            </a:r>
+            <a:r>
+              <a:rPr lang="de-DE" dirty="0"/>
+              <a:t> wird erstellt</a:t>
             </a:r>
           </a:p>
           <a:p>
@@ -14683,62 +14565,60 @@
             </a:pPr>
             <a:r>
               <a:rPr lang="de-DE" dirty="0"/>
-              <a:t>Der Status des Clusters kann wie folgt ermittelt werden</a:t>
-            </a:r>
-          </a:p>
-          <a:p>
-            <a:pPr lvl="1">
+              <a:t>Pods werden erstellt</a:t>
+            </a:r>
+          </a:p>
+          <a:p>
+            <a:pPr>
               <a:buFont typeface="Arial" panose="020B0604020202020204" pitchFamily="34" charset="0"/>
               <a:buChar char="•"/>
             </a:pPr>
             <a:r>
-              <a:rPr lang="de-DE" dirty="0" err="1"/>
-              <a:t>kubectl</a:t>
-            </a:r>
-            <a:r>
-              <a:rPr lang="de-DE" dirty="0"/>
-              <a:t> </a:t>
-            </a:r>
-            <a:r>
-              <a:rPr lang="de-DE" dirty="0" err="1"/>
-              <a:t>get</a:t>
-            </a:r>
-            <a:r>
-              <a:rPr lang="de-DE" dirty="0"/>
-              <a:t> all</a:t>
-            </a:r>
-          </a:p>
-          <a:p>
-            <a:pPr lvl="1">
+              <a:rPr lang="de-DE" dirty="0"/>
+              <a:t>Container werden gestartet</a:t>
+            </a:r>
+          </a:p>
+          <a:p>
+            <a:pPr>
               <a:buFont typeface="Arial" panose="020B0604020202020204" pitchFamily="34" charset="0"/>
               <a:buChar char="•"/>
             </a:pPr>
             <a:endParaRPr lang="de-DE" dirty="0"/>
           </a:p>
           <a:p>
+            <a:pPr marL="0" indent="0">
+              <a:buNone/>
+            </a:pPr>
+            <a:r>
+              <a:rPr lang="de-DE" b="1" dirty="0"/>
+              <a:t>Bei Update der Konfiguration</a:t>
+            </a:r>
+          </a:p>
+          <a:p>
             <a:pPr>
               <a:buFont typeface="Arial" panose="020B0604020202020204" pitchFamily="34" charset="0"/>
               <a:buChar char="•"/>
             </a:pPr>
             <a:r>
               <a:rPr lang="de-DE" dirty="0"/>
-              <a:t>Der gestartete Webserver kann wie folgt erreicht werden</a:t>
-            </a:r>
-          </a:p>
-          <a:p>
-            <a:pPr lvl="1">
-              <a:buFont typeface="Arial" panose="020B0604020202020204" pitchFamily="34" charset="0"/>
-              <a:buChar char="•"/>
-            </a:pPr>
-            <a:r>
-              <a:rPr lang="de-DE" dirty="0"/>
-              <a:t>http://localhost:3000</a:t>
-            </a:r>
-          </a:p>
-          <a:p>
-            <a:pPr lvl="1">
-              <a:buFont typeface="Arial" panose="020B0604020202020204" pitchFamily="34" charset="0"/>
-              <a:buChar char="•"/>
+              <a:t>Abhängige Komponenten werden sukzessive möglichst unter Vermeidung von Downtime angepasst oder ersetzt</a:t>
+            </a:r>
+          </a:p>
+          <a:p>
+            <a:pPr marL="0" indent="0">
+              <a:buNone/>
+            </a:pPr>
+            <a:endParaRPr lang="de-DE" dirty="0"/>
+          </a:p>
+          <a:p>
+            <a:pPr marL="0" indent="0">
+              <a:buNone/>
+            </a:pPr>
+            <a:endParaRPr lang="de-DE" dirty="0"/>
+          </a:p>
+          <a:p>
+            <a:pPr marL="0" indent="0">
+              <a:buNone/>
             </a:pPr>
             <a:endParaRPr lang="de-DE" dirty="0"/>
           </a:p>
@@ -14747,7 +14627,7 @@
     </p:spTree>
     <p:extLst>
       <p:ext uri="{BB962C8B-B14F-4D97-AF65-F5344CB8AC3E}">
-        <p14:creationId xmlns:p14="http://schemas.microsoft.com/office/powerpoint/2010/main" val="2021694804"/>
+        <p14:creationId xmlns:p14="http://schemas.microsoft.com/office/powerpoint/2010/main" val="340456160"/>
       </p:ext>
     </p:extLst>
   </p:cSld>
@@ -15234,121 +15114,168 @@
               <a:buNone/>
             </a:pPr>
             <a:r>
+              <a:rPr lang="de-DE" b="1" dirty="0" err="1"/>
+              <a:t>Kubectl</a:t>
+            </a:r>
+            <a:endParaRPr lang="de-DE" b="1" dirty="0"/>
+          </a:p>
+          <a:p>
+            <a:pPr>
+              <a:buFont typeface="Arial" panose="020B0604020202020204" pitchFamily="34" charset="0"/>
+              <a:buChar char="•"/>
+            </a:pPr>
+            <a:r>
+              <a:rPr lang="de-DE" dirty="0" err="1"/>
+              <a:t>Commandline</a:t>
+            </a:r>
+            <a:r>
+              <a:rPr lang="de-DE" dirty="0"/>
+              <a:t>-Tool, um den API-Server eines Clusters anzusprechen</a:t>
+            </a:r>
+          </a:p>
+          <a:p>
+            <a:pPr marL="0" indent="0">
+              <a:buNone/>
+            </a:pPr>
+            <a:endParaRPr lang="de-DE" dirty="0"/>
+          </a:p>
+          <a:p>
+            <a:pPr marL="0" indent="0">
+              <a:buNone/>
+            </a:pPr>
+            <a:r>
               <a:rPr lang="de-DE" b="1" dirty="0"/>
-              <a:t>Aufgabe: Update mittels </a:t>
-            </a:r>
-            <a:r>
-              <a:rPr lang="de-DE" b="1" dirty="0" err="1"/>
-              <a:t>GitOps</a:t>
-            </a:r>
+              <a:t>Laden einer Konfigurationsdatei</a:t>
+            </a:r>
+          </a:p>
+          <a:p>
+            <a:pPr>
+              <a:buFont typeface="Arial" panose="020B0604020202020204" pitchFamily="34" charset="0"/>
+              <a:buChar char="•"/>
+            </a:pPr>
+            <a:r>
+              <a:rPr lang="de-DE" dirty="0" err="1"/>
+              <a:t>kubectl</a:t>
+            </a:r>
+            <a:r>
+              <a:rPr lang="de-DE" dirty="0"/>
+              <a:t> </a:t>
+            </a:r>
+            <a:r>
+              <a:rPr lang="de-DE" dirty="0" err="1"/>
+              <a:t>apply</a:t>
+            </a:r>
+            <a:endParaRPr lang="de-DE" dirty="0"/>
+          </a:p>
+          <a:p>
+            <a:pPr marL="0" indent="0">
+              <a:buNone/>
+            </a:pPr>
             <a:endParaRPr lang="de-DE" b="1" dirty="0"/>
           </a:p>
           <a:p>
+            <a:pPr marL="0" indent="0">
+              <a:buNone/>
+            </a:pPr>
+            <a:r>
+              <a:rPr lang="de-DE" b="1" dirty="0"/>
+              <a:t>Status abfragen</a:t>
+            </a:r>
+          </a:p>
+          <a:p>
             <a:pPr>
               <a:buFont typeface="Arial" panose="020B0604020202020204" pitchFamily="34" charset="0"/>
               <a:buChar char="•"/>
             </a:pPr>
             <a:r>
-              <a:rPr lang="de-DE" dirty="0"/>
-              <a:t>Ändern Sie den tag des Containers auf v2</a:t>
-            </a:r>
-          </a:p>
-          <a:p>
-            <a:pPr lvl="1">
+              <a:rPr lang="de-DE" dirty="0" err="1"/>
+              <a:t>kubectl</a:t>
+            </a:r>
+            <a:r>
+              <a:rPr lang="de-DE" dirty="0"/>
+              <a:t> </a:t>
+            </a:r>
+            <a:r>
+              <a:rPr lang="de-DE" dirty="0" err="1"/>
+              <a:t>get</a:t>
+            </a:r>
+            <a:r>
+              <a:rPr lang="de-DE" dirty="0"/>
+              <a:t> all</a:t>
+            </a:r>
+          </a:p>
+          <a:p>
+            <a:pPr>
               <a:buFont typeface="Arial" panose="020B0604020202020204" pitchFamily="34" charset="0"/>
               <a:buChar char="•"/>
             </a:pPr>
             <a:r>
-              <a:rPr lang="de-DE" dirty="0"/>
-              <a:t>Ändern in .</a:t>
-            </a:r>
-            <a:r>
               <a:rPr lang="de-DE" dirty="0" err="1"/>
-              <a:t>gitlab-ci.yml</a:t>
-            </a:r>
+              <a:t>kubectl</a:t>
+            </a:r>
+            <a:r>
+              <a:rPr lang="de-DE" dirty="0"/>
+              <a:t> </a:t>
+            </a:r>
+            <a:r>
+              <a:rPr lang="de-DE" dirty="0" err="1"/>
+              <a:t>describe</a:t>
+            </a:r>
+            <a:r>
+              <a:rPr lang="de-DE" dirty="0"/>
+              <a:t> </a:t>
+            </a:r>
+            <a:r>
+              <a:rPr lang="de-DE" dirty="0" err="1"/>
+              <a:t>pod</a:t>
+            </a:r>
+            <a:r>
+              <a:rPr lang="de-DE" dirty="0"/>
+              <a:t> &lt;</a:t>
+            </a:r>
+            <a:r>
+              <a:rPr lang="de-DE" dirty="0" err="1"/>
+              <a:t>pod_name</a:t>
+            </a:r>
+            <a:r>
+              <a:rPr lang="de-DE" dirty="0"/>
+              <a:t>&gt;</a:t>
+            </a:r>
+          </a:p>
+          <a:p>
+            <a:pPr marL="0" indent="0">
+              <a:buNone/>
+            </a:pPr>
             <a:endParaRPr lang="de-DE" dirty="0"/>
           </a:p>
           <a:p>
-            <a:pPr lvl="1">
+            <a:pPr marL="0" indent="0">
+              <a:buNone/>
+            </a:pPr>
+            <a:endParaRPr lang="de-DE" dirty="0"/>
+          </a:p>
+          <a:p>
+            <a:pPr>
               <a:buFont typeface="Arial" panose="020B0604020202020204" pitchFamily="34" charset="0"/>
               <a:buChar char="•"/>
             </a:pPr>
-            <a:r>
-              <a:rPr lang="de-DE" dirty="0"/>
-              <a:t>Ändern in </a:t>
-            </a:r>
-            <a:r>
-              <a:rPr lang="de-DE" dirty="0" err="1"/>
-              <a:t>manifests</a:t>
-            </a:r>
-            <a:r>
-              <a:rPr lang="de-DE" dirty="0"/>
-              <a:t>/</a:t>
-            </a:r>
-            <a:r>
-              <a:rPr lang="de-DE" dirty="0" err="1"/>
-              <a:t>app.yaml</a:t>
-            </a:r>
             <a:endParaRPr lang="de-DE" dirty="0"/>
           </a:p>
           <a:p>
-            <a:pPr>
-              <a:buFont typeface="Arial" panose="020B0604020202020204" pitchFamily="34" charset="0"/>
-              <a:buChar char="•"/>
-            </a:pPr>
-            <a:r>
-              <a:rPr lang="de-DE" dirty="0"/>
-              <a:t>Ändern Sie die Nachricht in server.js zu „Hello New World“</a:t>
-            </a:r>
-          </a:p>
-          <a:p>
-            <a:pPr>
-              <a:buFont typeface="Arial" panose="020B0604020202020204" pitchFamily="34" charset="0"/>
-              <a:buChar char="•"/>
-            </a:pPr>
-            <a:r>
-              <a:rPr lang="de-DE" dirty="0"/>
-              <a:t>Pushen Sie ihre Änderungen zum </a:t>
-            </a:r>
-            <a:r>
-              <a:rPr lang="de-DE" dirty="0" err="1"/>
-              <a:t>git</a:t>
-            </a:r>
-            <a:r>
-              <a:rPr lang="de-DE" dirty="0"/>
-              <a:t> remote.</a:t>
-            </a:r>
-          </a:p>
-          <a:p>
-            <a:pPr>
-              <a:buFont typeface="Arial" panose="020B0604020202020204" pitchFamily="34" charset="0"/>
-              <a:buChar char="•"/>
-            </a:pPr>
-            <a:r>
-              <a:rPr lang="de-DE" dirty="0"/>
-              <a:t>Prüfen sie den Status von </a:t>
-            </a:r>
-            <a:r>
-              <a:rPr lang="de-DE" dirty="0" err="1"/>
-              <a:t>Flux</a:t>
-            </a:r>
-            <a:r>
-              <a:rPr lang="de-DE" dirty="0"/>
-              <a:t>, </a:t>
-            </a:r>
-            <a:r>
-              <a:rPr lang="de-DE" dirty="0" err="1"/>
-              <a:t>Kubernetes</a:t>
-            </a:r>
-            <a:r>
-              <a:rPr lang="de-DE" dirty="0"/>
-              <a:t> und Server</a:t>
-            </a:r>
-          </a:p>
-          <a:p>
-            <a:pPr lvl="1">
-              <a:buFont typeface="Arial" panose="020B0604020202020204" pitchFamily="34" charset="0"/>
-              <a:buChar char="•"/>
+            <a:pPr marL="0" indent="0">
+              <a:buNone/>
+            </a:pPr>
+            <a:endParaRPr lang="de-DE" dirty="0"/>
+          </a:p>
+          <a:p>
+            <a:pPr marL="0" indent="0">
+              <a:buNone/>
+            </a:pPr>
+            <a:endParaRPr lang="de-DE" dirty="0"/>
+          </a:p>
+          <a:p>
+            <a:pPr marL="0" indent="0">
+              <a:buNone/>
             </a:pPr>
             <a:endParaRPr lang="de-DE" dirty="0"/>
           </a:p>
@@ -15357,7 +15284,7 @@
     </p:spTree>
     <p:extLst>
       <p:ext uri="{BB962C8B-B14F-4D97-AF65-F5344CB8AC3E}">
-        <p14:creationId xmlns:p14="http://schemas.microsoft.com/office/powerpoint/2010/main" val="3156084334"/>
+        <p14:creationId xmlns:p14="http://schemas.microsoft.com/office/powerpoint/2010/main" val="179632655"/>
       </p:ext>
     </p:extLst>
   </p:cSld>
@@ -15386,10 +15313,10 @@
       </p:grpSpPr>
       <p:sp>
         <p:nvSpPr>
-          <p:cNvPr id="2" name="Titel 1">
+          <p:cNvPr id="4" name="Titel 3">
             <a:extLst>
               <a:ext uri="{FF2B5EF4-FFF2-40B4-BE49-F238E27FC236}">
-                <a16:creationId xmlns:a16="http://schemas.microsoft.com/office/drawing/2014/main" id="{6852D978-9DF5-1E6A-F50B-0CA32EA8DAC7}"/>
+                <a16:creationId xmlns:a16="http://schemas.microsoft.com/office/drawing/2014/main" id="{DE2E2438-F7AB-FA72-F879-96DF03F462F1}"/>
               </a:ext>
             </a:extLst>
           </p:cNvPr>
@@ -15406,52 +15333,185 @@
           <a:lstStyle/>
           <a:p>
             <a:r>
-              <a:rPr lang="de-DE" dirty="0" err="1"/>
+              <a:rPr lang="en-US" dirty="0" err="1"/>
               <a:t>GitOps</a:t>
             </a:r>
             <a:endParaRPr lang="de-DE" dirty="0"/>
           </a:p>
         </p:txBody>
       </p:sp>
-      <p:pic>
-        <p:nvPicPr>
+      <p:sp>
+        <p:nvSpPr>
           <p:cNvPr id="5" name="Inhaltsplatzhalter 4">
             <a:extLst>
               <a:ext uri="{FF2B5EF4-FFF2-40B4-BE49-F238E27FC236}">
-                <a16:creationId xmlns:a16="http://schemas.microsoft.com/office/drawing/2014/main" id="{37FD0FEF-8FFD-7132-377A-BD8E8097BBE0}"/>
+                <a16:creationId xmlns:a16="http://schemas.microsoft.com/office/drawing/2014/main" id="{CEE3422D-D918-7E84-8C4D-561B54190ECC}"/>
               </a:ext>
             </a:extLst>
           </p:cNvPr>
-          <p:cNvPicPr>
-            <a:picLocks noGrp="1" noChangeAspect="1"/>
-          </p:cNvPicPr>
+          <p:cNvSpPr>
+            <a:spLocks noGrp="1"/>
+          </p:cNvSpPr>
           <p:nvPr>
             <p:ph idx="1"/>
           </p:nvPr>
-        </p:nvPicPr>
-        <p:blipFill>
-          <a:blip r:embed="rId3">
-            <a:extLst>
-              <a:ext uri="{28A0092B-C50C-407E-A947-70E740481C1C}">
-                <a14:useLocalDpi xmlns:a14="http://schemas.microsoft.com/office/drawing/2010/main" val="0"/>
-              </a:ext>
-            </a:extLst>
-          </a:blip>
-          <a:stretch>
-            <a:fillRect/>
-          </a:stretch>
-        </p:blipFill>
-        <p:spPr>
-          <a:xfrm>
-            <a:off x="332581" y="1300162"/>
-            <a:ext cx="8458200" cy="4762500"/>
-          </a:xfrm>
-        </p:spPr>
-      </p:pic>
+        </p:nvSpPr>
+        <p:spPr/>
+        <p:txBody>
+          <a:bodyPr/>
+          <a:lstStyle/>
+          <a:p>
+            <a:pPr marL="0" indent="0">
+              <a:buNone/>
+            </a:pPr>
+            <a:r>
+              <a:rPr lang="de-DE" b="1" dirty="0" err="1"/>
+              <a:t>Flux</a:t>
+            </a:r>
+            <a:endParaRPr lang="de-DE" b="1" dirty="0"/>
+          </a:p>
+          <a:p>
+            <a:pPr>
+              <a:buFont typeface="Arial" panose="020B0604020202020204" pitchFamily="34" charset="0"/>
+              <a:buChar char="•"/>
+            </a:pPr>
+            <a:r>
+              <a:rPr lang="de-DE" dirty="0"/>
+              <a:t>Open Source </a:t>
+            </a:r>
+            <a:r>
+              <a:rPr lang="de-DE" dirty="0" err="1"/>
+              <a:t>GitOps</a:t>
+            </a:r>
+            <a:r>
+              <a:rPr lang="de-DE" dirty="0"/>
+              <a:t>-Tool für </a:t>
+            </a:r>
+            <a:r>
+              <a:rPr lang="de-DE" dirty="0" err="1"/>
+              <a:t>Kubernetes</a:t>
+            </a:r>
+            <a:endParaRPr lang="de-DE" dirty="0"/>
+          </a:p>
+          <a:p>
+            <a:pPr>
+              <a:buFont typeface="Arial" panose="020B0604020202020204" pitchFamily="34" charset="0"/>
+              <a:buChar char="•"/>
+            </a:pPr>
+            <a:r>
+              <a:rPr lang="de-DE" dirty="0"/>
+              <a:t>Veröffentlicht 2023</a:t>
+            </a:r>
+          </a:p>
+          <a:p>
+            <a:pPr marL="0" indent="0">
+              <a:buNone/>
+            </a:pPr>
+            <a:endParaRPr lang="de-DE" dirty="0"/>
+          </a:p>
+          <a:p>
+            <a:pPr marL="0" indent="0">
+              <a:buNone/>
+            </a:pPr>
+            <a:r>
+              <a:rPr lang="de-DE" b="1" dirty="0"/>
+              <a:t>Funktionsweise (Beispiel)</a:t>
+            </a:r>
+          </a:p>
+          <a:p>
+            <a:pPr>
+              <a:buFont typeface="Arial" panose="020B0604020202020204" pitchFamily="34" charset="0"/>
+              <a:buChar char="•"/>
+            </a:pPr>
+            <a:r>
+              <a:rPr lang="de-DE" dirty="0"/>
+              <a:t>Lädt eine Anwendung in einen </a:t>
+            </a:r>
+            <a:r>
+              <a:rPr lang="de-DE" dirty="0" err="1"/>
+              <a:t>Kubernetes</a:t>
+            </a:r>
+            <a:r>
+              <a:rPr lang="de-DE" dirty="0"/>
+              <a:t>-Cluster basierend auf allen Konfigurationsdateien in einem </a:t>
+            </a:r>
+            <a:r>
+              <a:rPr lang="de-DE" dirty="0" err="1"/>
+              <a:t>Git</a:t>
+            </a:r>
+            <a:r>
+              <a:rPr lang="de-DE" dirty="0"/>
+              <a:t>-Repository (Bootstrap)</a:t>
+            </a:r>
+          </a:p>
+          <a:p>
+            <a:pPr>
+              <a:buFont typeface="Arial" panose="020B0604020202020204" pitchFamily="34" charset="0"/>
+              <a:buChar char="•"/>
+            </a:pPr>
+            <a:r>
+              <a:rPr lang="de-DE" dirty="0"/>
+              <a:t>Lauscht auf Veränderungen im Repository und wendet diese automatisch im Cluster an -&gt; </a:t>
+            </a:r>
+            <a:r>
+              <a:rPr lang="de-DE" dirty="0" err="1"/>
+              <a:t>GitOps</a:t>
+            </a:r>
+            <a:r>
+              <a:rPr lang="de-DE" dirty="0"/>
+              <a:t>-Operator</a:t>
+            </a:r>
+          </a:p>
+          <a:p>
+            <a:pPr>
+              <a:buFont typeface="Arial" panose="020B0604020202020204" pitchFamily="34" charset="0"/>
+              <a:buChar char="•"/>
+            </a:pPr>
+            <a:endParaRPr lang="de-DE" dirty="0"/>
+          </a:p>
+          <a:p>
+            <a:pPr marL="0" indent="0">
+              <a:buNone/>
+            </a:pPr>
+            <a:endParaRPr lang="de-DE" dirty="0"/>
+          </a:p>
+          <a:p>
+            <a:pPr marL="0" indent="0">
+              <a:buNone/>
+            </a:pPr>
+            <a:endParaRPr lang="de-DE" dirty="0"/>
+          </a:p>
+          <a:p>
+            <a:pPr>
+              <a:buFont typeface="Arial" panose="020B0604020202020204" pitchFamily="34" charset="0"/>
+              <a:buChar char="•"/>
+            </a:pPr>
+            <a:endParaRPr lang="de-DE" dirty="0"/>
+          </a:p>
+          <a:p>
+            <a:pPr marL="0" indent="0">
+              <a:buNone/>
+            </a:pPr>
+            <a:endParaRPr lang="de-DE" dirty="0"/>
+          </a:p>
+          <a:p>
+            <a:pPr marL="0" indent="0">
+              <a:buNone/>
+            </a:pPr>
+            <a:endParaRPr lang="de-DE" dirty="0"/>
+          </a:p>
+          <a:p>
+            <a:pPr marL="0" indent="0">
+              <a:buNone/>
+            </a:pPr>
+            <a:endParaRPr lang="de-DE" dirty="0"/>
+          </a:p>
+        </p:txBody>
+      </p:sp>
     </p:spTree>
     <p:extLst>
       <p:ext uri="{BB962C8B-B14F-4D97-AF65-F5344CB8AC3E}">
-        <p14:creationId xmlns:p14="http://schemas.microsoft.com/office/powerpoint/2010/main" val="3210427694"/>
+        <p14:creationId xmlns:p14="http://schemas.microsoft.com/office/powerpoint/2010/main" val="634034290"/>
       </p:ext>
     </p:extLst>
   </p:cSld>
@@ -15480,6 +15540,2434 @@
       </p:grpSpPr>
       <p:sp>
         <p:nvSpPr>
+          <p:cNvPr id="4" name="Titel 3">
+            <a:extLst>
+              <a:ext uri="{FF2B5EF4-FFF2-40B4-BE49-F238E27FC236}">
+                <a16:creationId xmlns:a16="http://schemas.microsoft.com/office/drawing/2014/main" id="{DE2E2438-F7AB-FA72-F879-96DF03F462F1}"/>
+              </a:ext>
+            </a:extLst>
+          </p:cNvPr>
+          <p:cNvSpPr>
+            <a:spLocks noGrp="1"/>
+          </p:cNvSpPr>
+          <p:nvPr>
+            <p:ph type="title"/>
+          </p:nvPr>
+        </p:nvSpPr>
+        <p:spPr/>
+        <p:txBody>
+          <a:bodyPr/>
+          <a:lstStyle/>
+          <a:p>
+            <a:r>
+              <a:rPr lang="en-US" dirty="0" err="1"/>
+              <a:t>GitOps</a:t>
+            </a:r>
+            <a:endParaRPr lang="de-DE" dirty="0"/>
+          </a:p>
+        </p:txBody>
+      </p:sp>
+      <p:sp>
+        <p:nvSpPr>
+          <p:cNvPr id="5" name="Inhaltsplatzhalter 4">
+            <a:extLst>
+              <a:ext uri="{FF2B5EF4-FFF2-40B4-BE49-F238E27FC236}">
+                <a16:creationId xmlns:a16="http://schemas.microsoft.com/office/drawing/2014/main" id="{CEE3422D-D918-7E84-8C4D-561B54190ECC}"/>
+              </a:ext>
+            </a:extLst>
+          </p:cNvPr>
+          <p:cNvSpPr>
+            <a:spLocks noGrp="1"/>
+          </p:cNvSpPr>
+          <p:nvPr>
+            <p:ph idx="1"/>
+          </p:nvPr>
+        </p:nvSpPr>
+        <p:spPr/>
+        <p:txBody>
+          <a:bodyPr/>
+          <a:lstStyle/>
+          <a:p>
+            <a:pPr marL="0" indent="0">
+              <a:buNone/>
+            </a:pPr>
+            <a:r>
+              <a:rPr lang="de-DE" b="1" dirty="0"/>
+              <a:t>Setup für die Aufgabe</a:t>
+            </a:r>
+            <a:endParaRPr lang="en-US" b="1" dirty="0"/>
+          </a:p>
+          <a:p>
+            <a:pPr marL="0" indent="0">
+              <a:buNone/>
+            </a:pPr>
+            <a:endParaRPr lang="en-US" b="1" dirty="0"/>
+          </a:p>
+          <a:p>
+            <a:pPr marL="0" indent="0">
+              <a:buNone/>
+            </a:pPr>
+            <a:r>
+              <a:rPr lang="en-US" b="1" dirty="0"/>
+              <a:t>Flux </a:t>
+            </a:r>
+            <a:r>
+              <a:rPr lang="en-US" b="1" dirty="0" err="1"/>
+              <a:t>installieren</a:t>
+            </a:r>
+            <a:endParaRPr lang="de-DE" b="1" dirty="0"/>
+          </a:p>
+          <a:p>
+            <a:pPr>
+              <a:buFont typeface="Arial" panose="020B0604020202020204" pitchFamily="34" charset="0"/>
+              <a:buChar char="•"/>
+            </a:pPr>
+            <a:r>
+              <a:rPr lang="de-DE" dirty="0"/>
+              <a:t>Installationsanweisung auf der Webseite</a:t>
+            </a:r>
+          </a:p>
+          <a:p>
+            <a:pPr lvl="1">
+              <a:buFont typeface="Arial" panose="020B0604020202020204" pitchFamily="34" charset="0"/>
+              <a:buChar char="•"/>
+            </a:pPr>
+            <a:r>
+              <a:rPr lang="de-DE" dirty="0">
+                <a:hlinkClick r:id="rId2"/>
+              </a:rPr>
+              <a:t>https://fluxcd.io/flux/installation/</a:t>
+            </a:r>
+            <a:r>
+              <a:rPr lang="de-DE" dirty="0"/>
+              <a:t> </a:t>
+            </a:r>
+          </a:p>
+          <a:p>
+            <a:pPr lvl="1">
+              <a:buFont typeface="Arial" panose="020B0604020202020204" pitchFamily="34" charset="0"/>
+              <a:buChar char="•"/>
+            </a:pPr>
+            <a:r>
+              <a:rPr lang="de-DE" dirty="0"/>
+              <a:t>Für Windows PowerShell </a:t>
+            </a:r>
+            <a:r>
+              <a:rPr lang="de-DE" dirty="0" err="1"/>
+              <a:t>Chocolatey</a:t>
+            </a:r>
+            <a:r>
+              <a:rPr lang="de-DE" dirty="0"/>
+              <a:t> verwenden </a:t>
+            </a:r>
+          </a:p>
+          <a:p>
+            <a:pPr lvl="1">
+              <a:buFont typeface="Arial" panose="020B0604020202020204" pitchFamily="34" charset="0"/>
+              <a:buChar char="•"/>
+            </a:pPr>
+            <a:r>
+              <a:rPr lang="de-DE" dirty="0"/>
+              <a:t>Falls </a:t>
+            </a:r>
+            <a:r>
+              <a:rPr lang="de-DE" dirty="0" err="1"/>
+              <a:t>Chocolatey</a:t>
+            </a:r>
+            <a:r>
+              <a:rPr lang="de-DE" dirty="0"/>
+              <a:t> nicht in Ihrer PowerShell verfügbar ist, müssen Sie es zuerst installieren (</a:t>
+            </a:r>
+            <a:r>
+              <a:rPr lang="de-DE" dirty="0">
+                <a:hlinkClick r:id="rId3"/>
+              </a:rPr>
+              <a:t>https://chocolatey.org/install</a:t>
+            </a:r>
+            <a:r>
+              <a:rPr lang="de-DE" dirty="0"/>
+              <a:t>)</a:t>
+            </a:r>
+          </a:p>
+          <a:p>
+            <a:pPr lvl="1">
+              <a:buFont typeface="Arial" panose="020B0604020202020204" pitchFamily="34" charset="0"/>
+              <a:buChar char="•"/>
+            </a:pPr>
+            <a:endParaRPr lang="de-DE" dirty="0"/>
+          </a:p>
+          <a:p>
+            <a:pPr marL="0" indent="0">
+              <a:buNone/>
+            </a:pPr>
+            <a:r>
+              <a:rPr lang="en-US" b="1" dirty="0" err="1"/>
+              <a:t>Kubectl</a:t>
+            </a:r>
+            <a:r>
+              <a:rPr lang="en-US" b="1" dirty="0"/>
+              <a:t> </a:t>
+            </a:r>
+            <a:r>
+              <a:rPr lang="en-US" b="1" dirty="0" err="1"/>
+              <a:t>installieren</a:t>
+            </a:r>
+            <a:endParaRPr lang="de-DE" b="1" dirty="0"/>
+          </a:p>
+          <a:p>
+            <a:pPr>
+              <a:buFont typeface="Arial" panose="020B0604020202020204" pitchFamily="34" charset="0"/>
+              <a:buChar char="•"/>
+            </a:pPr>
+            <a:r>
+              <a:rPr lang="de-DE" dirty="0"/>
+              <a:t>Installationsanweisung auf der Webseite</a:t>
+            </a:r>
+          </a:p>
+          <a:p>
+            <a:pPr lvl="1">
+              <a:buFont typeface="Arial" panose="020B0604020202020204" pitchFamily="34" charset="0"/>
+              <a:buChar char="•"/>
+            </a:pPr>
+            <a:r>
+              <a:rPr lang="de-DE" dirty="0">
+                <a:hlinkClick r:id="rId4"/>
+              </a:rPr>
+              <a:t>https://kubernetes.io/docs/tasks/tools/</a:t>
+            </a:r>
+            <a:r>
+              <a:rPr lang="de-DE" dirty="0"/>
+              <a:t> </a:t>
+            </a:r>
+          </a:p>
+          <a:p>
+            <a:pPr lvl="1">
+              <a:buFont typeface="Arial" panose="020B0604020202020204" pitchFamily="34" charset="0"/>
+              <a:buChar char="•"/>
+            </a:pPr>
+            <a:endParaRPr lang="de-DE" dirty="0"/>
+          </a:p>
+          <a:p>
+            <a:pPr marL="457200" lvl="1" indent="0">
+              <a:buNone/>
+            </a:pPr>
+            <a:endParaRPr lang="de-DE" dirty="0"/>
+          </a:p>
+          <a:p>
+            <a:pPr lvl="1">
+              <a:buFont typeface="Arial" panose="020B0604020202020204" pitchFamily="34" charset="0"/>
+              <a:buChar char="•"/>
+            </a:pPr>
+            <a:endParaRPr lang="de-DE" dirty="0"/>
+          </a:p>
+        </p:txBody>
+      </p:sp>
+    </p:spTree>
+    <p:extLst>
+      <p:ext uri="{BB962C8B-B14F-4D97-AF65-F5344CB8AC3E}">
+        <p14:creationId xmlns:p14="http://schemas.microsoft.com/office/powerpoint/2010/main" val="4282903927"/>
+      </p:ext>
+    </p:extLst>
+  </p:cSld>
+  <p:clrMapOvr>
+    <a:masterClrMapping/>
+  </p:clrMapOvr>
+</p:sld>
+</file>
+
+<file path=ppt/slides/slide33.xml><?xml version="1.0" encoding="utf-8"?>
+<p:sld xmlns:a="http://schemas.openxmlformats.org/drawingml/2006/main" xmlns:r="http://schemas.openxmlformats.org/officeDocument/2006/relationships" xmlns:p="http://schemas.openxmlformats.org/presentationml/2006/main">
+  <p:cSld>
+    <p:spTree>
+      <p:nvGrpSpPr>
+        <p:cNvPr id="1" name=""/>
+        <p:cNvGrpSpPr/>
+        <p:nvPr/>
+      </p:nvGrpSpPr>
+      <p:grpSpPr>
+        <a:xfrm>
+          <a:off x="0" y="0"/>
+          <a:ext cx="0" cy="0"/>
+          <a:chOff x="0" y="0"/>
+          <a:chExt cx="0" cy="0"/>
+        </a:xfrm>
+      </p:grpSpPr>
+      <p:sp>
+        <p:nvSpPr>
+          <p:cNvPr id="4" name="Titel 3">
+            <a:extLst>
+              <a:ext uri="{FF2B5EF4-FFF2-40B4-BE49-F238E27FC236}">
+                <a16:creationId xmlns:a16="http://schemas.microsoft.com/office/drawing/2014/main" id="{DE2E2438-F7AB-FA72-F879-96DF03F462F1}"/>
+              </a:ext>
+            </a:extLst>
+          </p:cNvPr>
+          <p:cNvSpPr>
+            <a:spLocks noGrp="1"/>
+          </p:cNvSpPr>
+          <p:nvPr>
+            <p:ph type="title"/>
+          </p:nvPr>
+        </p:nvSpPr>
+        <p:spPr/>
+        <p:txBody>
+          <a:bodyPr/>
+          <a:lstStyle/>
+          <a:p>
+            <a:r>
+              <a:rPr lang="en-US" dirty="0" err="1"/>
+              <a:t>GitOps</a:t>
+            </a:r>
+            <a:endParaRPr lang="de-DE" dirty="0"/>
+          </a:p>
+        </p:txBody>
+      </p:sp>
+      <p:sp>
+        <p:nvSpPr>
+          <p:cNvPr id="5" name="Inhaltsplatzhalter 4">
+            <a:extLst>
+              <a:ext uri="{FF2B5EF4-FFF2-40B4-BE49-F238E27FC236}">
+                <a16:creationId xmlns:a16="http://schemas.microsoft.com/office/drawing/2014/main" id="{CEE3422D-D918-7E84-8C4D-561B54190ECC}"/>
+              </a:ext>
+            </a:extLst>
+          </p:cNvPr>
+          <p:cNvSpPr>
+            <a:spLocks noGrp="1"/>
+          </p:cNvSpPr>
+          <p:nvPr>
+            <p:ph idx="1"/>
+          </p:nvPr>
+        </p:nvSpPr>
+        <p:spPr/>
+        <p:txBody>
+          <a:bodyPr/>
+          <a:lstStyle/>
+          <a:p>
+            <a:pPr marL="0" indent="0">
+              <a:buNone/>
+            </a:pPr>
+            <a:r>
+              <a:rPr lang="de-DE" b="1" dirty="0" err="1"/>
+              <a:t>Kubernetes</a:t>
+            </a:r>
+            <a:r>
+              <a:rPr lang="de-DE" b="1" dirty="0"/>
+              <a:t> Cluster in Docker </a:t>
+            </a:r>
+            <a:r>
+              <a:rPr lang="de-DE" b="1" dirty="0" err="1"/>
+              <a:t>for</a:t>
+            </a:r>
+            <a:r>
+              <a:rPr lang="de-DE" b="1" dirty="0"/>
+              <a:t> Desktop aktivieren</a:t>
+            </a:r>
+          </a:p>
+          <a:p>
+            <a:pPr>
+              <a:buFont typeface="Arial" panose="020B0604020202020204" pitchFamily="34" charset="0"/>
+              <a:buChar char="•"/>
+            </a:pPr>
+            <a:r>
+              <a:rPr lang="de-DE" dirty="0"/>
+              <a:t>In Settings :</a:t>
+            </a:r>
+          </a:p>
+        </p:txBody>
+      </p:sp>
+      <p:pic>
+        <p:nvPicPr>
+          <p:cNvPr id="3" name="Grafik 2" descr="Ein Bild, das Text, Screenshot, Schrift, Zahl enthält.&#10;&#10;Automatisch generierte Beschreibung">
+            <a:extLst>
+              <a:ext uri="{FF2B5EF4-FFF2-40B4-BE49-F238E27FC236}">
+                <a16:creationId xmlns:a16="http://schemas.microsoft.com/office/drawing/2014/main" id="{A92B9147-8814-E930-92D8-745254A9E4BD}"/>
+              </a:ext>
+            </a:extLst>
+          </p:cNvPr>
+          <p:cNvPicPr>
+            <a:picLocks noChangeAspect="1"/>
+          </p:cNvPicPr>
+          <p:nvPr/>
+        </p:nvPicPr>
+        <p:blipFill>
+          <a:blip r:embed="rId2">
+            <a:extLst>
+              <a:ext uri="{28A0092B-C50C-407E-A947-70E740481C1C}">
+                <a14:useLocalDpi xmlns:a14="http://schemas.microsoft.com/office/drawing/2010/main" val="0"/>
+              </a:ext>
+            </a:extLst>
+          </a:blip>
+          <a:stretch>
+            <a:fillRect/>
+          </a:stretch>
+        </p:blipFill>
+        <p:spPr>
+          <a:xfrm>
+            <a:off x="862012" y="2119312"/>
+            <a:ext cx="7419975" cy="2619375"/>
+          </a:xfrm>
+          <a:prstGeom prst="rect">
+            <a:avLst/>
+          </a:prstGeom>
+        </p:spPr>
+      </p:pic>
+    </p:spTree>
+    <p:extLst>
+      <p:ext uri="{BB962C8B-B14F-4D97-AF65-F5344CB8AC3E}">
+        <p14:creationId xmlns:p14="http://schemas.microsoft.com/office/powerpoint/2010/main" val="1344562929"/>
+      </p:ext>
+    </p:extLst>
+  </p:cSld>
+  <p:clrMapOvr>
+    <a:masterClrMapping/>
+  </p:clrMapOvr>
+</p:sld>
+</file>
+
+<file path=ppt/slides/slide34.xml><?xml version="1.0" encoding="utf-8"?>
+<p:sld xmlns:a="http://schemas.openxmlformats.org/drawingml/2006/main" xmlns:r="http://schemas.openxmlformats.org/officeDocument/2006/relationships" xmlns:p="http://schemas.openxmlformats.org/presentationml/2006/main">
+  <p:cSld>
+    <p:spTree>
+      <p:nvGrpSpPr>
+        <p:cNvPr id="1" name=""/>
+        <p:cNvGrpSpPr/>
+        <p:nvPr/>
+      </p:nvGrpSpPr>
+      <p:grpSpPr>
+        <a:xfrm>
+          <a:off x="0" y="0"/>
+          <a:ext cx="0" cy="0"/>
+          <a:chOff x="0" y="0"/>
+          <a:chExt cx="0" cy="0"/>
+        </a:xfrm>
+      </p:grpSpPr>
+      <p:sp>
+        <p:nvSpPr>
+          <p:cNvPr id="4" name="Titel 3">
+            <a:extLst>
+              <a:ext uri="{FF2B5EF4-FFF2-40B4-BE49-F238E27FC236}">
+                <a16:creationId xmlns:a16="http://schemas.microsoft.com/office/drawing/2014/main" id="{DE2E2438-F7AB-FA72-F879-96DF03F462F1}"/>
+              </a:ext>
+            </a:extLst>
+          </p:cNvPr>
+          <p:cNvSpPr>
+            <a:spLocks noGrp="1"/>
+          </p:cNvSpPr>
+          <p:nvPr>
+            <p:ph type="title"/>
+          </p:nvPr>
+        </p:nvSpPr>
+        <p:spPr/>
+        <p:txBody>
+          <a:bodyPr/>
+          <a:lstStyle/>
+          <a:p>
+            <a:r>
+              <a:rPr lang="en-US" dirty="0" err="1"/>
+              <a:t>GitOps</a:t>
+            </a:r>
+            <a:endParaRPr lang="de-DE" dirty="0"/>
+          </a:p>
+        </p:txBody>
+      </p:sp>
+      <p:sp>
+        <p:nvSpPr>
+          <p:cNvPr id="5" name="Inhaltsplatzhalter 4">
+            <a:extLst>
+              <a:ext uri="{FF2B5EF4-FFF2-40B4-BE49-F238E27FC236}">
+                <a16:creationId xmlns:a16="http://schemas.microsoft.com/office/drawing/2014/main" id="{CEE3422D-D918-7E84-8C4D-561B54190ECC}"/>
+              </a:ext>
+            </a:extLst>
+          </p:cNvPr>
+          <p:cNvSpPr>
+            <a:spLocks noGrp="1"/>
+          </p:cNvSpPr>
+          <p:nvPr>
+            <p:ph idx="1"/>
+          </p:nvPr>
+        </p:nvSpPr>
+        <p:spPr/>
+        <p:txBody>
+          <a:bodyPr/>
+          <a:lstStyle/>
+          <a:p>
+            <a:pPr marL="0" indent="0">
+              <a:buNone/>
+            </a:pPr>
+            <a:r>
+              <a:rPr lang="de-DE" b="1" dirty="0"/>
+              <a:t>Deploy Token in Cluster Secret hinterlegen</a:t>
+            </a:r>
+          </a:p>
+          <a:p>
+            <a:pPr>
+              <a:buFont typeface="Arial" panose="020B0604020202020204" pitchFamily="34" charset="0"/>
+              <a:buChar char="•"/>
+            </a:pPr>
+            <a:r>
+              <a:rPr lang="de-DE" dirty="0"/>
+              <a:t>Erstellen Sie sich ein Repository in </a:t>
+            </a:r>
+            <a:r>
+              <a:rPr lang="de-DE" dirty="0" err="1"/>
+              <a:t>Gitlab</a:t>
+            </a:r>
+            <a:endParaRPr lang="de-DE" dirty="0"/>
+          </a:p>
+          <a:p>
+            <a:pPr>
+              <a:buFont typeface="Arial" panose="020B0604020202020204" pitchFamily="34" charset="0"/>
+              <a:buChar char="•"/>
+            </a:pPr>
+            <a:r>
+              <a:rPr lang="de-DE" dirty="0"/>
+              <a:t>Deploy Token in </a:t>
+            </a:r>
+            <a:r>
+              <a:rPr lang="de-DE" dirty="0" err="1"/>
+              <a:t>Gitlab</a:t>
+            </a:r>
+            <a:r>
+              <a:rPr lang="de-DE" dirty="0"/>
+              <a:t> für das Repository erstellen</a:t>
+            </a:r>
+          </a:p>
+          <a:p>
+            <a:pPr lvl="1">
+              <a:buFont typeface="Arial" panose="020B0604020202020204" pitchFamily="34" charset="0"/>
+              <a:buChar char="•"/>
+            </a:pPr>
+            <a:r>
+              <a:rPr lang="de-DE" dirty="0"/>
+              <a:t>Settings &gt; Repository &gt; Deploy Token</a:t>
+            </a:r>
+          </a:p>
+          <a:p>
+            <a:pPr lvl="1">
+              <a:buFont typeface="Arial" panose="020B0604020202020204" pitchFamily="34" charset="0"/>
+              <a:buChar char="•"/>
+            </a:pPr>
+            <a:r>
+              <a:rPr lang="de-DE" dirty="0" err="1"/>
+              <a:t>Permissions</a:t>
+            </a:r>
+            <a:r>
+              <a:rPr lang="de-DE" dirty="0"/>
+              <a:t> : </a:t>
+            </a:r>
+            <a:r>
+              <a:rPr lang="de-DE" dirty="0" err="1"/>
+              <a:t>read_registry</a:t>
+            </a:r>
+            <a:endParaRPr lang="de-DE" dirty="0"/>
+          </a:p>
+          <a:p>
+            <a:pPr lvl="1">
+              <a:buFont typeface="Arial" panose="020B0604020202020204" pitchFamily="34" charset="0"/>
+              <a:buChar char="•"/>
+            </a:pPr>
+            <a:endParaRPr lang="de-DE" dirty="0"/>
+          </a:p>
+          <a:p>
+            <a:pPr>
+              <a:buFont typeface="Arial" panose="020B0604020202020204" pitchFamily="34" charset="0"/>
+              <a:buChar char="•"/>
+            </a:pPr>
+            <a:r>
+              <a:rPr lang="de-DE" dirty="0"/>
+              <a:t>Secret zu </a:t>
+            </a:r>
+            <a:r>
+              <a:rPr lang="de-DE" dirty="0" err="1"/>
+              <a:t>kubernetes</a:t>
+            </a:r>
+            <a:r>
+              <a:rPr lang="de-DE" dirty="0"/>
+              <a:t> hinzufügen</a:t>
+            </a:r>
+          </a:p>
+          <a:p>
+            <a:pPr>
+              <a:buFont typeface="Arial" panose="020B0604020202020204" pitchFamily="34" charset="0"/>
+              <a:buChar char="•"/>
+            </a:pPr>
+            <a:endParaRPr lang="de-DE" dirty="0"/>
+          </a:p>
+          <a:p>
+            <a:pPr>
+              <a:buFont typeface="Arial" panose="020B0604020202020204" pitchFamily="34" charset="0"/>
+              <a:buChar char="•"/>
+            </a:pPr>
+            <a:endParaRPr lang="de-DE" dirty="0"/>
+          </a:p>
+          <a:p>
+            <a:pPr>
+              <a:buFont typeface="Arial" panose="020B0604020202020204" pitchFamily="34" charset="0"/>
+              <a:buChar char="•"/>
+            </a:pPr>
+            <a:endParaRPr lang="de-DE" dirty="0"/>
+          </a:p>
+          <a:p>
+            <a:pPr>
+              <a:buFont typeface="Arial" panose="020B0604020202020204" pitchFamily="34" charset="0"/>
+              <a:buChar char="•"/>
+            </a:pPr>
+            <a:endParaRPr lang="de-DE" dirty="0"/>
+          </a:p>
+          <a:p>
+            <a:pPr lvl="1">
+              <a:buFont typeface="Arial" panose="020B0604020202020204" pitchFamily="34" charset="0"/>
+              <a:buChar char="•"/>
+            </a:pPr>
+            <a:endParaRPr lang="de-DE" dirty="0"/>
+          </a:p>
+        </p:txBody>
+      </p:sp>
+      <p:sp>
+        <p:nvSpPr>
+          <p:cNvPr id="2" name="Textfeld 1">
+            <a:extLst>
+              <a:ext uri="{FF2B5EF4-FFF2-40B4-BE49-F238E27FC236}">
+                <a16:creationId xmlns:a16="http://schemas.microsoft.com/office/drawing/2014/main" id="{C1E58444-C66E-F900-1B32-CA158CD9E3EC}"/>
+              </a:ext>
+            </a:extLst>
+          </p:cNvPr>
+          <p:cNvSpPr txBox="1"/>
+          <p:nvPr/>
+        </p:nvSpPr>
+        <p:spPr bwMode="auto">
+          <a:xfrm>
+            <a:off x="611560" y="3933056"/>
+            <a:ext cx="8784976" cy="1569660"/>
+          </a:xfrm>
+          <a:prstGeom prst="rect">
+            <a:avLst/>
+          </a:prstGeom>
+          <a:noFill/>
+          <a:ln w="9525">
+            <a:noFill/>
+            <a:miter lim="800000"/>
+            <a:headEnd/>
+            <a:tailEnd/>
+          </a:ln>
+        </p:spPr>
+        <p:txBody>
+          <a:bodyPr wrap="square" rtlCol="0" anchor="ctr">
+            <a:spAutoFit/>
+          </a:bodyPr>
+          <a:lstStyle/>
+          <a:p>
+            <a:pPr eaLnBrk="1" hangingPunct="1"/>
+            <a:r>
+              <a:rPr lang="de-DE" dirty="0" err="1">
+                <a:latin typeface="Aptos" panose="020B0004020202020204" pitchFamily="34" charset="0"/>
+              </a:rPr>
+              <a:t>kubectl</a:t>
+            </a:r>
+            <a:r>
+              <a:rPr lang="de-DE" dirty="0">
+                <a:latin typeface="Aptos" panose="020B0004020202020204" pitchFamily="34" charset="0"/>
+              </a:rPr>
+              <a:t> </a:t>
+            </a:r>
+            <a:r>
+              <a:rPr lang="de-DE" dirty="0" err="1">
+                <a:latin typeface="Aptos" panose="020B0004020202020204" pitchFamily="34" charset="0"/>
+              </a:rPr>
+              <a:t>create</a:t>
+            </a:r>
+            <a:r>
+              <a:rPr lang="de-DE" dirty="0">
+                <a:latin typeface="Aptos" panose="020B0004020202020204" pitchFamily="34" charset="0"/>
+              </a:rPr>
+              <a:t> </a:t>
+            </a:r>
+            <a:r>
+              <a:rPr lang="de-DE" dirty="0" err="1">
+                <a:latin typeface="Aptos" panose="020B0004020202020204" pitchFamily="34" charset="0"/>
+              </a:rPr>
+              <a:t>secret</a:t>
+            </a:r>
+            <a:r>
+              <a:rPr lang="de-DE" dirty="0">
+                <a:latin typeface="Aptos" panose="020B0004020202020204" pitchFamily="34" charset="0"/>
+              </a:rPr>
+              <a:t> </a:t>
+            </a:r>
+            <a:r>
+              <a:rPr lang="de-DE" dirty="0" err="1">
+                <a:latin typeface="Aptos" panose="020B0004020202020204" pitchFamily="34" charset="0"/>
+              </a:rPr>
+              <a:t>docker-registry</a:t>
+            </a:r>
+            <a:r>
+              <a:rPr lang="de-DE" dirty="0">
+                <a:latin typeface="Aptos" panose="020B0004020202020204" pitchFamily="34" charset="0"/>
+              </a:rPr>
+              <a:t> </a:t>
+            </a:r>
+            <a:r>
+              <a:rPr lang="de-DE" dirty="0" err="1">
+                <a:latin typeface="Aptos" panose="020B0004020202020204" pitchFamily="34" charset="0"/>
+              </a:rPr>
+              <a:t>regcred</a:t>
+            </a:r>
+            <a:r>
+              <a:rPr lang="de-DE" dirty="0">
+                <a:latin typeface="Aptos" panose="020B0004020202020204" pitchFamily="34" charset="0"/>
+              </a:rPr>
+              <a:t> \</a:t>
+            </a:r>
+          </a:p>
+          <a:p>
+            <a:pPr eaLnBrk="1" hangingPunct="1"/>
+            <a:r>
+              <a:rPr lang="de-DE" dirty="0">
+                <a:latin typeface="Aptos" panose="020B0004020202020204" pitchFamily="34" charset="0"/>
+              </a:rPr>
+              <a:t>--docker-server=registry.gitlab.com \</a:t>
+            </a:r>
+          </a:p>
+          <a:p>
+            <a:pPr eaLnBrk="1" hangingPunct="1"/>
+            <a:r>
+              <a:rPr lang="de-DE" dirty="0">
+                <a:latin typeface="Aptos" panose="020B0004020202020204" pitchFamily="34" charset="0"/>
+              </a:rPr>
+              <a:t>--docker-</a:t>
+            </a:r>
+            <a:r>
+              <a:rPr lang="de-DE" dirty="0" err="1">
+                <a:latin typeface="Aptos" panose="020B0004020202020204" pitchFamily="34" charset="0"/>
+              </a:rPr>
+              <a:t>username</a:t>
+            </a:r>
+            <a:r>
+              <a:rPr lang="de-DE" dirty="0">
+                <a:latin typeface="Aptos" panose="020B0004020202020204" pitchFamily="34" charset="0"/>
+              </a:rPr>
+              <a:t>=&lt;deploy </a:t>
+            </a:r>
+            <a:r>
+              <a:rPr lang="de-DE" dirty="0" err="1">
+                <a:latin typeface="Aptos" panose="020B0004020202020204" pitchFamily="34" charset="0"/>
+              </a:rPr>
+              <a:t>token</a:t>
+            </a:r>
+            <a:r>
+              <a:rPr lang="de-DE" dirty="0">
+                <a:latin typeface="Aptos" panose="020B0004020202020204" pitchFamily="34" charset="0"/>
+              </a:rPr>
+              <a:t> user&gt; \</a:t>
+            </a:r>
+          </a:p>
+          <a:p>
+            <a:pPr eaLnBrk="1" hangingPunct="1"/>
+            <a:r>
+              <a:rPr lang="de-DE" dirty="0">
+                <a:latin typeface="Aptos" panose="020B0004020202020204" pitchFamily="34" charset="0"/>
+              </a:rPr>
+              <a:t>--docker-password="&lt;deploy </a:t>
+            </a:r>
+            <a:r>
+              <a:rPr lang="de-DE" dirty="0" err="1">
+                <a:latin typeface="Aptos" panose="020B0004020202020204" pitchFamily="34" charset="0"/>
+              </a:rPr>
+              <a:t>token</a:t>
+            </a:r>
+            <a:r>
+              <a:rPr lang="de-DE" dirty="0">
+                <a:latin typeface="Aptos" panose="020B0004020202020204" pitchFamily="34" charset="0"/>
+              </a:rPr>
+              <a:t> </a:t>
+            </a:r>
+            <a:r>
+              <a:rPr lang="de-DE" dirty="0" err="1">
+                <a:latin typeface="Aptos" panose="020B0004020202020204" pitchFamily="34" charset="0"/>
+              </a:rPr>
+              <a:t>password</a:t>
+            </a:r>
+            <a:r>
+              <a:rPr lang="de-DE" dirty="0">
+                <a:latin typeface="Aptos" panose="020B0004020202020204" pitchFamily="34" charset="0"/>
+              </a:rPr>
+              <a:t>&gt;"</a:t>
+            </a:r>
+          </a:p>
+        </p:txBody>
+      </p:sp>
+    </p:spTree>
+    <p:extLst>
+      <p:ext uri="{BB962C8B-B14F-4D97-AF65-F5344CB8AC3E}">
+        <p14:creationId xmlns:p14="http://schemas.microsoft.com/office/powerpoint/2010/main" val="1074516350"/>
+      </p:ext>
+    </p:extLst>
+  </p:cSld>
+  <p:clrMapOvr>
+    <a:masterClrMapping/>
+  </p:clrMapOvr>
+</p:sld>
+</file>
+
+<file path=ppt/slides/slide35.xml><?xml version="1.0" encoding="utf-8"?>
+<p:sld xmlns:a="http://schemas.openxmlformats.org/drawingml/2006/main" xmlns:r="http://schemas.openxmlformats.org/officeDocument/2006/relationships" xmlns:p="http://schemas.openxmlformats.org/presentationml/2006/main">
+  <p:cSld>
+    <p:spTree>
+      <p:nvGrpSpPr>
+        <p:cNvPr id="1" name=""/>
+        <p:cNvGrpSpPr/>
+        <p:nvPr/>
+      </p:nvGrpSpPr>
+      <p:grpSpPr>
+        <a:xfrm>
+          <a:off x="0" y="0"/>
+          <a:ext cx="0" cy="0"/>
+          <a:chOff x="0" y="0"/>
+          <a:chExt cx="0" cy="0"/>
+        </a:xfrm>
+      </p:grpSpPr>
+      <p:sp>
+        <p:nvSpPr>
+          <p:cNvPr id="4" name="Titel 3">
+            <a:extLst>
+              <a:ext uri="{FF2B5EF4-FFF2-40B4-BE49-F238E27FC236}">
+                <a16:creationId xmlns:a16="http://schemas.microsoft.com/office/drawing/2014/main" id="{DE2E2438-F7AB-FA72-F879-96DF03F462F1}"/>
+              </a:ext>
+            </a:extLst>
+          </p:cNvPr>
+          <p:cNvSpPr>
+            <a:spLocks noGrp="1"/>
+          </p:cNvSpPr>
+          <p:nvPr>
+            <p:ph type="title"/>
+          </p:nvPr>
+        </p:nvSpPr>
+        <p:spPr/>
+        <p:txBody>
+          <a:bodyPr/>
+          <a:lstStyle/>
+          <a:p>
+            <a:r>
+              <a:rPr lang="en-US" dirty="0" err="1"/>
+              <a:t>GitOps</a:t>
+            </a:r>
+            <a:endParaRPr lang="de-DE" dirty="0"/>
+          </a:p>
+        </p:txBody>
+      </p:sp>
+      <p:sp>
+        <p:nvSpPr>
+          <p:cNvPr id="5" name="Inhaltsplatzhalter 4">
+            <a:extLst>
+              <a:ext uri="{FF2B5EF4-FFF2-40B4-BE49-F238E27FC236}">
+                <a16:creationId xmlns:a16="http://schemas.microsoft.com/office/drawing/2014/main" id="{CEE3422D-D918-7E84-8C4D-561B54190ECC}"/>
+              </a:ext>
+            </a:extLst>
+          </p:cNvPr>
+          <p:cNvSpPr>
+            <a:spLocks noGrp="1"/>
+          </p:cNvSpPr>
+          <p:nvPr>
+            <p:ph idx="1"/>
+          </p:nvPr>
+        </p:nvSpPr>
+        <p:spPr/>
+        <p:txBody>
+          <a:bodyPr/>
+          <a:lstStyle/>
+          <a:p>
+            <a:pPr marL="0" indent="0">
+              <a:buNone/>
+            </a:pPr>
+            <a:r>
+              <a:rPr lang="de-DE" b="1" dirty="0"/>
+              <a:t>Konfiguration der Beispielanwendung</a:t>
+            </a:r>
+          </a:p>
+          <a:p>
+            <a:pPr>
+              <a:buFont typeface="Arial" panose="020B0604020202020204" pitchFamily="34" charset="0"/>
+              <a:buChar char="•"/>
+            </a:pPr>
+            <a:r>
+              <a:rPr lang="de-DE" dirty="0"/>
+              <a:t>Klonen Sie das Repository  &lt;…&gt;</a:t>
+            </a:r>
+          </a:p>
+          <a:p>
+            <a:pPr>
+              <a:buFont typeface="Arial" panose="020B0604020202020204" pitchFamily="34" charset="0"/>
+              <a:buChar char="•"/>
+            </a:pPr>
+            <a:r>
+              <a:rPr lang="de-DE" dirty="0"/>
+              <a:t>Sehen Sie sich die Konfigurationsdateien an</a:t>
+            </a:r>
+          </a:p>
+          <a:p>
+            <a:pPr>
+              <a:buFont typeface="Arial" panose="020B0604020202020204" pitchFamily="34" charset="0"/>
+              <a:buChar char="•"/>
+            </a:pPr>
+            <a:endParaRPr lang="de-DE" dirty="0"/>
+          </a:p>
+          <a:p>
+            <a:pPr marL="0" indent="0">
+              <a:buNone/>
+            </a:pPr>
+            <a:r>
+              <a:rPr lang="de-DE" b="1" dirty="0"/>
+              <a:t>Bestandteile der Konfiguration</a:t>
+            </a:r>
+          </a:p>
+          <a:p>
+            <a:pPr>
+              <a:buFont typeface="Arial" panose="020B0604020202020204" pitchFamily="34" charset="0"/>
+              <a:buChar char="•"/>
+            </a:pPr>
+            <a:r>
+              <a:rPr lang="de-DE" dirty="0" err="1"/>
+              <a:t>Dockerfile</a:t>
+            </a:r>
+            <a:r>
+              <a:rPr lang="de-DE" dirty="0"/>
+              <a:t> mit server.js beschreiben eine einfache Webanwendung</a:t>
+            </a:r>
+          </a:p>
+          <a:p>
+            <a:pPr>
+              <a:buFont typeface="Arial" panose="020B0604020202020204" pitchFamily="34" charset="0"/>
+              <a:buChar char="•"/>
+            </a:pPr>
+            <a:r>
+              <a:rPr lang="de-DE" dirty="0"/>
+              <a:t>.</a:t>
+            </a:r>
+            <a:r>
+              <a:rPr lang="de-DE" dirty="0" err="1"/>
+              <a:t>gitlab-ci.yml</a:t>
+            </a:r>
+            <a:r>
+              <a:rPr lang="de-DE" dirty="0"/>
+              <a:t> lässt </a:t>
+            </a:r>
+            <a:r>
+              <a:rPr lang="de-DE" dirty="0" err="1"/>
+              <a:t>Gitlab</a:t>
+            </a:r>
+            <a:r>
+              <a:rPr lang="de-DE" dirty="0"/>
+              <a:t> daraus ein Image bauen und es ins </a:t>
+            </a:r>
+            <a:r>
+              <a:rPr lang="de-DE" dirty="0" err="1"/>
+              <a:t>Gitlab</a:t>
+            </a:r>
+            <a:r>
+              <a:rPr lang="de-DE" dirty="0"/>
+              <a:t>-Repository pushen</a:t>
+            </a:r>
+          </a:p>
+          <a:p>
+            <a:pPr>
+              <a:buFont typeface="Arial" panose="020B0604020202020204" pitchFamily="34" charset="0"/>
+              <a:buChar char="•"/>
+            </a:pPr>
+            <a:r>
+              <a:rPr lang="de-DE" dirty="0"/>
+              <a:t>Der Ordner </a:t>
+            </a:r>
+            <a:r>
+              <a:rPr lang="de-DE" i="1" dirty="0"/>
+              <a:t>manifest</a:t>
+            </a:r>
+            <a:r>
+              <a:rPr lang="de-DE" dirty="0"/>
+              <a:t> enthält die </a:t>
+            </a:r>
+            <a:r>
+              <a:rPr lang="de-DE" dirty="0" err="1"/>
+              <a:t>Kubernetes</a:t>
+            </a:r>
+            <a:r>
+              <a:rPr lang="de-DE" dirty="0"/>
+              <a:t>-Konfiguration für ein </a:t>
+            </a:r>
+            <a:r>
+              <a:rPr lang="de-DE" dirty="0" err="1"/>
+              <a:t>Deployment</a:t>
+            </a:r>
+            <a:r>
+              <a:rPr lang="de-DE" dirty="0"/>
+              <a:t> und einen Service, um die Anwendung auf dem Cluster laufen zu lassen</a:t>
+            </a:r>
+          </a:p>
+          <a:p>
+            <a:pPr marL="0" indent="0">
+              <a:buNone/>
+            </a:pPr>
+            <a:endParaRPr lang="de-DE" dirty="0"/>
+          </a:p>
+          <a:p>
+            <a:pPr marL="0" indent="0">
+              <a:buNone/>
+            </a:pPr>
+            <a:endParaRPr lang="de-DE" dirty="0"/>
+          </a:p>
+          <a:p>
+            <a:pPr marL="0" indent="0">
+              <a:buNone/>
+            </a:pPr>
+            <a:endParaRPr lang="de-DE" b="1" dirty="0"/>
+          </a:p>
+          <a:p>
+            <a:pPr>
+              <a:buFont typeface="Arial" panose="020B0604020202020204" pitchFamily="34" charset="0"/>
+              <a:buChar char="•"/>
+            </a:pPr>
+            <a:endParaRPr lang="de-DE" dirty="0"/>
+          </a:p>
+          <a:p>
+            <a:pPr>
+              <a:buFont typeface="Arial" panose="020B0604020202020204" pitchFamily="34" charset="0"/>
+              <a:buChar char="•"/>
+            </a:pPr>
+            <a:r>
+              <a:rPr lang="de-DE" dirty="0"/>
+              <a:t>Pushen sie es in Ihr </a:t>
+            </a:r>
+            <a:r>
+              <a:rPr lang="de-DE" dirty="0" err="1"/>
+              <a:t>Gitlab</a:t>
+            </a:r>
+            <a:r>
+              <a:rPr lang="de-DE" dirty="0"/>
+              <a:t> Remote</a:t>
+            </a:r>
+          </a:p>
+          <a:p>
+            <a:pPr>
+              <a:buFont typeface="Arial" panose="020B0604020202020204" pitchFamily="34" charset="0"/>
+              <a:buChar char="•"/>
+            </a:pPr>
+            <a:endParaRPr lang="de-DE" dirty="0"/>
+          </a:p>
+          <a:p>
+            <a:pPr>
+              <a:buFont typeface="Arial" panose="020B0604020202020204" pitchFamily="34" charset="0"/>
+              <a:buChar char="•"/>
+            </a:pPr>
+            <a:endParaRPr lang="de-DE" dirty="0"/>
+          </a:p>
+          <a:p>
+            <a:pPr>
+              <a:buFont typeface="Arial" panose="020B0604020202020204" pitchFamily="34" charset="0"/>
+              <a:buChar char="•"/>
+            </a:pPr>
+            <a:endParaRPr lang="de-DE" dirty="0"/>
+          </a:p>
+          <a:p>
+            <a:pPr>
+              <a:buFont typeface="Arial" panose="020B0604020202020204" pitchFamily="34" charset="0"/>
+              <a:buChar char="•"/>
+            </a:pPr>
+            <a:endParaRPr lang="de-DE" dirty="0"/>
+          </a:p>
+          <a:p>
+            <a:pPr lvl="1">
+              <a:buFont typeface="Arial" panose="020B0604020202020204" pitchFamily="34" charset="0"/>
+              <a:buChar char="•"/>
+            </a:pPr>
+            <a:endParaRPr lang="de-DE" dirty="0"/>
+          </a:p>
+        </p:txBody>
+      </p:sp>
+    </p:spTree>
+    <p:extLst>
+      <p:ext uri="{BB962C8B-B14F-4D97-AF65-F5344CB8AC3E}">
+        <p14:creationId xmlns:p14="http://schemas.microsoft.com/office/powerpoint/2010/main" val="1673885758"/>
+      </p:ext>
+    </p:extLst>
+  </p:cSld>
+  <p:clrMapOvr>
+    <a:masterClrMapping/>
+  </p:clrMapOvr>
+</p:sld>
+</file>
+
+<file path=ppt/slides/slide36.xml><?xml version="1.0" encoding="utf-8"?>
+<p:sld xmlns:a="http://schemas.openxmlformats.org/drawingml/2006/main" xmlns:r="http://schemas.openxmlformats.org/officeDocument/2006/relationships" xmlns:p="http://schemas.openxmlformats.org/presentationml/2006/main">
+  <p:cSld>
+    <p:spTree>
+      <p:nvGrpSpPr>
+        <p:cNvPr id="1" name=""/>
+        <p:cNvGrpSpPr/>
+        <p:nvPr/>
+      </p:nvGrpSpPr>
+      <p:grpSpPr>
+        <a:xfrm>
+          <a:off x="0" y="0"/>
+          <a:ext cx="0" cy="0"/>
+          <a:chOff x="0" y="0"/>
+          <a:chExt cx="0" cy="0"/>
+        </a:xfrm>
+      </p:grpSpPr>
+      <p:sp>
+        <p:nvSpPr>
+          <p:cNvPr id="4" name="Titel 3">
+            <a:extLst>
+              <a:ext uri="{FF2B5EF4-FFF2-40B4-BE49-F238E27FC236}">
+                <a16:creationId xmlns:a16="http://schemas.microsoft.com/office/drawing/2014/main" id="{DE2E2438-F7AB-FA72-F879-96DF03F462F1}"/>
+              </a:ext>
+            </a:extLst>
+          </p:cNvPr>
+          <p:cNvSpPr>
+            <a:spLocks noGrp="1"/>
+          </p:cNvSpPr>
+          <p:nvPr>
+            <p:ph type="title"/>
+          </p:nvPr>
+        </p:nvSpPr>
+        <p:spPr/>
+        <p:txBody>
+          <a:bodyPr/>
+          <a:lstStyle/>
+          <a:p>
+            <a:r>
+              <a:rPr lang="en-US" dirty="0" err="1"/>
+              <a:t>GitOps</a:t>
+            </a:r>
+            <a:endParaRPr lang="de-DE" dirty="0"/>
+          </a:p>
+        </p:txBody>
+      </p:sp>
+      <p:sp>
+        <p:nvSpPr>
+          <p:cNvPr id="5" name="Inhaltsplatzhalter 4">
+            <a:extLst>
+              <a:ext uri="{FF2B5EF4-FFF2-40B4-BE49-F238E27FC236}">
+                <a16:creationId xmlns:a16="http://schemas.microsoft.com/office/drawing/2014/main" id="{CEE3422D-D918-7E84-8C4D-561B54190ECC}"/>
+              </a:ext>
+            </a:extLst>
+          </p:cNvPr>
+          <p:cNvSpPr>
+            <a:spLocks noGrp="1"/>
+          </p:cNvSpPr>
+          <p:nvPr>
+            <p:ph idx="1"/>
+          </p:nvPr>
+        </p:nvSpPr>
+        <p:spPr/>
+        <p:txBody>
+          <a:bodyPr/>
+          <a:lstStyle/>
+          <a:p>
+            <a:pPr marL="0" indent="0">
+              <a:buNone/>
+            </a:pPr>
+            <a:r>
+              <a:rPr lang="de-DE" b="1" dirty="0"/>
+              <a:t>Einstellung des Docker-Images</a:t>
+            </a:r>
+          </a:p>
+          <a:p>
+            <a:pPr>
+              <a:buFont typeface="Arial" panose="020B0604020202020204" pitchFamily="34" charset="0"/>
+              <a:buChar char="•"/>
+            </a:pPr>
+            <a:r>
+              <a:rPr lang="de-DE" dirty="0"/>
+              <a:t>Pushen Sie den Inhalt des geklonten </a:t>
+            </a:r>
+            <a:r>
+              <a:rPr lang="de-DE" dirty="0" err="1"/>
+              <a:t>Repositories</a:t>
+            </a:r>
+            <a:r>
+              <a:rPr lang="de-DE" dirty="0"/>
+              <a:t> auf Ihr in </a:t>
+            </a:r>
+            <a:r>
+              <a:rPr lang="de-DE" dirty="0" err="1"/>
+              <a:t>Gitlab</a:t>
+            </a:r>
+            <a:r>
+              <a:rPr lang="de-DE" dirty="0"/>
+              <a:t> erstelltes Repository</a:t>
+            </a:r>
+          </a:p>
+          <a:p>
+            <a:pPr>
+              <a:buFont typeface="Arial" panose="020B0604020202020204" pitchFamily="34" charset="0"/>
+              <a:buChar char="•"/>
+            </a:pPr>
+            <a:r>
+              <a:rPr lang="de-DE" dirty="0"/>
+              <a:t>Prüfen Sie die </a:t>
+            </a:r>
+            <a:r>
+              <a:rPr lang="de-DE" dirty="0" err="1"/>
+              <a:t>Gitlab</a:t>
+            </a:r>
+            <a:r>
+              <a:rPr lang="de-DE" dirty="0"/>
+              <a:t> Container Registry auf das Image</a:t>
+            </a:r>
+          </a:p>
+          <a:p>
+            <a:pPr lvl="1">
+              <a:buFont typeface="Arial" panose="020B0604020202020204" pitchFamily="34" charset="0"/>
+              <a:buChar char="•"/>
+            </a:pPr>
+            <a:r>
+              <a:rPr lang="de-DE" dirty="0"/>
+              <a:t>Das Image wird von der CI-Pipeline erstellt</a:t>
+            </a:r>
+          </a:p>
+          <a:p>
+            <a:pPr>
+              <a:buFont typeface="Arial" panose="020B0604020202020204" pitchFamily="34" charset="0"/>
+              <a:buChar char="•"/>
+            </a:pPr>
+            <a:r>
+              <a:rPr lang="de-DE" dirty="0"/>
+              <a:t>Tragen Sie in </a:t>
+            </a:r>
+            <a:r>
+              <a:rPr lang="de-DE" dirty="0" err="1"/>
+              <a:t>app.yaml</a:t>
+            </a:r>
+            <a:r>
+              <a:rPr lang="de-DE" dirty="0"/>
+              <a:t> das Image ein (in </a:t>
+            </a:r>
+            <a:r>
+              <a:rPr lang="de-DE" dirty="0" err="1"/>
+              <a:t>Gitlab</a:t>
+            </a:r>
+            <a:r>
+              <a:rPr lang="de-DE" dirty="0"/>
+              <a:t>)</a:t>
+            </a:r>
+          </a:p>
+          <a:p>
+            <a:pPr lvl="1">
+              <a:buFont typeface="Arial" panose="020B0604020202020204" pitchFamily="34" charset="0"/>
+              <a:buChar char="•"/>
+            </a:pPr>
+            <a:endParaRPr lang="de-DE" dirty="0"/>
+          </a:p>
+        </p:txBody>
+      </p:sp>
+      <p:pic>
+        <p:nvPicPr>
+          <p:cNvPr id="3" name="Grafik 2" descr="Ein Bild, das Text, Screenshot, Schrift, Algebra enthält.">
+            <a:extLst>
+              <a:ext uri="{FF2B5EF4-FFF2-40B4-BE49-F238E27FC236}">
+                <a16:creationId xmlns:a16="http://schemas.microsoft.com/office/drawing/2014/main" id="{8DEE222C-7CA8-35B7-70B7-B5EEB1864D98}"/>
+              </a:ext>
+            </a:extLst>
+          </p:cNvPr>
+          <p:cNvPicPr>
+            <a:picLocks noChangeAspect="1"/>
+          </p:cNvPicPr>
+          <p:nvPr/>
+        </p:nvPicPr>
+        <p:blipFill>
+          <a:blip r:embed="rId3">
+            <a:extLst>
+              <a:ext uri="{28A0092B-C50C-407E-A947-70E740481C1C}">
+                <a14:useLocalDpi xmlns:a14="http://schemas.microsoft.com/office/drawing/2010/main" val="0"/>
+              </a:ext>
+            </a:extLst>
+          </a:blip>
+          <a:stretch>
+            <a:fillRect/>
+          </a:stretch>
+        </p:blipFill>
+        <p:spPr>
+          <a:xfrm>
+            <a:off x="755576" y="3789039"/>
+            <a:ext cx="6858651" cy="2087885"/>
+          </a:xfrm>
+          <a:prstGeom prst="rect">
+            <a:avLst/>
+          </a:prstGeom>
+        </p:spPr>
+      </p:pic>
+    </p:spTree>
+    <p:extLst>
+      <p:ext uri="{BB962C8B-B14F-4D97-AF65-F5344CB8AC3E}">
+        <p14:creationId xmlns:p14="http://schemas.microsoft.com/office/powerpoint/2010/main" val="55794115"/>
+      </p:ext>
+    </p:extLst>
+  </p:cSld>
+  <p:clrMapOvr>
+    <a:masterClrMapping/>
+  </p:clrMapOvr>
+</p:sld>
+</file>
+
+<file path=ppt/slides/slide37.xml><?xml version="1.0" encoding="utf-8"?>
+<p:sld xmlns:a="http://schemas.openxmlformats.org/drawingml/2006/main" xmlns:r="http://schemas.openxmlformats.org/officeDocument/2006/relationships" xmlns:p="http://schemas.openxmlformats.org/presentationml/2006/main">
+  <p:cSld>
+    <p:spTree>
+      <p:nvGrpSpPr>
+        <p:cNvPr id="1" name=""/>
+        <p:cNvGrpSpPr/>
+        <p:nvPr/>
+      </p:nvGrpSpPr>
+      <p:grpSpPr>
+        <a:xfrm>
+          <a:off x="0" y="0"/>
+          <a:ext cx="0" cy="0"/>
+          <a:chOff x="0" y="0"/>
+          <a:chExt cx="0" cy="0"/>
+        </a:xfrm>
+      </p:grpSpPr>
+      <p:sp>
+        <p:nvSpPr>
+          <p:cNvPr id="4" name="Titel 3">
+            <a:extLst>
+              <a:ext uri="{FF2B5EF4-FFF2-40B4-BE49-F238E27FC236}">
+                <a16:creationId xmlns:a16="http://schemas.microsoft.com/office/drawing/2014/main" id="{DE2E2438-F7AB-FA72-F879-96DF03F462F1}"/>
+              </a:ext>
+            </a:extLst>
+          </p:cNvPr>
+          <p:cNvSpPr>
+            <a:spLocks noGrp="1"/>
+          </p:cNvSpPr>
+          <p:nvPr>
+            <p:ph type="title"/>
+          </p:nvPr>
+        </p:nvSpPr>
+        <p:spPr/>
+        <p:txBody>
+          <a:bodyPr/>
+          <a:lstStyle/>
+          <a:p>
+            <a:r>
+              <a:rPr lang="en-US" dirty="0" err="1"/>
+              <a:t>GitOps</a:t>
+            </a:r>
+            <a:endParaRPr lang="de-DE" dirty="0"/>
+          </a:p>
+        </p:txBody>
+      </p:sp>
+      <p:sp>
+        <p:nvSpPr>
+          <p:cNvPr id="5" name="Inhaltsplatzhalter 4">
+            <a:extLst>
+              <a:ext uri="{FF2B5EF4-FFF2-40B4-BE49-F238E27FC236}">
+                <a16:creationId xmlns:a16="http://schemas.microsoft.com/office/drawing/2014/main" id="{CEE3422D-D918-7E84-8C4D-561B54190ECC}"/>
+              </a:ext>
+            </a:extLst>
+          </p:cNvPr>
+          <p:cNvSpPr>
+            <a:spLocks noGrp="1"/>
+          </p:cNvSpPr>
+          <p:nvPr>
+            <p:ph idx="1"/>
+          </p:nvPr>
+        </p:nvSpPr>
+        <p:spPr>
+          <a:xfrm>
+            <a:off x="303213" y="981075"/>
+            <a:ext cx="8589267" cy="5400675"/>
+          </a:xfrm>
+        </p:spPr>
+        <p:txBody>
+          <a:bodyPr/>
+          <a:lstStyle/>
+          <a:p>
+            <a:pPr marL="0" indent="0">
+              <a:buNone/>
+            </a:pPr>
+            <a:r>
+              <a:rPr lang="de-DE" b="1" dirty="0"/>
+              <a:t>Bootstrap der Anwendung mit </a:t>
+            </a:r>
+            <a:r>
+              <a:rPr lang="de-DE" b="1" dirty="0" err="1"/>
+              <a:t>Flux</a:t>
+            </a:r>
+            <a:endParaRPr lang="de-DE" b="1" dirty="0"/>
+          </a:p>
+          <a:p>
+            <a:pPr>
+              <a:buFont typeface="Arial" panose="020B0604020202020204" pitchFamily="34" charset="0"/>
+              <a:buChar char="•"/>
+            </a:pPr>
+            <a:r>
+              <a:rPr lang="de-DE" dirty="0"/>
+              <a:t>Erstellen Sie sich in </a:t>
+            </a:r>
+            <a:r>
+              <a:rPr lang="de-DE" dirty="0" err="1"/>
+              <a:t>Gitlab</a:t>
+            </a:r>
+            <a:r>
+              <a:rPr lang="de-DE" dirty="0"/>
+              <a:t> ein Personal Access Token mit vollen „</a:t>
+            </a:r>
+            <a:r>
+              <a:rPr lang="de-DE" dirty="0" err="1"/>
+              <a:t>api</a:t>
+            </a:r>
+            <a:r>
+              <a:rPr lang="de-DE" dirty="0"/>
+              <a:t>“ Rechten</a:t>
+            </a:r>
+          </a:p>
+          <a:p>
+            <a:pPr lvl="1">
+              <a:buFont typeface="Arial" panose="020B0604020202020204" pitchFamily="34" charset="0"/>
+              <a:buChar char="•"/>
+            </a:pPr>
+            <a:r>
+              <a:rPr lang="de-DE" dirty="0"/>
+              <a:t>Unter Edit Profile -&gt; Access Tokens</a:t>
+            </a:r>
+          </a:p>
+          <a:p>
+            <a:pPr lvl="1">
+              <a:buFont typeface="Arial" panose="020B0604020202020204" pitchFamily="34" charset="0"/>
+              <a:buChar char="•"/>
+            </a:pPr>
+            <a:r>
+              <a:rPr lang="de-DE" dirty="0">
+                <a:hlinkClick r:id="rId3"/>
+              </a:rPr>
+              <a:t>https://docs.gitlab.com/ee/user/profile/personal_access_tokens.html</a:t>
+            </a:r>
+            <a:endParaRPr lang="de-DE" dirty="0"/>
+          </a:p>
+          <a:p>
+            <a:pPr>
+              <a:buFont typeface="Arial" panose="020B0604020202020204" pitchFamily="34" charset="0"/>
+              <a:buChar char="•"/>
+            </a:pPr>
+            <a:r>
+              <a:rPr lang="de-DE" dirty="0"/>
+              <a:t>Laden Sie die Anwendung mit </a:t>
+            </a:r>
+            <a:r>
+              <a:rPr lang="de-DE" dirty="0" err="1"/>
+              <a:t>Flux</a:t>
+            </a:r>
+            <a:r>
+              <a:rPr lang="de-DE" dirty="0"/>
+              <a:t> in den Cluster:</a:t>
+            </a:r>
+          </a:p>
+          <a:p>
+            <a:pPr>
+              <a:buFont typeface="Arial" panose="020B0604020202020204" pitchFamily="34" charset="0"/>
+              <a:buChar char="•"/>
+            </a:pPr>
+            <a:endParaRPr lang="de-DE" dirty="0"/>
+          </a:p>
+          <a:p>
+            <a:pPr>
+              <a:buFont typeface="Arial" panose="020B0604020202020204" pitchFamily="34" charset="0"/>
+              <a:buChar char="•"/>
+            </a:pPr>
+            <a:endParaRPr lang="de-DE" dirty="0"/>
+          </a:p>
+          <a:p>
+            <a:pPr>
+              <a:buFont typeface="Arial" panose="020B0604020202020204" pitchFamily="34" charset="0"/>
+              <a:buChar char="•"/>
+            </a:pPr>
+            <a:endParaRPr lang="de-DE" dirty="0"/>
+          </a:p>
+          <a:p>
+            <a:pPr>
+              <a:buFont typeface="Arial" panose="020B0604020202020204" pitchFamily="34" charset="0"/>
+              <a:buChar char="•"/>
+            </a:pPr>
+            <a:endParaRPr lang="de-DE" dirty="0"/>
+          </a:p>
+          <a:p>
+            <a:pPr>
+              <a:buFont typeface="Arial" panose="020B0604020202020204" pitchFamily="34" charset="0"/>
+              <a:buChar char="•"/>
+            </a:pPr>
+            <a:endParaRPr lang="de-DE" dirty="0"/>
+          </a:p>
+          <a:p>
+            <a:pPr>
+              <a:buFont typeface="Arial" panose="020B0604020202020204" pitchFamily="34" charset="0"/>
+              <a:buChar char="•"/>
+            </a:pPr>
+            <a:r>
+              <a:rPr lang="de-DE" dirty="0"/>
+              <a:t>Sie werden aufgefordert, Ihr Access Token einzugeben</a:t>
+            </a:r>
+          </a:p>
+          <a:p>
+            <a:pPr>
+              <a:buFont typeface="Arial" panose="020B0604020202020204" pitchFamily="34" charset="0"/>
+              <a:buChar char="•"/>
+            </a:pPr>
+            <a:endParaRPr lang="de-DE" dirty="0"/>
+          </a:p>
+        </p:txBody>
+      </p:sp>
+      <p:sp>
+        <p:nvSpPr>
+          <p:cNvPr id="2" name="Textfeld 1">
+            <a:extLst>
+              <a:ext uri="{FF2B5EF4-FFF2-40B4-BE49-F238E27FC236}">
+                <a16:creationId xmlns:a16="http://schemas.microsoft.com/office/drawing/2014/main" id="{F6A4E5D5-7350-7285-A9C7-20E502137789}"/>
+              </a:ext>
+            </a:extLst>
+          </p:cNvPr>
+          <p:cNvSpPr txBox="1"/>
+          <p:nvPr/>
+        </p:nvSpPr>
+        <p:spPr bwMode="auto">
+          <a:xfrm>
+            <a:off x="755576" y="3451412"/>
+            <a:ext cx="7416824" cy="1938992"/>
+          </a:xfrm>
+          <a:prstGeom prst="rect">
+            <a:avLst/>
+          </a:prstGeom>
+          <a:noFill/>
+          <a:ln w="9525">
+            <a:noFill/>
+            <a:miter lim="800000"/>
+            <a:headEnd/>
+            <a:tailEnd/>
+          </a:ln>
+        </p:spPr>
+        <p:txBody>
+          <a:bodyPr wrap="square" rtlCol="0" anchor="ctr">
+            <a:spAutoFit/>
+          </a:bodyPr>
+          <a:lstStyle/>
+          <a:p>
+            <a:pPr eaLnBrk="1" hangingPunct="1"/>
+            <a:r>
+              <a:rPr lang="de-DE" dirty="0" err="1">
+                <a:latin typeface="Aptos" panose="020B0004020202020204" pitchFamily="34" charset="0"/>
+              </a:rPr>
+              <a:t>flux</a:t>
+            </a:r>
+            <a:r>
+              <a:rPr lang="de-DE" dirty="0">
+                <a:latin typeface="Aptos" panose="020B0004020202020204" pitchFamily="34" charset="0"/>
+              </a:rPr>
+              <a:t> </a:t>
+            </a:r>
+            <a:r>
+              <a:rPr lang="de-DE" dirty="0" err="1">
+                <a:latin typeface="Aptos" panose="020B0004020202020204" pitchFamily="34" charset="0"/>
+              </a:rPr>
+              <a:t>bootstrap</a:t>
+            </a:r>
+            <a:r>
+              <a:rPr lang="de-DE" dirty="0">
+                <a:latin typeface="Aptos" panose="020B0004020202020204" pitchFamily="34" charset="0"/>
+              </a:rPr>
+              <a:t> </a:t>
+            </a:r>
+            <a:r>
+              <a:rPr lang="de-DE" dirty="0" err="1">
+                <a:latin typeface="Aptos" panose="020B0004020202020204" pitchFamily="34" charset="0"/>
+              </a:rPr>
+              <a:t>gitlab</a:t>
+            </a:r>
+            <a:r>
+              <a:rPr lang="de-DE" dirty="0">
+                <a:latin typeface="Aptos" panose="020B0004020202020204" pitchFamily="34" charset="0"/>
+              </a:rPr>
+              <a:t> --deploy-token-</a:t>
+            </a:r>
+            <a:r>
+              <a:rPr lang="de-DE" dirty="0" err="1">
+                <a:latin typeface="Aptos" panose="020B0004020202020204" pitchFamily="34" charset="0"/>
+              </a:rPr>
+              <a:t>auth</a:t>
+            </a:r>
+            <a:r>
+              <a:rPr lang="de-DE" dirty="0">
+                <a:latin typeface="Aptos" panose="020B0004020202020204" pitchFamily="34" charset="0"/>
+              </a:rPr>
+              <a:t> \</a:t>
+            </a:r>
+          </a:p>
+          <a:p>
+            <a:pPr eaLnBrk="1" hangingPunct="1"/>
+            <a:r>
+              <a:rPr lang="de-DE" dirty="0">
+                <a:latin typeface="Aptos" panose="020B0004020202020204" pitchFamily="34" charset="0"/>
+              </a:rPr>
+              <a:t>--</a:t>
+            </a:r>
+            <a:r>
+              <a:rPr lang="de-DE" dirty="0" err="1">
+                <a:latin typeface="Aptos" panose="020B0004020202020204" pitchFamily="34" charset="0"/>
+              </a:rPr>
+              <a:t>owner</a:t>
+            </a:r>
+            <a:r>
+              <a:rPr lang="de-DE" dirty="0">
+                <a:latin typeface="Aptos" panose="020B0004020202020204" pitchFamily="34" charset="0"/>
+              </a:rPr>
+              <a:t>=&lt;</a:t>
+            </a:r>
+            <a:r>
+              <a:rPr lang="de-DE" dirty="0" err="1">
+                <a:latin typeface="Aptos" panose="020B0004020202020204" pitchFamily="34" charset="0"/>
+              </a:rPr>
+              <a:t>groupId</a:t>
+            </a:r>
+            <a:r>
+              <a:rPr lang="de-DE" dirty="0">
+                <a:latin typeface="Aptos" panose="020B0004020202020204" pitchFamily="34" charset="0"/>
+              </a:rPr>
+              <a:t>&gt;</a:t>
+            </a:r>
+          </a:p>
+          <a:p>
+            <a:pPr eaLnBrk="1" hangingPunct="1"/>
+            <a:r>
+              <a:rPr lang="de-DE" dirty="0">
+                <a:latin typeface="Aptos" panose="020B0004020202020204" pitchFamily="34" charset="0"/>
+              </a:rPr>
+              <a:t>--</a:t>
+            </a:r>
+            <a:r>
+              <a:rPr lang="de-DE" dirty="0" err="1">
+                <a:latin typeface="Aptos" panose="020B0004020202020204" pitchFamily="34" charset="0"/>
+              </a:rPr>
+              <a:t>repository</a:t>
+            </a:r>
+            <a:r>
+              <a:rPr lang="de-DE" dirty="0">
+                <a:latin typeface="Aptos" panose="020B0004020202020204" pitchFamily="34" charset="0"/>
+              </a:rPr>
+              <a:t>=&lt;</a:t>
+            </a:r>
+            <a:r>
+              <a:rPr lang="de-DE" dirty="0" err="1">
+                <a:latin typeface="Aptos" panose="020B0004020202020204" pitchFamily="34" charset="0"/>
+              </a:rPr>
+              <a:t>repositoryName</a:t>
+            </a:r>
+            <a:r>
+              <a:rPr lang="de-DE" dirty="0">
+                <a:latin typeface="Aptos" panose="020B0004020202020204" pitchFamily="34" charset="0"/>
+              </a:rPr>
+              <a:t>&gt;</a:t>
+            </a:r>
+          </a:p>
+          <a:p>
+            <a:pPr eaLnBrk="1" hangingPunct="1"/>
+            <a:r>
+              <a:rPr lang="de-DE" dirty="0">
+                <a:latin typeface="Aptos" panose="020B0004020202020204" pitchFamily="34" charset="0"/>
+              </a:rPr>
+              <a:t>--</a:t>
+            </a:r>
+            <a:r>
+              <a:rPr lang="de-DE" dirty="0" err="1">
+                <a:latin typeface="Aptos" panose="020B0004020202020204" pitchFamily="34" charset="0"/>
+              </a:rPr>
+              <a:t>path</a:t>
+            </a:r>
+            <a:r>
+              <a:rPr lang="de-DE" dirty="0">
+                <a:latin typeface="Aptos" panose="020B0004020202020204" pitchFamily="34" charset="0"/>
+              </a:rPr>
+              <a:t>=</a:t>
+            </a:r>
+            <a:r>
+              <a:rPr lang="de-DE" dirty="0" err="1">
+                <a:latin typeface="Aptos" panose="020B0004020202020204" pitchFamily="34" charset="0"/>
+              </a:rPr>
+              <a:t>manifests</a:t>
+            </a:r>
+            <a:endParaRPr lang="de-DE" dirty="0">
+              <a:latin typeface="Aptos" panose="020B0004020202020204" pitchFamily="34" charset="0"/>
+            </a:endParaRPr>
+          </a:p>
+          <a:p>
+            <a:pPr eaLnBrk="1" hangingPunct="1"/>
+            <a:r>
+              <a:rPr lang="de-DE" dirty="0">
+                <a:latin typeface="Aptos" panose="020B0004020202020204" pitchFamily="34" charset="0"/>
+              </a:rPr>
+              <a:t>--</a:t>
+            </a:r>
+            <a:r>
+              <a:rPr lang="de-DE" dirty="0" err="1">
+                <a:latin typeface="Aptos" panose="020B0004020202020204" pitchFamily="34" charset="0"/>
+              </a:rPr>
+              <a:t>branch</a:t>
+            </a:r>
+            <a:r>
+              <a:rPr lang="de-DE" dirty="0">
+                <a:latin typeface="Aptos" panose="020B0004020202020204" pitchFamily="34" charset="0"/>
+              </a:rPr>
+              <a:t>=</a:t>
+            </a:r>
+            <a:r>
+              <a:rPr lang="de-DE" dirty="0" err="1">
+                <a:latin typeface="Aptos" panose="020B0004020202020204" pitchFamily="34" charset="0"/>
+              </a:rPr>
+              <a:t>main</a:t>
+            </a:r>
+            <a:endParaRPr lang="de-DE" dirty="0">
+              <a:latin typeface="Aptos" panose="020B0004020202020204" pitchFamily="34" charset="0"/>
+            </a:endParaRPr>
+          </a:p>
+        </p:txBody>
+      </p:sp>
+    </p:spTree>
+    <p:extLst>
+      <p:ext uri="{BB962C8B-B14F-4D97-AF65-F5344CB8AC3E}">
+        <p14:creationId xmlns:p14="http://schemas.microsoft.com/office/powerpoint/2010/main" val="622714256"/>
+      </p:ext>
+    </p:extLst>
+  </p:cSld>
+  <p:clrMapOvr>
+    <a:masterClrMapping/>
+  </p:clrMapOvr>
+</p:sld>
+</file>
+
+<file path=ppt/slides/slide38.xml><?xml version="1.0" encoding="utf-8"?>
+<p:sld xmlns:a="http://schemas.openxmlformats.org/drawingml/2006/main" xmlns:r="http://schemas.openxmlformats.org/officeDocument/2006/relationships" xmlns:p="http://schemas.openxmlformats.org/presentationml/2006/main">
+  <p:cSld>
+    <p:spTree>
+      <p:nvGrpSpPr>
+        <p:cNvPr id="1" name=""/>
+        <p:cNvGrpSpPr/>
+        <p:nvPr/>
+      </p:nvGrpSpPr>
+      <p:grpSpPr>
+        <a:xfrm>
+          <a:off x="0" y="0"/>
+          <a:ext cx="0" cy="0"/>
+          <a:chOff x="0" y="0"/>
+          <a:chExt cx="0" cy="0"/>
+        </a:xfrm>
+      </p:grpSpPr>
+      <p:sp>
+        <p:nvSpPr>
+          <p:cNvPr id="4" name="Titel 3">
+            <a:extLst>
+              <a:ext uri="{FF2B5EF4-FFF2-40B4-BE49-F238E27FC236}">
+                <a16:creationId xmlns:a16="http://schemas.microsoft.com/office/drawing/2014/main" id="{DE2E2438-F7AB-FA72-F879-96DF03F462F1}"/>
+              </a:ext>
+            </a:extLst>
+          </p:cNvPr>
+          <p:cNvSpPr>
+            <a:spLocks noGrp="1"/>
+          </p:cNvSpPr>
+          <p:nvPr>
+            <p:ph type="title"/>
+          </p:nvPr>
+        </p:nvSpPr>
+        <p:spPr/>
+        <p:txBody>
+          <a:bodyPr/>
+          <a:lstStyle/>
+          <a:p>
+            <a:r>
+              <a:rPr lang="en-US" dirty="0" err="1"/>
+              <a:t>GitOps</a:t>
+            </a:r>
+            <a:endParaRPr lang="de-DE" dirty="0"/>
+          </a:p>
+        </p:txBody>
+      </p:sp>
+      <p:sp>
+        <p:nvSpPr>
+          <p:cNvPr id="5" name="Inhaltsplatzhalter 4">
+            <a:extLst>
+              <a:ext uri="{FF2B5EF4-FFF2-40B4-BE49-F238E27FC236}">
+                <a16:creationId xmlns:a16="http://schemas.microsoft.com/office/drawing/2014/main" id="{CEE3422D-D918-7E84-8C4D-561B54190ECC}"/>
+              </a:ext>
+            </a:extLst>
+          </p:cNvPr>
+          <p:cNvSpPr>
+            <a:spLocks noGrp="1"/>
+          </p:cNvSpPr>
+          <p:nvPr>
+            <p:ph idx="1"/>
+          </p:nvPr>
+        </p:nvSpPr>
+        <p:spPr/>
+        <p:txBody>
+          <a:bodyPr/>
+          <a:lstStyle/>
+          <a:p>
+            <a:pPr marL="0" indent="0">
+              <a:buNone/>
+            </a:pPr>
+            <a:r>
+              <a:rPr lang="de-DE" b="1" dirty="0"/>
+              <a:t>Überprüfen des </a:t>
+            </a:r>
+            <a:r>
+              <a:rPr lang="de-DE" b="1" dirty="0" err="1"/>
+              <a:t>Deployments</a:t>
+            </a:r>
+            <a:endParaRPr lang="de-DE" b="1" dirty="0"/>
+          </a:p>
+          <a:p>
+            <a:pPr>
+              <a:buFont typeface="Arial" panose="020B0604020202020204" pitchFamily="34" charset="0"/>
+              <a:buChar char="•"/>
+            </a:pPr>
+            <a:r>
+              <a:rPr lang="de-DE" dirty="0"/>
+              <a:t>Status von </a:t>
+            </a:r>
+            <a:r>
+              <a:rPr lang="de-DE" dirty="0" err="1"/>
+              <a:t>Flux</a:t>
+            </a:r>
+            <a:r>
+              <a:rPr lang="de-DE" dirty="0"/>
+              <a:t> prüfen</a:t>
+            </a:r>
+          </a:p>
+          <a:p>
+            <a:pPr lvl="1">
+              <a:buFont typeface="Arial" panose="020B0604020202020204" pitchFamily="34" charset="0"/>
+              <a:buChar char="•"/>
+            </a:pPr>
+            <a:r>
+              <a:rPr lang="de-DE" dirty="0" err="1"/>
+              <a:t>flux</a:t>
+            </a:r>
+            <a:r>
+              <a:rPr lang="de-DE" dirty="0"/>
+              <a:t> </a:t>
+            </a:r>
+            <a:r>
+              <a:rPr lang="de-DE" dirty="0" err="1"/>
+              <a:t>get</a:t>
+            </a:r>
+            <a:r>
+              <a:rPr lang="de-DE" dirty="0"/>
+              <a:t> all</a:t>
+            </a:r>
+          </a:p>
+          <a:p>
+            <a:pPr lvl="1">
+              <a:buFont typeface="Arial" panose="020B0604020202020204" pitchFamily="34" charset="0"/>
+              <a:buChar char="•"/>
+            </a:pPr>
+            <a:r>
+              <a:rPr lang="de-DE" dirty="0"/>
+              <a:t>Es sollte einen Eintrag der Art „</a:t>
+            </a:r>
+            <a:r>
+              <a:rPr lang="de-DE" dirty="0" err="1"/>
+              <a:t>gitrepository</a:t>
+            </a:r>
+            <a:r>
+              <a:rPr lang="de-DE" dirty="0"/>
+              <a:t>/</a:t>
+            </a:r>
+            <a:r>
+              <a:rPr lang="de-DE" dirty="0" err="1"/>
+              <a:t>flux</a:t>
+            </a:r>
+            <a:r>
+              <a:rPr lang="de-DE" dirty="0"/>
+              <a:t>-system“ geben, dessen Revision der Hash des </a:t>
+            </a:r>
+            <a:r>
+              <a:rPr lang="de-DE" dirty="0" err="1"/>
+              <a:t>Git-Commits</a:t>
+            </a:r>
+            <a:r>
+              <a:rPr lang="de-DE" dirty="0"/>
+              <a:t> ist</a:t>
+            </a:r>
+          </a:p>
+          <a:p>
+            <a:pPr>
+              <a:buFont typeface="Arial" panose="020B0604020202020204" pitchFamily="34" charset="0"/>
+              <a:buChar char="•"/>
+            </a:pPr>
+            <a:r>
+              <a:rPr lang="de-DE" dirty="0"/>
+              <a:t>Status von </a:t>
+            </a:r>
+            <a:r>
+              <a:rPr lang="de-DE" dirty="0" err="1"/>
+              <a:t>Kubernetes</a:t>
+            </a:r>
+            <a:r>
+              <a:rPr lang="de-DE" dirty="0"/>
+              <a:t> prüfen</a:t>
+            </a:r>
+          </a:p>
+          <a:p>
+            <a:pPr lvl="1">
+              <a:buFont typeface="Arial" panose="020B0604020202020204" pitchFamily="34" charset="0"/>
+              <a:buChar char="•"/>
+            </a:pPr>
+            <a:r>
+              <a:rPr lang="de-DE" dirty="0" err="1"/>
+              <a:t>kubectl</a:t>
+            </a:r>
+            <a:r>
+              <a:rPr lang="de-DE" dirty="0"/>
+              <a:t> </a:t>
+            </a:r>
+            <a:r>
+              <a:rPr lang="de-DE" dirty="0" err="1"/>
+              <a:t>get</a:t>
+            </a:r>
+            <a:r>
+              <a:rPr lang="de-DE" dirty="0"/>
+              <a:t> all</a:t>
+            </a:r>
+          </a:p>
+          <a:p>
+            <a:pPr lvl="1">
+              <a:buFont typeface="Arial" panose="020B0604020202020204" pitchFamily="34" charset="0"/>
+              <a:buChar char="•"/>
+            </a:pPr>
+            <a:r>
+              <a:rPr lang="de-DE" dirty="0" err="1"/>
+              <a:t>Kubernetes</a:t>
+            </a:r>
+            <a:r>
+              <a:rPr lang="de-DE" dirty="0"/>
+              <a:t> sollte ein </a:t>
+            </a:r>
+            <a:r>
+              <a:rPr lang="de-DE" dirty="0" err="1"/>
+              <a:t>ReplicaSet</a:t>
+            </a:r>
+            <a:r>
+              <a:rPr lang="de-DE" dirty="0"/>
+              <a:t> und 3 Pods erstellen</a:t>
+            </a:r>
+          </a:p>
+          <a:p>
+            <a:pPr lvl="1">
+              <a:buFont typeface="Arial" panose="020B0604020202020204" pitchFamily="34" charset="0"/>
+              <a:buChar char="•"/>
+            </a:pPr>
+            <a:r>
+              <a:rPr lang="de-DE" dirty="0"/>
+              <a:t>Prüfen Sie mit „</a:t>
+            </a:r>
+            <a:r>
+              <a:rPr lang="de-DE" dirty="0" err="1"/>
+              <a:t>kubectl</a:t>
+            </a:r>
+            <a:r>
+              <a:rPr lang="de-DE" dirty="0"/>
+              <a:t> </a:t>
+            </a:r>
+            <a:r>
+              <a:rPr lang="de-DE" dirty="0" err="1"/>
+              <a:t>describe</a:t>
+            </a:r>
+            <a:r>
+              <a:rPr lang="de-DE" dirty="0"/>
+              <a:t> &lt;</a:t>
+            </a:r>
+            <a:r>
+              <a:rPr lang="de-DE" dirty="0" err="1"/>
+              <a:t>podname</a:t>
+            </a:r>
+            <a:r>
+              <a:rPr lang="de-DE" dirty="0"/>
+              <a:t>&gt;“ dass die richtigen Container geladen wurden</a:t>
+            </a:r>
+          </a:p>
+          <a:p>
+            <a:pPr>
+              <a:buFont typeface="Arial" panose="020B0604020202020204" pitchFamily="34" charset="0"/>
+              <a:buChar char="•"/>
+            </a:pPr>
+            <a:r>
+              <a:rPr lang="de-DE" dirty="0"/>
+              <a:t>Webanwendung im Browser testen</a:t>
+            </a:r>
+          </a:p>
+          <a:p>
+            <a:pPr lvl="1">
+              <a:buFont typeface="Arial" panose="020B0604020202020204" pitchFamily="34" charset="0"/>
+              <a:buChar char="•"/>
+            </a:pPr>
+            <a:r>
+              <a:rPr lang="de-DE" dirty="0"/>
+              <a:t>http://localhost:3000</a:t>
+            </a:r>
+          </a:p>
+          <a:p>
+            <a:pPr lvl="1">
+              <a:buFont typeface="Arial" panose="020B0604020202020204" pitchFamily="34" charset="0"/>
+              <a:buChar char="•"/>
+            </a:pPr>
+            <a:endParaRPr lang="de-DE" dirty="0"/>
+          </a:p>
+        </p:txBody>
+      </p:sp>
+    </p:spTree>
+    <p:extLst>
+      <p:ext uri="{BB962C8B-B14F-4D97-AF65-F5344CB8AC3E}">
+        <p14:creationId xmlns:p14="http://schemas.microsoft.com/office/powerpoint/2010/main" val="2021694804"/>
+      </p:ext>
+    </p:extLst>
+  </p:cSld>
+  <p:clrMapOvr>
+    <a:masterClrMapping/>
+  </p:clrMapOvr>
+</p:sld>
+</file>
+
+<file path=ppt/slides/slide39.xml><?xml version="1.0" encoding="utf-8"?>
+<p:sld xmlns:a="http://schemas.openxmlformats.org/drawingml/2006/main" xmlns:r="http://schemas.openxmlformats.org/officeDocument/2006/relationships" xmlns:p="http://schemas.openxmlformats.org/presentationml/2006/main">
+  <p:cSld>
+    <p:spTree>
+      <p:nvGrpSpPr>
+        <p:cNvPr id="1" name=""/>
+        <p:cNvGrpSpPr/>
+        <p:nvPr/>
+      </p:nvGrpSpPr>
+      <p:grpSpPr>
+        <a:xfrm>
+          <a:off x="0" y="0"/>
+          <a:ext cx="0" cy="0"/>
+          <a:chOff x="0" y="0"/>
+          <a:chExt cx="0" cy="0"/>
+        </a:xfrm>
+      </p:grpSpPr>
+      <p:sp>
+        <p:nvSpPr>
+          <p:cNvPr id="4" name="Titel 3">
+            <a:extLst>
+              <a:ext uri="{FF2B5EF4-FFF2-40B4-BE49-F238E27FC236}">
+                <a16:creationId xmlns:a16="http://schemas.microsoft.com/office/drawing/2014/main" id="{DE2E2438-F7AB-FA72-F879-96DF03F462F1}"/>
+              </a:ext>
+            </a:extLst>
+          </p:cNvPr>
+          <p:cNvSpPr>
+            <a:spLocks noGrp="1"/>
+          </p:cNvSpPr>
+          <p:nvPr>
+            <p:ph type="title"/>
+          </p:nvPr>
+        </p:nvSpPr>
+        <p:spPr/>
+        <p:txBody>
+          <a:bodyPr/>
+          <a:lstStyle/>
+          <a:p>
+            <a:r>
+              <a:rPr lang="en-US" dirty="0" err="1"/>
+              <a:t>GitOps</a:t>
+            </a:r>
+            <a:endParaRPr lang="de-DE" dirty="0"/>
+          </a:p>
+        </p:txBody>
+      </p:sp>
+      <p:sp>
+        <p:nvSpPr>
+          <p:cNvPr id="5" name="Inhaltsplatzhalter 4">
+            <a:extLst>
+              <a:ext uri="{FF2B5EF4-FFF2-40B4-BE49-F238E27FC236}">
+                <a16:creationId xmlns:a16="http://schemas.microsoft.com/office/drawing/2014/main" id="{CEE3422D-D918-7E84-8C4D-561B54190ECC}"/>
+              </a:ext>
+            </a:extLst>
+          </p:cNvPr>
+          <p:cNvSpPr>
+            <a:spLocks noGrp="1"/>
+          </p:cNvSpPr>
+          <p:nvPr>
+            <p:ph idx="1"/>
+          </p:nvPr>
+        </p:nvSpPr>
+        <p:spPr/>
+        <p:txBody>
+          <a:bodyPr/>
+          <a:lstStyle/>
+          <a:p>
+            <a:pPr marL="0" indent="0">
+              <a:buNone/>
+            </a:pPr>
+            <a:r>
+              <a:rPr lang="de-DE" b="1" dirty="0"/>
+              <a:t>Update mittels </a:t>
+            </a:r>
+            <a:r>
+              <a:rPr lang="de-DE" b="1" dirty="0" err="1"/>
+              <a:t>GitOps</a:t>
+            </a:r>
+            <a:endParaRPr lang="de-DE" b="1" dirty="0"/>
+          </a:p>
+          <a:p>
+            <a:pPr>
+              <a:buFont typeface="Arial" panose="020B0604020202020204" pitchFamily="34" charset="0"/>
+              <a:buChar char="•"/>
+            </a:pPr>
+            <a:r>
+              <a:rPr lang="de-DE" dirty="0"/>
+              <a:t>Ändern Sie den Tag des Containers auf v2</a:t>
+            </a:r>
+          </a:p>
+          <a:p>
+            <a:pPr lvl="1">
+              <a:buFont typeface="Arial" panose="020B0604020202020204" pitchFamily="34" charset="0"/>
+              <a:buChar char="•"/>
+            </a:pPr>
+            <a:r>
+              <a:rPr lang="de-DE" dirty="0"/>
+              <a:t>Ändern in .</a:t>
+            </a:r>
+            <a:r>
+              <a:rPr lang="de-DE" dirty="0" err="1"/>
+              <a:t>gitlab-ci.yml</a:t>
+            </a:r>
+            <a:endParaRPr lang="de-DE" dirty="0"/>
+          </a:p>
+          <a:p>
+            <a:pPr lvl="1">
+              <a:buFont typeface="Arial" panose="020B0604020202020204" pitchFamily="34" charset="0"/>
+              <a:buChar char="•"/>
+            </a:pPr>
+            <a:r>
+              <a:rPr lang="de-DE" dirty="0"/>
+              <a:t>Ändern in </a:t>
+            </a:r>
+            <a:r>
+              <a:rPr lang="de-DE" dirty="0" err="1"/>
+              <a:t>manifests</a:t>
+            </a:r>
+            <a:r>
+              <a:rPr lang="de-DE" dirty="0"/>
+              <a:t>/</a:t>
+            </a:r>
+            <a:r>
+              <a:rPr lang="de-DE" dirty="0" err="1"/>
+              <a:t>app.yaml</a:t>
+            </a:r>
+            <a:endParaRPr lang="de-DE" dirty="0"/>
+          </a:p>
+          <a:p>
+            <a:pPr>
+              <a:buFont typeface="Arial" panose="020B0604020202020204" pitchFamily="34" charset="0"/>
+              <a:buChar char="•"/>
+            </a:pPr>
+            <a:r>
+              <a:rPr lang="de-DE" dirty="0"/>
+              <a:t>Ändern Sie die Nachricht in server.js zu „Hello New World“</a:t>
+            </a:r>
+          </a:p>
+          <a:p>
+            <a:pPr>
+              <a:buFont typeface="Arial" panose="020B0604020202020204" pitchFamily="34" charset="0"/>
+              <a:buChar char="•"/>
+            </a:pPr>
+            <a:r>
+              <a:rPr lang="de-DE" dirty="0"/>
+              <a:t>Pushen Sie die Änderungen in Ihr </a:t>
+            </a:r>
+            <a:r>
+              <a:rPr lang="de-DE" dirty="0" err="1"/>
+              <a:t>Gitlab</a:t>
+            </a:r>
+            <a:r>
+              <a:rPr lang="de-DE" dirty="0"/>
+              <a:t> Remote</a:t>
+            </a:r>
+          </a:p>
+          <a:p>
+            <a:pPr>
+              <a:buFont typeface="Arial" panose="020B0604020202020204" pitchFamily="34" charset="0"/>
+              <a:buChar char="•"/>
+            </a:pPr>
+            <a:r>
+              <a:rPr lang="de-DE" dirty="0"/>
+              <a:t>Warten Sie, bis die Pipeline im </a:t>
+            </a:r>
+            <a:r>
+              <a:rPr lang="de-DE" dirty="0" err="1"/>
+              <a:t>Gitlab</a:t>
+            </a:r>
+            <a:r>
+              <a:rPr lang="de-DE" dirty="0"/>
+              <a:t>-Projekt erneut durchlaufen wurde</a:t>
+            </a:r>
+          </a:p>
+          <a:p>
+            <a:pPr>
+              <a:buFont typeface="Arial" panose="020B0604020202020204" pitchFamily="34" charset="0"/>
+              <a:buChar char="•"/>
+            </a:pPr>
+            <a:r>
+              <a:rPr lang="de-DE" dirty="0"/>
+              <a:t>Prüfen Sie wie vorher den Status von </a:t>
+            </a:r>
+            <a:r>
+              <a:rPr lang="de-DE" dirty="0" err="1"/>
+              <a:t>Flux</a:t>
+            </a:r>
+            <a:endParaRPr lang="de-DE" dirty="0"/>
+          </a:p>
+          <a:p>
+            <a:pPr>
+              <a:buFont typeface="Arial" panose="020B0604020202020204" pitchFamily="34" charset="0"/>
+              <a:buChar char="•"/>
+            </a:pPr>
+            <a:r>
+              <a:rPr lang="de-DE" dirty="0"/>
+              <a:t>Beobachten Sie, wie </a:t>
+            </a:r>
+            <a:r>
+              <a:rPr lang="de-DE" dirty="0" err="1"/>
+              <a:t>Kubernetes</a:t>
+            </a:r>
+            <a:r>
+              <a:rPr lang="de-DE" dirty="0"/>
+              <a:t> das Update schrittweise durchführt (kann ggf. 1-2 Minuten dauern)</a:t>
+            </a:r>
+          </a:p>
+          <a:p>
+            <a:pPr>
+              <a:buFont typeface="Arial" panose="020B0604020202020204" pitchFamily="34" charset="0"/>
+              <a:buChar char="•"/>
+            </a:pPr>
+            <a:r>
+              <a:rPr lang="de-DE" dirty="0"/>
+              <a:t>Testen Sie die Webanwendung erneut</a:t>
+            </a:r>
+          </a:p>
+          <a:p>
+            <a:pPr marL="0" indent="0">
+              <a:buNone/>
+            </a:pPr>
+            <a:endParaRPr lang="de-DE" dirty="0"/>
+          </a:p>
+          <a:p>
+            <a:pPr marL="0" indent="0">
+              <a:buNone/>
+            </a:pPr>
+            <a:endParaRPr lang="de-DE" dirty="0"/>
+          </a:p>
+          <a:p>
+            <a:pPr marL="457200" lvl="1" indent="0">
+              <a:buNone/>
+            </a:pPr>
+            <a:endParaRPr lang="de-DE" dirty="0"/>
+          </a:p>
+        </p:txBody>
+      </p:sp>
+    </p:spTree>
+    <p:extLst>
+      <p:ext uri="{BB962C8B-B14F-4D97-AF65-F5344CB8AC3E}">
+        <p14:creationId xmlns:p14="http://schemas.microsoft.com/office/powerpoint/2010/main" val="3156084334"/>
+      </p:ext>
+    </p:extLst>
+  </p:cSld>
+  <p:clrMapOvr>
+    <a:masterClrMapping/>
+  </p:clrMapOvr>
+</p:sld>
+</file>
+
+<file path=ppt/slides/slide4.xml><?xml version="1.0" encoding="utf-8"?>
+<p:sld xmlns:a="http://schemas.openxmlformats.org/drawingml/2006/main" xmlns:r="http://schemas.openxmlformats.org/officeDocument/2006/relationships" xmlns:p="http://schemas.openxmlformats.org/presentationml/2006/main">
+  <p:cSld>
+    <p:spTree>
+      <p:nvGrpSpPr>
+        <p:cNvPr id="1" name=""/>
+        <p:cNvGrpSpPr/>
+        <p:nvPr/>
+      </p:nvGrpSpPr>
+      <p:grpSpPr>
+        <a:xfrm>
+          <a:off x="0" y="0"/>
+          <a:ext cx="0" cy="0"/>
+          <a:chOff x="0" y="0"/>
+          <a:chExt cx="0" cy="0"/>
+        </a:xfrm>
+      </p:grpSpPr>
+      <p:sp>
+        <p:nvSpPr>
+          <p:cNvPr id="2" name="Titel 1"/>
+          <p:cNvSpPr>
+            <a:spLocks noGrp="1"/>
+          </p:cNvSpPr>
+          <p:nvPr>
+            <p:ph type="title"/>
+          </p:nvPr>
+        </p:nvSpPr>
+        <p:spPr/>
+        <p:txBody>
+          <a:bodyPr/>
+          <a:lstStyle/>
+          <a:p>
+            <a:r>
+              <a:rPr lang="de-DE" cap="none" dirty="0" err="1"/>
+              <a:t>GitOps</a:t>
+            </a:r>
+            <a:endParaRPr lang="de-DE" cap="none" dirty="0"/>
+          </a:p>
+        </p:txBody>
+      </p:sp>
+      <p:sp>
+        <p:nvSpPr>
+          <p:cNvPr id="3" name="Untertitel 2"/>
+          <p:cNvSpPr>
+            <a:spLocks noGrp="1"/>
+          </p:cNvSpPr>
+          <p:nvPr>
+            <p:ph type="body" idx="1"/>
+          </p:nvPr>
+        </p:nvSpPr>
+        <p:spPr/>
+        <p:txBody>
+          <a:bodyPr/>
+          <a:lstStyle/>
+          <a:p>
+            <a:r>
+              <a:rPr lang="de-DE" dirty="0"/>
+              <a:t>Grundlagen von</a:t>
+            </a:r>
+          </a:p>
+        </p:txBody>
+      </p:sp>
+    </p:spTree>
+    <p:extLst>
+      <p:ext uri="{BB962C8B-B14F-4D97-AF65-F5344CB8AC3E}">
+        <p14:creationId xmlns:p14="http://schemas.microsoft.com/office/powerpoint/2010/main" val="614702079"/>
+      </p:ext>
+    </p:extLst>
+  </p:cSld>
+  <p:clrMapOvr>
+    <a:masterClrMapping/>
+  </p:clrMapOvr>
+</p:sld>
+</file>
+
+<file path=ppt/slides/slide40.xml><?xml version="1.0" encoding="utf-8"?>
+<p:sld xmlns:a="http://schemas.openxmlformats.org/drawingml/2006/main" xmlns:r="http://schemas.openxmlformats.org/officeDocument/2006/relationships" xmlns:p="http://schemas.openxmlformats.org/presentationml/2006/main">
+  <p:cSld>
+    <p:spTree>
+      <p:nvGrpSpPr>
+        <p:cNvPr id="1" name=""/>
+        <p:cNvGrpSpPr/>
+        <p:nvPr/>
+      </p:nvGrpSpPr>
+      <p:grpSpPr>
+        <a:xfrm>
+          <a:off x="0" y="0"/>
+          <a:ext cx="0" cy="0"/>
+          <a:chOff x="0" y="0"/>
+          <a:chExt cx="0" cy="0"/>
+        </a:xfrm>
+      </p:grpSpPr>
+      <p:sp>
+        <p:nvSpPr>
+          <p:cNvPr id="2" name="Titel 1">
+            <a:extLst>
+              <a:ext uri="{FF2B5EF4-FFF2-40B4-BE49-F238E27FC236}">
+                <a16:creationId xmlns:a16="http://schemas.microsoft.com/office/drawing/2014/main" id="{6852D978-9DF5-1E6A-F50B-0CA32EA8DAC7}"/>
+              </a:ext>
+            </a:extLst>
+          </p:cNvPr>
+          <p:cNvSpPr>
+            <a:spLocks noGrp="1"/>
+          </p:cNvSpPr>
+          <p:nvPr>
+            <p:ph type="title"/>
+          </p:nvPr>
+        </p:nvSpPr>
+        <p:spPr/>
+        <p:txBody>
+          <a:bodyPr/>
+          <a:lstStyle/>
+          <a:p>
+            <a:r>
+              <a:rPr lang="de-DE" dirty="0" err="1"/>
+              <a:t>GitOps</a:t>
+            </a:r>
+            <a:endParaRPr lang="de-DE" dirty="0"/>
+          </a:p>
+        </p:txBody>
+      </p:sp>
+      <p:pic>
+        <p:nvPicPr>
+          <p:cNvPr id="5" name="Inhaltsplatzhalter 4">
+            <a:extLst>
+              <a:ext uri="{FF2B5EF4-FFF2-40B4-BE49-F238E27FC236}">
+                <a16:creationId xmlns:a16="http://schemas.microsoft.com/office/drawing/2014/main" id="{37FD0FEF-8FFD-7132-377A-BD8E8097BBE0}"/>
+              </a:ext>
+            </a:extLst>
+          </p:cNvPr>
+          <p:cNvPicPr>
+            <a:picLocks noGrp="1" noChangeAspect="1"/>
+          </p:cNvPicPr>
+          <p:nvPr>
+            <p:ph idx="1"/>
+          </p:nvPr>
+        </p:nvPicPr>
+        <p:blipFill>
+          <a:blip r:embed="rId3">
+            <a:extLst>
+              <a:ext uri="{28A0092B-C50C-407E-A947-70E740481C1C}">
+                <a14:useLocalDpi xmlns:a14="http://schemas.microsoft.com/office/drawing/2010/main" val="0"/>
+              </a:ext>
+            </a:extLst>
+          </a:blip>
+          <a:stretch>
+            <a:fillRect/>
+          </a:stretch>
+        </p:blipFill>
+        <p:spPr>
+          <a:xfrm>
+            <a:off x="332581" y="1300162"/>
+            <a:ext cx="8458200" cy="4762500"/>
+          </a:xfrm>
+        </p:spPr>
+      </p:pic>
+    </p:spTree>
+    <p:extLst>
+      <p:ext uri="{BB962C8B-B14F-4D97-AF65-F5344CB8AC3E}">
+        <p14:creationId xmlns:p14="http://schemas.microsoft.com/office/powerpoint/2010/main" val="3210427694"/>
+      </p:ext>
+    </p:extLst>
+  </p:cSld>
+  <p:clrMapOvr>
+    <a:masterClrMapping/>
+  </p:clrMapOvr>
+</p:sld>
+</file>
+
+<file path=ppt/slides/slide41.xml><?xml version="1.0" encoding="utf-8"?>
+<p:sld xmlns:a="http://schemas.openxmlformats.org/drawingml/2006/main" xmlns:r="http://schemas.openxmlformats.org/officeDocument/2006/relationships" xmlns:p="http://schemas.openxmlformats.org/presentationml/2006/main">
+  <p:cSld>
+    <p:spTree>
+      <p:nvGrpSpPr>
+        <p:cNvPr id="1" name=""/>
+        <p:cNvGrpSpPr/>
+        <p:nvPr/>
+      </p:nvGrpSpPr>
+      <p:grpSpPr>
+        <a:xfrm>
+          <a:off x="0" y="0"/>
+          <a:ext cx="0" cy="0"/>
+          <a:chOff x="0" y="0"/>
+          <a:chExt cx="0" cy="0"/>
+        </a:xfrm>
+      </p:grpSpPr>
+      <p:sp>
+        <p:nvSpPr>
           <p:cNvPr id="2" name="Titel 1">
             <a:extLst>
               <a:ext uri="{FF2B5EF4-FFF2-40B4-BE49-F238E27FC236}">
@@ -15764,7 +18252,7 @@
 </p:sld>
 </file>
 
-<file path=ppt/slides/slide33.xml><?xml version="1.0" encoding="utf-8"?>
+<file path=ppt/slides/slide42.xml><?xml version="1.0" encoding="utf-8"?>
 <p:sld xmlns:a="http://schemas.openxmlformats.org/drawingml/2006/main" xmlns:r="http://schemas.openxmlformats.org/officeDocument/2006/relationships" xmlns:p="http://schemas.openxmlformats.org/presentationml/2006/main">
   <p:cSld>
     <p:spTree>
@@ -17282,7 +19770,7 @@
 </p:sld>
 </file>
 
-<file path=ppt/slides/slide34.xml><?xml version="1.0" encoding="utf-8"?>
+<file path=ppt/slides/slide43.xml><?xml version="1.0" encoding="utf-8"?>
 <p:sld xmlns:a="http://schemas.openxmlformats.org/drawingml/2006/main" xmlns:r="http://schemas.openxmlformats.org/officeDocument/2006/relationships" xmlns:p="http://schemas.openxmlformats.org/presentationml/2006/main">
   <p:cSld>
     <p:spTree>
@@ -19786,7 +22274,7 @@
 </p:sld>
 </file>
 
-<file path=ppt/slides/slide35.xml><?xml version="1.0" encoding="utf-8"?>
+<file path=ppt/slides/slide44.xml><?xml version="1.0" encoding="utf-8"?>
 <p:sld xmlns:a="http://schemas.openxmlformats.org/drawingml/2006/main" xmlns:r="http://schemas.openxmlformats.org/officeDocument/2006/relationships" xmlns:p="http://schemas.openxmlformats.org/presentationml/2006/main">
   <p:cSld>
     <p:spTree>
@@ -19945,7 +22433,7 @@
 </p:sld>
 </file>
 
-<file path=ppt/slides/slide36.xml><?xml version="1.0" encoding="utf-8"?>
+<file path=ppt/slides/slide45.xml><?xml version="1.0" encoding="utf-8"?>
 <p:sld xmlns:a="http://schemas.openxmlformats.org/drawingml/2006/main" xmlns:r="http://schemas.openxmlformats.org/officeDocument/2006/relationships" xmlns:p="http://schemas.openxmlformats.org/presentationml/2006/main">
   <p:cSld>
     <p:spTree>
@@ -20133,7 +22621,7 @@
 </p:sld>
 </file>
 
-<file path=ppt/slides/slide37.xml><?xml version="1.0" encoding="utf-8"?>
+<file path=ppt/slides/slide46.xml><?xml version="1.0" encoding="utf-8"?>
 <p:sld xmlns:a="http://schemas.openxmlformats.org/drawingml/2006/main" xmlns:r="http://schemas.openxmlformats.org/officeDocument/2006/relationships" xmlns:p="http://schemas.openxmlformats.org/presentationml/2006/main">
   <p:cSld>
     <p:spTree>
@@ -20343,7 +22831,7 @@
 </p:sld>
 </file>
 
-<file path=ppt/slides/slide38.xml><?xml version="1.0" encoding="utf-8"?>
+<file path=ppt/slides/slide47.xml><?xml version="1.0" encoding="utf-8"?>
 <p:sld xmlns:a="http://schemas.openxmlformats.org/drawingml/2006/main" xmlns:r="http://schemas.openxmlformats.org/officeDocument/2006/relationships" xmlns:p="http://schemas.openxmlformats.org/presentationml/2006/main">
   <p:cSld>
     <p:spTree>
@@ -20643,7 +23131,7 @@
 </p:sld>
 </file>
 
-<file path=ppt/slides/slide39.xml><?xml version="1.0" encoding="utf-8"?>
+<file path=ppt/slides/slide48.xml><?xml version="1.0" encoding="utf-8"?>
 <p:sld xmlns:a="http://schemas.openxmlformats.org/drawingml/2006/main" xmlns:r="http://schemas.openxmlformats.org/officeDocument/2006/relationships" xmlns:p="http://schemas.openxmlformats.org/presentationml/2006/main">
   <p:cSld>
     <p:spTree>
@@ -22777,82 +25265,7 @@
 </p:sld>
 </file>
 
-<file path=ppt/slides/slide4.xml><?xml version="1.0" encoding="utf-8"?>
-<p:sld xmlns:a="http://schemas.openxmlformats.org/drawingml/2006/main" xmlns:r="http://schemas.openxmlformats.org/officeDocument/2006/relationships" xmlns:p="http://schemas.openxmlformats.org/presentationml/2006/main">
-  <p:cSld>
-    <p:spTree>
-      <p:nvGrpSpPr>
-        <p:cNvPr id="1" name=""/>
-        <p:cNvGrpSpPr/>
-        <p:nvPr/>
-      </p:nvGrpSpPr>
-      <p:grpSpPr>
-        <a:xfrm>
-          <a:off x="0" y="0"/>
-          <a:ext cx="0" cy="0"/>
-          <a:chOff x="0" y="0"/>
-          <a:chExt cx="0" cy="0"/>
-        </a:xfrm>
-      </p:grpSpPr>
-      <p:sp>
-        <p:nvSpPr>
-          <p:cNvPr id="2" name="Titel 1"/>
-          <p:cNvSpPr>
-            <a:spLocks noGrp="1"/>
-          </p:cNvSpPr>
-          <p:nvPr>
-            <p:ph type="title"/>
-          </p:nvPr>
-        </p:nvSpPr>
-        <p:spPr/>
-        <p:txBody>
-          <a:bodyPr/>
-          <a:lstStyle/>
-          <a:p>
-            <a:r>
-              <a:rPr lang="de-DE" cap="none" dirty="0" err="1"/>
-              <a:t>GitOps</a:t>
-            </a:r>
-            <a:endParaRPr lang="de-DE" cap="none" dirty="0"/>
-          </a:p>
-        </p:txBody>
-      </p:sp>
-      <p:sp>
-        <p:nvSpPr>
-          <p:cNvPr id="3" name="Untertitel 2"/>
-          <p:cNvSpPr>
-            <a:spLocks noGrp="1"/>
-          </p:cNvSpPr>
-          <p:nvPr>
-            <p:ph type="body" idx="1"/>
-          </p:nvPr>
-        </p:nvSpPr>
-        <p:spPr/>
-        <p:txBody>
-          <a:bodyPr/>
-          <a:lstStyle/>
-          <a:p>
-            <a:r>
-              <a:rPr lang="de-DE" dirty="0"/>
-              <a:t>Grundlagen von</a:t>
-            </a:r>
-          </a:p>
-        </p:txBody>
-      </p:sp>
-    </p:spTree>
-    <p:extLst>
-      <p:ext uri="{BB962C8B-B14F-4D97-AF65-F5344CB8AC3E}">
-        <p14:creationId xmlns:p14="http://schemas.microsoft.com/office/powerpoint/2010/main" val="614702079"/>
-      </p:ext>
-    </p:extLst>
-  </p:cSld>
-  <p:clrMapOvr>
-    <a:masterClrMapping/>
-  </p:clrMapOvr>
-</p:sld>
-</file>
-
-<file path=ppt/slides/slide40.xml><?xml version="1.0" encoding="utf-8"?>
+<file path=ppt/slides/slide49.xml><?xml version="1.0" encoding="utf-8"?>
 <p:sld xmlns:a="http://schemas.openxmlformats.org/drawingml/2006/main" xmlns:r="http://schemas.openxmlformats.org/officeDocument/2006/relationships" xmlns:p="http://schemas.openxmlformats.org/presentationml/2006/main">
   <p:cSld>
     <p:spTree>
@@ -24515,7 +26928,101 @@
 </p:sld>
 </file>
 
-<file path=ppt/slides/slide41.xml><?xml version="1.0" encoding="utf-8"?>
+<file path=ppt/slides/slide5.xml><?xml version="1.0" encoding="utf-8"?>
+<p:sld xmlns:a="http://schemas.openxmlformats.org/drawingml/2006/main" xmlns:r="http://schemas.openxmlformats.org/officeDocument/2006/relationships" xmlns:p="http://schemas.openxmlformats.org/presentationml/2006/main">
+  <p:cSld>
+    <p:spTree>
+      <p:nvGrpSpPr>
+        <p:cNvPr id="1" name=""/>
+        <p:cNvGrpSpPr/>
+        <p:nvPr/>
+      </p:nvGrpSpPr>
+      <p:grpSpPr>
+        <a:xfrm>
+          <a:off x="0" y="0"/>
+          <a:ext cx="0" cy="0"/>
+          <a:chOff x="0" y="0"/>
+          <a:chExt cx="0" cy="0"/>
+        </a:xfrm>
+      </p:grpSpPr>
+      <p:sp>
+        <p:nvSpPr>
+          <p:cNvPr id="2" name="Titel 1">
+            <a:extLst>
+              <a:ext uri="{FF2B5EF4-FFF2-40B4-BE49-F238E27FC236}">
+                <a16:creationId xmlns:a16="http://schemas.microsoft.com/office/drawing/2014/main" id="{A2A2EB4E-4B87-3A94-66CB-0424D340A9D6}"/>
+              </a:ext>
+            </a:extLst>
+          </p:cNvPr>
+          <p:cNvSpPr>
+            <a:spLocks noGrp="1"/>
+          </p:cNvSpPr>
+          <p:nvPr>
+            <p:ph type="title"/>
+          </p:nvPr>
+        </p:nvSpPr>
+        <p:spPr/>
+        <p:txBody>
+          <a:bodyPr/>
+          <a:lstStyle/>
+          <a:p>
+            <a:r>
+              <a:rPr lang="de-DE" dirty="0" err="1"/>
+              <a:t>GitOps</a:t>
+            </a:r>
+            <a:endParaRPr lang="de-DE" dirty="0"/>
+          </a:p>
+        </p:txBody>
+      </p:sp>
+      <p:pic>
+        <p:nvPicPr>
+          <p:cNvPr id="5" name="Inhaltsplatzhalter 4">
+            <a:extLst>
+              <a:ext uri="{FF2B5EF4-FFF2-40B4-BE49-F238E27FC236}">
+                <a16:creationId xmlns:a16="http://schemas.microsoft.com/office/drawing/2014/main" id="{9FF9F4B5-3CE7-C344-77D8-1F72FD958175}"/>
+              </a:ext>
+            </a:extLst>
+          </p:cNvPr>
+          <p:cNvPicPr>
+            <a:picLocks noGrp="1" noChangeAspect="1"/>
+          </p:cNvPicPr>
+          <p:nvPr>
+            <p:ph idx="1"/>
+          </p:nvPr>
+        </p:nvPicPr>
+        <p:blipFill>
+          <a:blip r:embed="rId3">
+            <a:extLst>
+              <a:ext uri="{28A0092B-C50C-407E-A947-70E740481C1C}">
+                <a14:useLocalDpi xmlns:a14="http://schemas.microsoft.com/office/drawing/2010/main" val="0"/>
+              </a:ext>
+            </a:extLst>
+          </a:blip>
+          <a:stretch>
+            <a:fillRect/>
+          </a:stretch>
+        </p:blipFill>
+        <p:spPr>
+          <a:xfrm>
+            <a:off x="572973" y="1166239"/>
+            <a:ext cx="7977417" cy="5030346"/>
+          </a:xfrm>
+        </p:spPr>
+      </p:pic>
+    </p:spTree>
+    <p:extLst>
+      <p:ext uri="{BB962C8B-B14F-4D97-AF65-F5344CB8AC3E}">
+        <p14:creationId xmlns:p14="http://schemas.microsoft.com/office/powerpoint/2010/main" val="4011945835"/>
+      </p:ext>
+    </p:extLst>
+  </p:cSld>
+  <p:clrMapOvr>
+    <a:masterClrMapping/>
+  </p:clrMapOvr>
+</p:sld>
+</file>
+
+<file path=ppt/slides/slide50.xml><?xml version="1.0" encoding="utf-8"?>
 <p:sld xmlns:a="http://schemas.openxmlformats.org/drawingml/2006/main" xmlns:r="http://schemas.openxmlformats.org/officeDocument/2006/relationships" xmlns:p="http://schemas.openxmlformats.org/presentationml/2006/main">
   <p:cSld>
     <p:spTree>
@@ -26354,7 +28861,7 @@
 </p:sld>
 </file>
 
-<file path=ppt/slides/slide42.xml><?xml version="1.0" encoding="utf-8"?>
+<file path=ppt/slides/slide51.xml><?xml version="1.0" encoding="utf-8"?>
 <p:sld xmlns:a="http://schemas.openxmlformats.org/drawingml/2006/main" xmlns:r="http://schemas.openxmlformats.org/officeDocument/2006/relationships" xmlns:p="http://schemas.openxmlformats.org/presentationml/2006/main">
   <p:cSld>
     <p:spTree>
@@ -26535,7 +29042,7 @@
 </p:sld>
 </file>
 
-<file path=ppt/slides/slide43.xml><?xml version="1.0" encoding="utf-8"?>
+<file path=ppt/slides/slide52.xml><?xml version="1.0" encoding="utf-8"?>
 <p:sld xmlns:a="http://schemas.openxmlformats.org/drawingml/2006/main" xmlns:r="http://schemas.openxmlformats.org/officeDocument/2006/relationships" xmlns:p="http://schemas.openxmlformats.org/presentationml/2006/main">
   <p:cSld>
     <p:spTree>
@@ -28432,7 +30939,7 @@
 </p:sld>
 </file>
 
-<file path=ppt/slides/slide44.xml><?xml version="1.0" encoding="utf-8"?>
+<file path=ppt/slides/slide53.xml><?xml version="1.0" encoding="utf-8"?>
 <p:sld xmlns:a="http://schemas.openxmlformats.org/drawingml/2006/main" xmlns:r="http://schemas.openxmlformats.org/officeDocument/2006/relationships" xmlns:p="http://schemas.openxmlformats.org/presentationml/2006/main">
   <p:cSld>
     <p:spTree>
@@ -28704,7 +31211,7 @@
 </p:sld>
 </file>
 
-<file path=ppt/slides/slide45.xml><?xml version="1.0" encoding="utf-8"?>
+<file path=ppt/slides/slide54.xml><?xml version="1.0" encoding="utf-8"?>
 <p:sld xmlns:a="http://schemas.openxmlformats.org/drawingml/2006/main" xmlns:r="http://schemas.openxmlformats.org/officeDocument/2006/relationships" xmlns:p="http://schemas.openxmlformats.org/presentationml/2006/main">
   <p:cSld>
     <p:spTree>
@@ -28944,7 +31451,7 @@
 </p:sld>
 </file>
 
-<file path=ppt/slides/slide46.xml><?xml version="1.0" encoding="utf-8"?>
+<file path=ppt/slides/slide55.xml><?xml version="1.0" encoding="utf-8"?>
 <p:sld xmlns:a="http://schemas.openxmlformats.org/drawingml/2006/main" xmlns:r="http://schemas.openxmlformats.org/officeDocument/2006/relationships" xmlns:p="http://schemas.openxmlformats.org/presentationml/2006/main">
   <p:cSld>
     <p:spTree>
@@ -29029,100 +31536,6 @@
     <p:extLst>
       <p:ext uri="{BB962C8B-B14F-4D97-AF65-F5344CB8AC3E}">
         <p14:creationId xmlns:p14="http://schemas.microsoft.com/office/powerpoint/2010/main" val="2186984375"/>
-      </p:ext>
-    </p:extLst>
-  </p:cSld>
-  <p:clrMapOvr>
-    <a:masterClrMapping/>
-  </p:clrMapOvr>
-</p:sld>
-</file>
-
-<file path=ppt/slides/slide5.xml><?xml version="1.0" encoding="utf-8"?>
-<p:sld xmlns:a="http://schemas.openxmlformats.org/drawingml/2006/main" xmlns:r="http://schemas.openxmlformats.org/officeDocument/2006/relationships" xmlns:p="http://schemas.openxmlformats.org/presentationml/2006/main">
-  <p:cSld>
-    <p:spTree>
-      <p:nvGrpSpPr>
-        <p:cNvPr id="1" name=""/>
-        <p:cNvGrpSpPr/>
-        <p:nvPr/>
-      </p:nvGrpSpPr>
-      <p:grpSpPr>
-        <a:xfrm>
-          <a:off x="0" y="0"/>
-          <a:ext cx="0" cy="0"/>
-          <a:chOff x="0" y="0"/>
-          <a:chExt cx="0" cy="0"/>
-        </a:xfrm>
-      </p:grpSpPr>
-      <p:sp>
-        <p:nvSpPr>
-          <p:cNvPr id="2" name="Titel 1">
-            <a:extLst>
-              <a:ext uri="{FF2B5EF4-FFF2-40B4-BE49-F238E27FC236}">
-                <a16:creationId xmlns:a16="http://schemas.microsoft.com/office/drawing/2014/main" id="{A2A2EB4E-4B87-3A94-66CB-0424D340A9D6}"/>
-              </a:ext>
-            </a:extLst>
-          </p:cNvPr>
-          <p:cNvSpPr>
-            <a:spLocks noGrp="1"/>
-          </p:cNvSpPr>
-          <p:nvPr>
-            <p:ph type="title"/>
-          </p:nvPr>
-        </p:nvSpPr>
-        <p:spPr/>
-        <p:txBody>
-          <a:bodyPr/>
-          <a:lstStyle/>
-          <a:p>
-            <a:r>
-              <a:rPr lang="de-DE" dirty="0" err="1"/>
-              <a:t>GitOps</a:t>
-            </a:r>
-            <a:endParaRPr lang="de-DE" dirty="0"/>
-          </a:p>
-        </p:txBody>
-      </p:sp>
-      <p:pic>
-        <p:nvPicPr>
-          <p:cNvPr id="5" name="Inhaltsplatzhalter 4">
-            <a:extLst>
-              <a:ext uri="{FF2B5EF4-FFF2-40B4-BE49-F238E27FC236}">
-                <a16:creationId xmlns:a16="http://schemas.microsoft.com/office/drawing/2014/main" id="{9FF9F4B5-3CE7-C344-77D8-1F72FD958175}"/>
-              </a:ext>
-            </a:extLst>
-          </p:cNvPr>
-          <p:cNvPicPr>
-            <a:picLocks noGrp="1" noChangeAspect="1"/>
-          </p:cNvPicPr>
-          <p:nvPr>
-            <p:ph idx="1"/>
-          </p:nvPr>
-        </p:nvPicPr>
-        <p:blipFill>
-          <a:blip r:embed="rId3">
-            <a:extLst>
-              <a:ext uri="{28A0092B-C50C-407E-A947-70E740481C1C}">
-                <a14:useLocalDpi xmlns:a14="http://schemas.microsoft.com/office/drawing/2010/main" val="0"/>
-              </a:ext>
-            </a:extLst>
-          </a:blip>
-          <a:stretch>
-            <a:fillRect/>
-          </a:stretch>
-        </p:blipFill>
-        <p:spPr>
-          <a:xfrm>
-            <a:off x="572973" y="1166239"/>
-            <a:ext cx="7977417" cy="5030346"/>
-          </a:xfrm>
-        </p:spPr>
-      </p:pic>
-    </p:spTree>
-    <p:extLst>
-      <p:ext uri="{BB962C8B-B14F-4D97-AF65-F5344CB8AC3E}">
-        <p14:creationId xmlns:p14="http://schemas.microsoft.com/office/powerpoint/2010/main" val="4011945835"/>
       </p:ext>
     </p:extLst>
   </p:cSld>

--- a/slides/Tag-3_4-GitOps.pptx
+++ b/slides/Tag-3_4-GitOps.pptx
@@ -7673,7 +7673,7 @@
               <a:pPr algn="ctr">
                 <a:defRPr/>
               </a:pPr>
-              <a:t>23.08.2024</a:t>
+              <a:t>26.08.2024</a:t>
             </a:fld>
             <a:endParaRPr lang="de-DE" sz="1000">
               <a:solidFill>
@@ -16689,7 +16689,23 @@
             </a:pPr>
             <a:r>
               <a:rPr lang="de-DE" dirty="0"/>
-              <a:t>Klonen Sie das Repository  &lt;…&gt;</a:t>
+              <a:t>Klonen Sie das Repository</a:t>
+            </a:r>
+          </a:p>
+          <a:p>
+            <a:pPr lvl="1">
+              <a:buFont typeface="Arial" panose="020B0604020202020204" pitchFamily="34" charset="0"/>
+              <a:buChar char="•"/>
+            </a:pPr>
+            <a:r>
+              <a:rPr lang="de-DE" dirty="0">
+                <a:hlinkClick r:id="rId3"/>
+              </a:rPr>
+              <a:t>https://github.com/anderscore-gmbh/gitlab-gitops-uebung </a:t>
+            </a:r>
+            <a:r>
+              <a:rPr lang="de-DE" dirty="0"/>
+              <a:t> </a:t>
             </a:r>
           </a:p>
           <a:p>
@@ -16703,9 +16719,8 @@
             </a:r>
           </a:p>
           <a:p>
-            <a:pPr>
-              <a:buFont typeface="Arial" panose="020B0604020202020204" pitchFamily="34" charset="0"/>
-              <a:buChar char="•"/>
+            <a:pPr marL="0" indent="0">
+              <a:buNone/>
             </a:pPr>
             <a:endParaRPr lang="de-DE" dirty="0"/>
           </a:p>

--- a/slides/Tag-3_4-GitOps.pptx
+++ b/slides/Tag-3_4-GitOps.pptx
@@ -7586,7 +7586,7 @@
               <a:pPr algn="ctr">
                 <a:defRPr/>
               </a:pPr>
-              <a:t>06.09.24</a:t>
+              <a:t>20.09.2024</a:t>
             </a:fld>
             <a:endParaRPr lang="de-DE" sz="1000">
               <a:solidFill>
